--- a/Lecture Slides/VideoLectureSlides/15.4.pptx
+++ b/Lecture Slides/VideoLectureSlides/15.4.pptx
@@ -5,7 +5,7 @@
     <p:sldMasterId id="2147483660" r:id="rId4"/>
   </p:sldMasterIdLst>
   <p:notesMasterIdLst>
-    <p:notesMasterId r:id="rId18"/>
+    <p:notesMasterId r:id="rId15"/>
   </p:notesMasterIdLst>
   <p:sldIdLst>
     <p:sldId id="256" r:id="rId5"/>
@@ -18,9 +18,6 @@
     <p:sldId id="295" r:id="rId12"/>
     <p:sldId id="268" r:id="rId13"/>
     <p:sldId id="287" r:id="rId14"/>
-    <p:sldId id="263" r:id="rId15"/>
-    <p:sldId id="296" r:id="rId16"/>
-    <p:sldId id="297" r:id="rId17"/>
   </p:sldIdLst>
   <p:sldSz cx="9144000" cy="6858000" type="screen4x3"/>
   <p:notesSz cx="6858000" cy="9144000"/>
@@ -234,7 +231,7 @@
           <a:p>
             <a:fld id="{1AA1AB63-216F-4D5B-8811-CCB935E98D4A}" type="datetimeFigureOut">
               <a:rPr lang="en-US" smtClean="0"/>
-              <a:t>1/13/2022</a:t>
+              <a:t>7/31/2023</a:t>
             </a:fld>
             <a:endParaRPr lang="en-US" dirty="0"/>
           </a:p>
@@ -3684,7 +3681,7 @@
           <a:p>
             <a:r>
               <a:rPr lang="en-US" dirty="0"/>
-              <a:t>Rigid Body Surface Impact</a:t>
+              <a:t>Free Rigid Body Collisions</a:t>
             </a:r>
           </a:p>
         </p:txBody>
@@ -3803,529 +3800,6 @@
     <p:extLst>
       <p:ext uri="{BB962C8B-B14F-4D97-AF65-F5344CB8AC3E}">
         <p14:creationId xmlns:p14="http://schemas.microsoft.com/office/powerpoint/2010/main" val="3129637585"/>
-      </p:ext>
-    </p:extLst>
-  </p:cSld>
-  <p:clrMapOvr>
-    <a:masterClrMapping/>
-  </p:clrMapOvr>
-</p:sld>
-</file>
-
-<file path=ppt/slides/slide11.xml><?xml version="1.0" encoding="utf-8"?>
-<p:sld xmlns:a="http://schemas.openxmlformats.org/drawingml/2006/main" xmlns:r="http://schemas.openxmlformats.org/officeDocument/2006/relationships" xmlns:p="http://schemas.openxmlformats.org/presentationml/2006/main">
-  <p:cSld>
-    <p:spTree>
-      <p:nvGrpSpPr>
-        <p:cNvPr id="1" name=""/>
-        <p:cNvGrpSpPr/>
-        <p:nvPr/>
-      </p:nvGrpSpPr>
-      <p:grpSpPr>
-        <a:xfrm>
-          <a:off x="0" y="0"/>
-          <a:ext cx="0" cy="0"/>
-          <a:chOff x="0" y="0"/>
-          <a:chExt cx="0" cy="0"/>
-        </a:xfrm>
-      </p:grpSpPr>
-      <p:pic>
-        <p:nvPicPr>
-          <p:cNvPr id="6" name="Picture 2" descr="Problem 1 Diagram">
-            <a:extLst>
-              <a:ext uri="{FF2B5EF4-FFF2-40B4-BE49-F238E27FC236}">
-                <a16:creationId xmlns:a16="http://schemas.microsoft.com/office/drawing/2014/main" id="{214E94F3-502E-41FC-9069-12A8023B4A2F}"/>
-              </a:ext>
-            </a:extLst>
-          </p:cNvPr>
-          <p:cNvPicPr>
-            <a:picLocks noChangeAspect="1" noChangeArrowheads="1"/>
-          </p:cNvPicPr>
-          <p:nvPr/>
-        </p:nvPicPr>
-        <p:blipFill>
-          <a:blip r:embed="rId2">
-            <a:extLst>
-              <a:ext uri="{28A0092B-C50C-407E-A947-70E740481C1C}">
-                <a14:useLocalDpi xmlns:a14="http://schemas.microsoft.com/office/drawing/2010/main" val="0"/>
-              </a:ext>
-            </a:extLst>
-          </a:blip>
-          <a:srcRect/>
-          <a:stretch>
-            <a:fillRect/>
-          </a:stretch>
-        </p:blipFill>
-        <p:spPr bwMode="auto">
-          <a:xfrm>
-            <a:off x="2590801" y="3429000"/>
-            <a:ext cx="4400550" cy="3388424"/>
-          </a:xfrm>
-          <a:prstGeom prst="rect">
-            <a:avLst/>
-          </a:prstGeom>
-          <a:noFill/>
-          <a:extLst>
-            <a:ext uri="{909E8E84-426E-40DD-AFC4-6F175D3DCCD1}">
-              <a14:hiddenFill xmlns:a14="http://schemas.microsoft.com/office/drawing/2010/main">
-                <a:solidFill>
-                  <a:srgbClr val="FFFFFF"/>
-                </a:solidFill>
-              </a14:hiddenFill>
-            </a:ext>
-          </a:extLst>
-        </p:spPr>
-      </p:pic>
-      <p:sp>
-        <p:nvSpPr>
-          <p:cNvPr id="2" name="Title 1"/>
-          <p:cNvSpPr>
-            <a:spLocks noGrp="1"/>
-          </p:cNvSpPr>
-          <p:nvPr>
-            <p:ph type="title"/>
-          </p:nvPr>
-        </p:nvSpPr>
-        <p:spPr/>
-        <p:txBody>
-          <a:bodyPr>
-            <a:normAutofit/>
-          </a:bodyPr>
-          <a:lstStyle/>
-          <a:p>
-            <a:r>
-              <a:rPr lang="en-US" dirty="0"/>
-              <a:t>Worked Example</a:t>
-            </a:r>
-          </a:p>
-        </p:txBody>
-      </p:sp>
-      <p:sp>
-        <p:nvSpPr>
-          <p:cNvPr id="3" name="Content Placeholder 2"/>
-          <p:cNvSpPr>
-            <a:spLocks noGrp="1"/>
-          </p:cNvSpPr>
-          <p:nvPr>
-            <p:ph idx="1"/>
-          </p:nvPr>
-        </p:nvSpPr>
-        <p:spPr>
-          <a:xfrm>
-            <a:off x="457200" y="1600201"/>
-            <a:ext cx="8534400" cy="2362200"/>
-          </a:xfrm>
-        </p:spPr>
-        <p:txBody>
-          <a:bodyPr>
-            <a:normAutofit fontScale="92500" lnSpcReduction="10000"/>
-          </a:bodyPr>
-          <a:lstStyle/>
-          <a:p>
-            <a:r>
-              <a:rPr lang="en-US" dirty="0"/>
-              <a:t>An 80 centimeter long 1 kilogram metal bar falling at 2 meters per second strikes the edge of a table as shown below. Assuming a coefficient of restitution of .9, what is the expected velocity and angular velocity of the bar after impact?</a:t>
-            </a:r>
-          </a:p>
-        </p:txBody>
-      </p:sp>
-      <p:sp>
-        <p:nvSpPr>
-          <p:cNvPr id="4" name="Slide Number Placeholder 3"/>
-          <p:cNvSpPr>
-            <a:spLocks noGrp="1"/>
-          </p:cNvSpPr>
-          <p:nvPr>
-            <p:ph type="sldNum" sz="quarter" idx="12"/>
-          </p:nvPr>
-        </p:nvSpPr>
-        <p:spPr/>
-        <p:txBody>
-          <a:bodyPr/>
-          <a:lstStyle/>
-          <a:p>
-            <a:fld id="{929262FE-7F58-4A1E-8AF3-5A510A86DEBD}" type="slidenum">
-              <a:rPr lang="en-US" smtClean="0"/>
-              <a:t>11</a:t>
-            </a:fld>
-            <a:endParaRPr lang="en-US"/>
-          </a:p>
-        </p:txBody>
-      </p:sp>
-    </p:spTree>
-    <p:extLst>
-      <p:ext uri="{BB962C8B-B14F-4D97-AF65-F5344CB8AC3E}">
-        <p14:creationId xmlns:p14="http://schemas.microsoft.com/office/powerpoint/2010/main" val="510980581"/>
-      </p:ext>
-    </p:extLst>
-  </p:cSld>
-  <p:clrMapOvr>
-    <a:masterClrMapping/>
-  </p:clrMapOvr>
-</p:sld>
-</file>
-
-<file path=ppt/slides/slide12.xml><?xml version="1.0" encoding="utf-8"?>
-<p:sld xmlns:a="http://schemas.openxmlformats.org/drawingml/2006/main" xmlns:r="http://schemas.openxmlformats.org/officeDocument/2006/relationships" xmlns:p="http://schemas.openxmlformats.org/presentationml/2006/main">
-  <p:cSld>
-    <p:spTree>
-      <p:nvGrpSpPr>
-        <p:cNvPr id="1" name=""/>
-        <p:cNvGrpSpPr/>
-        <p:nvPr/>
-      </p:nvGrpSpPr>
-      <p:grpSpPr>
-        <a:xfrm>
-          <a:off x="0" y="0"/>
-          <a:ext cx="0" cy="0"/>
-          <a:chOff x="0" y="0"/>
-          <a:chExt cx="0" cy="0"/>
-        </a:xfrm>
-      </p:grpSpPr>
-      <p:sp>
-        <p:nvSpPr>
-          <p:cNvPr id="2" name="Title 1"/>
-          <p:cNvSpPr>
-            <a:spLocks noGrp="1"/>
-          </p:cNvSpPr>
-          <p:nvPr>
-            <p:ph type="title"/>
-          </p:nvPr>
-        </p:nvSpPr>
-        <p:spPr/>
-        <p:txBody>
-          <a:bodyPr>
-            <a:normAutofit/>
-          </a:bodyPr>
-          <a:lstStyle/>
-          <a:p>
-            <a:r>
-              <a:rPr lang="en-US" dirty="0"/>
-              <a:t>Worked Example</a:t>
-            </a:r>
-          </a:p>
-        </p:txBody>
-      </p:sp>
-      <p:sp>
-        <p:nvSpPr>
-          <p:cNvPr id="3" name="Content Placeholder 2"/>
-          <p:cNvSpPr>
-            <a:spLocks noGrp="1"/>
-          </p:cNvSpPr>
-          <p:nvPr>
-            <p:ph idx="1"/>
-          </p:nvPr>
-        </p:nvSpPr>
-        <p:spPr>
-          <a:xfrm>
-            <a:off x="457200" y="1600201"/>
-            <a:ext cx="8534400" cy="2362200"/>
-          </a:xfrm>
-        </p:spPr>
-        <p:txBody>
-          <a:bodyPr>
-            <a:normAutofit fontScale="77500" lnSpcReduction="20000"/>
-          </a:bodyPr>
-          <a:lstStyle/>
-          <a:p>
-            <a:r>
-              <a:rPr lang="en-US" b="0" i="0" dirty="0">
-                <a:solidFill>
-                  <a:srgbClr val="000000"/>
-                </a:solidFill>
-                <a:effectLst/>
-                <a:latin typeface="Arial" panose="020B0604020202020204" pitchFamily="34" charset="0"/>
-              </a:rPr>
-              <a:t>The square crate (dimensions a x a = 0.8 m x 0.8 m, mass m = 20 kg) has an initial angular velocity just before impact of ω</a:t>
-            </a:r>
-            <a:r>
-              <a:rPr lang="en-US" b="0" i="0" baseline="-25000" dirty="0">
-                <a:solidFill>
-                  <a:srgbClr val="000000"/>
-                </a:solidFill>
-                <a:effectLst/>
-                <a:latin typeface="Arial" panose="020B0604020202020204" pitchFamily="34" charset="0"/>
-              </a:rPr>
-              <a:t>1</a:t>
-            </a:r>
-            <a:r>
-              <a:rPr lang="en-US" b="0" i="0" dirty="0">
-                <a:solidFill>
-                  <a:srgbClr val="000000"/>
-                </a:solidFill>
-                <a:effectLst/>
-                <a:latin typeface="Arial" panose="020B0604020202020204" pitchFamily="34" charset="0"/>
-              </a:rPr>
-              <a:t> = 4 rad/s. It impacts the ground at corner B (perfectly plastic impact). Determine the angle, θ, through which the crate will rotate upwards and the percentage of energy lost in the impact. Assume friction prevents slipping throughout.</a:t>
-            </a:r>
-            <a:endParaRPr lang="en-US" dirty="0"/>
-          </a:p>
-        </p:txBody>
-      </p:sp>
-      <p:sp>
-        <p:nvSpPr>
-          <p:cNvPr id="4" name="Slide Number Placeholder 3"/>
-          <p:cNvSpPr>
-            <a:spLocks noGrp="1"/>
-          </p:cNvSpPr>
-          <p:nvPr>
-            <p:ph type="sldNum" sz="quarter" idx="12"/>
-          </p:nvPr>
-        </p:nvSpPr>
-        <p:spPr/>
-        <p:txBody>
-          <a:bodyPr/>
-          <a:lstStyle/>
-          <a:p>
-            <a:fld id="{929262FE-7F58-4A1E-8AF3-5A510A86DEBD}" type="slidenum">
-              <a:rPr lang="en-US" smtClean="0"/>
-              <a:t>12</a:t>
-            </a:fld>
-            <a:endParaRPr lang="en-US"/>
-          </a:p>
-        </p:txBody>
-      </p:sp>
-      <p:pic>
-        <p:nvPicPr>
-          <p:cNvPr id="1026" name="Picture 2" descr="Problem 2 Diagram">
-            <a:extLst>
-              <a:ext uri="{FF2B5EF4-FFF2-40B4-BE49-F238E27FC236}">
-                <a16:creationId xmlns:a16="http://schemas.microsoft.com/office/drawing/2014/main" id="{21B38B40-8279-4037-94BE-48EFC1D61B77}"/>
-              </a:ext>
-            </a:extLst>
-          </p:cNvPr>
-          <p:cNvPicPr>
-            <a:picLocks noChangeAspect="1" noChangeArrowheads="1"/>
-          </p:cNvPicPr>
-          <p:nvPr/>
-        </p:nvPicPr>
-        <p:blipFill>
-          <a:blip r:embed="rId2" cstate="print">
-            <a:extLst>
-              <a:ext uri="{28A0092B-C50C-407E-A947-70E740481C1C}">
-                <a14:useLocalDpi xmlns:a14="http://schemas.microsoft.com/office/drawing/2010/main" val="0"/>
-              </a:ext>
-            </a:extLst>
-          </a:blip>
-          <a:srcRect/>
-          <a:stretch>
-            <a:fillRect/>
-          </a:stretch>
-        </p:blipFill>
-        <p:spPr bwMode="auto">
-          <a:xfrm>
-            <a:off x="990600" y="3715067"/>
-            <a:ext cx="7315200" cy="2795270"/>
-          </a:xfrm>
-          <a:prstGeom prst="rect">
-            <a:avLst/>
-          </a:prstGeom>
-          <a:noFill/>
-          <a:extLst>
-            <a:ext uri="{909E8E84-426E-40DD-AFC4-6F175D3DCCD1}">
-              <a14:hiddenFill xmlns:a14="http://schemas.microsoft.com/office/drawing/2010/main">
-                <a:solidFill>
-                  <a:srgbClr val="FFFFFF"/>
-                </a:solidFill>
-              </a14:hiddenFill>
-            </a:ext>
-          </a:extLst>
-        </p:spPr>
-      </p:pic>
-    </p:spTree>
-    <p:extLst>
-      <p:ext uri="{BB962C8B-B14F-4D97-AF65-F5344CB8AC3E}">
-        <p14:creationId xmlns:p14="http://schemas.microsoft.com/office/powerpoint/2010/main" val="1063381861"/>
-      </p:ext>
-    </p:extLst>
-  </p:cSld>
-  <p:clrMapOvr>
-    <a:masterClrMapping/>
-  </p:clrMapOvr>
-</p:sld>
-</file>
-
-<file path=ppt/slides/slide13.xml><?xml version="1.0" encoding="utf-8"?>
-<p:sld xmlns:a="http://schemas.openxmlformats.org/drawingml/2006/main" xmlns:r="http://schemas.openxmlformats.org/officeDocument/2006/relationships" xmlns:p="http://schemas.openxmlformats.org/presentationml/2006/main">
-  <p:cSld>
-    <p:spTree>
-      <p:nvGrpSpPr>
-        <p:cNvPr id="1" name=""/>
-        <p:cNvGrpSpPr/>
-        <p:nvPr/>
-      </p:nvGrpSpPr>
-      <p:grpSpPr>
-        <a:xfrm>
-          <a:off x="0" y="0"/>
-          <a:ext cx="0" cy="0"/>
-          <a:chOff x="0" y="0"/>
-          <a:chExt cx="0" cy="0"/>
-        </a:xfrm>
-      </p:grpSpPr>
-      <p:sp>
-        <p:nvSpPr>
-          <p:cNvPr id="2" name="Title 1"/>
-          <p:cNvSpPr>
-            <a:spLocks noGrp="1"/>
-          </p:cNvSpPr>
-          <p:nvPr>
-            <p:ph type="title"/>
-          </p:nvPr>
-        </p:nvSpPr>
-        <p:spPr/>
-        <p:txBody>
-          <a:bodyPr>
-            <a:normAutofit/>
-          </a:bodyPr>
-          <a:lstStyle/>
-          <a:p>
-            <a:r>
-              <a:rPr lang="en-US" dirty="0"/>
-              <a:t>Worked Example</a:t>
-            </a:r>
-          </a:p>
-        </p:txBody>
-      </p:sp>
-      <p:sp>
-        <p:nvSpPr>
-          <p:cNvPr id="3" name="Content Placeholder 2"/>
-          <p:cNvSpPr>
-            <a:spLocks noGrp="1"/>
-          </p:cNvSpPr>
-          <p:nvPr>
-            <p:ph idx="1"/>
-          </p:nvPr>
-        </p:nvSpPr>
-        <p:spPr>
-          <a:xfrm>
-            <a:off x="457200" y="1600201"/>
-            <a:ext cx="8534400" cy="1828799"/>
-          </a:xfrm>
-        </p:spPr>
-        <p:txBody>
-          <a:bodyPr>
-            <a:normAutofit fontScale="85000" lnSpcReduction="20000"/>
-          </a:bodyPr>
-          <a:lstStyle/>
-          <a:p>
-            <a:r>
-              <a:rPr lang="en-US" b="0" i="0" dirty="0">
-                <a:solidFill>
-                  <a:srgbClr val="000000"/>
-                </a:solidFill>
-                <a:effectLst/>
-                <a:latin typeface="Arial" panose="020B0604020202020204" pitchFamily="34" charset="0"/>
-              </a:rPr>
-              <a:t>The rod AB (length L = 2 m, mass 15 kg) falls from rest from an initial angle of θ = 30 degrees. It impacts the corner C (b = 1.3 m). Determine the angular velocity, ω, and the velocity of the rod’s center of gravity, </a:t>
-            </a:r>
-            <a:r>
-              <a:rPr lang="en-US" b="0" i="0" dirty="0" err="1">
-                <a:solidFill>
-                  <a:srgbClr val="000000"/>
-                </a:solidFill>
-                <a:effectLst/>
-                <a:latin typeface="Arial" panose="020B0604020202020204" pitchFamily="34" charset="0"/>
-              </a:rPr>
-              <a:t>v</a:t>
-            </a:r>
-            <a:r>
-              <a:rPr lang="en-US" b="0" i="0" baseline="-25000" dirty="0" err="1">
-                <a:solidFill>
-                  <a:srgbClr val="000000"/>
-                </a:solidFill>
-                <a:effectLst/>
-                <a:latin typeface="Arial" panose="020B0604020202020204" pitchFamily="34" charset="0"/>
-              </a:rPr>
-              <a:t>G</a:t>
-            </a:r>
-            <a:r>
-              <a:rPr lang="en-US" b="0" i="0" dirty="0">
-                <a:solidFill>
-                  <a:srgbClr val="000000"/>
-                </a:solidFill>
-                <a:effectLst/>
-                <a:latin typeface="Arial" panose="020B0604020202020204" pitchFamily="34" charset="0"/>
-              </a:rPr>
-              <a:t>, just after impact.</a:t>
-            </a:r>
-            <a:endParaRPr lang="en-US" dirty="0"/>
-          </a:p>
-        </p:txBody>
-      </p:sp>
-      <p:sp>
-        <p:nvSpPr>
-          <p:cNvPr id="4" name="Slide Number Placeholder 3"/>
-          <p:cNvSpPr>
-            <a:spLocks noGrp="1"/>
-          </p:cNvSpPr>
-          <p:nvPr>
-            <p:ph type="sldNum" sz="quarter" idx="12"/>
-          </p:nvPr>
-        </p:nvSpPr>
-        <p:spPr/>
-        <p:txBody>
-          <a:bodyPr/>
-          <a:lstStyle/>
-          <a:p>
-            <a:fld id="{929262FE-7F58-4A1E-8AF3-5A510A86DEBD}" type="slidenum">
-              <a:rPr lang="en-US" smtClean="0"/>
-              <a:t>13</a:t>
-            </a:fld>
-            <a:endParaRPr lang="en-US"/>
-          </a:p>
-        </p:txBody>
-      </p:sp>
-      <p:pic>
-        <p:nvPicPr>
-          <p:cNvPr id="2050" name="Picture 2" descr="Problem 1 Diagram">
-            <a:extLst>
-              <a:ext uri="{FF2B5EF4-FFF2-40B4-BE49-F238E27FC236}">
-                <a16:creationId xmlns:a16="http://schemas.microsoft.com/office/drawing/2014/main" id="{C5109D76-2B31-4F89-8AB5-A4B1D326D8A7}"/>
-              </a:ext>
-            </a:extLst>
-          </p:cNvPr>
-          <p:cNvPicPr>
-            <a:picLocks noChangeAspect="1" noChangeArrowheads="1"/>
-          </p:cNvPicPr>
-          <p:nvPr/>
-        </p:nvPicPr>
-        <p:blipFill>
-          <a:blip r:embed="rId2" cstate="print">
-            <a:extLst>
-              <a:ext uri="{28A0092B-C50C-407E-A947-70E740481C1C}">
-                <a14:useLocalDpi xmlns:a14="http://schemas.microsoft.com/office/drawing/2010/main" val="0"/>
-              </a:ext>
-            </a:extLst>
-          </a:blip>
-          <a:srcRect/>
-          <a:stretch>
-            <a:fillRect/>
-          </a:stretch>
-        </p:blipFill>
-        <p:spPr bwMode="auto">
-          <a:xfrm>
-            <a:off x="2609851" y="3744889"/>
-            <a:ext cx="3657600" cy="3025820"/>
-          </a:xfrm>
-          <a:prstGeom prst="rect">
-            <a:avLst/>
-          </a:prstGeom>
-          <a:noFill/>
-          <a:extLst>
-            <a:ext uri="{909E8E84-426E-40DD-AFC4-6F175D3DCCD1}">
-              <a14:hiddenFill xmlns:a14="http://schemas.microsoft.com/office/drawing/2010/main">
-                <a:solidFill>
-                  <a:srgbClr val="FFFFFF"/>
-                </a:solidFill>
-              </a14:hiddenFill>
-            </a:ext>
-          </a:extLst>
-        </p:spPr>
-      </p:pic>
-    </p:spTree>
-    <p:extLst>
-      <p:ext uri="{BB962C8B-B14F-4D97-AF65-F5344CB8AC3E}">
-        <p14:creationId xmlns:p14="http://schemas.microsoft.com/office/powerpoint/2010/main" val="3658034458"/>
       </p:ext>
     </p:extLst>
   </p:cSld>
@@ -9101,21 +8575,6 @@
 </file>
 
 <file path=customXml/item1.xml><?xml version="1.0" encoding="utf-8"?>
-<?mso-contentType ?>
-<FormTemplates xmlns="http://schemas.microsoft.com/sharepoint/v3/contenttype/forms">
-  <Display>DocumentLibraryForm</Display>
-  <Edit>DocumentLibraryForm</Edit>
-  <New>DocumentLibraryForm</New>
-</FormTemplates>
-</file>
-
-<file path=customXml/item2.xml><?xml version="1.0" encoding="utf-8"?>
-<p:properties xmlns:p="http://schemas.microsoft.com/office/2006/metadata/properties" xmlns:xsi="http://www.w3.org/2001/XMLSchema-instance" xmlns:pc="http://schemas.microsoft.com/office/infopath/2007/PartnerControls">
-  <documentManagement/>
-</p:properties>
-</file>
-
-<file path=customXml/item3.xml><?xml version="1.0" encoding="utf-8"?>
 <ct:contentTypeSchema xmlns:ct="http://schemas.microsoft.com/office/2006/metadata/contentType" xmlns:ma="http://schemas.microsoft.com/office/2006/metadata/properties/metaAttributes" ct:_="" ma:_="" ma:contentTypeName="Document" ma:contentTypeID="0x010100A06DF21F5BB2734A800ED30F3F452129" ma:contentTypeVersion="12" ma:contentTypeDescription="Create a new document." ma:contentTypeScope="" ma:versionID="544d96a5fbac5de9d5d902b535c73fb2">
   <xsd:schema xmlns:xsd="http://www.w3.org/2001/XMLSchema" xmlns:xs="http://www.w3.org/2001/XMLSchema" xmlns:p="http://schemas.microsoft.com/office/2006/metadata/properties" xmlns:ns3="90d05cb5-950f-4f68-bc2c-e17794455b92" xmlns:ns4="b4eab9fa-dbb0-4082-8491-8bd54207a265" targetNamespace="http://schemas.microsoft.com/office/2006/metadata/properties" ma:root="true" ma:fieldsID="7a710efc71c2169bf9c05e5a40dddf12" ns3:_="" ns4:_="">
     <xsd:import namespace="90d05cb5-950f-4f68-bc2c-e17794455b92"/>
@@ -9332,10 +8791,36 @@
 </ct:contentTypeSchema>
 </file>
 
+<file path=customXml/item2.xml><?xml version="1.0" encoding="utf-8"?>
+<p:properties xmlns:p="http://schemas.microsoft.com/office/2006/metadata/properties" xmlns:xsi="http://www.w3.org/2001/XMLSchema-instance" xmlns:pc="http://schemas.microsoft.com/office/infopath/2007/PartnerControls">
+  <documentManagement/>
+</p:properties>
+</file>
+
+<file path=customXml/item3.xml><?xml version="1.0" encoding="utf-8"?>
+<?mso-contentType ?>
+<FormTemplates xmlns="http://schemas.microsoft.com/sharepoint/v3/contenttype/forms">
+  <Display>DocumentLibraryForm</Display>
+  <Edit>DocumentLibraryForm</Edit>
+  <New>DocumentLibraryForm</New>
+</FormTemplates>
+</file>
+
 <file path=customXml/itemProps1.xml><?xml version="1.0" encoding="utf-8"?>
-<ds:datastoreItem xmlns:ds="http://schemas.openxmlformats.org/officeDocument/2006/customXml" ds:itemID="{F5CF5F32-56DC-4068-8B04-457CF34A96F3}">
+<ds:datastoreItem xmlns:ds="http://schemas.openxmlformats.org/officeDocument/2006/customXml" ds:itemID="{A43B8A4B-79FE-4529-931C-D64224FA70E3}">
   <ds:schemaRefs>
-    <ds:schemaRef ds:uri="http://schemas.microsoft.com/sharepoint/v3/contenttype/forms"/>
+    <ds:schemaRef ds:uri="http://schemas.microsoft.com/office/2006/metadata/contentType"/>
+    <ds:schemaRef ds:uri="http://schemas.microsoft.com/office/2006/metadata/properties/metaAttributes"/>
+    <ds:schemaRef ds:uri="http://www.w3.org/2001/XMLSchema"/>
+    <ds:schemaRef ds:uri="http://schemas.microsoft.com/office/2006/metadata/properties"/>
+    <ds:schemaRef ds:uri="90d05cb5-950f-4f68-bc2c-e17794455b92"/>
+    <ds:schemaRef ds:uri="b4eab9fa-dbb0-4082-8491-8bd54207a265"/>
+    <ds:schemaRef ds:uri="http://schemas.microsoft.com/office/2006/documentManagement/types"/>
+    <ds:schemaRef ds:uri="http://schemas.microsoft.com/office/infopath/2007/PartnerControls"/>
+    <ds:schemaRef ds:uri="http://schemas.openxmlformats.org/package/2006/metadata/core-properties"/>
+    <ds:schemaRef ds:uri="http://purl.org/dc/elements/1.1/"/>
+    <ds:schemaRef ds:uri="http://purl.org/dc/terms/"/>
+    <ds:schemaRef ds:uri="http://schemas.microsoft.com/internal/obd"/>
   </ds:schemaRefs>
 </ds:datastoreItem>
 </file>
@@ -9358,20 +8843,9 @@
 </file>
 
 <file path=customXml/itemProps3.xml><?xml version="1.0" encoding="utf-8"?>
-<ds:datastoreItem xmlns:ds="http://schemas.openxmlformats.org/officeDocument/2006/customXml" ds:itemID="{A43B8A4B-79FE-4529-931C-D64224FA70E3}">
+<ds:datastoreItem xmlns:ds="http://schemas.openxmlformats.org/officeDocument/2006/customXml" ds:itemID="{F5CF5F32-56DC-4068-8B04-457CF34A96F3}">
   <ds:schemaRefs>
-    <ds:schemaRef ds:uri="http://schemas.microsoft.com/office/2006/metadata/contentType"/>
-    <ds:schemaRef ds:uri="http://schemas.microsoft.com/office/2006/metadata/properties/metaAttributes"/>
-    <ds:schemaRef ds:uri="http://www.w3.org/2001/XMLSchema"/>
-    <ds:schemaRef ds:uri="http://schemas.microsoft.com/office/2006/metadata/properties"/>
-    <ds:schemaRef ds:uri="90d05cb5-950f-4f68-bc2c-e17794455b92"/>
-    <ds:schemaRef ds:uri="b4eab9fa-dbb0-4082-8491-8bd54207a265"/>
-    <ds:schemaRef ds:uri="http://schemas.microsoft.com/office/2006/documentManagement/types"/>
-    <ds:schemaRef ds:uri="http://schemas.microsoft.com/office/infopath/2007/PartnerControls"/>
-    <ds:schemaRef ds:uri="http://schemas.openxmlformats.org/package/2006/metadata/core-properties"/>
-    <ds:schemaRef ds:uri="http://purl.org/dc/elements/1.1/"/>
-    <ds:schemaRef ds:uri="http://purl.org/dc/terms/"/>
-    <ds:schemaRef ds:uri="http://schemas.microsoft.com/internal/obd"/>
+    <ds:schemaRef ds:uri="http://schemas.microsoft.com/sharepoint/v3/contenttype/forms"/>
   </ds:schemaRefs>
 </ds:datastoreItem>
 </file>
--- a/Lecture Slides/VideoLectureSlides/15.4.pptx
+++ b/Lecture Slides/VideoLectureSlides/15.4.pptx
@@ -5,19 +5,22 @@
     <p:sldMasterId id="2147483660" r:id="rId4"/>
   </p:sldMasterIdLst>
   <p:notesMasterIdLst>
-    <p:notesMasterId r:id="rId15"/>
+    <p:notesMasterId r:id="rId18"/>
   </p:notesMasterIdLst>
   <p:sldIdLst>
     <p:sldId id="256" r:id="rId5"/>
     <p:sldId id="274" r:id="rId6"/>
     <p:sldId id="289" r:id="rId7"/>
-    <p:sldId id="288" r:id="rId8"/>
-    <p:sldId id="291" r:id="rId9"/>
-    <p:sldId id="292" r:id="rId10"/>
-    <p:sldId id="294" r:id="rId11"/>
-    <p:sldId id="295" r:id="rId12"/>
-    <p:sldId id="268" r:id="rId13"/>
-    <p:sldId id="287" r:id="rId14"/>
+    <p:sldId id="273" r:id="rId8"/>
+    <p:sldId id="296" r:id="rId9"/>
+    <p:sldId id="297" r:id="rId10"/>
+    <p:sldId id="298" r:id="rId11"/>
+    <p:sldId id="299" r:id="rId12"/>
+    <p:sldId id="300" r:id="rId13"/>
+    <p:sldId id="301" r:id="rId14"/>
+    <p:sldId id="303" r:id="rId15"/>
+    <p:sldId id="302" r:id="rId16"/>
+    <p:sldId id="287" r:id="rId17"/>
   </p:sldIdLst>
   <p:sldSz cx="9144000" cy="6858000" type="screen4x3"/>
   <p:notesSz cx="6858000" cy="9144000"/>
@@ -231,7 +234,7 @@
           <a:p>
             <a:fld id="{1AA1AB63-216F-4D5B-8811-CCB935E98D4A}" type="datetimeFigureOut">
               <a:rPr lang="en-US" smtClean="0"/>
-              <a:t>7/31/2023</a:t>
+              <a:t>8/4/2023</a:t>
             </a:fld>
             <a:endParaRPr lang="en-US" dirty="0"/>
           </a:p>
@@ -3754,84 +3757,10 @@
       </p:grpSpPr>
       <p:sp>
         <p:nvSpPr>
-          <p:cNvPr id="2" name="Title 1"/>
-          <p:cNvSpPr>
-            <a:spLocks noGrp="1"/>
-          </p:cNvSpPr>
-          <p:nvPr>
-            <p:ph type="ctrTitle"/>
-          </p:nvPr>
-        </p:nvSpPr>
-        <p:spPr/>
-        <p:txBody>
-          <a:bodyPr/>
-          <a:lstStyle/>
-          <a:p>
-            <a:r>
-              <a:rPr lang="en-US" dirty="0"/>
-              <a:t>Thanks for Watching</a:t>
-            </a:r>
-          </a:p>
-        </p:txBody>
-      </p:sp>
-      <p:sp>
-        <p:nvSpPr>
-          <p:cNvPr id="3" name="Subtitle 2"/>
-          <p:cNvSpPr>
-            <a:spLocks noGrp="1"/>
-          </p:cNvSpPr>
-          <p:nvPr>
-            <p:ph type="subTitle" idx="1"/>
-          </p:nvPr>
-        </p:nvSpPr>
-        <p:spPr/>
-        <p:txBody>
-          <a:bodyPr/>
-          <a:lstStyle/>
-          <a:p>
-            <a:r>
-              <a:rPr lang="en-US" dirty="0"/>
-              <a:t>See other engineering mechanics videos and access the full tool at…</a:t>
-            </a:r>
-          </a:p>
-        </p:txBody>
-      </p:sp>
-    </p:spTree>
-    <p:extLst>
-      <p:ext uri="{BB962C8B-B14F-4D97-AF65-F5344CB8AC3E}">
-        <p14:creationId xmlns:p14="http://schemas.microsoft.com/office/powerpoint/2010/main" val="3129637585"/>
-      </p:ext>
-    </p:extLst>
-  </p:cSld>
-  <p:clrMapOvr>
-    <a:masterClrMapping/>
-  </p:clrMapOvr>
-</p:sld>
-</file>
-
-<file path=ppt/slides/slide2.xml><?xml version="1.0" encoding="utf-8"?>
-<p:sld xmlns:a="http://schemas.openxmlformats.org/drawingml/2006/main" xmlns:r="http://schemas.openxmlformats.org/officeDocument/2006/relationships" xmlns:p="http://schemas.openxmlformats.org/presentationml/2006/main">
-  <p:cSld>
-    <p:spTree>
-      <p:nvGrpSpPr>
-        <p:cNvPr id="1" name=""/>
-        <p:cNvGrpSpPr/>
-        <p:nvPr/>
-      </p:nvGrpSpPr>
-      <p:grpSpPr>
-        <a:xfrm>
-          <a:off x="0" y="0"/>
-          <a:ext cx="0" cy="0"/>
-          <a:chOff x="0" y="0"/>
-          <a:chExt cx="0" cy="0"/>
-        </a:xfrm>
-      </p:grpSpPr>
-      <p:sp>
-        <p:nvSpPr>
           <p:cNvPr id="2" name="Title 1">
             <a:extLst>
               <a:ext uri="{FF2B5EF4-FFF2-40B4-BE49-F238E27FC236}">
-                <a16:creationId xmlns:a16="http://schemas.microsoft.com/office/drawing/2014/main" id="{7F9ECAB2-9562-45AA-885D-9CEF60812D74}"/>
+                <a16:creationId xmlns:a16="http://schemas.microsoft.com/office/drawing/2014/main" id="{A33BD8E8-FD8B-792A-9552-82273A1B3FB0}"/>
               </a:ext>
             </a:extLst>
           </p:cNvPr>
@@ -3844,22 +3773,406 @@
         </p:nvSpPr>
         <p:spPr/>
         <p:txBody>
-          <a:bodyPr/>
+          <a:bodyPr>
+            <a:normAutofit fontScale="90000"/>
+          </a:bodyPr>
           <a:lstStyle/>
           <a:p>
             <a:r>
               <a:rPr lang="en-US" dirty="0"/>
-              <a:t>Rigid Body Surface Collisions</a:t>
+              <a:t>Rigid Body Elastic and Semi-Elastic Impacts</a:t>
             </a:r>
           </a:p>
         </p:txBody>
       </p:sp>
+      <mc:AlternateContent xmlns:mc="http://schemas.openxmlformats.org/markup-compatibility/2006">
+        <mc:Choice xmlns:a14="http://schemas.microsoft.com/office/drawing/2010/main" Requires="a14">
+          <p:sp>
+            <p:nvSpPr>
+              <p:cNvPr id="3" name="Content Placeholder 2">
+                <a:extLst>
+                  <a:ext uri="{FF2B5EF4-FFF2-40B4-BE49-F238E27FC236}">
+                    <a16:creationId xmlns:a16="http://schemas.microsoft.com/office/drawing/2014/main" id="{CA89255B-0579-ADF0-EEC4-513B2BFB4004}"/>
+                  </a:ext>
+                </a:extLst>
+              </p:cNvPr>
+              <p:cNvSpPr>
+                <a:spLocks noGrp="1"/>
+              </p:cNvSpPr>
+              <p:nvPr>
+                <p:ph idx="1"/>
+              </p:nvPr>
+            </p:nvSpPr>
+            <p:spPr/>
+            <p:txBody>
+              <a:bodyPr>
+                <a:normAutofit lnSpcReduction="10000"/>
+              </a:bodyPr>
+              <a:lstStyle/>
+              <a:p>
+                <a:r>
+                  <a:rPr lang="en-US" dirty="0"/>
+                  <a:t>Finally, to get our sixth equation, we will use the coefficient of restitution (which we will simply set equal to 1 for elastic collisions).</a:t>
+                </a:r>
+              </a:p>
+              <a:p>
+                <a:r>
+                  <a:rPr lang="en-US" dirty="0"/>
+                  <a:t>This will specifically refer to the </a:t>
+                </a:r>
+                <a:r>
+                  <a:rPr lang="en-US" b="1" dirty="0"/>
+                  <a:t>relative velocity</a:t>
+                </a:r>
+                <a:r>
+                  <a:rPr lang="en-US" dirty="0"/>
+                  <a:t> of the two bodies in the </a:t>
+                </a:r>
+                <a:r>
+                  <a:rPr lang="en-US" b="1" dirty="0"/>
+                  <a:t>normal direction</a:t>
+                </a:r>
+                <a:r>
+                  <a:rPr lang="en-US" dirty="0"/>
+                  <a:t> at the </a:t>
+                </a:r>
+                <a:r>
+                  <a:rPr lang="en-US" b="1" dirty="0"/>
+                  <a:t>point of impact</a:t>
+                </a:r>
+                <a:r>
+                  <a:rPr lang="en-US" dirty="0"/>
+                  <a:t>.</a:t>
+                </a:r>
+              </a:p>
+              <a:p>
+                <a:endParaRPr lang="en-US" dirty="0"/>
+              </a:p>
+              <a:p>
+                <a:pPr marL="0" indent="0">
+                  <a:buNone/>
+                </a:pPr>
+                <a14:m>
+                  <m:oMathPara xmlns:m="http://schemas.openxmlformats.org/officeDocument/2006/math">
+                    <m:oMathParaPr>
+                      <m:jc m:val="centerGroup"/>
+                    </m:oMathParaPr>
+                    <m:oMath xmlns:m="http://schemas.openxmlformats.org/officeDocument/2006/math">
+                      <m:r>
+                        <a:rPr lang="en-US" i="1" smtClean="0">
+                          <a:latin typeface="Cambria Math"/>
+                        </a:rPr>
+                        <m:t>𝑒</m:t>
+                      </m:r>
+                      <m:r>
+                        <a:rPr lang="en-US" i="1" smtClean="0">
+                          <a:latin typeface="Cambria Math"/>
+                        </a:rPr>
+                        <m:t>=−</m:t>
+                      </m:r>
+                      <m:f>
+                        <m:fPr>
+                          <m:ctrlPr>
+                            <a:rPr lang="en-US" i="1">
+                              <a:latin typeface="Cambria Math" panose="02040503050406030204" pitchFamily="18" charset="0"/>
+                            </a:rPr>
+                          </m:ctrlPr>
+                        </m:fPr>
+                        <m:num>
+                          <m:sSub>
+                            <m:sSubPr>
+                              <m:ctrlPr>
+                                <a:rPr lang="en-US" i="1">
+                                  <a:latin typeface="Cambria Math" panose="02040503050406030204" pitchFamily="18" charset="0"/>
+                                </a:rPr>
+                              </m:ctrlPr>
+                            </m:sSubPr>
+                            <m:e>
+                              <m:r>
+                                <a:rPr lang="en-US" i="1">
+                                  <a:latin typeface="Cambria Math"/>
+                                </a:rPr>
+                                <m:t>𝑣</m:t>
+                              </m:r>
+                            </m:e>
+                            <m:sub>
+                              <m:r>
+                                <a:rPr lang="en-US" i="1">
+                                  <a:latin typeface="Cambria Math" panose="02040503050406030204" pitchFamily="18" charset="0"/>
+                                </a:rPr>
+                                <m:t>𝑛</m:t>
+                              </m:r>
+                              <m:sSub>
+                                <m:sSubPr>
+                                  <m:ctrlPr>
+                                    <a:rPr lang="en-US" i="1" smtClean="0">
+                                      <a:latin typeface="Cambria Math" panose="02040503050406030204" pitchFamily="18" charset="0"/>
+                                    </a:rPr>
+                                  </m:ctrlPr>
+                                </m:sSubPr>
+                                <m:e>
+                                  <m:r>
+                                    <a:rPr lang="en-US" b="0" i="1" smtClean="0">
+                                      <a:latin typeface="Cambria Math" panose="02040503050406030204" pitchFamily="18" charset="0"/>
+                                    </a:rPr>
+                                    <m:t>𝐴</m:t>
+                                  </m:r>
+                                </m:e>
+                                <m:sub>
+                                  <m:r>
+                                    <a:rPr lang="en-US" b="0" i="1" smtClean="0">
+                                      <a:latin typeface="Cambria Math" panose="02040503050406030204" pitchFamily="18" charset="0"/>
+                                    </a:rPr>
+                                    <m:t>𝑃</m:t>
+                                  </m:r>
+                                </m:sub>
+                              </m:sSub>
+                              <m:r>
+                                <a:rPr lang="en-US" i="1">
+                                  <a:latin typeface="Cambria Math"/>
+                                </a:rPr>
+                                <m:t>𝑓</m:t>
+                              </m:r>
+                              <m:r>
+                                <a:rPr lang="en-US" b="0" i="1" smtClean="0">
+                                  <a:latin typeface="Cambria Math" panose="02040503050406030204" pitchFamily="18" charset="0"/>
+                                </a:rPr>
+                                <m:t>−</m:t>
+                              </m:r>
+                            </m:sub>
+                          </m:sSub>
+                          <m:sSub>
+                            <m:sSubPr>
+                              <m:ctrlPr>
+                                <a:rPr lang="en-US" i="1">
+                                  <a:latin typeface="Cambria Math" panose="02040503050406030204" pitchFamily="18" charset="0"/>
+                                </a:rPr>
+                              </m:ctrlPr>
+                            </m:sSubPr>
+                            <m:e>
+                              <m:r>
+                                <a:rPr lang="en-US" i="1">
+                                  <a:latin typeface="Cambria Math"/>
+                                </a:rPr>
+                                <m:t>𝑣</m:t>
+                              </m:r>
+                            </m:e>
+                            <m:sub>
+                              <m:r>
+                                <a:rPr lang="en-US" i="1">
+                                  <a:latin typeface="Cambria Math" panose="02040503050406030204" pitchFamily="18" charset="0"/>
+                                </a:rPr>
+                                <m:t>𝑛</m:t>
+                              </m:r>
+                              <m:sSub>
+                                <m:sSubPr>
+                                  <m:ctrlPr>
+                                    <a:rPr lang="en-US" i="1">
+                                      <a:latin typeface="Cambria Math" panose="02040503050406030204" pitchFamily="18" charset="0"/>
+                                    </a:rPr>
+                                  </m:ctrlPr>
+                                </m:sSubPr>
+                                <m:e>
+                                  <m:r>
+                                    <a:rPr lang="en-US" b="0" i="1" smtClean="0">
+                                      <a:latin typeface="Cambria Math" panose="02040503050406030204" pitchFamily="18" charset="0"/>
+                                    </a:rPr>
+                                    <m:t>𝐵</m:t>
+                                  </m:r>
+                                </m:e>
+                                <m:sub>
+                                  <m:r>
+                                    <a:rPr lang="en-US" i="1">
+                                      <a:latin typeface="Cambria Math" panose="02040503050406030204" pitchFamily="18" charset="0"/>
+                                    </a:rPr>
+                                    <m:t>𝑃</m:t>
+                                  </m:r>
+                                </m:sub>
+                              </m:sSub>
+                              <m:r>
+                                <a:rPr lang="en-US" i="1">
+                                  <a:latin typeface="Cambria Math"/>
+                                </a:rPr>
+                                <m:t>𝑓</m:t>
+                              </m:r>
+                            </m:sub>
+                          </m:sSub>
+                        </m:num>
+                        <m:den>
+                          <m:sSub>
+                            <m:sSubPr>
+                              <m:ctrlPr>
+                                <a:rPr lang="en-US" i="1">
+                                  <a:latin typeface="Cambria Math" panose="02040503050406030204" pitchFamily="18" charset="0"/>
+                                </a:rPr>
+                              </m:ctrlPr>
+                            </m:sSubPr>
+                            <m:e>
+                              <m:r>
+                                <a:rPr lang="en-US" i="1">
+                                  <a:latin typeface="Cambria Math"/>
+                                </a:rPr>
+                                <m:t>𝑣</m:t>
+                              </m:r>
+                            </m:e>
+                            <m:sub>
+                              <m:r>
+                                <a:rPr lang="en-US" i="1">
+                                  <a:latin typeface="Cambria Math" panose="02040503050406030204" pitchFamily="18" charset="0"/>
+                                </a:rPr>
+                                <m:t>𝑛</m:t>
+                              </m:r>
+                              <m:sSub>
+                                <m:sSubPr>
+                                  <m:ctrlPr>
+                                    <a:rPr lang="en-US" i="1">
+                                      <a:latin typeface="Cambria Math" panose="02040503050406030204" pitchFamily="18" charset="0"/>
+                                    </a:rPr>
+                                  </m:ctrlPr>
+                                </m:sSubPr>
+                                <m:e>
+                                  <m:r>
+                                    <a:rPr lang="en-US" i="1">
+                                      <a:latin typeface="Cambria Math" panose="02040503050406030204" pitchFamily="18" charset="0"/>
+                                    </a:rPr>
+                                    <m:t>𝐴</m:t>
+                                  </m:r>
+                                </m:e>
+                                <m:sub>
+                                  <m:r>
+                                    <a:rPr lang="en-US" i="1">
+                                      <a:latin typeface="Cambria Math" panose="02040503050406030204" pitchFamily="18" charset="0"/>
+                                    </a:rPr>
+                                    <m:t>𝑃</m:t>
+                                  </m:r>
+                                </m:sub>
+                              </m:sSub>
+                              <m:r>
+                                <a:rPr lang="en-US" b="0" i="1" smtClean="0">
+                                  <a:latin typeface="Cambria Math" panose="02040503050406030204" pitchFamily="18" charset="0"/>
+                                </a:rPr>
+                                <m:t>𝑖</m:t>
+                              </m:r>
+                              <m:r>
+                                <a:rPr lang="en-US" i="1">
+                                  <a:latin typeface="Cambria Math" panose="02040503050406030204" pitchFamily="18" charset="0"/>
+                                </a:rPr>
+                                <m:t>−</m:t>
+                              </m:r>
+                            </m:sub>
+                          </m:sSub>
+                          <m:sSub>
+                            <m:sSubPr>
+                              <m:ctrlPr>
+                                <a:rPr lang="en-US" i="1">
+                                  <a:latin typeface="Cambria Math" panose="02040503050406030204" pitchFamily="18" charset="0"/>
+                                </a:rPr>
+                              </m:ctrlPr>
+                            </m:sSubPr>
+                            <m:e>
+                              <m:r>
+                                <a:rPr lang="en-US" i="1">
+                                  <a:latin typeface="Cambria Math"/>
+                                </a:rPr>
+                                <m:t>𝑣</m:t>
+                              </m:r>
+                            </m:e>
+                            <m:sub>
+                              <m:r>
+                                <a:rPr lang="en-US" i="1">
+                                  <a:latin typeface="Cambria Math" panose="02040503050406030204" pitchFamily="18" charset="0"/>
+                                </a:rPr>
+                                <m:t>𝑛</m:t>
+                              </m:r>
+                              <m:sSub>
+                                <m:sSubPr>
+                                  <m:ctrlPr>
+                                    <a:rPr lang="en-US" i="1">
+                                      <a:latin typeface="Cambria Math" panose="02040503050406030204" pitchFamily="18" charset="0"/>
+                                    </a:rPr>
+                                  </m:ctrlPr>
+                                </m:sSubPr>
+                                <m:e>
+                                  <m:r>
+                                    <a:rPr lang="en-US" i="1">
+                                      <a:latin typeface="Cambria Math" panose="02040503050406030204" pitchFamily="18" charset="0"/>
+                                    </a:rPr>
+                                    <m:t>𝐵</m:t>
+                                  </m:r>
+                                </m:e>
+                                <m:sub>
+                                  <m:r>
+                                    <a:rPr lang="en-US" i="1">
+                                      <a:latin typeface="Cambria Math" panose="02040503050406030204" pitchFamily="18" charset="0"/>
+                                    </a:rPr>
+                                    <m:t>𝑃</m:t>
+                                  </m:r>
+                                </m:sub>
+                              </m:sSub>
+                              <m:r>
+                                <a:rPr lang="en-US" b="0" i="1" smtClean="0">
+                                  <a:latin typeface="Cambria Math" panose="02040503050406030204" pitchFamily="18" charset="0"/>
+                                </a:rPr>
+                                <m:t>𝑖</m:t>
+                              </m:r>
+                            </m:sub>
+                          </m:sSub>
+                        </m:den>
+                      </m:f>
+                    </m:oMath>
+                  </m:oMathPara>
+                </a14:m>
+                <a:endParaRPr lang="en-US" dirty="0"/>
+              </a:p>
+            </p:txBody>
+          </p:sp>
+        </mc:Choice>
+        <mc:Fallback>
+          <p:sp>
+            <p:nvSpPr>
+              <p:cNvPr id="3" name="Content Placeholder 2">
+                <a:extLst>
+                  <a:ext uri="{FF2B5EF4-FFF2-40B4-BE49-F238E27FC236}">
+                    <a16:creationId xmlns:a16="http://schemas.microsoft.com/office/drawing/2014/main" id="{CA89255B-0579-ADF0-EEC4-513B2BFB4004}"/>
+                  </a:ext>
+                </a:extLst>
+              </p:cNvPr>
+              <p:cNvSpPr>
+                <a:spLocks noGrp="1" noRot="1" noChangeAspect="1" noMove="1" noResize="1" noEditPoints="1" noAdjustHandles="1" noChangeArrowheads="1" noChangeShapeType="1" noTextEdit="1"/>
+              </p:cNvSpPr>
+              <p:nvPr>
+                <p:ph idx="1"/>
+              </p:nvPr>
+            </p:nvSpPr>
+            <p:spPr>
+              <a:blipFill>
+                <a:blip r:embed="rId2"/>
+                <a:stretch>
+                  <a:fillRect l="-1704" t="-2830"/>
+                </a:stretch>
+              </a:blipFill>
+            </p:spPr>
+            <p:txBody>
+              <a:bodyPr/>
+              <a:lstStyle/>
+              <a:p>
+                <a:r>
+                  <a:rPr lang="en-US">
+                    <a:noFill/>
+                  </a:rPr>
+                  <a:t> </a:t>
+                </a:r>
+              </a:p>
+            </p:txBody>
+          </p:sp>
+        </mc:Fallback>
+      </mc:AlternateContent>
       <p:sp>
         <p:nvSpPr>
-          <p:cNvPr id="3" name="Content Placeholder 2">
+          <p:cNvPr id="4" name="Slide Number Placeholder 3">
             <a:extLst>
               <a:ext uri="{FF2B5EF4-FFF2-40B4-BE49-F238E27FC236}">
-                <a16:creationId xmlns:a16="http://schemas.microsoft.com/office/drawing/2014/main" id="{120F6935-B3E7-4667-962E-F14B737B5EDB}"/>
+                <a16:creationId xmlns:a16="http://schemas.microsoft.com/office/drawing/2014/main" id="{76C27222-5868-3442-D87A-52D63683A18D}"/>
               </a:ext>
             </a:extLst>
           </p:cNvPr>
@@ -3867,95 +4180,26 @@
             <a:spLocks noGrp="1"/>
           </p:cNvSpPr>
           <p:nvPr>
-            <p:ph idx="1"/>
+            <p:ph type="sldNum" sz="quarter" idx="12"/>
           </p:nvPr>
         </p:nvSpPr>
-        <p:spPr>
-          <a:xfrm>
-            <a:off x="457200" y="1600200"/>
-            <a:ext cx="4114800" cy="4800600"/>
-          </a:xfrm>
-        </p:spPr>
+        <p:spPr/>
         <p:txBody>
-          <a:bodyPr>
-            <a:normAutofit fontScale="92500"/>
-          </a:bodyPr>
+          <a:bodyPr/>
           <a:lstStyle/>
           <a:p>
-            <a:r>
-              <a:rPr lang="en-US" dirty="0"/>
-              <a:t>When a </a:t>
-            </a:r>
-            <a:r>
-              <a:rPr lang="en-US" b="1" dirty="0"/>
-              <a:t>rigid body </a:t>
-            </a:r>
-            <a:r>
-              <a:rPr lang="en-US" dirty="0"/>
-              <a:t>impacts a surface, it has the potential to bounce off the surface just like a particle, but there is also the </a:t>
-            </a:r>
-            <a:r>
-              <a:rPr lang="en-US" b="1" dirty="0"/>
-              <a:t>potential for rotation</a:t>
-            </a:r>
-            <a:r>
-              <a:rPr lang="en-US" dirty="0"/>
-              <a:t> before or after impact, complicating the situation.</a:t>
-            </a:r>
+            <a:fld id="{929262FE-7F58-4A1E-8AF3-5A510A86DEBD}" type="slidenum">
+              <a:rPr lang="en-US" smtClean="0"/>
+              <a:t>10</a:t>
+            </a:fld>
+            <a:endParaRPr lang="en-US" dirty="0"/>
           </a:p>
         </p:txBody>
       </p:sp>
-      <p:pic>
-        <p:nvPicPr>
-          <p:cNvPr id="2050" name="Picture 2" descr="A wrench dropped on a rigid floor">
-            <a:extLst>
-              <a:ext uri="{FF2B5EF4-FFF2-40B4-BE49-F238E27FC236}">
-                <a16:creationId xmlns:a16="http://schemas.microsoft.com/office/drawing/2014/main" id="{BD0F55E3-F3AA-40A5-8037-E20CD0260E9D}"/>
-              </a:ext>
-            </a:extLst>
-          </p:cNvPr>
-          <p:cNvPicPr>
-            <a:picLocks noChangeAspect="1" noChangeArrowheads="1"/>
-          </p:cNvPicPr>
-          <p:nvPr/>
-        </p:nvPicPr>
-        <p:blipFill>
-          <a:blip r:embed="rId2">
-            <a:extLst>
-              <a:ext uri="{28A0092B-C50C-407E-A947-70E740481C1C}">
-                <a14:useLocalDpi xmlns:a14="http://schemas.microsoft.com/office/drawing/2010/main" val="0"/>
-              </a:ext>
-            </a:extLst>
-          </a:blip>
-          <a:srcRect/>
-          <a:stretch>
-            <a:fillRect/>
-          </a:stretch>
-        </p:blipFill>
-        <p:spPr bwMode="auto">
-          <a:xfrm>
-            <a:off x="4933950" y="2285999"/>
-            <a:ext cx="3714750" cy="2790825"/>
-          </a:xfrm>
-          <a:prstGeom prst="rect">
-            <a:avLst/>
-          </a:prstGeom>
-          <a:noFill/>
-          <a:extLst>
-            <a:ext uri="{909E8E84-426E-40DD-AFC4-6F175D3DCCD1}">
-              <a14:hiddenFill xmlns:a14="http://schemas.microsoft.com/office/drawing/2010/main">
-                <a:solidFill>
-                  <a:srgbClr val="FFFFFF"/>
-                </a:solidFill>
-              </a14:hiddenFill>
-            </a:ext>
-          </a:extLst>
-        </p:spPr>
-      </p:pic>
     </p:spTree>
     <p:extLst>
       <p:ext uri="{BB962C8B-B14F-4D97-AF65-F5344CB8AC3E}">
-        <p14:creationId xmlns:p14="http://schemas.microsoft.com/office/powerpoint/2010/main" val="458503082"/>
+        <p14:creationId xmlns:p14="http://schemas.microsoft.com/office/powerpoint/2010/main" val="1361443584"/>
       </p:ext>
     </p:extLst>
   </p:cSld>
@@ -4032,7 +4276,7 @@
                             </p:stCondLst>
                             <p:childTnLst>
                               <p:par>
-                                <p:cTn id="9" presetID="10" presetClass="entr" presetSubtype="0" fill="hold" nodeType="clickEffect">
+                                <p:cTn id="9" presetID="1" presetClass="entr" presetSubtype="0" fill="hold" grpId="0" nodeType="clickEffect">
                                   <p:stCondLst>
                                     <p:cond delay="0"/>
                                   </p:stCondLst>
@@ -4045,7 +4289,11 @@
                                           </p:stCondLst>
                                         </p:cTn>
                                         <p:tgtEl>
-                                          <p:spTgt spid="2050"/>
+                                          <p:spTgt spid="3">
+                                            <p:txEl>
+                                              <p:pRg st="1" end="1"/>
+                                            </p:txEl>
+                                          </p:spTgt>
                                         </p:tgtEl>
                                         <p:attrNameLst>
                                           <p:attrName>style.visibility</p:attrName>
@@ -4055,14 +4303,55 @@
                                         <p:strVal val="visible"/>
                                       </p:to>
                                     </p:set>
-                                    <p:animEffect transition="in" filter="fade">
+                                  </p:childTnLst>
+                                </p:cTn>
+                              </p:par>
+                            </p:childTnLst>
+                          </p:cTn>
+                        </p:par>
+                      </p:childTnLst>
+                    </p:cTn>
+                  </p:par>
+                  <p:par>
+                    <p:cTn id="11" fill="hold">
+                      <p:stCondLst>
+                        <p:cond delay="indefinite"/>
+                      </p:stCondLst>
+                      <p:childTnLst>
+                        <p:par>
+                          <p:cTn id="12" fill="hold">
+                            <p:stCondLst>
+                              <p:cond delay="0"/>
+                            </p:stCondLst>
+                            <p:childTnLst>
+                              <p:par>
+                                <p:cTn id="13" presetID="1" presetClass="entr" presetSubtype="0" fill="hold" grpId="0" nodeType="clickEffect">
+                                  <p:stCondLst>
+                                    <p:cond delay="0"/>
+                                  </p:stCondLst>
+                                  <p:childTnLst>
+                                    <p:set>
                                       <p:cBhvr>
-                                        <p:cTn id="11" dur="500"/>
+                                        <p:cTn id="14" dur="1" fill="hold">
+                                          <p:stCondLst>
+                                            <p:cond delay="0"/>
+                                          </p:stCondLst>
+                                        </p:cTn>
                                         <p:tgtEl>
-                                          <p:spTgt spid="2050"/>
+                                          <p:spTgt spid="3">
+                                            <p:txEl>
+                                              <p:pRg st="3" end="3"/>
+                                            </p:txEl>
+                                          </p:spTgt>
                                         </p:tgtEl>
+                                        <p:attrNameLst>
+                                          <p:attrName>style.visibility</p:attrName>
+                                        </p:attrNameLst>
                                       </p:cBhvr>
-                                    </p:animEffect>
+                                      <p:to>
+                                        <p:strVal val="visible"/>
+                                      </p:to>
+                                    </p:set>
                                   </p:childTnLst>
                                 </p:cTn>
                               </p:par>
@@ -4094,13 +4383,13 @@
       </p:par>
     </p:tnLst>
     <p:bldLst>
-      <p:bldP spid="3" grpId="0" uiExpand="1" build="p"/>
+      <p:bldP spid="3" grpId="0" build="p"/>
     </p:bldLst>
   </p:timing>
 </p:sld>
 </file>
 
-<file path=ppt/slides/slide3.xml><?xml version="1.0" encoding="utf-8"?>
+<file path=ppt/slides/slide11.xml><?xml version="1.0" encoding="utf-8"?>
 <p:sld xmlns:a="http://schemas.openxmlformats.org/drawingml/2006/main" xmlns:r="http://schemas.openxmlformats.org/officeDocument/2006/relationships" xmlns:p="http://schemas.openxmlformats.org/presentationml/2006/main">
   <p:cSld>
     <p:spTree>
@@ -4122,7 +4411,7 @@
           <p:cNvPr id="2" name="Title 1">
             <a:extLst>
               <a:ext uri="{FF2B5EF4-FFF2-40B4-BE49-F238E27FC236}">
-                <a16:creationId xmlns:a16="http://schemas.microsoft.com/office/drawing/2014/main" id="{7C8D3478-5F96-47D5-92DE-4D32E54569DF}"/>
+                <a16:creationId xmlns:a16="http://schemas.microsoft.com/office/drawing/2014/main" id="{A9EEAC35-97A5-D112-88AB-468DD3CFB859}"/>
               </a:ext>
             </a:extLst>
           </p:cNvPr>
@@ -4135,12 +4424,14 @@
         </p:nvSpPr>
         <p:spPr/>
         <p:txBody>
-          <a:bodyPr/>
+          <a:bodyPr>
+            <a:normAutofit fontScale="90000"/>
+          </a:bodyPr>
           <a:lstStyle/>
           <a:p>
             <a:r>
               <a:rPr lang="en-US" dirty="0"/>
-              <a:t>Rigid Body Surface Collisions</a:t>
+              <a:t>Rigid Body Elastic and Semi-Elastic Impacts</a:t>
             </a:r>
           </a:p>
         </p:txBody>
@@ -4150,7 +4441,7 @@
           <p:cNvPr id="3" name="Content Placeholder 2">
             <a:extLst>
               <a:ext uri="{FF2B5EF4-FFF2-40B4-BE49-F238E27FC236}">
-                <a16:creationId xmlns:a16="http://schemas.microsoft.com/office/drawing/2014/main" id="{2A920D22-918F-4088-AC90-B17B66623CCB}"/>
+                <a16:creationId xmlns:a16="http://schemas.microsoft.com/office/drawing/2014/main" id="{3E5107C2-81DE-392E-7BFF-7678EAB614A2}"/>
               </a:ext>
             </a:extLst>
           </p:cNvPr>
@@ -4164,44 +4455,19 @@
         <p:spPr/>
         <p:txBody>
           <a:bodyPr>
-            <a:normAutofit fontScale="92500" lnSpcReduction="10000"/>
+            <a:normAutofit/>
           </a:bodyPr>
           <a:lstStyle/>
           <a:p>
             <a:r>
               <a:rPr lang="en-US" dirty="0"/>
-              <a:t>With a rigid body surface collision, we will often be given a set of velocities before an impact and will need to solve for…</a:t>
-            </a:r>
-          </a:p>
-          <a:p>
-            <a:pPr lvl="1"/>
+              <a:t>One final note for elastic and semi-elastic rigid body collision problems is that we will wind up with velocities at both the center of mass (G) and the point of impact (P).</a:t>
+            </a:r>
+          </a:p>
+          <a:p>
             <a:r>
               <a:rPr lang="en-US" dirty="0"/>
-              <a:t>The velocity of the center of mass of the body after impact.</a:t>
-            </a:r>
-          </a:p>
-          <a:p>
-            <a:pPr lvl="2"/>
-            <a:r>
-              <a:rPr lang="en-US" dirty="0"/>
-              <a:t>Usually in terms of normal and tangential components</a:t>
-            </a:r>
-          </a:p>
-          <a:p>
-            <a:pPr lvl="1"/>
-            <a:r>
-              <a:rPr lang="en-US" dirty="0"/>
-              <a:t>The angular velocity of the body after impact.</a:t>
-            </a:r>
-          </a:p>
-          <a:p>
-            <a:pPr lvl="1"/>
-            <a:endParaRPr lang="en-US" dirty="0"/>
-          </a:p>
-          <a:p>
-            <a:r>
-              <a:rPr lang="en-US" dirty="0"/>
-              <a:t>Three unknowns, means we will need three equations to work with.</a:t>
+              <a:t>Just as we did with rigid body surface impacts, we will usually need to supplement our equations with kinematic relationships to relate velocities at the two points.</a:t>
             </a:r>
           </a:p>
         </p:txBody>
@@ -4211,7 +4477,7 @@
           <p:cNvPr id="4" name="Slide Number Placeholder 3">
             <a:extLst>
               <a:ext uri="{FF2B5EF4-FFF2-40B4-BE49-F238E27FC236}">
-                <a16:creationId xmlns:a16="http://schemas.microsoft.com/office/drawing/2014/main" id="{15EC7D60-E362-422D-B594-FB68F9B2D6E8}"/>
+                <a16:creationId xmlns:a16="http://schemas.microsoft.com/office/drawing/2014/main" id="{82EA23B6-7FF2-2133-4E1C-5CE37481321A}"/>
               </a:ext>
             </a:extLst>
           </p:cNvPr>
@@ -4229,7 +4495,7 @@
           <a:p>
             <a:fld id="{929262FE-7F58-4A1E-8AF3-5A510A86DEBD}" type="slidenum">
               <a:rPr lang="en-US" smtClean="0"/>
-              <a:t>3</a:t>
+              <a:t>11</a:t>
             </a:fld>
             <a:endParaRPr lang="en-US" dirty="0"/>
           </a:p>
@@ -4238,7 +4504,297 @@
     </p:spTree>
     <p:extLst>
       <p:ext uri="{BB962C8B-B14F-4D97-AF65-F5344CB8AC3E}">
-        <p14:creationId xmlns:p14="http://schemas.microsoft.com/office/powerpoint/2010/main" val="3782184083"/>
+        <p14:creationId xmlns:p14="http://schemas.microsoft.com/office/powerpoint/2010/main" val="2984323856"/>
+      </p:ext>
+    </p:extLst>
+  </p:cSld>
+  <p:clrMapOvr>
+    <a:masterClrMapping/>
+  </p:clrMapOvr>
+  <p:timing>
+    <p:tnLst>
+      <p:par>
+        <p:cTn id="1" dur="indefinite" restart="never" nodeType="tmRoot">
+          <p:childTnLst>
+            <p:seq concurrent="1" nextAc="seek">
+              <p:cTn id="2" dur="indefinite" nodeType="mainSeq">
+                <p:childTnLst>
+                  <p:par>
+                    <p:cTn id="3" fill="hold">
+                      <p:stCondLst>
+                        <p:cond delay="indefinite"/>
+                      </p:stCondLst>
+                      <p:childTnLst>
+                        <p:par>
+                          <p:cTn id="4" fill="hold">
+                            <p:stCondLst>
+                              <p:cond delay="0"/>
+                            </p:stCondLst>
+                            <p:childTnLst>
+                              <p:par>
+                                <p:cTn id="5" presetID="1" presetClass="entr" presetSubtype="0" fill="hold" grpId="0" nodeType="clickEffect">
+                                  <p:stCondLst>
+                                    <p:cond delay="0"/>
+                                  </p:stCondLst>
+                                  <p:childTnLst>
+                                    <p:set>
+                                      <p:cBhvr>
+                                        <p:cTn id="6" dur="1" fill="hold">
+                                          <p:stCondLst>
+                                            <p:cond delay="0"/>
+                                          </p:stCondLst>
+                                        </p:cTn>
+                                        <p:tgtEl>
+                                          <p:spTgt spid="3">
+                                            <p:txEl>
+                                              <p:pRg st="0" end="0"/>
+                                            </p:txEl>
+                                          </p:spTgt>
+                                        </p:tgtEl>
+                                        <p:attrNameLst>
+                                          <p:attrName>style.visibility</p:attrName>
+                                        </p:attrNameLst>
+                                      </p:cBhvr>
+                                      <p:to>
+                                        <p:strVal val="visible"/>
+                                      </p:to>
+                                    </p:set>
+                                  </p:childTnLst>
+                                </p:cTn>
+                              </p:par>
+                            </p:childTnLst>
+                          </p:cTn>
+                        </p:par>
+                      </p:childTnLst>
+                    </p:cTn>
+                  </p:par>
+                  <p:par>
+                    <p:cTn id="7" fill="hold">
+                      <p:stCondLst>
+                        <p:cond delay="indefinite"/>
+                      </p:stCondLst>
+                      <p:childTnLst>
+                        <p:par>
+                          <p:cTn id="8" fill="hold">
+                            <p:stCondLst>
+                              <p:cond delay="0"/>
+                            </p:stCondLst>
+                            <p:childTnLst>
+                              <p:par>
+                                <p:cTn id="9" presetID="1" presetClass="entr" presetSubtype="0" fill="hold" grpId="0" nodeType="clickEffect">
+                                  <p:stCondLst>
+                                    <p:cond delay="0"/>
+                                  </p:stCondLst>
+                                  <p:childTnLst>
+                                    <p:set>
+                                      <p:cBhvr>
+                                        <p:cTn id="10" dur="1" fill="hold">
+                                          <p:stCondLst>
+                                            <p:cond delay="0"/>
+                                          </p:stCondLst>
+                                        </p:cTn>
+                                        <p:tgtEl>
+                                          <p:spTgt spid="3">
+                                            <p:txEl>
+                                              <p:pRg st="1" end="1"/>
+                                            </p:txEl>
+                                          </p:spTgt>
+                                        </p:tgtEl>
+                                        <p:attrNameLst>
+                                          <p:attrName>style.visibility</p:attrName>
+                                        </p:attrNameLst>
+                                      </p:cBhvr>
+                                      <p:to>
+                                        <p:strVal val="visible"/>
+                                      </p:to>
+                                    </p:set>
+                                  </p:childTnLst>
+                                </p:cTn>
+                              </p:par>
+                            </p:childTnLst>
+                          </p:cTn>
+                        </p:par>
+                      </p:childTnLst>
+                    </p:cTn>
+                  </p:par>
+                </p:childTnLst>
+              </p:cTn>
+              <p:prevCondLst>
+                <p:cond evt="onPrev" delay="0">
+                  <p:tgtEl>
+                    <p:sldTgt/>
+                  </p:tgtEl>
+                </p:cond>
+              </p:prevCondLst>
+              <p:nextCondLst>
+                <p:cond evt="onNext" delay="0">
+                  <p:tgtEl>
+                    <p:sldTgt/>
+                  </p:tgtEl>
+                </p:cond>
+              </p:nextCondLst>
+            </p:seq>
+          </p:childTnLst>
+        </p:cTn>
+      </p:par>
+    </p:tnLst>
+    <p:bldLst>
+      <p:bldP spid="3" grpId="0" build="p"/>
+    </p:bldLst>
+  </p:timing>
+</p:sld>
+</file>
+
+<file path=ppt/slides/slide12.xml><?xml version="1.0" encoding="utf-8"?>
+<p:sld xmlns:a="http://schemas.openxmlformats.org/drawingml/2006/main" xmlns:r="http://schemas.openxmlformats.org/officeDocument/2006/relationships" xmlns:p="http://schemas.openxmlformats.org/presentationml/2006/main">
+  <p:cSld>
+    <p:spTree>
+      <p:nvGrpSpPr>
+        <p:cNvPr id="1" name=""/>
+        <p:cNvGrpSpPr/>
+        <p:nvPr/>
+      </p:nvGrpSpPr>
+      <p:grpSpPr>
+        <a:xfrm>
+          <a:off x="0" y="0"/>
+          <a:ext cx="0" cy="0"/>
+          <a:chOff x="0" y="0"/>
+          <a:chExt cx="0" cy="0"/>
+        </a:xfrm>
+      </p:grpSpPr>
+      <p:sp>
+        <p:nvSpPr>
+          <p:cNvPr id="2" name="Title 1">
+            <a:extLst>
+              <a:ext uri="{FF2B5EF4-FFF2-40B4-BE49-F238E27FC236}">
+                <a16:creationId xmlns:a16="http://schemas.microsoft.com/office/drawing/2014/main" id="{6683EA3D-F53A-2173-54E0-60A1F3B68233}"/>
+              </a:ext>
+            </a:extLst>
+          </p:cNvPr>
+          <p:cNvSpPr>
+            <a:spLocks noGrp="1"/>
+          </p:cNvSpPr>
+          <p:nvPr>
+            <p:ph type="title"/>
+          </p:nvPr>
+        </p:nvSpPr>
+        <p:spPr/>
+        <p:txBody>
+          <a:bodyPr>
+            <a:normAutofit fontScale="90000"/>
+          </a:bodyPr>
+          <a:lstStyle/>
+          <a:p>
+            <a:r>
+              <a:rPr lang="en-US" dirty="0"/>
+              <a:t>Solving Free Rigid Body Impact Problems</a:t>
+            </a:r>
+          </a:p>
+        </p:txBody>
+      </p:sp>
+      <p:sp>
+        <p:nvSpPr>
+          <p:cNvPr id="3" name="Content Placeholder 2">
+            <a:extLst>
+              <a:ext uri="{FF2B5EF4-FFF2-40B4-BE49-F238E27FC236}">
+                <a16:creationId xmlns:a16="http://schemas.microsoft.com/office/drawing/2014/main" id="{80DEE6E2-D2CF-FAB0-F187-F8A88B95DEAC}"/>
+              </a:ext>
+            </a:extLst>
+          </p:cNvPr>
+          <p:cNvSpPr>
+            <a:spLocks noGrp="1"/>
+          </p:cNvSpPr>
+          <p:nvPr>
+            <p:ph idx="1"/>
+          </p:nvPr>
+        </p:nvSpPr>
+        <p:spPr/>
+        <p:txBody>
+          <a:bodyPr>
+            <a:normAutofit fontScale="92500" lnSpcReduction="20000"/>
+          </a:bodyPr>
+          <a:lstStyle/>
+          <a:p>
+            <a:r>
+              <a:rPr lang="en-US" dirty="0"/>
+              <a:t>Start by creating a diagram showing the initial and final states.</a:t>
+            </a:r>
+          </a:p>
+          <a:p>
+            <a:pPr lvl="1"/>
+            <a:r>
+              <a:rPr lang="en-US" dirty="0"/>
+              <a:t>Identify any known and unknown values.</a:t>
+            </a:r>
+          </a:p>
+          <a:p>
+            <a:pPr lvl="1"/>
+            <a:r>
+              <a:rPr lang="en-US" dirty="0"/>
+              <a:t>Identify the normal and tangential directions.</a:t>
+            </a:r>
+          </a:p>
+          <a:p>
+            <a:pPr lvl="1"/>
+            <a:r>
+              <a:rPr lang="en-US" dirty="0"/>
+              <a:t>Identify the point of impact (P) and the center of mass (G) of your body.</a:t>
+            </a:r>
+          </a:p>
+          <a:p>
+            <a:r>
+              <a:rPr lang="en-US" dirty="0"/>
+              <a:t>Next, write out the equations discussed in the slides and enter in known values.</a:t>
+            </a:r>
+          </a:p>
+          <a:p>
+            <a:pPr lvl="1"/>
+            <a:r>
+              <a:rPr lang="en-US" dirty="0"/>
+              <a:t>Add an equation relating motion at P to motion at G if necessary.</a:t>
+            </a:r>
+          </a:p>
+          <a:p>
+            <a:r>
+              <a:rPr lang="en-US" dirty="0"/>
+              <a:t>Solve your equations for the unknown values.</a:t>
+            </a:r>
+          </a:p>
+        </p:txBody>
+      </p:sp>
+      <p:sp>
+        <p:nvSpPr>
+          <p:cNvPr id="4" name="Slide Number Placeholder 3">
+            <a:extLst>
+              <a:ext uri="{FF2B5EF4-FFF2-40B4-BE49-F238E27FC236}">
+                <a16:creationId xmlns:a16="http://schemas.microsoft.com/office/drawing/2014/main" id="{63E23932-3BA0-5B5B-45C7-C54FC881AEF5}"/>
+              </a:ext>
+            </a:extLst>
+          </p:cNvPr>
+          <p:cNvSpPr>
+            <a:spLocks noGrp="1"/>
+          </p:cNvSpPr>
+          <p:nvPr>
+            <p:ph type="sldNum" sz="quarter" idx="12"/>
+          </p:nvPr>
+        </p:nvSpPr>
+        <p:spPr/>
+        <p:txBody>
+          <a:bodyPr/>
+          <a:lstStyle/>
+          <a:p>
+            <a:fld id="{929262FE-7F58-4A1E-8AF3-5A510A86DEBD}" type="slidenum">
+              <a:rPr lang="en-US" smtClean="0"/>
+              <a:t>12</a:t>
+            </a:fld>
+            <a:endParaRPr lang="en-US" dirty="0"/>
+          </a:p>
+        </p:txBody>
+      </p:sp>
+    </p:spTree>
+    <p:extLst>
+      <p:ext uri="{BB962C8B-B14F-4D97-AF65-F5344CB8AC3E}">
+        <p14:creationId xmlns:p14="http://schemas.microsoft.com/office/powerpoint/2010/main" val="1160878164"/>
       </p:ext>
     </p:extLst>
   </p:cSld>
@@ -4477,7 +5033,105 @@
                                         <p:tgtEl>
                                           <p:spTgt spid="3">
                                             <p:txEl>
+                                              <p:pRg st="4" end="4"/>
+                                            </p:txEl>
+                                          </p:spTgt>
+                                        </p:tgtEl>
+                                        <p:attrNameLst>
+                                          <p:attrName>style.visibility</p:attrName>
+                                        </p:attrNameLst>
+                                      </p:cBhvr>
+                                      <p:to>
+                                        <p:strVal val="visible"/>
+                                      </p:to>
+                                    </p:set>
+                                  </p:childTnLst>
+                                </p:cTn>
+                              </p:par>
+                            </p:childTnLst>
+                          </p:cTn>
+                        </p:par>
+                      </p:childTnLst>
+                    </p:cTn>
+                  </p:par>
+                  <p:par>
+                    <p:cTn id="23" fill="hold">
+                      <p:stCondLst>
+                        <p:cond delay="indefinite"/>
+                      </p:stCondLst>
+                      <p:childTnLst>
+                        <p:par>
+                          <p:cTn id="24" fill="hold">
+                            <p:stCondLst>
+                              <p:cond delay="0"/>
+                            </p:stCondLst>
+                            <p:childTnLst>
+                              <p:par>
+                                <p:cTn id="25" presetID="1" presetClass="entr" presetSubtype="0" fill="hold" grpId="0" nodeType="clickEffect">
+                                  <p:stCondLst>
+                                    <p:cond delay="0"/>
+                                  </p:stCondLst>
+                                  <p:childTnLst>
+                                    <p:set>
+                                      <p:cBhvr>
+                                        <p:cTn id="26" dur="1" fill="hold">
+                                          <p:stCondLst>
+                                            <p:cond delay="0"/>
+                                          </p:stCondLst>
+                                        </p:cTn>
+                                        <p:tgtEl>
+                                          <p:spTgt spid="3">
+                                            <p:txEl>
                                               <p:pRg st="5" end="5"/>
+                                            </p:txEl>
+                                          </p:spTgt>
+                                        </p:tgtEl>
+                                        <p:attrNameLst>
+                                          <p:attrName>style.visibility</p:attrName>
+                                        </p:attrNameLst>
+                                      </p:cBhvr>
+                                      <p:to>
+                                        <p:strVal val="visible"/>
+                                      </p:to>
+                                    </p:set>
+                                  </p:childTnLst>
+                                </p:cTn>
+                              </p:par>
+                            </p:childTnLst>
+                          </p:cTn>
+                        </p:par>
+                      </p:childTnLst>
+                    </p:cTn>
+                  </p:par>
+                  <p:par>
+                    <p:cTn id="27" fill="hold">
+                      <p:stCondLst>
+                        <p:cond delay="indefinite"/>
+                      </p:stCondLst>
+                      <p:childTnLst>
+                        <p:par>
+                          <p:cTn id="28" fill="hold">
+                            <p:stCondLst>
+                              <p:cond delay="0"/>
+                            </p:stCondLst>
+                            <p:childTnLst>
+                              <p:par>
+                                <p:cTn id="29" presetID="1" presetClass="entr" presetSubtype="0" fill="hold" grpId="0" nodeType="clickEffect">
+                                  <p:stCondLst>
+                                    <p:cond delay="0"/>
+                                  </p:stCondLst>
+                                  <p:childTnLst>
+                                    <p:set>
+                                      <p:cBhvr>
+                                        <p:cTn id="30" dur="1" fill="hold">
+                                          <p:stCondLst>
+                                            <p:cond delay="0"/>
+                                          </p:stCondLst>
+                                        </p:cTn>
+                                        <p:tgtEl>
+                                          <p:spTgt spid="3">
+                                            <p:txEl>
+                                              <p:pRg st="6" end="6"/>
                                             </p:txEl>
                                           </p:spTgt>
                                         </p:tgtEl>
@@ -4526,7 +5180,81 @@
 </p:sld>
 </file>
 
-<file path=ppt/slides/slide4.xml><?xml version="1.0" encoding="utf-8"?>
+<file path=ppt/slides/slide13.xml><?xml version="1.0" encoding="utf-8"?>
+<p:sld xmlns:a="http://schemas.openxmlformats.org/drawingml/2006/main" xmlns:r="http://schemas.openxmlformats.org/officeDocument/2006/relationships" xmlns:p="http://schemas.openxmlformats.org/presentationml/2006/main">
+  <p:cSld>
+    <p:spTree>
+      <p:nvGrpSpPr>
+        <p:cNvPr id="1" name=""/>
+        <p:cNvGrpSpPr/>
+        <p:nvPr/>
+      </p:nvGrpSpPr>
+      <p:grpSpPr>
+        <a:xfrm>
+          <a:off x="0" y="0"/>
+          <a:ext cx="0" cy="0"/>
+          <a:chOff x="0" y="0"/>
+          <a:chExt cx="0" cy="0"/>
+        </a:xfrm>
+      </p:grpSpPr>
+      <p:sp>
+        <p:nvSpPr>
+          <p:cNvPr id="2" name="Title 1"/>
+          <p:cNvSpPr>
+            <a:spLocks noGrp="1"/>
+          </p:cNvSpPr>
+          <p:nvPr>
+            <p:ph type="ctrTitle"/>
+          </p:nvPr>
+        </p:nvSpPr>
+        <p:spPr/>
+        <p:txBody>
+          <a:bodyPr/>
+          <a:lstStyle/>
+          <a:p>
+            <a:r>
+              <a:rPr lang="en-US" dirty="0"/>
+              <a:t>Thanks for Watching</a:t>
+            </a:r>
+          </a:p>
+        </p:txBody>
+      </p:sp>
+      <p:sp>
+        <p:nvSpPr>
+          <p:cNvPr id="3" name="Subtitle 2"/>
+          <p:cNvSpPr>
+            <a:spLocks noGrp="1"/>
+          </p:cNvSpPr>
+          <p:nvPr>
+            <p:ph type="subTitle" idx="1"/>
+          </p:nvPr>
+        </p:nvSpPr>
+        <p:spPr/>
+        <p:txBody>
+          <a:bodyPr/>
+          <a:lstStyle/>
+          <a:p>
+            <a:r>
+              <a:rPr lang="en-US" dirty="0"/>
+              <a:t>See other engineering mechanics videos and access the full tool at…</a:t>
+            </a:r>
+          </a:p>
+        </p:txBody>
+      </p:sp>
+    </p:spTree>
+    <p:extLst>
+      <p:ext uri="{BB962C8B-B14F-4D97-AF65-F5344CB8AC3E}">
+        <p14:creationId xmlns:p14="http://schemas.microsoft.com/office/powerpoint/2010/main" val="3129637585"/>
+      </p:ext>
+    </p:extLst>
+  </p:cSld>
+  <p:clrMapOvr>
+    <a:masterClrMapping/>
+  </p:clrMapOvr>
+</p:sld>
+</file>
+
+<file path=ppt/slides/slide2.xml><?xml version="1.0" encoding="utf-8"?>
 <p:sld xmlns:a="http://schemas.openxmlformats.org/drawingml/2006/main" xmlns:r="http://schemas.openxmlformats.org/officeDocument/2006/relationships" xmlns:p="http://schemas.openxmlformats.org/presentationml/2006/main">
   <p:cSld>
     <p:spTree>
@@ -4548,7 +5276,7 @@
           <p:cNvPr id="2" name="Title 1">
             <a:extLst>
               <a:ext uri="{FF2B5EF4-FFF2-40B4-BE49-F238E27FC236}">
-                <a16:creationId xmlns:a16="http://schemas.microsoft.com/office/drawing/2014/main" id="{4B7AD62A-3DBD-4452-8625-6F2CFEAA90EA}"/>
+                <a16:creationId xmlns:a16="http://schemas.microsoft.com/office/drawing/2014/main" id="{7F9ECAB2-9562-45AA-885D-9CEF60812D74}"/>
               </a:ext>
             </a:extLst>
           </p:cNvPr>
@@ -4566,7 +5294,7 @@
           <a:p>
             <a:r>
               <a:rPr lang="en-US" dirty="0"/>
-              <a:t>Rigid Body Surface Collisions</a:t>
+              <a:t>Free Rigid Body Collisions</a:t>
             </a:r>
           </a:p>
         </p:txBody>
@@ -4576,7 +5304,7 @@
           <p:cNvPr id="3" name="Content Placeholder 2">
             <a:extLst>
               <a:ext uri="{FF2B5EF4-FFF2-40B4-BE49-F238E27FC236}">
-                <a16:creationId xmlns:a16="http://schemas.microsoft.com/office/drawing/2014/main" id="{0733E3D0-D68F-440F-BA6F-B73521BC8944}"/>
+                <a16:creationId xmlns:a16="http://schemas.microsoft.com/office/drawing/2014/main" id="{120F6935-B3E7-4667-962E-F14B737B5EDB}"/>
               </a:ext>
             </a:extLst>
           </p:cNvPr>
@@ -4590,71 +5318,36 @@
         <p:spPr>
           <a:xfrm>
             <a:off x="457200" y="1600200"/>
-            <a:ext cx="4343400" cy="4983162"/>
+            <a:ext cx="4267200" cy="4800600"/>
           </a:xfrm>
         </p:spPr>
         <p:txBody>
           <a:bodyPr>
-            <a:normAutofit fontScale="85000" lnSpcReduction="10000"/>
+            <a:normAutofit lnSpcReduction="10000"/>
           </a:bodyPr>
           <a:lstStyle/>
           <a:p>
             <a:r>
               <a:rPr lang="en-US" dirty="0"/>
-              <a:t>In order to generate three equations, we will need to rely on the normal and tangential directions, just as we did with particle surface collisions.</a:t>
-            </a:r>
-          </a:p>
-          <a:p>
-            <a:pPr lvl="1"/>
+              <a:t>A </a:t>
+            </a:r>
+            <a:r>
+              <a:rPr lang="en-US" b="1" dirty="0"/>
+              <a:t>free rigid body collision</a:t>
+            </a:r>
             <a:r>
               <a:rPr lang="en-US" dirty="0"/>
-              <a:t>The tangential direction is parallel to the surface</a:t>
-            </a:r>
-          </a:p>
-          <a:p>
-            <a:pPr lvl="1"/>
-            <a:r>
-              <a:rPr lang="en-US" dirty="0"/>
-              <a:t>The normal direction is perpendicular to the surface and will be in the direction of the impact forces.</a:t>
-            </a:r>
-          </a:p>
-        </p:txBody>
-      </p:sp>
-      <p:sp>
-        <p:nvSpPr>
-          <p:cNvPr id="4" name="Slide Number Placeholder 3">
-            <a:extLst>
-              <a:ext uri="{FF2B5EF4-FFF2-40B4-BE49-F238E27FC236}">
-                <a16:creationId xmlns:a16="http://schemas.microsoft.com/office/drawing/2014/main" id="{9BB3DA46-FC30-4BC3-BB3B-F0EA9E371B04}"/>
-              </a:ext>
-            </a:extLst>
-          </p:cNvPr>
-          <p:cNvSpPr>
-            <a:spLocks noGrp="1"/>
-          </p:cNvSpPr>
-          <p:nvPr>
-            <p:ph type="sldNum" sz="quarter" idx="12"/>
-          </p:nvPr>
-        </p:nvSpPr>
-        <p:spPr/>
-        <p:txBody>
-          <a:bodyPr/>
-          <a:lstStyle/>
-          <a:p>
-            <a:fld id="{929262FE-7F58-4A1E-8AF3-5A510A86DEBD}" type="slidenum">
-              <a:rPr lang="en-US" smtClean="0"/>
-              <a:t>4</a:t>
-            </a:fld>
-            <a:endParaRPr lang="en-US" dirty="0"/>
+              <a:t> is an instance where two non-anchored or moveable bodies impact one another, and we are treating at least one of those bodies as a rigid body where rotation can occur.</a:t>
+            </a:r>
           </a:p>
         </p:txBody>
       </p:sp>
       <p:pic>
         <p:nvPicPr>
-          <p:cNvPr id="5" name="Picture 2" descr="A wrench dropped on a rigid floor">
+          <p:cNvPr id="1026" name="Picture 2" descr="Grey boulder clipart">
             <a:extLst>
               <a:ext uri="{FF2B5EF4-FFF2-40B4-BE49-F238E27FC236}">
-                <a16:creationId xmlns:a16="http://schemas.microsoft.com/office/drawing/2014/main" id="{C7C20865-EED8-468C-9F12-9F9A051A017F}"/>
+                <a16:creationId xmlns:a16="http://schemas.microsoft.com/office/drawing/2014/main" id="{2F3BD12D-3C3A-80BD-920F-59FC666C3BFB}"/>
               </a:ext>
             </a:extLst>
           </p:cNvPr>
@@ -4664,7 +5357,7 @@
           <p:nvPr/>
         </p:nvPicPr>
         <p:blipFill>
-          <a:blip r:embed="rId2">
+          <a:blip r:embed="rId2" cstate="print">
             <a:extLst>
               <a:ext uri="{28A0092B-C50C-407E-A947-70E740481C1C}">
                 <a14:useLocalDpi xmlns:a14="http://schemas.microsoft.com/office/drawing/2010/main" val="0"/>
@@ -4678,8 +5371,8 @@
         </p:blipFill>
         <p:spPr bwMode="auto">
           <a:xfrm>
-            <a:off x="4933950" y="2285999"/>
-            <a:ext cx="3714750" cy="2790825"/>
+            <a:off x="5173870" y="2857866"/>
+            <a:ext cx="228600" cy="205168"/>
           </a:xfrm>
           <a:prstGeom prst="rect">
             <a:avLst/>
@@ -4696,10 +5389,636 @@
           </a:extLst>
         </p:spPr>
       </p:pic>
+      <p:grpSp>
+        <p:nvGrpSpPr>
+          <p:cNvPr id="27" name="Group 26">
+            <a:extLst>
+              <a:ext uri="{FF2B5EF4-FFF2-40B4-BE49-F238E27FC236}">
+                <a16:creationId xmlns:a16="http://schemas.microsoft.com/office/drawing/2014/main" id="{D44D6AF9-1071-F96A-19E4-EBF927DC057A}"/>
+              </a:ext>
+            </a:extLst>
+          </p:cNvPr>
+          <p:cNvGrpSpPr/>
+          <p:nvPr/>
+        </p:nvGrpSpPr>
+        <p:grpSpPr>
+          <a:xfrm>
+            <a:off x="4600574" y="3345418"/>
+            <a:ext cx="4343401" cy="1752600"/>
+            <a:chOff x="5410200" y="3048000"/>
+            <a:chExt cx="8231911" cy="2743200"/>
+          </a:xfrm>
+        </p:grpSpPr>
+        <p:sp>
+          <p:nvSpPr>
+            <p:cNvPr id="8" name="Can 3">
+              <a:extLst>
+                <a:ext uri="{FF2B5EF4-FFF2-40B4-BE49-F238E27FC236}">
+                  <a16:creationId xmlns:a16="http://schemas.microsoft.com/office/drawing/2014/main" id="{DE723DBC-62EE-D815-87F7-0C51AB56E665}"/>
+                </a:ext>
+              </a:extLst>
+            </p:cNvPr>
+            <p:cNvSpPr/>
+            <p:nvPr/>
+          </p:nvSpPr>
+          <p:spPr>
+            <a:xfrm>
+              <a:off x="8686800" y="3048000"/>
+              <a:ext cx="1676400" cy="2743200"/>
+            </a:xfrm>
+            <a:prstGeom prst="can">
+              <a:avLst/>
+            </a:prstGeom>
+          </p:spPr>
+          <p:style>
+            <a:lnRef idx="1">
+              <a:schemeClr val="dk1"/>
+            </a:lnRef>
+            <a:fillRef idx="2">
+              <a:schemeClr val="dk1"/>
+            </a:fillRef>
+            <a:effectRef idx="1">
+              <a:schemeClr val="dk1"/>
+            </a:effectRef>
+            <a:fontRef idx="minor">
+              <a:schemeClr val="dk1"/>
+            </a:fontRef>
+          </p:style>
+          <p:txBody>
+            <a:bodyPr rtlCol="0" anchor="ctr"/>
+            <a:lstStyle/>
+            <a:p>
+              <a:pPr algn="ctr"/>
+              <a:endParaRPr lang="en-US"/>
+            </a:p>
+          </p:txBody>
+        </p:sp>
+        <p:sp>
+          <p:nvSpPr>
+            <p:cNvPr id="9" name="Parallelogram 8">
+              <a:extLst>
+                <a:ext uri="{FF2B5EF4-FFF2-40B4-BE49-F238E27FC236}">
+                  <a16:creationId xmlns:a16="http://schemas.microsoft.com/office/drawing/2014/main" id="{1CDAE3D5-0A86-8189-A59A-FF81C48135FF}"/>
+                </a:ext>
+              </a:extLst>
+            </p:cNvPr>
+            <p:cNvSpPr/>
+            <p:nvPr/>
+          </p:nvSpPr>
+          <p:spPr>
+            <a:xfrm>
+              <a:off x="5410200" y="3886201"/>
+              <a:ext cx="3276601" cy="1066801"/>
+            </a:xfrm>
+            <a:prstGeom prst="parallelogram">
+              <a:avLst>
+                <a:gd name="adj" fmla="val 137554"/>
+              </a:avLst>
+            </a:prstGeom>
+          </p:spPr>
+          <p:style>
+            <a:lnRef idx="2">
+              <a:schemeClr val="dk1">
+                <a:shade val="50000"/>
+              </a:schemeClr>
+            </a:lnRef>
+            <a:fillRef idx="1">
+              <a:schemeClr val="dk1"/>
+            </a:fillRef>
+            <a:effectRef idx="0">
+              <a:schemeClr val="dk1"/>
+            </a:effectRef>
+            <a:fontRef idx="minor">
+              <a:schemeClr val="lt1"/>
+            </a:fontRef>
+          </p:style>
+          <p:txBody>
+            <a:bodyPr rtlCol="0" anchor="ctr"/>
+            <a:lstStyle/>
+            <a:p>
+              <a:pPr algn="ctr"/>
+              <a:endParaRPr lang="en-US"/>
+            </a:p>
+          </p:txBody>
+        </p:sp>
+        <p:sp>
+          <p:nvSpPr>
+            <p:cNvPr id="10" name="Parallelogram 9">
+              <a:extLst>
+                <a:ext uri="{FF2B5EF4-FFF2-40B4-BE49-F238E27FC236}">
+                  <a16:creationId xmlns:a16="http://schemas.microsoft.com/office/drawing/2014/main" id="{38DC4C78-00CC-F17D-2C22-6DFBB00B2145}"/>
+                </a:ext>
+              </a:extLst>
+            </p:cNvPr>
+            <p:cNvSpPr/>
+            <p:nvPr/>
+          </p:nvSpPr>
+          <p:spPr>
+            <a:xfrm>
+              <a:off x="10363202" y="3886201"/>
+              <a:ext cx="3278909" cy="1066801"/>
+            </a:xfrm>
+            <a:prstGeom prst="parallelogram">
+              <a:avLst>
+                <a:gd name="adj" fmla="val 137554"/>
+              </a:avLst>
+            </a:prstGeom>
+          </p:spPr>
+          <p:style>
+            <a:lnRef idx="2">
+              <a:schemeClr val="dk1">
+                <a:shade val="50000"/>
+              </a:schemeClr>
+            </a:lnRef>
+            <a:fillRef idx="1">
+              <a:schemeClr val="dk1"/>
+            </a:fillRef>
+            <a:effectRef idx="0">
+              <a:schemeClr val="dk1"/>
+            </a:effectRef>
+            <a:fontRef idx="minor">
+              <a:schemeClr val="lt1"/>
+            </a:fontRef>
+          </p:style>
+          <p:txBody>
+            <a:bodyPr rtlCol="0" anchor="ctr"/>
+            <a:lstStyle/>
+            <a:p>
+              <a:pPr algn="ctr"/>
+              <a:endParaRPr lang="en-US"/>
+            </a:p>
+          </p:txBody>
+        </p:sp>
+        <p:cxnSp>
+          <p:nvCxnSpPr>
+            <p:cNvPr id="11" name="Straight Connector 10">
+              <a:extLst>
+                <a:ext uri="{FF2B5EF4-FFF2-40B4-BE49-F238E27FC236}">
+                  <a16:creationId xmlns:a16="http://schemas.microsoft.com/office/drawing/2014/main" id="{5F44D1BF-8FDB-72EF-3B2F-701D4E23AE86}"/>
+                </a:ext>
+              </a:extLst>
+            </p:cNvPr>
+            <p:cNvCxnSpPr>
+              <a:cxnSpLocks/>
+              <a:stCxn id="9" idx="2"/>
+              <a:endCxn id="8" idx="2"/>
+            </p:cNvCxnSpPr>
+            <p:nvPr/>
+          </p:nvCxnSpPr>
+          <p:spPr>
+            <a:xfrm flipV="1">
+              <a:off x="7798373" y="4419600"/>
+              <a:ext cx="888428" cy="2"/>
+            </a:xfrm>
+            <a:prstGeom prst="line">
+              <a:avLst/>
+            </a:prstGeom>
+          </p:spPr>
+          <p:style>
+            <a:lnRef idx="2">
+              <a:schemeClr val="dk1"/>
+            </a:lnRef>
+            <a:fillRef idx="0">
+              <a:schemeClr val="dk1"/>
+            </a:fillRef>
+            <a:effectRef idx="1">
+              <a:schemeClr val="dk1"/>
+            </a:effectRef>
+            <a:fontRef idx="minor">
+              <a:schemeClr val="tx1"/>
+            </a:fontRef>
+          </p:style>
+        </p:cxnSp>
+        <p:cxnSp>
+          <p:nvCxnSpPr>
+            <p:cNvPr id="12" name="Straight Connector 11">
+              <a:extLst>
+                <a:ext uri="{FF2B5EF4-FFF2-40B4-BE49-F238E27FC236}">
+                  <a16:creationId xmlns:a16="http://schemas.microsoft.com/office/drawing/2014/main" id="{C0EBB086-2F9B-8D41-CBF5-CB5AC7B16EDC}"/>
+                </a:ext>
+              </a:extLst>
+            </p:cNvPr>
+            <p:cNvCxnSpPr>
+              <a:cxnSpLocks/>
+              <a:stCxn id="8" idx="4"/>
+              <a:endCxn id="10" idx="5"/>
+            </p:cNvCxnSpPr>
+            <p:nvPr/>
+          </p:nvCxnSpPr>
+          <p:spPr>
+            <a:xfrm>
+              <a:off x="10363200" y="4419600"/>
+              <a:ext cx="888430" cy="2"/>
+            </a:xfrm>
+            <a:prstGeom prst="line">
+              <a:avLst/>
+            </a:prstGeom>
+          </p:spPr>
+          <p:style>
+            <a:lnRef idx="2">
+              <a:schemeClr val="dk1"/>
+            </a:lnRef>
+            <a:fillRef idx="0">
+              <a:schemeClr val="dk1"/>
+            </a:fillRef>
+            <a:effectRef idx="1">
+              <a:schemeClr val="dk1"/>
+            </a:effectRef>
+            <a:fontRef idx="minor">
+              <a:schemeClr val="tx1"/>
+            </a:fontRef>
+          </p:style>
+        </p:cxnSp>
+      </p:grpSp>
+      <p:cxnSp>
+        <p:nvCxnSpPr>
+          <p:cNvPr id="31" name="Straight Arrow Connector 30">
+            <a:extLst>
+              <a:ext uri="{FF2B5EF4-FFF2-40B4-BE49-F238E27FC236}">
+                <a16:creationId xmlns:a16="http://schemas.microsoft.com/office/drawing/2014/main" id="{3D92828E-1D6B-E898-DB32-98F1A074440E}"/>
+              </a:ext>
+            </a:extLst>
+          </p:cNvPr>
+          <p:cNvCxnSpPr/>
+          <p:nvPr/>
+        </p:nvCxnSpPr>
+        <p:spPr>
+          <a:xfrm>
+            <a:off x="5438775" y="3063034"/>
+            <a:ext cx="635892" cy="363284"/>
+          </a:xfrm>
+          <a:prstGeom prst="straightConnector1">
+            <a:avLst/>
+          </a:prstGeom>
+          <a:ln>
+            <a:tailEnd type="triangle"/>
+          </a:ln>
+        </p:spPr>
+        <p:style>
+          <a:lnRef idx="1">
+            <a:schemeClr val="accent1"/>
+          </a:lnRef>
+          <a:fillRef idx="0">
+            <a:schemeClr val="accent1"/>
+          </a:fillRef>
+          <a:effectRef idx="0">
+            <a:schemeClr val="accent1"/>
+          </a:effectRef>
+          <a:fontRef idx="minor">
+            <a:schemeClr val="tx1"/>
+          </a:fontRef>
+        </p:style>
+      </p:cxnSp>
     </p:spTree>
     <p:extLst>
       <p:ext uri="{BB962C8B-B14F-4D97-AF65-F5344CB8AC3E}">
-        <p14:creationId xmlns:p14="http://schemas.microsoft.com/office/powerpoint/2010/main" val="1732401943"/>
+        <p14:creationId xmlns:p14="http://schemas.microsoft.com/office/powerpoint/2010/main" val="458503082"/>
+      </p:ext>
+    </p:extLst>
+  </p:cSld>
+  <p:clrMapOvr>
+    <a:masterClrMapping/>
+  </p:clrMapOvr>
+  <p:timing>
+    <p:tnLst>
+      <p:par>
+        <p:cTn id="1" dur="indefinite" restart="never" nodeType="tmRoot">
+          <p:childTnLst>
+            <p:seq concurrent="1" nextAc="seek">
+              <p:cTn id="2" dur="indefinite" nodeType="mainSeq">
+                <p:childTnLst>
+                  <p:par>
+                    <p:cTn id="3" fill="hold">
+                      <p:stCondLst>
+                        <p:cond delay="indefinite"/>
+                      </p:stCondLst>
+                      <p:childTnLst>
+                        <p:par>
+                          <p:cTn id="4" fill="hold">
+                            <p:stCondLst>
+                              <p:cond delay="0"/>
+                            </p:stCondLst>
+                            <p:childTnLst>
+                              <p:par>
+                                <p:cTn id="5" presetID="1" presetClass="entr" presetSubtype="0" fill="hold" grpId="0" nodeType="clickEffect">
+                                  <p:stCondLst>
+                                    <p:cond delay="0"/>
+                                  </p:stCondLst>
+                                  <p:childTnLst>
+                                    <p:set>
+                                      <p:cBhvr>
+                                        <p:cTn id="6" dur="1" fill="hold">
+                                          <p:stCondLst>
+                                            <p:cond delay="0"/>
+                                          </p:stCondLst>
+                                        </p:cTn>
+                                        <p:tgtEl>
+                                          <p:spTgt spid="3">
+                                            <p:txEl>
+                                              <p:pRg st="0" end="0"/>
+                                            </p:txEl>
+                                          </p:spTgt>
+                                        </p:tgtEl>
+                                        <p:attrNameLst>
+                                          <p:attrName>style.visibility</p:attrName>
+                                        </p:attrNameLst>
+                                      </p:cBhvr>
+                                      <p:to>
+                                        <p:strVal val="visible"/>
+                                      </p:to>
+                                    </p:set>
+                                  </p:childTnLst>
+                                </p:cTn>
+                              </p:par>
+                            </p:childTnLst>
+                          </p:cTn>
+                        </p:par>
+                      </p:childTnLst>
+                    </p:cTn>
+                  </p:par>
+                  <p:par>
+                    <p:cTn id="7" fill="hold">
+                      <p:stCondLst>
+                        <p:cond delay="indefinite"/>
+                      </p:stCondLst>
+                      <p:childTnLst>
+                        <p:par>
+                          <p:cTn id="8" fill="hold">
+                            <p:stCondLst>
+                              <p:cond delay="0"/>
+                            </p:stCondLst>
+                            <p:childTnLst>
+                              <p:par>
+                                <p:cTn id="9" presetID="10" presetClass="entr" presetSubtype="0" fill="hold" nodeType="clickEffect">
+                                  <p:stCondLst>
+                                    <p:cond delay="0"/>
+                                  </p:stCondLst>
+                                  <p:childTnLst>
+                                    <p:set>
+                                      <p:cBhvr>
+                                        <p:cTn id="10" dur="1" fill="hold">
+                                          <p:stCondLst>
+                                            <p:cond delay="0"/>
+                                          </p:stCondLst>
+                                        </p:cTn>
+                                        <p:tgtEl>
+                                          <p:spTgt spid="27"/>
+                                        </p:tgtEl>
+                                        <p:attrNameLst>
+                                          <p:attrName>style.visibility</p:attrName>
+                                        </p:attrNameLst>
+                                      </p:cBhvr>
+                                      <p:to>
+                                        <p:strVal val="visible"/>
+                                      </p:to>
+                                    </p:set>
+                                    <p:animEffect transition="in" filter="fade">
+                                      <p:cBhvr>
+                                        <p:cTn id="11" dur="500"/>
+                                        <p:tgtEl>
+                                          <p:spTgt spid="27"/>
+                                        </p:tgtEl>
+                                      </p:cBhvr>
+                                    </p:animEffect>
+                                  </p:childTnLst>
+                                </p:cTn>
+                              </p:par>
+                            </p:childTnLst>
+                          </p:cTn>
+                        </p:par>
+                      </p:childTnLst>
+                    </p:cTn>
+                  </p:par>
+                  <p:par>
+                    <p:cTn id="12" fill="hold">
+                      <p:stCondLst>
+                        <p:cond delay="indefinite"/>
+                      </p:stCondLst>
+                      <p:childTnLst>
+                        <p:par>
+                          <p:cTn id="13" fill="hold">
+                            <p:stCondLst>
+                              <p:cond delay="0"/>
+                            </p:stCondLst>
+                            <p:childTnLst>
+                              <p:par>
+                                <p:cTn id="14" presetID="10" presetClass="entr" presetSubtype="0" fill="hold" nodeType="clickEffect">
+                                  <p:stCondLst>
+                                    <p:cond delay="0"/>
+                                  </p:stCondLst>
+                                  <p:childTnLst>
+                                    <p:set>
+                                      <p:cBhvr>
+                                        <p:cTn id="15" dur="1" fill="hold">
+                                          <p:stCondLst>
+                                            <p:cond delay="0"/>
+                                          </p:stCondLst>
+                                        </p:cTn>
+                                        <p:tgtEl>
+                                          <p:spTgt spid="1026"/>
+                                        </p:tgtEl>
+                                        <p:attrNameLst>
+                                          <p:attrName>style.visibility</p:attrName>
+                                        </p:attrNameLst>
+                                      </p:cBhvr>
+                                      <p:to>
+                                        <p:strVal val="visible"/>
+                                      </p:to>
+                                    </p:set>
+                                    <p:animEffect transition="in" filter="fade">
+                                      <p:cBhvr>
+                                        <p:cTn id="16" dur="500"/>
+                                        <p:tgtEl>
+                                          <p:spTgt spid="1026"/>
+                                        </p:tgtEl>
+                                      </p:cBhvr>
+                                    </p:animEffect>
+                                  </p:childTnLst>
+                                </p:cTn>
+                              </p:par>
+                              <p:par>
+                                <p:cTn id="17" presetID="10" presetClass="entr" presetSubtype="0" fill="hold" nodeType="withEffect">
+                                  <p:stCondLst>
+                                    <p:cond delay="0"/>
+                                  </p:stCondLst>
+                                  <p:childTnLst>
+                                    <p:set>
+                                      <p:cBhvr>
+                                        <p:cTn id="18" dur="1" fill="hold">
+                                          <p:stCondLst>
+                                            <p:cond delay="0"/>
+                                          </p:stCondLst>
+                                        </p:cTn>
+                                        <p:tgtEl>
+                                          <p:spTgt spid="31"/>
+                                        </p:tgtEl>
+                                        <p:attrNameLst>
+                                          <p:attrName>style.visibility</p:attrName>
+                                        </p:attrNameLst>
+                                      </p:cBhvr>
+                                      <p:to>
+                                        <p:strVal val="visible"/>
+                                      </p:to>
+                                    </p:set>
+                                    <p:animEffect transition="in" filter="fade">
+                                      <p:cBhvr>
+                                        <p:cTn id="19" dur="500"/>
+                                        <p:tgtEl>
+                                          <p:spTgt spid="31"/>
+                                        </p:tgtEl>
+                                      </p:cBhvr>
+                                    </p:animEffect>
+                                  </p:childTnLst>
+                                </p:cTn>
+                              </p:par>
+                            </p:childTnLst>
+                          </p:cTn>
+                        </p:par>
+                      </p:childTnLst>
+                    </p:cTn>
+                  </p:par>
+                </p:childTnLst>
+              </p:cTn>
+              <p:prevCondLst>
+                <p:cond evt="onPrev" delay="0">
+                  <p:tgtEl>
+                    <p:sldTgt/>
+                  </p:tgtEl>
+                </p:cond>
+              </p:prevCondLst>
+              <p:nextCondLst>
+                <p:cond evt="onNext" delay="0">
+                  <p:tgtEl>
+                    <p:sldTgt/>
+                  </p:tgtEl>
+                </p:cond>
+              </p:nextCondLst>
+            </p:seq>
+          </p:childTnLst>
+        </p:cTn>
+      </p:par>
+    </p:tnLst>
+    <p:bldLst>
+      <p:bldP spid="3" grpId="0" uiExpand="1" build="p"/>
+    </p:bldLst>
+  </p:timing>
+</p:sld>
+</file>
+
+<file path=ppt/slides/slide3.xml><?xml version="1.0" encoding="utf-8"?>
+<p:sld xmlns:a="http://schemas.openxmlformats.org/drawingml/2006/main" xmlns:r="http://schemas.openxmlformats.org/officeDocument/2006/relationships" xmlns:p="http://schemas.openxmlformats.org/presentationml/2006/main">
+  <p:cSld>
+    <p:spTree>
+      <p:nvGrpSpPr>
+        <p:cNvPr id="1" name=""/>
+        <p:cNvGrpSpPr/>
+        <p:nvPr/>
+      </p:nvGrpSpPr>
+      <p:grpSpPr>
+        <a:xfrm>
+          <a:off x="0" y="0"/>
+          <a:ext cx="0" cy="0"/>
+          <a:chOff x="0" y="0"/>
+          <a:chExt cx="0" cy="0"/>
+        </a:xfrm>
+      </p:grpSpPr>
+      <p:sp>
+        <p:nvSpPr>
+          <p:cNvPr id="2" name="Title 1">
+            <a:extLst>
+              <a:ext uri="{FF2B5EF4-FFF2-40B4-BE49-F238E27FC236}">
+                <a16:creationId xmlns:a16="http://schemas.microsoft.com/office/drawing/2014/main" id="{7C8D3478-5F96-47D5-92DE-4D32E54569DF}"/>
+              </a:ext>
+            </a:extLst>
+          </p:cNvPr>
+          <p:cNvSpPr>
+            <a:spLocks noGrp="1"/>
+          </p:cNvSpPr>
+          <p:nvPr>
+            <p:ph type="title"/>
+          </p:nvPr>
+        </p:nvSpPr>
+        <p:spPr/>
+        <p:txBody>
+          <a:bodyPr/>
+          <a:lstStyle/>
+          <a:p>
+            <a:r>
+              <a:rPr lang="en-US" dirty="0"/>
+              <a:t>Rigid Body Surface Collisions</a:t>
+            </a:r>
+          </a:p>
+        </p:txBody>
+      </p:sp>
+      <p:sp>
+        <p:nvSpPr>
+          <p:cNvPr id="3" name="Content Placeholder 2">
+            <a:extLst>
+              <a:ext uri="{FF2B5EF4-FFF2-40B4-BE49-F238E27FC236}">
+                <a16:creationId xmlns:a16="http://schemas.microsoft.com/office/drawing/2014/main" id="{2A920D22-918F-4088-AC90-B17B66623CCB}"/>
+              </a:ext>
+            </a:extLst>
+          </p:cNvPr>
+          <p:cNvSpPr>
+            <a:spLocks noGrp="1"/>
+          </p:cNvSpPr>
+          <p:nvPr>
+            <p:ph idx="1"/>
+          </p:nvPr>
+        </p:nvSpPr>
+        <p:spPr/>
+        <p:txBody>
+          <a:bodyPr>
+            <a:normAutofit/>
+          </a:bodyPr>
+          <a:lstStyle/>
+          <a:p>
+            <a:r>
+              <a:rPr lang="en-US" dirty="0"/>
+              <a:t>With free rigid body collisions, the impact can end up being very chaotic with both linear and angular velocities for each of the bodies involved before and after the impact.</a:t>
+            </a:r>
+          </a:p>
+          <a:p>
+            <a:r>
+              <a:rPr lang="en-US" dirty="0"/>
+              <a:t>Despite this, with enough information we should still be able to predict the outcome of an impact given all the information prior to the free rigid body impact.</a:t>
+            </a:r>
+          </a:p>
+        </p:txBody>
+      </p:sp>
+      <p:sp>
+        <p:nvSpPr>
+          <p:cNvPr id="4" name="Slide Number Placeholder 3">
+            <a:extLst>
+              <a:ext uri="{FF2B5EF4-FFF2-40B4-BE49-F238E27FC236}">
+                <a16:creationId xmlns:a16="http://schemas.microsoft.com/office/drawing/2014/main" id="{15EC7D60-E362-422D-B594-FB68F9B2D6E8}"/>
+              </a:ext>
+            </a:extLst>
+          </p:cNvPr>
+          <p:cNvSpPr>
+            <a:spLocks noGrp="1"/>
+          </p:cNvSpPr>
+          <p:nvPr>
+            <p:ph type="sldNum" sz="quarter" idx="12"/>
+          </p:nvPr>
+        </p:nvSpPr>
+        <p:spPr/>
+        <p:txBody>
+          <a:bodyPr/>
+          <a:lstStyle/>
+          <a:p>
+            <a:fld id="{929262FE-7F58-4A1E-8AF3-5A510A86DEBD}" type="slidenum">
+              <a:rPr lang="en-US" smtClean="0"/>
+              <a:t>3</a:t>
+            </a:fld>
+            <a:endParaRPr lang="en-US" dirty="0"/>
+          </a:p>
+        </p:txBody>
+      </p:sp>
+    </p:spTree>
+    <p:extLst>
+      <p:ext uri="{BB962C8B-B14F-4D97-AF65-F5344CB8AC3E}">
+        <p14:creationId xmlns:p14="http://schemas.microsoft.com/office/powerpoint/2010/main" val="3782184083"/>
       </p:ext>
     </p:extLst>
   </p:cSld>
@@ -4812,55 +6131,6 @@
                       </p:childTnLst>
                     </p:cTn>
                   </p:par>
-                  <p:par>
-                    <p:cTn id="11" fill="hold">
-                      <p:stCondLst>
-                        <p:cond delay="indefinite"/>
-                      </p:stCondLst>
-                      <p:childTnLst>
-                        <p:par>
-                          <p:cTn id="12" fill="hold">
-                            <p:stCondLst>
-                              <p:cond delay="0"/>
-                            </p:stCondLst>
-                            <p:childTnLst>
-                              <p:par>
-                                <p:cTn id="13" presetID="1" presetClass="entr" presetSubtype="0" fill="hold" grpId="0" nodeType="clickEffect">
-                                  <p:stCondLst>
-                                    <p:cond delay="0"/>
-                                  </p:stCondLst>
-                                  <p:childTnLst>
-                                    <p:set>
-                                      <p:cBhvr>
-                                        <p:cTn id="14" dur="1" fill="hold">
-                                          <p:stCondLst>
-                                            <p:cond delay="0"/>
-                                          </p:stCondLst>
-                                        </p:cTn>
-                                        <p:tgtEl>
-                                          <p:spTgt spid="3">
-                                            <p:txEl>
-                                              <p:pRg st="2" end="2"/>
-                                            </p:txEl>
-                                          </p:spTgt>
-                                        </p:tgtEl>
-                                        <p:attrNameLst>
-                                          <p:attrName>style.visibility</p:attrName>
-                                        </p:attrNameLst>
-                                      </p:cBhvr>
-                                      <p:to>
-                                        <p:strVal val="visible"/>
-                                      </p:to>
-                                    </p:set>
-                                  </p:childTnLst>
-                                </p:cTn>
-                              </p:par>
-                            </p:childTnLst>
-                          </p:cTn>
-                        </p:par>
-                      </p:childTnLst>
-                    </p:cTn>
-                  </p:par>
                 </p:childTnLst>
               </p:cTn>
               <p:prevCondLst>
@@ -4889,6 +6159,335 @@
 </p:sld>
 </file>
 
+<file path=ppt/slides/slide4.xml><?xml version="1.0" encoding="utf-8"?>
+<p:sld xmlns:a="http://schemas.openxmlformats.org/drawingml/2006/main" xmlns:r="http://schemas.openxmlformats.org/officeDocument/2006/relationships" xmlns:p="http://schemas.openxmlformats.org/presentationml/2006/main">
+  <p:cSld>
+    <p:spTree>
+      <p:nvGrpSpPr>
+        <p:cNvPr id="1" name=""/>
+        <p:cNvGrpSpPr/>
+        <p:nvPr/>
+      </p:nvGrpSpPr>
+      <p:grpSpPr>
+        <a:xfrm>
+          <a:off x="0" y="0"/>
+          <a:ext cx="0" cy="0"/>
+          <a:chOff x="0" y="0"/>
+          <a:chExt cx="0" cy="0"/>
+        </a:xfrm>
+      </p:grpSpPr>
+      <p:sp>
+        <p:nvSpPr>
+          <p:cNvPr id="2" name="Title 1"/>
+          <p:cNvSpPr>
+            <a:spLocks noGrp="1"/>
+          </p:cNvSpPr>
+          <p:nvPr>
+            <p:ph type="title"/>
+          </p:nvPr>
+        </p:nvSpPr>
+        <p:spPr/>
+        <p:txBody>
+          <a:bodyPr/>
+          <a:lstStyle/>
+          <a:p>
+            <a:r>
+              <a:rPr lang="en-US" dirty="0"/>
+              <a:t>Types of Collisions</a:t>
+            </a:r>
+          </a:p>
+        </p:txBody>
+      </p:sp>
+      <p:sp>
+        <p:nvSpPr>
+          <p:cNvPr id="3" name="Content Placeholder 2"/>
+          <p:cNvSpPr>
+            <a:spLocks noGrp="1"/>
+          </p:cNvSpPr>
+          <p:nvPr>
+            <p:ph idx="1"/>
+          </p:nvPr>
+        </p:nvSpPr>
+        <p:spPr>
+          <a:xfrm>
+            <a:off x="2057400" y="1524000"/>
+            <a:ext cx="6858000" cy="4800600"/>
+          </a:xfrm>
+        </p:spPr>
+        <p:txBody>
+          <a:bodyPr>
+            <a:normAutofit fontScale="70000" lnSpcReduction="20000"/>
+          </a:bodyPr>
+          <a:lstStyle/>
+          <a:p>
+            <a:r>
+              <a:rPr lang="en-US" dirty="0"/>
+              <a:t>Elastic collisions:</a:t>
+            </a:r>
+          </a:p>
+          <a:p>
+            <a:pPr lvl="1"/>
+            <a:r>
+              <a:rPr lang="en-US" dirty="0"/>
+              <a:t>Usually a good approximation of two rigid bodies colliding without permanent deformation.</a:t>
+            </a:r>
+          </a:p>
+          <a:p>
+            <a:pPr lvl="1"/>
+            <a:r>
+              <a:rPr lang="en-US" dirty="0"/>
+              <a:t>100% of the kinetic energy is conserved.</a:t>
+            </a:r>
+          </a:p>
+          <a:p>
+            <a:r>
+              <a:rPr lang="en-US" dirty="0"/>
+              <a:t>Semi-Elastic collisions:</a:t>
+            </a:r>
+          </a:p>
+          <a:p>
+            <a:pPr lvl="1"/>
+            <a:r>
+              <a:rPr lang="en-US" dirty="0"/>
+              <a:t>Somewhere between elastic and inelastic.</a:t>
+            </a:r>
+          </a:p>
+          <a:p>
+            <a:pPr lvl="1"/>
+            <a:r>
+              <a:rPr lang="en-US" dirty="0"/>
+              <a:t>More kinetic energy conserved than in inelastic collision, less than 100% of kinetic energy conserved though.</a:t>
+            </a:r>
+          </a:p>
+          <a:p>
+            <a:pPr lvl="1"/>
+            <a:r>
+              <a:rPr lang="en-US" dirty="0"/>
+              <a:t>Coefficient of restitution relates kinetic energy before to kinetic energy after.</a:t>
+            </a:r>
+          </a:p>
+          <a:p>
+            <a:r>
+              <a:rPr lang="en-US" dirty="0"/>
+              <a:t>Inelastic collisions</a:t>
+            </a:r>
+          </a:p>
+          <a:p>
+            <a:pPr lvl="1"/>
+            <a:r>
+              <a:rPr lang="en-US" dirty="0"/>
+              <a:t>Occurs when bodies stick together after colliding.</a:t>
+            </a:r>
+          </a:p>
+          <a:p>
+            <a:pPr lvl="1"/>
+            <a:r>
+              <a:rPr lang="en-US" dirty="0"/>
+              <a:t>Velocities of two bodies are the same after collision.</a:t>
+            </a:r>
+          </a:p>
+          <a:p>
+            <a:pPr lvl="1"/>
+            <a:r>
+              <a:rPr lang="en-US" dirty="0"/>
+              <a:t>Lowest amount of kinetic energy conserved (still some is conserved)</a:t>
+            </a:r>
+          </a:p>
+        </p:txBody>
+      </p:sp>
+      <p:sp>
+        <p:nvSpPr>
+          <p:cNvPr id="4" name="Slide Number Placeholder 3"/>
+          <p:cNvSpPr>
+            <a:spLocks noGrp="1"/>
+          </p:cNvSpPr>
+          <p:nvPr>
+            <p:ph type="sldNum" sz="quarter" idx="12"/>
+          </p:nvPr>
+        </p:nvSpPr>
+        <p:spPr/>
+        <p:txBody>
+          <a:bodyPr/>
+          <a:lstStyle/>
+          <a:p>
+            <a:fld id="{929262FE-7F58-4A1E-8AF3-5A510A86DEBD}" type="slidenum">
+              <a:rPr lang="en-US" smtClean="0"/>
+              <a:t>4</a:t>
+            </a:fld>
+            <a:endParaRPr lang="en-US"/>
+          </a:p>
+        </p:txBody>
+      </p:sp>
+      <p:sp>
+        <p:nvSpPr>
+          <p:cNvPr id="5" name="Arrow: Left-Right 4">
+            <a:extLst>
+              <a:ext uri="{FF2B5EF4-FFF2-40B4-BE49-F238E27FC236}">
+                <a16:creationId xmlns:a16="http://schemas.microsoft.com/office/drawing/2014/main" id="{FD832A43-08A8-465A-B98E-2F6015283573}"/>
+              </a:ext>
+            </a:extLst>
+          </p:cNvPr>
+          <p:cNvSpPr/>
+          <p:nvPr/>
+        </p:nvSpPr>
+        <p:spPr>
+          <a:xfrm rot="16200000">
+            <a:off x="-676596" y="3382962"/>
+            <a:ext cx="3581400" cy="685800"/>
+          </a:xfrm>
+          <a:prstGeom prst="leftRightArrow">
+            <a:avLst/>
+          </a:prstGeom>
+          <a:noFill/>
+          <a:ln>
+            <a:solidFill>
+              <a:schemeClr val="tx1"/>
+            </a:solidFill>
+          </a:ln>
+        </p:spPr>
+        <p:style>
+          <a:lnRef idx="2">
+            <a:schemeClr val="accent2">
+              <a:shade val="50000"/>
+            </a:schemeClr>
+          </a:lnRef>
+          <a:fillRef idx="1">
+            <a:schemeClr val="accent2"/>
+          </a:fillRef>
+          <a:effectRef idx="0">
+            <a:schemeClr val="accent2"/>
+          </a:effectRef>
+          <a:fontRef idx="minor">
+            <a:schemeClr val="lt1"/>
+          </a:fontRef>
+        </p:style>
+        <p:txBody>
+          <a:bodyPr rtlCol="0" anchor="ctr"/>
+          <a:lstStyle/>
+          <a:p>
+            <a:pPr algn="ctr"/>
+            <a:endParaRPr lang="en-US"/>
+          </a:p>
+        </p:txBody>
+      </p:sp>
+      <p:sp>
+        <p:nvSpPr>
+          <p:cNvPr id="6" name="TextBox 5">
+            <a:extLst>
+              <a:ext uri="{FF2B5EF4-FFF2-40B4-BE49-F238E27FC236}">
+                <a16:creationId xmlns:a16="http://schemas.microsoft.com/office/drawing/2014/main" id="{4671FEB7-D0F6-4ADD-AD0B-2C19592713F3}"/>
+              </a:ext>
+            </a:extLst>
+          </p:cNvPr>
+          <p:cNvSpPr txBox="1"/>
+          <p:nvPr/>
+        </p:nvSpPr>
+        <p:spPr>
+          <a:xfrm>
+            <a:off x="375439" y="1524000"/>
+            <a:ext cx="1605761" cy="369332"/>
+          </a:xfrm>
+          <a:prstGeom prst="rect">
+            <a:avLst/>
+          </a:prstGeom>
+          <a:noFill/>
+        </p:spPr>
+        <p:txBody>
+          <a:bodyPr wrap="none" rtlCol="0">
+            <a:spAutoFit/>
+          </a:bodyPr>
+          <a:lstStyle/>
+          <a:p>
+            <a:r>
+              <a:rPr lang="en-US" dirty="0"/>
+              <a:t>Perfect Bounce</a:t>
+            </a:r>
+          </a:p>
+        </p:txBody>
+      </p:sp>
+      <p:sp>
+        <p:nvSpPr>
+          <p:cNvPr id="7" name="TextBox 6">
+            <a:extLst>
+              <a:ext uri="{FF2B5EF4-FFF2-40B4-BE49-F238E27FC236}">
+                <a16:creationId xmlns:a16="http://schemas.microsoft.com/office/drawing/2014/main" id="{DA2E570D-C2AB-4090-85EB-2ECE98E9C610}"/>
+              </a:ext>
+            </a:extLst>
+          </p:cNvPr>
+          <p:cNvSpPr txBox="1"/>
+          <p:nvPr/>
+        </p:nvSpPr>
+        <p:spPr>
+          <a:xfrm>
+            <a:off x="508007" y="5529817"/>
+            <a:ext cx="1212191" cy="369332"/>
+          </a:xfrm>
+          <a:prstGeom prst="rect">
+            <a:avLst/>
+          </a:prstGeom>
+          <a:noFill/>
+        </p:spPr>
+        <p:txBody>
+          <a:bodyPr wrap="none" rtlCol="0">
+            <a:spAutoFit/>
+          </a:bodyPr>
+          <a:lstStyle/>
+          <a:p>
+            <a:r>
+              <a:rPr lang="en-US" dirty="0"/>
+              <a:t>No Bounce</a:t>
+            </a:r>
+          </a:p>
+        </p:txBody>
+      </p:sp>
+      <p:sp>
+        <p:nvSpPr>
+          <p:cNvPr id="8" name="TextBox 7">
+            <a:extLst>
+              <a:ext uri="{FF2B5EF4-FFF2-40B4-BE49-F238E27FC236}">
+                <a16:creationId xmlns:a16="http://schemas.microsoft.com/office/drawing/2014/main" id="{2AC24663-75BB-46C1-B70A-CA1BFF998E3A}"/>
+              </a:ext>
+            </a:extLst>
+          </p:cNvPr>
+          <p:cNvSpPr txBox="1"/>
+          <p:nvPr/>
+        </p:nvSpPr>
+        <p:spPr>
+          <a:xfrm rot="16200000">
+            <a:off x="353317" y="3545958"/>
+            <a:ext cx="1521570" cy="369332"/>
+          </a:xfrm>
+          <a:prstGeom prst="rect">
+            <a:avLst/>
+          </a:prstGeom>
+          <a:noFill/>
+        </p:spPr>
+        <p:txBody>
+          <a:bodyPr wrap="none" rtlCol="0">
+            <a:spAutoFit/>
+          </a:bodyPr>
+          <a:lstStyle/>
+          <a:p>
+            <a:r>
+              <a:rPr lang="en-US" dirty="0"/>
+              <a:t>Some Bounce</a:t>
+            </a:r>
+          </a:p>
+        </p:txBody>
+      </p:sp>
+    </p:spTree>
+    <p:extLst>
+      <p:ext uri="{BB962C8B-B14F-4D97-AF65-F5344CB8AC3E}">
+        <p14:creationId xmlns:p14="http://schemas.microsoft.com/office/powerpoint/2010/main" val="2316888904"/>
+      </p:ext>
+    </p:extLst>
+  </p:cSld>
+  <p:clrMapOvr>
+    <a:masterClrMapping/>
+  </p:clrMapOvr>
+</p:sld>
+</file>
+
 <file path=ppt/slides/slide5.xml><?xml version="1.0" encoding="utf-8"?>
 <p:sld xmlns:a="http://schemas.openxmlformats.org/drawingml/2006/main" xmlns:r="http://schemas.openxmlformats.org/officeDocument/2006/relationships" xmlns:p="http://schemas.openxmlformats.org/presentationml/2006/main">
   <p:cSld>
@@ -4911,7 +6510,7 @@
           <p:cNvPr id="2" name="Title 1">
             <a:extLst>
               <a:ext uri="{FF2B5EF4-FFF2-40B4-BE49-F238E27FC236}">
-                <a16:creationId xmlns:a16="http://schemas.microsoft.com/office/drawing/2014/main" id="{4B7AD62A-3DBD-4452-8625-6F2CFEAA90EA}"/>
+                <a16:creationId xmlns:a16="http://schemas.microsoft.com/office/drawing/2014/main" id="{09F77F7C-6AA8-8452-3609-2187328ABDC0}"/>
               </a:ext>
             </a:extLst>
           </p:cNvPr>
@@ -4929,199 +6528,59 @@
           <a:p>
             <a:r>
               <a:rPr lang="en-US" dirty="0"/>
-              <a:t>Rigid Body Surface Collisions</a:t>
+              <a:t>Rigid Body Inelastic Impacts</a:t>
             </a:r>
           </a:p>
         </p:txBody>
       </p:sp>
-      <mc:AlternateContent xmlns:mc="http://schemas.openxmlformats.org/markup-compatibility/2006" xmlns:a14="http://schemas.microsoft.com/office/drawing/2010/main">
-        <mc:Choice Requires="a14">
-          <p:sp>
-            <p:nvSpPr>
-              <p:cNvPr id="3" name="Content Placeholder 2">
-                <a:extLst>
-                  <a:ext uri="{FF2B5EF4-FFF2-40B4-BE49-F238E27FC236}">
-                    <a16:creationId xmlns:a16="http://schemas.microsoft.com/office/drawing/2014/main" id="{0733E3D0-D68F-440F-BA6F-B73521BC8944}"/>
-                  </a:ext>
-                </a:extLst>
-              </p:cNvPr>
-              <p:cNvSpPr>
-                <a:spLocks noGrp="1"/>
-              </p:cNvSpPr>
-              <p:nvPr>
-                <p:ph idx="1"/>
-              </p:nvPr>
-            </p:nvSpPr>
-            <p:spPr>
-              <a:xfrm>
-                <a:off x="457200" y="1600200"/>
-                <a:ext cx="4343400" cy="4983162"/>
-              </a:xfrm>
-            </p:spPr>
-            <p:txBody>
-              <a:bodyPr>
-                <a:normAutofit fontScale="92500"/>
-              </a:bodyPr>
-              <a:lstStyle/>
-              <a:p>
-                <a:r>
-                  <a:rPr lang="en-US" dirty="0"/>
-                  <a:t>Assuming that there is no friction force during impact, there is no force at all to change the velocity of the body in the tangential direction.</a:t>
-                </a:r>
-              </a:p>
-              <a:p>
-                <a:r>
-                  <a:rPr lang="en-US" dirty="0"/>
-                  <a:t>This applies specifically to the </a:t>
-                </a:r>
-                <a:r>
-                  <a:rPr lang="en-US" b="1" dirty="0"/>
-                  <a:t>center of mass</a:t>
-                </a:r>
-                <a:r>
-                  <a:rPr lang="en-US" dirty="0"/>
-                  <a:t> of the body</a:t>
-                </a:r>
-              </a:p>
-              <a:p>
-                <a:pPr marL="0" indent="0">
-                  <a:buNone/>
-                </a:pPr>
-                <a14:m>
-                  <m:oMathPara xmlns:m="http://schemas.openxmlformats.org/officeDocument/2006/math">
-                    <m:oMathParaPr>
-                      <m:jc m:val="centerGroup"/>
-                    </m:oMathParaPr>
-                    <m:oMath xmlns:m="http://schemas.openxmlformats.org/officeDocument/2006/math">
-                      <m:sSub>
-                        <m:sSubPr>
-                          <m:ctrlPr>
-                            <a:rPr lang="en-US" i="1">
-                              <a:latin typeface="Cambria Math" panose="02040503050406030204" pitchFamily="18" charset="0"/>
-                            </a:rPr>
-                          </m:ctrlPr>
-                        </m:sSubPr>
-                        <m:e>
-                          <m:r>
-                            <a:rPr lang="en-US" i="1">
-                              <a:latin typeface="Cambria Math"/>
-                            </a:rPr>
-                            <m:t>𝑣</m:t>
-                          </m:r>
-                        </m:e>
-                        <m:sub>
-                          <m:r>
-                            <a:rPr lang="en-US" b="0" i="1" smtClean="0">
-                              <a:latin typeface="Cambria Math" panose="02040503050406030204" pitchFamily="18" charset="0"/>
-                            </a:rPr>
-                            <m:t>𝑡𝐶</m:t>
-                          </m:r>
-                          <m:r>
-                            <a:rPr lang="en-US" i="1">
-                              <a:latin typeface="Cambria Math"/>
-                            </a:rPr>
-                            <m:t>𝑓</m:t>
-                          </m:r>
-                        </m:sub>
-                      </m:sSub>
-                      <m:r>
-                        <a:rPr lang="en-US" i="1">
-                          <a:latin typeface="Cambria Math"/>
-                        </a:rPr>
-                        <m:t>=</m:t>
-                      </m:r>
-                      <m:sSub>
-                        <m:sSubPr>
-                          <m:ctrlPr>
-                            <a:rPr lang="en-US" i="1">
-                              <a:latin typeface="Cambria Math" panose="02040503050406030204" pitchFamily="18" charset="0"/>
-                            </a:rPr>
-                          </m:ctrlPr>
-                        </m:sSubPr>
-                        <m:e>
-                          <m:r>
-                            <a:rPr lang="en-US" i="1">
-                              <a:latin typeface="Cambria Math"/>
-                            </a:rPr>
-                            <m:t>𝑣</m:t>
-                          </m:r>
-                        </m:e>
-                        <m:sub>
-                          <m:r>
-                            <a:rPr lang="en-US" i="1">
-                              <a:latin typeface="Cambria Math" panose="02040503050406030204" pitchFamily="18" charset="0"/>
-                            </a:rPr>
-                            <m:t>𝑡𝐶</m:t>
-                          </m:r>
-                          <m:r>
-                            <a:rPr lang="en-US" b="0" i="1" smtClean="0">
-                              <a:latin typeface="Cambria Math" panose="02040503050406030204" pitchFamily="18" charset="0"/>
-                            </a:rPr>
-                            <m:t>𝑖</m:t>
-                          </m:r>
-                        </m:sub>
-                      </m:sSub>
-                    </m:oMath>
-                  </m:oMathPara>
-                </a14:m>
-                <a:endParaRPr lang="en-US" dirty="0"/>
-              </a:p>
-              <a:p>
-                <a:endParaRPr lang="en-US" dirty="0"/>
-              </a:p>
-            </p:txBody>
-          </p:sp>
-        </mc:Choice>
-        <mc:Fallback xmlns="">
-          <p:sp>
-            <p:nvSpPr>
-              <p:cNvPr id="3" name="Content Placeholder 2">
-                <a:extLst>
-                  <a:ext uri="{FF2B5EF4-FFF2-40B4-BE49-F238E27FC236}">
-                    <a16:creationId xmlns:a16="http://schemas.microsoft.com/office/drawing/2014/main" id="{0733E3D0-D68F-440F-BA6F-B73521BC8944}"/>
-                  </a:ext>
-                </a:extLst>
-              </p:cNvPr>
-              <p:cNvSpPr>
-                <a:spLocks noGrp="1" noRot="1" noChangeAspect="1" noMove="1" noResize="1" noEditPoints="1" noAdjustHandles="1" noChangeArrowheads="1" noChangeShapeType="1" noTextEdit="1"/>
-              </p:cNvSpPr>
-              <p:nvPr>
-                <p:ph idx="1"/>
-              </p:nvPr>
-            </p:nvSpPr>
-            <p:spPr>
-              <a:xfrm>
-                <a:off x="457200" y="1600200"/>
-                <a:ext cx="4343400" cy="4983162"/>
-              </a:xfrm>
-              <a:blipFill>
-                <a:blip r:embed="rId2"/>
-                <a:stretch>
-                  <a:fillRect l="-2805" t="-1469" r="-3787"/>
-                </a:stretch>
-              </a:blipFill>
-            </p:spPr>
-            <p:txBody>
-              <a:bodyPr/>
-              <a:lstStyle/>
-              <a:p>
-                <a:r>
-                  <a:rPr lang="en-US">
-                    <a:noFill/>
-                  </a:rPr>
-                  <a:t> </a:t>
-                </a:r>
-              </a:p>
-            </p:txBody>
-          </p:sp>
-        </mc:Fallback>
-      </mc:AlternateContent>
+      <p:sp>
+        <p:nvSpPr>
+          <p:cNvPr id="3" name="Content Placeholder 2">
+            <a:extLst>
+              <a:ext uri="{FF2B5EF4-FFF2-40B4-BE49-F238E27FC236}">
+                <a16:creationId xmlns:a16="http://schemas.microsoft.com/office/drawing/2014/main" id="{C6AEB959-F40C-E198-32E2-063EEEB41460}"/>
+              </a:ext>
+            </a:extLst>
+          </p:cNvPr>
+          <p:cNvSpPr>
+            <a:spLocks noGrp="1"/>
+          </p:cNvSpPr>
+          <p:nvPr>
+            <p:ph idx="1"/>
+          </p:nvPr>
+        </p:nvSpPr>
+        <p:spPr/>
+        <p:txBody>
+          <a:bodyPr>
+            <a:normAutofit fontScale="92500"/>
+          </a:bodyPr>
+          <a:lstStyle/>
+          <a:p>
+            <a:r>
+              <a:rPr lang="en-US" dirty="0"/>
+              <a:t>The simplest rigid body impacts are inelastic impacts.</a:t>
+            </a:r>
+          </a:p>
+          <a:p>
+            <a:r>
+              <a:rPr lang="en-US" dirty="0"/>
+              <a:t>Because the two bodies stick together after the impact, in 2D we will just have to determine a single final velocity (in the x and y directions) as well as a single final angular velocity.</a:t>
+            </a:r>
+          </a:p>
+          <a:p>
+            <a:r>
+              <a:rPr lang="en-US" dirty="0"/>
+              <a:t>For this we will need three equations, all of which will be conservation of momentum equations.</a:t>
+            </a:r>
+          </a:p>
+        </p:txBody>
+      </p:sp>
       <p:sp>
         <p:nvSpPr>
           <p:cNvPr id="4" name="Slide Number Placeholder 3">
             <a:extLst>
               <a:ext uri="{FF2B5EF4-FFF2-40B4-BE49-F238E27FC236}">
-                <a16:creationId xmlns:a16="http://schemas.microsoft.com/office/drawing/2014/main" id="{9BB3DA46-FC30-4BC3-BB3B-F0EA9E371B04}"/>
+                <a16:creationId xmlns:a16="http://schemas.microsoft.com/office/drawing/2014/main" id="{910725BB-7135-A4AB-BA4B-31AFFFE4B3AE}"/>
               </a:ext>
             </a:extLst>
           </p:cNvPr>
@@ -5145,57 +6604,10 @@
           </a:p>
         </p:txBody>
       </p:sp>
-      <p:pic>
-        <p:nvPicPr>
-          <p:cNvPr id="5" name="Picture 2" descr="A wrench dropped on a rigid floor">
-            <a:extLst>
-              <a:ext uri="{FF2B5EF4-FFF2-40B4-BE49-F238E27FC236}">
-                <a16:creationId xmlns:a16="http://schemas.microsoft.com/office/drawing/2014/main" id="{C7C20865-EED8-468C-9F12-9F9A051A017F}"/>
-              </a:ext>
-            </a:extLst>
-          </p:cNvPr>
-          <p:cNvPicPr>
-            <a:picLocks noChangeAspect="1" noChangeArrowheads="1"/>
-          </p:cNvPicPr>
-          <p:nvPr/>
-        </p:nvPicPr>
-        <p:blipFill>
-          <a:blip r:embed="rId3">
-            <a:extLst>
-              <a:ext uri="{28A0092B-C50C-407E-A947-70E740481C1C}">
-                <a14:useLocalDpi xmlns:a14="http://schemas.microsoft.com/office/drawing/2010/main" val="0"/>
-              </a:ext>
-            </a:extLst>
-          </a:blip>
-          <a:srcRect/>
-          <a:stretch>
-            <a:fillRect/>
-          </a:stretch>
-        </p:blipFill>
-        <p:spPr bwMode="auto">
-          <a:xfrm>
-            <a:off x="4933950" y="2285999"/>
-            <a:ext cx="3714750" cy="2790825"/>
-          </a:xfrm>
-          <a:prstGeom prst="rect">
-            <a:avLst/>
-          </a:prstGeom>
-          <a:noFill/>
-          <a:extLst>
-            <a:ext uri="{909E8E84-426E-40DD-AFC4-6F175D3DCCD1}">
-              <a14:hiddenFill xmlns:a14="http://schemas.microsoft.com/office/drawing/2010/main">
-                <a:solidFill>
-                  <a:srgbClr val="FFFFFF"/>
-                </a:solidFill>
-              </a14:hiddenFill>
-            </a:ext>
-          </a:extLst>
-        </p:spPr>
-      </p:pic>
     </p:spTree>
     <p:extLst>
       <p:ext uri="{BB962C8B-B14F-4D97-AF65-F5344CB8AC3E}">
-        <p14:creationId xmlns:p14="http://schemas.microsoft.com/office/powerpoint/2010/main" val="2291282680"/>
+        <p14:creationId xmlns:p14="http://schemas.microsoft.com/office/powerpoint/2010/main" val="358882832"/>
       </p:ext>
     </p:extLst>
   </p:cSld>
@@ -5407,7 +6819,7 @@
           <p:cNvPr id="2" name="Title 1">
             <a:extLst>
               <a:ext uri="{FF2B5EF4-FFF2-40B4-BE49-F238E27FC236}">
-                <a16:creationId xmlns:a16="http://schemas.microsoft.com/office/drawing/2014/main" id="{4B7AD62A-3DBD-4452-8625-6F2CFEAA90EA}"/>
+                <a16:creationId xmlns:a16="http://schemas.microsoft.com/office/drawing/2014/main" id="{DA3C5EA7-CE6B-6F81-F71F-B445691BE8AA}"/>
               </a:ext>
             </a:extLst>
           </p:cNvPr>
@@ -5425,59 +6837,872 @@
           <a:p>
             <a:r>
               <a:rPr lang="en-US" dirty="0"/>
-              <a:t>Rigid Body Surface Collisions</a:t>
+              <a:t>Rigid Body Inelastic Impacts</a:t>
             </a:r>
           </a:p>
         </p:txBody>
       </p:sp>
-      <mc:AlternateContent xmlns:mc="http://schemas.openxmlformats.org/markup-compatibility/2006" xmlns:a14="http://schemas.microsoft.com/office/drawing/2010/main">
-        <mc:Choice Requires="a14">
+      <p:sp>
+        <p:nvSpPr>
+          <p:cNvPr id="3" name="Content Placeholder 2">
+            <a:extLst>
+              <a:ext uri="{FF2B5EF4-FFF2-40B4-BE49-F238E27FC236}">
+                <a16:creationId xmlns:a16="http://schemas.microsoft.com/office/drawing/2014/main" id="{F327BC2F-A7A3-0933-B201-55F9A5696779}"/>
+              </a:ext>
+            </a:extLst>
+          </p:cNvPr>
+          <p:cNvSpPr>
+            <a:spLocks noGrp="1"/>
+          </p:cNvSpPr>
+          <p:nvPr>
+            <p:ph idx="1"/>
+          </p:nvPr>
+        </p:nvSpPr>
+        <p:spPr>
+          <a:xfrm>
+            <a:off x="457199" y="1600201"/>
+            <a:ext cx="3888635" cy="2819400"/>
+          </a:xfrm>
+        </p:spPr>
+        <p:txBody>
+          <a:bodyPr>
+            <a:normAutofit fontScale="92500" lnSpcReduction="20000"/>
+          </a:bodyPr>
+          <a:lstStyle/>
+          <a:p>
+            <a:r>
+              <a:rPr lang="en-US" dirty="0"/>
+              <a:t>Because the impact forces are </a:t>
+            </a:r>
+            <a:r>
+              <a:rPr lang="en-US" b="1" dirty="0"/>
+              <a:t>internal</a:t>
+            </a:r>
+            <a:r>
+              <a:rPr lang="en-US" dirty="0"/>
+              <a:t> to the system, linear and angular momentum will be conserved for the </a:t>
+            </a:r>
+            <a:r>
+              <a:rPr lang="en-US" b="1" dirty="0"/>
+              <a:t>system</a:t>
+            </a:r>
+            <a:r>
+              <a:rPr lang="en-US" dirty="0"/>
+              <a:t>.</a:t>
+            </a:r>
+          </a:p>
+        </p:txBody>
+      </p:sp>
+      <p:sp>
+        <p:nvSpPr>
+          <p:cNvPr id="4" name="Slide Number Placeholder 3">
+            <a:extLst>
+              <a:ext uri="{FF2B5EF4-FFF2-40B4-BE49-F238E27FC236}">
+                <a16:creationId xmlns:a16="http://schemas.microsoft.com/office/drawing/2014/main" id="{ED3CB80A-6FFE-7A35-3E32-171ECBB47912}"/>
+              </a:ext>
+            </a:extLst>
+          </p:cNvPr>
+          <p:cNvSpPr>
+            <a:spLocks noGrp="1"/>
+          </p:cNvSpPr>
+          <p:nvPr>
+            <p:ph type="sldNum" sz="quarter" idx="12"/>
+          </p:nvPr>
+        </p:nvSpPr>
+        <p:spPr/>
+        <p:txBody>
+          <a:bodyPr/>
+          <a:lstStyle/>
+          <a:p>
+            <a:fld id="{929262FE-7F58-4A1E-8AF3-5A510A86DEBD}" type="slidenum">
+              <a:rPr lang="en-US" smtClean="0"/>
+              <a:t>6</a:t>
+            </a:fld>
+            <a:endParaRPr lang="en-US" dirty="0"/>
+          </a:p>
+        </p:txBody>
+      </p:sp>
+      <p:pic>
+        <p:nvPicPr>
+          <p:cNvPr id="13" name="Picture 2" descr="Grey boulder clipart">
+            <a:extLst>
+              <a:ext uri="{FF2B5EF4-FFF2-40B4-BE49-F238E27FC236}">
+                <a16:creationId xmlns:a16="http://schemas.microsoft.com/office/drawing/2014/main" id="{B5B4504E-98E2-63B2-6709-0F6A688CFFA0}"/>
+              </a:ext>
+            </a:extLst>
+          </p:cNvPr>
+          <p:cNvPicPr>
+            <a:picLocks noChangeAspect="1" noChangeArrowheads="1"/>
+          </p:cNvPicPr>
+          <p:nvPr/>
+        </p:nvPicPr>
+        <p:blipFill>
+          <a:blip r:embed="rId2" cstate="print">
+            <a:extLst>
+              <a:ext uri="{28A0092B-C50C-407E-A947-70E740481C1C}">
+                <a14:useLocalDpi xmlns:a14="http://schemas.microsoft.com/office/drawing/2010/main" val="0"/>
+              </a:ext>
+            </a:extLst>
+          </a:blip>
+          <a:srcRect/>
+          <a:stretch>
+            <a:fillRect/>
+          </a:stretch>
+        </p:blipFill>
+        <p:spPr bwMode="auto">
+          <a:xfrm>
+            <a:off x="5173870" y="1752600"/>
+            <a:ext cx="228600" cy="205168"/>
+          </a:xfrm>
+          <a:prstGeom prst="rect">
+            <a:avLst/>
+          </a:prstGeom>
+          <a:noFill/>
+          <a:extLst>
+            <a:ext uri="{909E8E84-426E-40DD-AFC4-6F175D3DCCD1}">
+              <a14:hiddenFill xmlns:a14="http://schemas.microsoft.com/office/drawing/2010/main">
+                <a:solidFill>
+                  <a:srgbClr val="FFFFFF"/>
+                </a:solidFill>
+              </a14:hiddenFill>
+            </a:ext>
+          </a:extLst>
+        </p:spPr>
+      </p:pic>
+      <p:grpSp>
+        <p:nvGrpSpPr>
+          <p:cNvPr id="14" name="Group 13">
+            <a:extLst>
+              <a:ext uri="{FF2B5EF4-FFF2-40B4-BE49-F238E27FC236}">
+                <a16:creationId xmlns:a16="http://schemas.microsoft.com/office/drawing/2014/main" id="{7A2E1801-AC67-C409-EBCD-954116AC3BD5}"/>
+              </a:ext>
+            </a:extLst>
+          </p:cNvPr>
+          <p:cNvGrpSpPr/>
+          <p:nvPr/>
+        </p:nvGrpSpPr>
+        <p:grpSpPr>
+          <a:xfrm>
+            <a:off x="4600574" y="2240152"/>
+            <a:ext cx="4343401" cy="1752600"/>
+            <a:chOff x="5410200" y="3048000"/>
+            <a:chExt cx="8231911" cy="2743200"/>
+          </a:xfrm>
+        </p:grpSpPr>
+        <p:sp>
+          <p:nvSpPr>
+            <p:cNvPr id="15" name="Can 3">
+              <a:extLst>
+                <a:ext uri="{FF2B5EF4-FFF2-40B4-BE49-F238E27FC236}">
+                  <a16:creationId xmlns:a16="http://schemas.microsoft.com/office/drawing/2014/main" id="{F96046C4-B373-7759-6E95-B9492530136D}"/>
+                </a:ext>
+              </a:extLst>
+            </p:cNvPr>
+            <p:cNvSpPr/>
+            <p:nvPr/>
+          </p:nvSpPr>
+          <p:spPr>
+            <a:xfrm>
+              <a:off x="8686800" y="3048000"/>
+              <a:ext cx="1676400" cy="2743200"/>
+            </a:xfrm>
+            <a:prstGeom prst="can">
+              <a:avLst/>
+            </a:prstGeom>
+          </p:spPr>
+          <p:style>
+            <a:lnRef idx="1">
+              <a:schemeClr val="dk1"/>
+            </a:lnRef>
+            <a:fillRef idx="2">
+              <a:schemeClr val="dk1"/>
+            </a:fillRef>
+            <a:effectRef idx="1">
+              <a:schemeClr val="dk1"/>
+            </a:effectRef>
+            <a:fontRef idx="minor">
+              <a:schemeClr val="dk1"/>
+            </a:fontRef>
+          </p:style>
+          <p:txBody>
+            <a:bodyPr rtlCol="0" anchor="ctr"/>
+            <a:lstStyle/>
+            <a:p>
+              <a:pPr algn="ctr"/>
+              <a:endParaRPr lang="en-US"/>
+            </a:p>
+          </p:txBody>
+        </p:sp>
+        <p:sp>
+          <p:nvSpPr>
+            <p:cNvPr id="16" name="Parallelogram 15">
+              <a:extLst>
+                <a:ext uri="{FF2B5EF4-FFF2-40B4-BE49-F238E27FC236}">
+                  <a16:creationId xmlns:a16="http://schemas.microsoft.com/office/drawing/2014/main" id="{41BE4052-391A-E7A3-BB92-F6E6040494FD}"/>
+                </a:ext>
+              </a:extLst>
+            </p:cNvPr>
+            <p:cNvSpPr/>
+            <p:nvPr/>
+          </p:nvSpPr>
+          <p:spPr>
+            <a:xfrm>
+              <a:off x="5410200" y="3886201"/>
+              <a:ext cx="3276601" cy="1066801"/>
+            </a:xfrm>
+            <a:prstGeom prst="parallelogram">
+              <a:avLst>
+                <a:gd name="adj" fmla="val 137554"/>
+              </a:avLst>
+            </a:prstGeom>
+          </p:spPr>
+          <p:style>
+            <a:lnRef idx="2">
+              <a:schemeClr val="dk1">
+                <a:shade val="50000"/>
+              </a:schemeClr>
+            </a:lnRef>
+            <a:fillRef idx="1">
+              <a:schemeClr val="dk1"/>
+            </a:fillRef>
+            <a:effectRef idx="0">
+              <a:schemeClr val="dk1"/>
+            </a:effectRef>
+            <a:fontRef idx="minor">
+              <a:schemeClr val="lt1"/>
+            </a:fontRef>
+          </p:style>
+          <p:txBody>
+            <a:bodyPr rtlCol="0" anchor="ctr"/>
+            <a:lstStyle/>
+            <a:p>
+              <a:pPr algn="ctr"/>
+              <a:endParaRPr lang="en-US"/>
+            </a:p>
+          </p:txBody>
+        </p:sp>
+        <p:sp>
+          <p:nvSpPr>
+            <p:cNvPr id="17" name="Parallelogram 16">
+              <a:extLst>
+                <a:ext uri="{FF2B5EF4-FFF2-40B4-BE49-F238E27FC236}">
+                  <a16:creationId xmlns:a16="http://schemas.microsoft.com/office/drawing/2014/main" id="{79D33263-3556-9A66-1F0F-9EAD3374F601}"/>
+                </a:ext>
+              </a:extLst>
+            </p:cNvPr>
+            <p:cNvSpPr/>
+            <p:nvPr/>
+          </p:nvSpPr>
+          <p:spPr>
+            <a:xfrm>
+              <a:off x="10363202" y="3886201"/>
+              <a:ext cx="3278909" cy="1066801"/>
+            </a:xfrm>
+            <a:prstGeom prst="parallelogram">
+              <a:avLst>
+                <a:gd name="adj" fmla="val 137554"/>
+              </a:avLst>
+            </a:prstGeom>
+          </p:spPr>
+          <p:style>
+            <a:lnRef idx="2">
+              <a:schemeClr val="dk1">
+                <a:shade val="50000"/>
+              </a:schemeClr>
+            </a:lnRef>
+            <a:fillRef idx="1">
+              <a:schemeClr val="dk1"/>
+            </a:fillRef>
+            <a:effectRef idx="0">
+              <a:schemeClr val="dk1"/>
+            </a:effectRef>
+            <a:fontRef idx="minor">
+              <a:schemeClr val="lt1"/>
+            </a:fontRef>
+          </p:style>
+          <p:txBody>
+            <a:bodyPr rtlCol="0" anchor="ctr"/>
+            <a:lstStyle/>
+            <a:p>
+              <a:pPr algn="ctr"/>
+              <a:endParaRPr lang="en-US"/>
+            </a:p>
+          </p:txBody>
+        </p:sp>
+        <p:cxnSp>
+          <p:nvCxnSpPr>
+            <p:cNvPr id="18" name="Straight Connector 17">
+              <a:extLst>
+                <a:ext uri="{FF2B5EF4-FFF2-40B4-BE49-F238E27FC236}">
+                  <a16:creationId xmlns:a16="http://schemas.microsoft.com/office/drawing/2014/main" id="{C8140AE1-D7C1-13E3-FDF5-713278FB7296}"/>
+                </a:ext>
+              </a:extLst>
+            </p:cNvPr>
+            <p:cNvCxnSpPr>
+              <a:cxnSpLocks/>
+              <a:stCxn id="16" idx="2"/>
+              <a:endCxn id="15" idx="2"/>
+            </p:cNvCxnSpPr>
+            <p:nvPr/>
+          </p:nvCxnSpPr>
+          <p:spPr>
+            <a:xfrm flipV="1">
+              <a:off x="7798373" y="4419600"/>
+              <a:ext cx="888428" cy="2"/>
+            </a:xfrm>
+            <a:prstGeom prst="line">
+              <a:avLst/>
+            </a:prstGeom>
+          </p:spPr>
+          <p:style>
+            <a:lnRef idx="2">
+              <a:schemeClr val="dk1"/>
+            </a:lnRef>
+            <a:fillRef idx="0">
+              <a:schemeClr val="dk1"/>
+            </a:fillRef>
+            <a:effectRef idx="1">
+              <a:schemeClr val="dk1"/>
+            </a:effectRef>
+            <a:fontRef idx="minor">
+              <a:schemeClr val="tx1"/>
+            </a:fontRef>
+          </p:style>
+        </p:cxnSp>
+        <p:cxnSp>
+          <p:nvCxnSpPr>
+            <p:cNvPr id="19" name="Straight Connector 18">
+              <a:extLst>
+                <a:ext uri="{FF2B5EF4-FFF2-40B4-BE49-F238E27FC236}">
+                  <a16:creationId xmlns:a16="http://schemas.microsoft.com/office/drawing/2014/main" id="{011D42B9-1E17-30DB-12E1-C86106329503}"/>
+                </a:ext>
+              </a:extLst>
+            </p:cNvPr>
+            <p:cNvCxnSpPr>
+              <a:cxnSpLocks/>
+              <a:stCxn id="15" idx="4"/>
+              <a:endCxn id="17" idx="5"/>
+            </p:cNvCxnSpPr>
+            <p:nvPr/>
+          </p:nvCxnSpPr>
+          <p:spPr>
+            <a:xfrm>
+              <a:off x="10363200" y="4419600"/>
+              <a:ext cx="888430" cy="2"/>
+            </a:xfrm>
+            <a:prstGeom prst="line">
+              <a:avLst/>
+            </a:prstGeom>
+          </p:spPr>
+          <p:style>
+            <a:lnRef idx="2">
+              <a:schemeClr val="dk1"/>
+            </a:lnRef>
+            <a:fillRef idx="0">
+              <a:schemeClr val="dk1"/>
+            </a:fillRef>
+            <a:effectRef idx="1">
+              <a:schemeClr val="dk1"/>
+            </a:effectRef>
+            <a:fontRef idx="minor">
+              <a:schemeClr val="tx1"/>
+            </a:fontRef>
+          </p:style>
+        </p:cxnSp>
+      </p:grpSp>
+      <p:cxnSp>
+        <p:nvCxnSpPr>
+          <p:cNvPr id="20" name="Straight Arrow Connector 19">
+            <a:extLst>
+              <a:ext uri="{FF2B5EF4-FFF2-40B4-BE49-F238E27FC236}">
+                <a16:creationId xmlns:a16="http://schemas.microsoft.com/office/drawing/2014/main" id="{E9E53AC8-00BC-3BEC-93E9-3304D081B66F}"/>
+              </a:ext>
+            </a:extLst>
+          </p:cNvPr>
+          <p:cNvCxnSpPr/>
+          <p:nvPr/>
+        </p:nvCxnSpPr>
+        <p:spPr>
+          <a:xfrm>
+            <a:off x="5438775" y="1957768"/>
+            <a:ext cx="635892" cy="363284"/>
+          </a:xfrm>
+          <a:prstGeom prst="straightConnector1">
+            <a:avLst/>
+          </a:prstGeom>
+          <a:ln>
+            <a:tailEnd type="triangle"/>
+          </a:ln>
+        </p:spPr>
+        <p:style>
+          <a:lnRef idx="1">
+            <a:schemeClr val="accent1"/>
+          </a:lnRef>
+          <a:fillRef idx="0">
+            <a:schemeClr val="accent1"/>
+          </a:fillRef>
+          <a:effectRef idx="0">
+            <a:schemeClr val="accent1"/>
+          </a:effectRef>
+          <a:fontRef idx="minor">
+            <a:schemeClr val="tx1"/>
+          </a:fontRef>
+        </p:style>
+      </p:cxnSp>
+      <p:sp>
+        <p:nvSpPr>
+          <p:cNvPr id="21" name="TextBox 20">
+            <a:extLst>
+              <a:ext uri="{FF2B5EF4-FFF2-40B4-BE49-F238E27FC236}">
+                <a16:creationId xmlns:a16="http://schemas.microsoft.com/office/drawing/2014/main" id="{759B2C78-22C6-ECC6-B632-DF83626EC416}"/>
+              </a:ext>
+            </a:extLst>
+          </p:cNvPr>
+          <p:cNvSpPr txBox="1"/>
+          <p:nvPr/>
+        </p:nvSpPr>
+        <p:spPr>
+          <a:xfrm>
+            <a:off x="4810324" y="1417638"/>
+            <a:ext cx="317716" cy="369332"/>
+          </a:xfrm>
+          <a:prstGeom prst="rect">
+            <a:avLst/>
+          </a:prstGeom>
+          <a:noFill/>
+        </p:spPr>
+        <p:txBody>
+          <a:bodyPr wrap="none" rtlCol="0">
+            <a:spAutoFit/>
+          </a:bodyPr>
+          <a:lstStyle/>
+          <a:p>
+            <a:r>
+              <a:rPr lang="en-US" dirty="0"/>
+              <a:t>A</a:t>
+            </a:r>
+          </a:p>
+        </p:txBody>
+      </p:sp>
+      <p:sp>
+        <p:nvSpPr>
+          <p:cNvPr id="22" name="TextBox 21">
+            <a:extLst>
+              <a:ext uri="{FF2B5EF4-FFF2-40B4-BE49-F238E27FC236}">
+                <a16:creationId xmlns:a16="http://schemas.microsoft.com/office/drawing/2014/main" id="{00B21A6E-309D-8E04-FCFA-401EC0527962}"/>
+              </a:ext>
+            </a:extLst>
+          </p:cNvPr>
+          <p:cNvSpPr txBox="1"/>
+          <p:nvPr/>
+        </p:nvSpPr>
+        <p:spPr>
+          <a:xfrm>
+            <a:off x="6589704" y="1770078"/>
+            <a:ext cx="309700" cy="369332"/>
+          </a:xfrm>
+          <a:prstGeom prst="rect">
+            <a:avLst/>
+          </a:prstGeom>
+          <a:noFill/>
+        </p:spPr>
+        <p:txBody>
+          <a:bodyPr wrap="none" rtlCol="0">
+            <a:spAutoFit/>
+          </a:bodyPr>
+          <a:lstStyle/>
+          <a:p>
+            <a:r>
+              <a:rPr lang="en-US" dirty="0"/>
+              <a:t>B</a:t>
+            </a:r>
+          </a:p>
+        </p:txBody>
+      </p:sp>
+      <mc:AlternateContent xmlns:mc="http://schemas.openxmlformats.org/markup-compatibility/2006">
+        <mc:Choice xmlns:a14="http://schemas.microsoft.com/office/drawing/2010/main" Requires="a14">
           <p:sp>
             <p:nvSpPr>
-              <p:cNvPr id="3" name="Content Placeholder 2">
+              <p:cNvPr id="23" name="Content Placeholder 2">
                 <a:extLst>
                   <a:ext uri="{FF2B5EF4-FFF2-40B4-BE49-F238E27FC236}">
-                    <a16:creationId xmlns:a16="http://schemas.microsoft.com/office/drawing/2014/main" id="{0733E3D0-D68F-440F-BA6F-B73521BC8944}"/>
+                    <a16:creationId xmlns:a16="http://schemas.microsoft.com/office/drawing/2014/main" id="{7EFA4154-3A5D-E309-F1FD-F8CE3590D327}"/>
                   </a:ext>
                 </a:extLst>
               </p:cNvPr>
-              <p:cNvSpPr>
-                <a:spLocks noGrp="1"/>
+              <p:cNvSpPr txBox="1">
+                <a:spLocks/>
               </p:cNvSpPr>
-              <p:nvPr>
-                <p:ph idx="1"/>
-              </p:nvPr>
+              <p:nvPr/>
             </p:nvSpPr>
             <p:spPr>
               <a:xfrm>
-                <a:off x="457200" y="1600200"/>
-                <a:ext cx="4343400" cy="4983162"/>
+                <a:off x="457199" y="4255751"/>
+                <a:ext cx="8472487" cy="1521882"/>
               </a:xfrm>
+              <a:prstGeom prst="rect">
+                <a:avLst/>
+              </a:prstGeom>
             </p:spPr>
             <p:txBody>
-              <a:bodyPr>
-                <a:normAutofit/>
+              <a:bodyPr vert="horz" lIns="91440" tIns="45720" rIns="91440" bIns="45720" rtlCol="0">
+                <a:normAutofit fontScale="85000" lnSpcReduction="10000"/>
               </a:bodyPr>
-              <a:lstStyle/>
+              <a:lstStyle>
+                <a:lvl1pPr marL="342900" indent="-342900" algn="l" defTabSz="914400" rtl="0" eaLnBrk="1" latinLnBrk="0" hangingPunct="1">
+                  <a:spcBef>
+                    <a:spcPct val="20000"/>
+                  </a:spcBef>
+                  <a:buFont typeface="Arial" panose="020B0604020202020204" pitchFamily="34" charset="0"/>
+                  <a:buChar char="•"/>
+                  <a:defRPr sz="3200" kern="1200">
+                    <a:solidFill>
+                      <a:schemeClr val="tx1"/>
+                    </a:solidFill>
+                    <a:latin typeface="+mn-lt"/>
+                    <a:ea typeface="+mn-ea"/>
+                    <a:cs typeface="+mn-cs"/>
+                  </a:defRPr>
+                </a:lvl1pPr>
+                <a:lvl2pPr marL="742950" indent="-285750" algn="l" defTabSz="914400" rtl="0" eaLnBrk="1" latinLnBrk="0" hangingPunct="1">
+                  <a:spcBef>
+                    <a:spcPct val="20000"/>
+                  </a:spcBef>
+                  <a:buFont typeface="Arial" panose="020B0604020202020204" pitchFamily="34" charset="0"/>
+                  <a:buChar char="–"/>
+                  <a:defRPr sz="2800" kern="1200">
+                    <a:solidFill>
+                      <a:schemeClr val="tx1"/>
+                    </a:solidFill>
+                    <a:latin typeface="+mn-lt"/>
+                    <a:ea typeface="+mn-ea"/>
+                    <a:cs typeface="+mn-cs"/>
+                  </a:defRPr>
+                </a:lvl2pPr>
+                <a:lvl3pPr marL="1143000" indent="-228600" algn="l" defTabSz="914400" rtl="0" eaLnBrk="1" latinLnBrk="0" hangingPunct="1">
+                  <a:spcBef>
+                    <a:spcPct val="20000"/>
+                  </a:spcBef>
+                  <a:buFont typeface="Arial" panose="020B0604020202020204" pitchFamily="34" charset="0"/>
+                  <a:buChar char="•"/>
+                  <a:defRPr sz="2400" kern="1200">
+                    <a:solidFill>
+                      <a:schemeClr val="tx1"/>
+                    </a:solidFill>
+                    <a:latin typeface="+mn-lt"/>
+                    <a:ea typeface="+mn-ea"/>
+                    <a:cs typeface="+mn-cs"/>
+                  </a:defRPr>
+                </a:lvl3pPr>
+                <a:lvl4pPr marL="1600200" indent="-228600" algn="l" defTabSz="914400" rtl="0" eaLnBrk="1" latinLnBrk="0" hangingPunct="1">
+                  <a:spcBef>
+                    <a:spcPct val="20000"/>
+                  </a:spcBef>
+                  <a:buFont typeface="Arial" panose="020B0604020202020204" pitchFamily="34" charset="0"/>
+                  <a:buChar char="–"/>
+                  <a:defRPr sz="2000" kern="1200">
+                    <a:solidFill>
+                      <a:schemeClr val="tx1"/>
+                    </a:solidFill>
+                    <a:latin typeface="+mn-lt"/>
+                    <a:ea typeface="+mn-ea"/>
+                    <a:cs typeface="+mn-cs"/>
+                  </a:defRPr>
+                </a:lvl4pPr>
+                <a:lvl5pPr marL="2057400" indent="-228600" algn="l" defTabSz="914400" rtl="0" eaLnBrk="1" latinLnBrk="0" hangingPunct="1">
+                  <a:spcBef>
+                    <a:spcPct val="20000"/>
+                  </a:spcBef>
+                  <a:buFont typeface="Arial" panose="020B0604020202020204" pitchFamily="34" charset="0"/>
+                  <a:buChar char="»"/>
+                  <a:defRPr sz="2000" kern="1200">
+                    <a:solidFill>
+                      <a:schemeClr val="tx1"/>
+                    </a:solidFill>
+                    <a:latin typeface="+mn-lt"/>
+                    <a:ea typeface="+mn-ea"/>
+                    <a:cs typeface="+mn-cs"/>
+                  </a:defRPr>
+                </a:lvl5pPr>
+                <a:lvl6pPr marL="2514600" indent="-228600" algn="l" defTabSz="914400" rtl="0" eaLnBrk="1" latinLnBrk="0" hangingPunct="1">
+                  <a:spcBef>
+                    <a:spcPct val="20000"/>
+                  </a:spcBef>
+                  <a:buFont typeface="Arial" panose="020B0604020202020204" pitchFamily="34" charset="0"/>
+                  <a:buChar char="•"/>
+                  <a:defRPr sz="2000" kern="1200">
+                    <a:solidFill>
+                      <a:schemeClr val="tx1"/>
+                    </a:solidFill>
+                    <a:latin typeface="+mn-lt"/>
+                    <a:ea typeface="+mn-ea"/>
+                    <a:cs typeface="+mn-cs"/>
+                  </a:defRPr>
+                </a:lvl6pPr>
+                <a:lvl7pPr marL="2971800" indent="-228600" algn="l" defTabSz="914400" rtl="0" eaLnBrk="1" latinLnBrk="0" hangingPunct="1">
+                  <a:spcBef>
+                    <a:spcPct val="20000"/>
+                  </a:spcBef>
+                  <a:buFont typeface="Arial" panose="020B0604020202020204" pitchFamily="34" charset="0"/>
+                  <a:buChar char="•"/>
+                  <a:defRPr sz="2000" kern="1200">
+                    <a:solidFill>
+                      <a:schemeClr val="tx1"/>
+                    </a:solidFill>
+                    <a:latin typeface="+mn-lt"/>
+                    <a:ea typeface="+mn-ea"/>
+                    <a:cs typeface="+mn-cs"/>
+                  </a:defRPr>
+                </a:lvl7pPr>
+                <a:lvl8pPr marL="3429000" indent="-228600" algn="l" defTabSz="914400" rtl="0" eaLnBrk="1" latinLnBrk="0" hangingPunct="1">
+                  <a:spcBef>
+                    <a:spcPct val="20000"/>
+                  </a:spcBef>
+                  <a:buFont typeface="Arial" panose="020B0604020202020204" pitchFamily="34" charset="0"/>
+                  <a:buChar char="•"/>
+                  <a:defRPr sz="2000" kern="1200">
+                    <a:solidFill>
+                      <a:schemeClr val="tx1"/>
+                    </a:solidFill>
+                    <a:latin typeface="+mn-lt"/>
+                    <a:ea typeface="+mn-ea"/>
+                    <a:cs typeface="+mn-cs"/>
+                  </a:defRPr>
+                </a:lvl8pPr>
+                <a:lvl9pPr marL="3886200" indent="-228600" algn="l" defTabSz="914400" rtl="0" eaLnBrk="1" latinLnBrk="0" hangingPunct="1">
+                  <a:spcBef>
+                    <a:spcPct val="20000"/>
+                  </a:spcBef>
+                  <a:buFont typeface="Arial" panose="020B0604020202020204" pitchFamily="34" charset="0"/>
+                  <a:buChar char="•"/>
+                  <a:defRPr sz="2000" kern="1200">
+                    <a:solidFill>
+                      <a:schemeClr val="tx1"/>
+                    </a:solidFill>
+                    <a:latin typeface="+mn-lt"/>
+                    <a:ea typeface="+mn-ea"/>
+                    <a:cs typeface="+mn-cs"/>
+                  </a:defRPr>
+                </a:lvl9pPr>
+              </a:lstStyle>
               <a:p>
-                <a:r>
-                  <a:rPr lang="en-US" dirty="0"/>
-                  <a:t>Next, the coefficient of restitution can be applied in the normal direction.</a:t>
-                </a:r>
-              </a:p>
-              <a:p>
-                <a:r>
-                  <a:rPr lang="en-US" dirty="0"/>
-                  <a:t>This is applied at the </a:t>
-                </a:r>
-                <a:r>
-                  <a:rPr lang="en-US" b="1" dirty="0"/>
-                  <a:t>point of impact</a:t>
-                </a:r>
-                <a:r>
-                  <a:rPr lang="en-US" dirty="0"/>
-                  <a:t> on the body.</a:t>
-                </a:r>
+                <a:pPr marL="0" indent="0">
+                  <a:buNone/>
+                </a:pPr>
+                <a14:m>
+                  <m:oMathPara xmlns:m="http://schemas.openxmlformats.org/officeDocument/2006/math">
+                    <m:oMathParaPr>
+                      <m:jc m:val="centerGroup"/>
+                    </m:oMathParaPr>
+                    <m:oMath xmlns:m="http://schemas.openxmlformats.org/officeDocument/2006/math">
+                      <m:sSub>
+                        <m:sSubPr>
+                          <m:ctrlPr>
+                            <a:rPr lang="en-US" i="1" smtClean="0">
+                              <a:latin typeface="Cambria Math" panose="02040503050406030204" pitchFamily="18" charset="0"/>
+                            </a:rPr>
+                          </m:ctrlPr>
+                        </m:sSubPr>
+                        <m:e>
+                          <m:r>
+                            <a:rPr lang="en-US" i="1">
+                              <a:latin typeface="Cambria Math" panose="02040503050406030204" pitchFamily="18" charset="0"/>
+                            </a:rPr>
+                            <m:t>𝑚</m:t>
+                          </m:r>
+                        </m:e>
+                        <m:sub>
+                          <m:r>
+                            <a:rPr lang="en-US" i="1">
+                              <a:latin typeface="Cambria Math" panose="02040503050406030204" pitchFamily="18" charset="0"/>
+                            </a:rPr>
+                            <m:t>𝐴</m:t>
+                          </m:r>
+                        </m:sub>
+                      </m:sSub>
+                      <m:sSub>
+                        <m:sSubPr>
+                          <m:ctrlPr>
+                            <a:rPr lang="en-US" i="1">
+                              <a:latin typeface="Cambria Math" panose="02040503050406030204" pitchFamily="18" charset="0"/>
+                            </a:rPr>
+                          </m:ctrlPr>
+                        </m:sSubPr>
+                        <m:e>
+                          <m:r>
+                            <a:rPr lang="en-US" i="1">
+                              <a:latin typeface="Cambria Math" panose="02040503050406030204" pitchFamily="18" charset="0"/>
+                            </a:rPr>
+                            <m:t>𝑣</m:t>
+                          </m:r>
+                        </m:e>
+                        <m:sub>
+                          <m:r>
+                            <a:rPr lang="en-US" i="1">
+                              <a:latin typeface="Cambria Math" panose="02040503050406030204" pitchFamily="18" charset="0"/>
+                            </a:rPr>
+                            <m:t>𝐴𝑖𝑥</m:t>
+                          </m:r>
+                        </m:sub>
+                      </m:sSub>
+                      <m:r>
+                        <a:rPr lang="en-US" i="1">
+                          <a:latin typeface="Cambria Math" panose="02040503050406030204" pitchFamily="18" charset="0"/>
+                        </a:rPr>
+                        <m:t>+</m:t>
+                      </m:r>
+                      <m:sSub>
+                        <m:sSubPr>
+                          <m:ctrlPr>
+                            <a:rPr lang="en-US" i="1">
+                              <a:latin typeface="Cambria Math" panose="02040503050406030204" pitchFamily="18" charset="0"/>
+                            </a:rPr>
+                          </m:ctrlPr>
+                        </m:sSubPr>
+                        <m:e>
+                          <m:r>
+                            <a:rPr lang="en-US" i="1">
+                              <a:latin typeface="Cambria Math" panose="02040503050406030204" pitchFamily="18" charset="0"/>
+                            </a:rPr>
+                            <m:t>𝑚</m:t>
+                          </m:r>
+                        </m:e>
+                        <m:sub>
+                          <m:r>
+                            <a:rPr lang="en-US" i="1">
+                              <a:latin typeface="Cambria Math" panose="02040503050406030204" pitchFamily="18" charset="0"/>
+                            </a:rPr>
+                            <m:t>𝐵</m:t>
+                          </m:r>
+                        </m:sub>
+                      </m:sSub>
+                      <m:sSub>
+                        <m:sSubPr>
+                          <m:ctrlPr>
+                            <a:rPr lang="en-US" i="1">
+                              <a:latin typeface="Cambria Math" panose="02040503050406030204" pitchFamily="18" charset="0"/>
+                            </a:rPr>
+                          </m:ctrlPr>
+                        </m:sSubPr>
+                        <m:e>
+                          <m:r>
+                            <a:rPr lang="en-US" i="1">
+                              <a:latin typeface="Cambria Math" panose="02040503050406030204" pitchFamily="18" charset="0"/>
+                            </a:rPr>
+                            <m:t>𝑣</m:t>
+                          </m:r>
+                        </m:e>
+                        <m:sub>
+                          <m:r>
+                            <a:rPr lang="en-US" i="1">
+                              <a:latin typeface="Cambria Math" panose="02040503050406030204" pitchFamily="18" charset="0"/>
+                            </a:rPr>
+                            <m:t>𝐵𝑖𝑥</m:t>
+                          </m:r>
+                        </m:sub>
+                      </m:sSub>
+                      <m:r>
+                        <a:rPr lang="en-US" b="0" i="1" smtClean="0">
+                          <a:latin typeface="Cambria Math" panose="02040503050406030204" pitchFamily="18" charset="0"/>
+                        </a:rPr>
+                        <m:t>=</m:t>
+                      </m:r>
+                      <m:d>
+                        <m:dPr>
+                          <m:ctrlPr>
+                            <a:rPr lang="en-US" i="1" smtClean="0">
+                              <a:latin typeface="Cambria Math" panose="02040503050406030204" pitchFamily="18" charset="0"/>
+                            </a:rPr>
+                          </m:ctrlPr>
+                        </m:dPr>
+                        <m:e>
+                          <m:sSub>
+                            <m:sSubPr>
+                              <m:ctrlPr>
+                                <a:rPr lang="en-US" i="1">
+                                  <a:latin typeface="Cambria Math" panose="02040503050406030204" pitchFamily="18" charset="0"/>
+                                </a:rPr>
+                              </m:ctrlPr>
+                            </m:sSubPr>
+                            <m:e>
+                              <m:r>
+                                <a:rPr lang="en-US" i="1">
+                                  <a:latin typeface="Cambria Math" panose="02040503050406030204" pitchFamily="18" charset="0"/>
+                                </a:rPr>
+                                <m:t>𝑚</m:t>
+                              </m:r>
+                            </m:e>
+                            <m:sub>
+                              <m:r>
+                                <a:rPr lang="en-US" i="1">
+                                  <a:latin typeface="Cambria Math" panose="02040503050406030204" pitchFamily="18" charset="0"/>
+                                </a:rPr>
+                                <m:t>𝐴</m:t>
+                              </m:r>
+                            </m:sub>
+                          </m:sSub>
+                          <m:r>
+                            <a:rPr lang="en-US" i="1">
+                              <a:latin typeface="Cambria Math" panose="02040503050406030204" pitchFamily="18" charset="0"/>
+                            </a:rPr>
+                            <m:t>+</m:t>
+                          </m:r>
+                          <m:sSub>
+                            <m:sSubPr>
+                              <m:ctrlPr>
+                                <a:rPr lang="en-US" i="1">
+                                  <a:latin typeface="Cambria Math" panose="02040503050406030204" pitchFamily="18" charset="0"/>
+                                </a:rPr>
+                              </m:ctrlPr>
+                            </m:sSubPr>
+                            <m:e>
+                              <m:r>
+                                <a:rPr lang="en-US" i="1">
+                                  <a:latin typeface="Cambria Math" panose="02040503050406030204" pitchFamily="18" charset="0"/>
+                                </a:rPr>
+                                <m:t>𝑚</m:t>
+                              </m:r>
+                            </m:e>
+                            <m:sub>
+                              <m:r>
+                                <a:rPr lang="en-US" i="1">
+                                  <a:latin typeface="Cambria Math" panose="02040503050406030204" pitchFamily="18" charset="0"/>
+                                </a:rPr>
+                                <m:t>𝐵</m:t>
+                              </m:r>
+                            </m:sub>
+                          </m:sSub>
+                        </m:e>
+                      </m:d>
+                      <m:sSub>
+                        <m:sSubPr>
+                          <m:ctrlPr>
+                            <a:rPr lang="en-US" i="1">
+                              <a:latin typeface="Cambria Math" panose="02040503050406030204" pitchFamily="18" charset="0"/>
+                            </a:rPr>
+                          </m:ctrlPr>
+                        </m:sSubPr>
+                        <m:e>
+                          <m:r>
+                            <a:rPr lang="en-US" i="1">
+                              <a:latin typeface="Cambria Math" panose="02040503050406030204" pitchFamily="18" charset="0"/>
+                            </a:rPr>
+                            <m:t>𝑣</m:t>
+                          </m:r>
+                        </m:e>
+                        <m:sub>
+                          <m:r>
+                            <a:rPr lang="en-US" i="1">
+                              <a:latin typeface="Cambria Math" panose="02040503050406030204" pitchFamily="18" charset="0"/>
+                            </a:rPr>
+                            <m:t>𝑓𝑥</m:t>
+                          </m:r>
+                        </m:sub>
+                      </m:sSub>
+                    </m:oMath>
+                  </m:oMathPara>
+                </a14:m>
+                <a:endParaRPr lang="en-US" dirty="0"/>
               </a:p>
               <a:p>
                 <a:pPr marL="0" indent="0">
@@ -5489,27 +7714,127 @@
                       <m:jc m:val="centerGroup"/>
                     </m:oMathParaPr>
                     <m:oMath xmlns:m="http://schemas.openxmlformats.org/officeDocument/2006/math">
-                      <m:r>
-                        <a:rPr lang="en-US" i="1">
-                          <a:latin typeface="Cambria Math"/>
-                        </a:rPr>
-                        <m:t>𝑒</m:t>
-                      </m:r>
-                      <m:r>
-                        <a:rPr lang="en-US" i="1">
-                          <a:latin typeface="Cambria Math"/>
-                        </a:rPr>
-                        <m:t>=−</m:t>
-                      </m:r>
-                      <m:f>
-                        <m:fPr>
+                      <m:sSub>
+                        <m:sSubPr>
                           <m:ctrlPr>
                             <a:rPr lang="en-US" i="1">
                               <a:latin typeface="Cambria Math" panose="02040503050406030204" pitchFamily="18" charset="0"/>
                             </a:rPr>
                           </m:ctrlPr>
-                        </m:fPr>
-                        <m:num>
+                        </m:sSubPr>
+                        <m:e>
+                          <m:r>
+                            <a:rPr lang="en-US" i="1">
+                              <a:latin typeface="Cambria Math" panose="02040503050406030204" pitchFamily="18" charset="0"/>
+                            </a:rPr>
+                            <m:t>𝑚</m:t>
+                          </m:r>
+                        </m:e>
+                        <m:sub>
+                          <m:r>
+                            <a:rPr lang="en-US" i="1">
+                              <a:latin typeface="Cambria Math" panose="02040503050406030204" pitchFamily="18" charset="0"/>
+                            </a:rPr>
+                            <m:t>𝐴</m:t>
+                          </m:r>
+                        </m:sub>
+                      </m:sSub>
+                      <m:sSub>
+                        <m:sSubPr>
+                          <m:ctrlPr>
+                            <a:rPr lang="en-US" i="1">
+                              <a:latin typeface="Cambria Math" panose="02040503050406030204" pitchFamily="18" charset="0"/>
+                            </a:rPr>
+                          </m:ctrlPr>
+                        </m:sSubPr>
+                        <m:e>
+                          <m:r>
+                            <a:rPr lang="en-US" i="1">
+                              <a:latin typeface="Cambria Math" panose="02040503050406030204" pitchFamily="18" charset="0"/>
+                            </a:rPr>
+                            <m:t>𝑣</m:t>
+                          </m:r>
+                        </m:e>
+                        <m:sub>
+                          <m:r>
+                            <a:rPr lang="en-US" i="1">
+                              <a:latin typeface="Cambria Math" panose="02040503050406030204" pitchFamily="18" charset="0"/>
+                            </a:rPr>
+                            <m:t>𝐴𝑖𝑦</m:t>
+                          </m:r>
+                        </m:sub>
+                      </m:sSub>
+                      <m:r>
+                        <a:rPr lang="en-US" i="1">
+                          <a:latin typeface="Cambria Math" panose="02040503050406030204" pitchFamily="18" charset="0"/>
+                        </a:rPr>
+                        <m:t>+</m:t>
+                      </m:r>
+                      <m:sSub>
+                        <m:sSubPr>
+                          <m:ctrlPr>
+                            <a:rPr lang="en-US" i="1">
+                              <a:latin typeface="Cambria Math" panose="02040503050406030204" pitchFamily="18" charset="0"/>
+                            </a:rPr>
+                          </m:ctrlPr>
+                        </m:sSubPr>
+                        <m:e>
+                          <m:r>
+                            <a:rPr lang="en-US" i="1">
+                              <a:latin typeface="Cambria Math" panose="02040503050406030204" pitchFamily="18" charset="0"/>
+                            </a:rPr>
+                            <m:t>𝑚</m:t>
+                          </m:r>
+                        </m:e>
+                        <m:sub>
+                          <m:r>
+                            <a:rPr lang="en-US" i="1">
+                              <a:latin typeface="Cambria Math" panose="02040503050406030204" pitchFamily="18" charset="0"/>
+                            </a:rPr>
+                            <m:t>𝐵</m:t>
+                          </m:r>
+                        </m:sub>
+                      </m:sSub>
+                      <m:sSub>
+                        <m:sSubPr>
+                          <m:ctrlPr>
+                            <a:rPr lang="en-US" i="1">
+                              <a:latin typeface="Cambria Math" panose="02040503050406030204" pitchFamily="18" charset="0"/>
+                            </a:rPr>
+                          </m:ctrlPr>
+                        </m:sSubPr>
+                        <m:e>
+                          <m:r>
+                            <a:rPr lang="en-US" i="1">
+                              <a:latin typeface="Cambria Math" panose="02040503050406030204" pitchFamily="18" charset="0"/>
+                            </a:rPr>
+                            <m:t>𝑣</m:t>
+                          </m:r>
+                        </m:e>
+                        <m:sub>
+                          <m:r>
+                            <a:rPr lang="en-US" i="1">
+                              <a:latin typeface="Cambria Math" panose="02040503050406030204" pitchFamily="18" charset="0"/>
+                            </a:rPr>
+                            <m:t>𝐵𝑖𝑦</m:t>
+                          </m:r>
+                        </m:sub>
+                      </m:sSub>
+                      <m:r>
+                        <a:rPr lang="en-US" b="0" i="1" smtClean="0">
+                          <a:latin typeface="Cambria Math" panose="02040503050406030204" pitchFamily="18" charset="0"/>
+                        </a:rPr>
+                        <m:t>=</m:t>
+                      </m:r>
+                      <m:d>
+                        <m:dPr>
+                          <m:ctrlPr>
+                            <a:rPr lang="en-US" i="1">
+                              <a:latin typeface="Cambria Math" panose="02040503050406030204" pitchFamily="18" charset="0"/>
+                            </a:rPr>
+                          </m:ctrlPr>
+                        </m:dPr>
+                        <m:e>
                           <m:sSub>
                             <m:sSubPr>
                               <m:ctrlPr>
@@ -5521,9 +7846,9 @@
                             <m:e>
                               <m:r>
                                 <a:rPr lang="en-US" i="1">
-                                  <a:latin typeface="Cambria Math"/>
+                                  <a:latin typeface="Cambria Math" panose="02040503050406030204" pitchFamily="18" charset="0"/>
                                 </a:rPr>
-                                <m:t>𝑣</m:t>
+                                <m:t>𝑚</m:t>
                               </m:r>
                             </m:e>
                             <m:sub>
@@ -5531,24 +7856,16 @@
                                 <a:rPr lang="en-US" i="1">
                                   <a:latin typeface="Cambria Math" panose="02040503050406030204" pitchFamily="18" charset="0"/>
                                 </a:rPr>
-                                <m:t>𝑛</m:t>
-                              </m:r>
-                              <m:r>
-                                <a:rPr lang="en-US" b="0" i="1" smtClean="0">
-                                  <a:latin typeface="Cambria Math" panose="02040503050406030204" pitchFamily="18" charset="0"/>
-                                </a:rPr>
                                 <m:t>𝐴</m:t>
-                              </m:r>
-                              <m:r>
-                                <a:rPr lang="en-US" i="1">
-                                  <a:latin typeface="Cambria Math"/>
-                                </a:rPr>
-                                <m:t>𝑓</m:t>
                               </m:r>
                             </m:sub>
                           </m:sSub>
-                        </m:num>
-                        <m:den>
+                          <m:r>
+                            <a:rPr lang="en-US" i="1">
+                              <a:latin typeface="Cambria Math" panose="02040503050406030204" pitchFamily="18" charset="0"/>
+                            </a:rPr>
+                            <m:t>+</m:t>
+                          </m:r>
                           <m:sSub>
                             <m:sSubPr>
                               <m:ctrlPr>
@@ -5560,9 +7877,9 @@
                             <m:e>
                               <m:r>
                                 <a:rPr lang="en-US" i="1">
-                                  <a:latin typeface="Cambria Math"/>
+                                  <a:latin typeface="Cambria Math" panose="02040503050406030204" pitchFamily="18" charset="0"/>
                                 </a:rPr>
-                                <m:t>𝑣</m:t>
+                                <m:t>𝑚</m:t>
                               </m:r>
                             </m:e>
                             <m:sub>
@@ -5570,61 +7887,150 @@
                                 <a:rPr lang="en-US" i="1">
                                   <a:latin typeface="Cambria Math" panose="02040503050406030204" pitchFamily="18" charset="0"/>
                                 </a:rPr>
-                                <m:t>𝑛</m:t>
-                              </m:r>
-                              <m:r>
-                                <a:rPr lang="en-US" b="0" i="1" smtClean="0">
-                                  <a:latin typeface="Cambria Math" panose="02040503050406030204" pitchFamily="18" charset="0"/>
-                                </a:rPr>
-                                <m:t>𝐴</m:t>
-                              </m:r>
-                              <m:r>
-                                <a:rPr lang="en-US" i="1">
-                                  <a:latin typeface="Cambria Math"/>
-                                </a:rPr>
-                                <m:t>𝑖</m:t>
+                                <m:t>𝐵</m:t>
                               </m:r>
                             </m:sub>
                           </m:sSub>
-                        </m:den>
-                      </m:f>
+                        </m:e>
+                      </m:d>
+                      <m:sSub>
+                        <m:sSubPr>
+                          <m:ctrlPr>
+                            <a:rPr lang="en-US" i="1">
+                              <a:latin typeface="Cambria Math" panose="02040503050406030204" pitchFamily="18" charset="0"/>
+                            </a:rPr>
+                          </m:ctrlPr>
+                        </m:sSubPr>
+                        <m:e>
+                          <m:r>
+                            <a:rPr lang="en-US" i="1">
+                              <a:latin typeface="Cambria Math" panose="02040503050406030204" pitchFamily="18" charset="0"/>
+                            </a:rPr>
+                            <m:t>𝑣</m:t>
+                          </m:r>
+                        </m:e>
+                        <m:sub>
+                          <m:r>
+                            <a:rPr lang="en-US" i="1">
+                              <a:latin typeface="Cambria Math" panose="02040503050406030204" pitchFamily="18" charset="0"/>
+                            </a:rPr>
+                            <m:t>𝑓𝑦</m:t>
+                          </m:r>
+                        </m:sub>
+                      </m:sSub>
                     </m:oMath>
                   </m:oMathPara>
                 </a14:m>
                 <a:endParaRPr lang="en-US" dirty="0"/>
               </a:p>
               <a:p>
-                <a:endParaRPr lang="en-US" dirty="0"/>
+                <a:pPr marL="0" indent="0">
+                  <a:buNone/>
+                </a:pPr>
+                <a14:m>
+                  <m:oMath xmlns:m="http://schemas.openxmlformats.org/officeDocument/2006/math">
+                    <m:nary>
+                      <m:naryPr>
+                        <m:chr m:val="∑"/>
+                        <m:subHide m:val="on"/>
+                        <m:supHide m:val="on"/>
+                        <m:ctrlPr>
+                          <a:rPr lang="en-US" i="1" smtClean="0">
+                            <a:latin typeface="Cambria Math" panose="02040503050406030204" pitchFamily="18" charset="0"/>
+                          </a:rPr>
+                        </m:ctrlPr>
+                      </m:naryPr>
+                      <m:sub/>
+                      <m:sup/>
+                      <m:e>
+                        <m:r>
+                          <m:rPr>
+                            <m:nor/>
+                          </m:rPr>
+                          <a:rPr lang="en-US" dirty="0"/>
+                          <m:t>(</m:t>
+                        </m:r>
+                        <m:r>
+                          <m:rPr>
+                            <m:nor/>
+                          </m:rPr>
+                          <a:rPr lang="en-US" dirty="0"/>
+                          <m:t>Angular</m:t>
+                        </m:r>
+                        <m:r>
+                          <m:rPr>
+                            <m:nor/>
+                          </m:rPr>
+                          <a:rPr lang="en-US" dirty="0"/>
+                          <m:t> </m:t>
+                        </m:r>
+                        <m:r>
+                          <m:rPr>
+                            <m:nor/>
+                          </m:rPr>
+                          <a:rPr lang="en-US" dirty="0"/>
+                          <m:t>Momentum</m:t>
+                        </m:r>
+                        <m:r>
+                          <m:rPr>
+                            <m:nor/>
+                          </m:rPr>
+                          <a:rPr lang="en-US" b="0" i="0" dirty="0" smtClean="0"/>
+                          <m:t> </m:t>
+                        </m:r>
+                        <m:r>
+                          <m:rPr>
+                            <m:nor/>
+                          </m:rPr>
+                          <a:rPr lang="en-US" b="0" i="0" dirty="0" smtClean="0"/>
+                          <m:t>Initial</m:t>
+                        </m:r>
+                        <m:r>
+                          <m:rPr>
+                            <m:nor/>
+                          </m:rPr>
+                          <a:rPr lang="en-US" dirty="0"/>
+                          <m:t>)</m:t>
+                        </m:r>
+                      </m:e>
+                    </m:nary>
+                  </m:oMath>
+                </a14:m>
+                <a:r>
+                  <a:rPr lang="en-US" dirty="0"/>
+                  <a:t>=(Angular Momentum Final)</a:t>
+                </a:r>
               </a:p>
             </p:txBody>
           </p:sp>
         </mc:Choice>
-        <mc:Fallback xmlns="">
+        <mc:Fallback>
           <p:sp>
             <p:nvSpPr>
-              <p:cNvPr id="3" name="Content Placeholder 2">
+              <p:cNvPr id="23" name="Content Placeholder 2">
                 <a:extLst>
                   <a:ext uri="{FF2B5EF4-FFF2-40B4-BE49-F238E27FC236}">
-                    <a16:creationId xmlns:a16="http://schemas.microsoft.com/office/drawing/2014/main" id="{0733E3D0-D68F-440F-BA6F-B73521BC8944}"/>
+                    <a16:creationId xmlns:a16="http://schemas.microsoft.com/office/drawing/2014/main" id="{7EFA4154-3A5D-E309-F1FD-F8CE3590D327}"/>
                   </a:ext>
                 </a:extLst>
               </p:cNvPr>
-              <p:cNvSpPr>
-                <a:spLocks noGrp="1" noRot="1" noChangeAspect="1" noMove="1" noResize="1" noEditPoints="1" noAdjustHandles="1" noChangeArrowheads="1" noChangeShapeType="1" noTextEdit="1"/>
+              <p:cNvSpPr txBox="1">
+                <a:spLocks noRot="1" noChangeAspect="1" noMove="1" noResize="1" noEditPoints="1" noAdjustHandles="1" noChangeArrowheads="1" noChangeShapeType="1" noTextEdit="1"/>
               </p:cNvSpPr>
-              <p:nvPr>
-                <p:ph idx="1"/>
-              </p:nvPr>
+              <p:nvPr/>
             </p:nvSpPr>
             <p:spPr>
               <a:xfrm>
-                <a:off x="457200" y="1600200"/>
-                <a:ext cx="4343400" cy="4983162"/>
+                <a:off x="457199" y="4255751"/>
+                <a:ext cx="8472487" cy="1521882"/>
               </a:xfrm>
+              <a:prstGeom prst="rect">
+                <a:avLst/>
+              </a:prstGeom>
               <a:blipFill>
-                <a:blip r:embed="rId2"/>
+                <a:blip r:embed="rId3"/>
                 <a:stretch>
-                  <a:fillRect l="-3226" t="-1591" r="-4488"/>
+                  <a:fillRect b="-4800"/>
                 </a:stretch>
               </a:blipFill>
             </p:spPr>
@@ -5643,12 +8049,566 @@
           </p:sp>
         </mc:Fallback>
       </mc:AlternateContent>
+      <p:cxnSp>
+        <p:nvCxnSpPr>
+          <p:cNvPr id="25" name="Straight Arrow Connector 24">
+            <a:extLst>
+              <a:ext uri="{FF2B5EF4-FFF2-40B4-BE49-F238E27FC236}">
+                <a16:creationId xmlns:a16="http://schemas.microsoft.com/office/drawing/2014/main" id="{30EF215D-1C11-6BEB-2434-0731FB7A11FA}"/>
+              </a:ext>
+            </a:extLst>
+          </p:cNvPr>
+          <p:cNvCxnSpPr>
+            <a:cxnSpLocks/>
+          </p:cNvCxnSpPr>
+          <p:nvPr/>
+        </p:nvCxnSpPr>
+        <p:spPr>
+          <a:xfrm flipH="1" flipV="1">
+            <a:off x="3352800" y="5715000"/>
+            <a:ext cx="152400" cy="325632"/>
+          </a:xfrm>
+          <a:prstGeom prst="straightConnector1">
+            <a:avLst/>
+          </a:prstGeom>
+          <a:ln>
+            <a:tailEnd type="triangle"/>
+          </a:ln>
+        </p:spPr>
+        <p:style>
+          <a:lnRef idx="2">
+            <a:schemeClr val="dk1"/>
+          </a:lnRef>
+          <a:fillRef idx="0">
+            <a:schemeClr val="dk1"/>
+          </a:fillRef>
+          <a:effectRef idx="1">
+            <a:schemeClr val="dk1"/>
+          </a:effectRef>
+          <a:fontRef idx="minor">
+            <a:schemeClr val="tx1"/>
+          </a:fontRef>
+        </p:style>
+      </p:cxnSp>
+      <p:cxnSp>
+        <p:nvCxnSpPr>
+          <p:cNvPr id="28" name="Straight Arrow Connector 27">
+            <a:extLst>
+              <a:ext uri="{FF2B5EF4-FFF2-40B4-BE49-F238E27FC236}">
+                <a16:creationId xmlns:a16="http://schemas.microsoft.com/office/drawing/2014/main" id="{3E5E3F20-18D2-4D75-F1E6-534CB850A61D}"/>
+              </a:ext>
+            </a:extLst>
+          </p:cNvPr>
+          <p:cNvCxnSpPr>
+            <a:cxnSpLocks/>
+          </p:cNvCxnSpPr>
+          <p:nvPr/>
+        </p:nvCxnSpPr>
+        <p:spPr>
+          <a:xfrm flipV="1">
+            <a:off x="5860647" y="5729121"/>
+            <a:ext cx="152400" cy="325632"/>
+          </a:xfrm>
+          <a:prstGeom prst="straightConnector1">
+            <a:avLst/>
+          </a:prstGeom>
+          <a:ln>
+            <a:tailEnd type="triangle"/>
+          </a:ln>
+        </p:spPr>
+        <p:style>
+          <a:lnRef idx="2">
+            <a:schemeClr val="dk1"/>
+          </a:lnRef>
+          <a:fillRef idx="0">
+            <a:schemeClr val="dk1"/>
+          </a:fillRef>
+          <a:effectRef idx="1">
+            <a:schemeClr val="dk1"/>
+          </a:effectRef>
+          <a:fontRef idx="minor">
+            <a:schemeClr val="tx1"/>
+          </a:fontRef>
+        </p:style>
+      </p:cxnSp>
+      <p:sp>
+        <p:nvSpPr>
+          <p:cNvPr id="29" name="TextBox 28">
+            <a:extLst>
+              <a:ext uri="{FF2B5EF4-FFF2-40B4-BE49-F238E27FC236}">
+                <a16:creationId xmlns:a16="http://schemas.microsoft.com/office/drawing/2014/main" id="{D7830BCB-FF78-ADA9-B0C0-4185A770BDFF}"/>
+              </a:ext>
+            </a:extLst>
+          </p:cNvPr>
+          <p:cNvSpPr txBox="1"/>
+          <p:nvPr/>
+        </p:nvSpPr>
+        <p:spPr>
+          <a:xfrm>
+            <a:off x="1610730" y="6040632"/>
+            <a:ext cx="6399188" cy="369332"/>
+          </a:xfrm>
+          <a:prstGeom prst="rect">
+            <a:avLst/>
+          </a:prstGeom>
+          <a:noFill/>
+        </p:spPr>
+        <p:txBody>
+          <a:bodyPr wrap="none" rtlCol="0">
+            <a:spAutoFit/>
+          </a:bodyPr>
+          <a:lstStyle/>
+          <a:p>
+            <a:r>
+              <a:rPr lang="en-US" dirty="0"/>
+              <a:t>All angular momentum terms must be taken about the same point</a:t>
+            </a:r>
+          </a:p>
+        </p:txBody>
+      </p:sp>
+    </p:spTree>
+    <p:extLst>
+      <p:ext uri="{BB962C8B-B14F-4D97-AF65-F5344CB8AC3E}">
+        <p14:creationId xmlns:p14="http://schemas.microsoft.com/office/powerpoint/2010/main" val="1282753733"/>
+      </p:ext>
+    </p:extLst>
+  </p:cSld>
+  <p:clrMapOvr>
+    <a:masterClrMapping/>
+  </p:clrMapOvr>
+  <p:timing>
+    <p:tnLst>
+      <p:par>
+        <p:cTn id="1" dur="indefinite" restart="never" nodeType="tmRoot">
+          <p:childTnLst>
+            <p:seq concurrent="1" nextAc="seek">
+              <p:cTn id="2" dur="indefinite" nodeType="mainSeq">
+                <p:childTnLst>
+                  <p:par>
+                    <p:cTn id="3" fill="hold">
+                      <p:stCondLst>
+                        <p:cond delay="indefinite"/>
+                      </p:stCondLst>
+                      <p:childTnLst>
+                        <p:par>
+                          <p:cTn id="4" fill="hold">
+                            <p:stCondLst>
+                              <p:cond delay="0"/>
+                            </p:stCondLst>
+                            <p:childTnLst>
+                              <p:par>
+                                <p:cTn id="5" presetID="1" presetClass="entr" presetSubtype="0" fill="hold" grpId="0" nodeType="clickEffect">
+                                  <p:stCondLst>
+                                    <p:cond delay="0"/>
+                                  </p:stCondLst>
+                                  <p:childTnLst>
+                                    <p:set>
+                                      <p:cBhvr>
+                                        <p:cTn id="6" dur="1" fill="hold">
+                                          <p:stCondLst>
+                                            <p:cond delay="0"/>
+                                          </p:stCondLst>
+                                        </p:cTn>
+                                        <p:tgtEl>
+                                          <p:spTgt spid="3">
+                                            <p:txEl>
+                                              <p:pRg st="0" end="0"/>
+                                            </p:txEl>
+                                          </p:spTgt>
+                                        </p:tgtEl>
+                                        <p:attrNameLst>
+                                          <p:attrName>style.visibility</p:attrName>
+                                        </p:attrNameLst>
+                                      </p:cBhvr>
+                                      <p:to>
+                                        <p:strVal val="visible"/>
+                                      </p:to>
+                                    </p:set>
+                                  </p:childTnLst>
+                                </p:cTn>
+                              </p:par>
+                            </p:childTnLst>
+                          </p:cTn>
+                        </p:par>
+                      </p:childTnLst>
+                    </p:cTn>
+                  </p:par>
+                  <p:par>
+                    <p:cTn id="7" fill="hold">
+                      <p:stCondLst>
+                        <p:cond delay="indefinite"/>
+                      </p:stCondLst>
+                      <p:childTnLst>
+                        <p:par>
+                          <p:cTn id="8" fill="hold">
+                            <p:stCondLst>
+                              <p:cond delay="0"/>
+                            </p:stCondLst>
+                            <p:childTnLst>
+                              <p:par>
+                                <p:cTn id="9" presetID="1" presetClass="entr" presetSubtype="0" fill="hold" nodeType="clickEffect">
+                                  <p:stCondLst>
+                                    <p:cond delay="0"/>
+                                  </p:stCondLst>
+                                  <p:childTnLst>
+                                    <p:set>
+                                      <p:cBhvr>
+                                        <p:cTn id="10" dur="1" fill="hold">
+                                          <p:stCondLst>
+                                            <p:cond delay="0"/>
+                                          </p:stCondLst>
+                                        </p:cTn>
+                                        <p:tgtEl>
+                                          <p:spTgt spid="23">
+                                            <p:txEl>
+                                              <p:pRg st="0" end="0"/>
+                                            </p:txEl>
+                                          </p:spTgt>
+                                        </p:tgtEl>
+                                        <p:attrNameLst>
+                                          <p:attrName>style.visibility</p:attrName>
+                                        </p:attrNameLst>
+                                      </p:cBhvr>
+                                      <p:to>
+                                        <p:strVal val="visible"/>
+                                      </p:to>
+                                    </p:set>
+                                  </p:childTnLst>
+                                </p:cTn>
+                              </p:par>
+                            </p:childTnLst>
+                          </p:cTn>
+                        </p:par>
+                      </p:childTnLst>
+                    </p:cTn>
+                  </p:par>
+                  <p:par>
+                    <p:cTn id="11" fill="hold">
+                      <p:stCondLst>
+                        <p:cond delay="indefinite"/>
+                      </p:stCondLst>
+                      <p:childTnLst>
+                        <p:par>
+                          <p:cTn id="12" fill="hold">
+                            <p:stCondLst>
+                              <p:cond delay="0"/>
+                            </p:stCondLst>
+                            <p:childTnLst>
+                              <p:par>
+                                <p:cTn id="13" presetID="1" presetClass="entr" presetSubtype="0" fill="hold" nodeType="clickEffect">
+                                  <p:stCondLst>
+                                    <p:cond delay="0"/>
+                                  </p:stCondLst>
+                                  <p:childTnLst>
+                                    <p:set>
+                                      <p:cBhvr>
+                                        <p:cTn id="14" dur="1" fill="hold">
+                                          <p:stCondLst>
+                                            <p:cond delay="0"/>
+                                          </p:stCondLst>
+                                        </p:cTn>
+                                        <p:tgtEl>
+                                          <p:spTgt spid="23">
+                                            <p:txEl>
+                                              <p:pRg st="1" end="1"/>
+                                            </p:txEl>
+                                          </p:spTgt>
+                                        </p:tgtEl>
+                                        <p:attrNameLst>
+                                          <p:attrName>style.visibility</p:attrName>
+                                        </p:attrNameLst>
+                                      </p:cBhvr>
+                                      <p:to>
+                                        <p:strVal val="visible"/>
+                                      </p:to>
+                                    </p:set>
+                                  </p:childTnLst>
+                                </p:cTn>
+                              </p:par>
+                            </p:childTnLst>
+                          </p:cTn>
+                        </p:par>
+                      </p:childTnLst>
+                    </p:cTn>
+                  </p:par>
+                  <p:par>
+                    <p:cTn id="15" fill="hold">
+                      <p:stCondLst>
+                        <p:cond delay="indefinite"/>
+                      </p:stCondLst>
+                      <p:childTnLst>
+                        <p:par>
+                          <p:cTn id="16" fill="hold">
+                            <p:stCondLst>
+                              <p:cond delay="0"/>
+                            </p:stCondLst>
+                            <p:childTnLst>
+                              <p:par>
+                                <p:cTn id="17" presetID="1" presetClass="entr" presetSubtype="0" fill="hold" nodeType="clickEffect">
+                                  <p:stCondLst>
+                                    <p:cond delay="0"/>
+                                  </p:stCondLst>
+                                  <p:childTnLst>
+                                    <p:set>
+                                      <p:cBhvr>
+                                        <p:cTn id="18" dur="1" fill="hold">
+                                          <p:stCondLst>
+                                            <p:cond delay="0"/>
+                                          </p:stCondLst>
+                                        </p:cTn>
+                                        <p:tgtEl>
+                                          <p:spTgt spid="23">
+                                            <p:txEl>
+                                              <p:pRg st="2" end="2"/>
+                                            </p:txEl>
+                                          </p:spTgt>
+                                        </p:tgtEl>
+                                        <p:attrNameLst>
+                                          <p:attrName>style.visibility</p:attrName>
+                                        </p:attrNameLst>
+                                      </p:cBhvr>
+                                      <p:to>
+                                        <p:strVal val="visible"/>
+                                      </p:to>
+                                    </p:set>
+                                  </p:childTnLst>
+                                </p:cTn>
+                              </p:par>
+                            </p:childTnLst>
+                          </p:cTn>
+                        </p:par>
+                      </p:childTnLst>
+                    </p:cTn>
+                  </p:par>
+                  <p:par>
+                    <p:cTn id="19" fill="hold">
+                      <p:stCondLst>
+                        <p:cond delay="indefinite"/>
+                      </p:stCondLst>
+                      <p:childTnLst>
+                        <p:par>
+                          <p:cTn id="20" fill="hold">
+                            <p:stCondLst>
+                              <p:cond delay="0"/>
+                            </p:stCondLst>
+                            <p:childTnLst>
+                              <p:par>
+                                <p:cTn id="21" presetID="1" presetClass="entr" presetSubtype="0" fill="hold" nodeType="clickEffect">
+                                  <p:stCondLst>
+                                    <p:cond delay="0"/>
+                                  </p:stCondLst>
+                                  <p:childTnLst>
+                                    <p:set>
+                                      <p:cBhvr>
+                                        <p:cTn id="22" dur="1" fill="hold">
+                                          <p:stCondLst>
+                                            <p:cond delay="0"/>
+                                          </p:stCondLst>
+                                        </p:cTn>
+                                        <p:tgtEl>
+                                          <p:spTgt spid="25"/>
+                                        </p:tgtEl>
+                                        <p:attrNameLst>
+                                          <p:attrName>style.visibility</p:attrName>
+                                        </p:attrNameLst>
+                                      </p:cBhvr>
+                                      <p:to>
+                                        <p:strVal val="visible"/>
+                                      </p:to>
+                                    </p:set>
+                                  </p:childTnLst>
+                                </p:cTn>
+                              </p:par>
+                              <p:par>
+                                <p:cTn id="23" presetID="1" presetClass="entr" presetSubtype="0" fill="hold" nodeType="withEffect">
+                                  <p:stCondLst>
+                                    <p:cond delay="0"/>
+                                  </p:stCondLst>
+                                  <p:childTnLst>
+                                    <p:set>
+                                      <p:cBhvr>
+                                        <p:cTn id="24" dur="1" fill="hold">
+                                          <p:stCondLst>
+                                            <p:cond delay="0"/>
+                                          </p:stCondLst>
+                                        </p:cTn>
+                                        <p:tgtEl>
+                                          <p:spTgt spid="28"/>
+                                        </p:tgtEl>
+                                        <p:attrNameLst>
+                                          <p:attrName>style.visibility</p:attrName>
+                                        </p:attrNameLst>
+                                      </p:cBhvr>
+                                      <p:to>
+                                        <p:strVal val="visible"/>
+                                      </p:to>
+                                    </p:set>
+                                  </p:childTnLst>
+                                </p:cTn>
+                              </p:par>
+                              <p:par>
+                                <p:cTn id="25" presetID="1" presetClass="entr" presetSubtype="0" fill="hold" grpId="0" nodeType="withEffect">
+                                  <p:stCondLst>
+                                    <p:cond delay="0"/>
+                                  </p:stCondLst>
+                                  <p:childTnLst>
+                                    <p:set>
+                                      <p:cBhvr>
+                                        <p:cTn id="26" dur="1" fill="hold">
+                                          <p:stCondLst>
+                                            <p:cond delay="0"/>
+                                          </p:stCondLst>
+                                        </p:cTn>
+                                        <p:tgtEl>
+                                          <p:spTgt spid="29"/>
+                                        </p:tgtEl>
+                                        <p:attrNameLst>
+                                          <p:attrName>style.visibility</p:attrName>
+                                        </p:attrNameLst>
+                                      </p:cBhvr>
+                                      <p:to>
+                                        <p:strVal val="visible"/>
+                                      </p:to>
+                                    </p:set>
+                                  </p:childTnLst>
+                                </p:cTn>
+                              </p:par>
+                            </p:childTnLst>
+                          </p:cTn>
+                        </p:par>
+                      </p:childTnLst>
+                    </p:cTn>
+                  </p:par>
+                </p:childTnLst>
+              </p:cTn>
+              <p:prevCondLst>
+                <p:cond evt="onPrev" delay="0">
+                  <p:tgtEl>
+                    <p:sldTgt/>
+                  </p:tgtEl>
+                </p:cond>
+              </p:prevCondLst>
+              <p:nextCondLst>
+                <p:cond evt="onNext" delay="0">
+                  <p:tgtEl>
+                    <p:sldTgt/>
+                  </p:tgtEl>
+                </p:cond>
+              </p:nextCondLst>
+            </p:seq>
+          </p:childTnLst>
+        </p:cTn>
+      </p:par>
+    </p:tnLst>
+    <p:bldLst>
+      <p:bldP spid="3" grpId="0" build="p"/>
+      <p:bldP spid="29" grpId="0"/>
+    </p:bldLst>
+  </p:timing>
+</p:sld>
+</file>
+
+<file path=ppt/slides/slide7.xml><?xml version="1.0" encoding="utf-8"?>
+<p:sld xmlns:a="http://schemas.openxmlformats.org/drawingml/2006/main" xmlns:r="http://schemas.openxmlformats.org/officeDocument/2006/relationships" xmlns:p="http://schemas.openxmlformats.org/presentationml/2006/main">
+  <p:cSld>
+    <p:spTree>
+      <p:nvGrpSpPr>
+        <p:cNvPr id="1" name=""/>
+        <p:cNvGrpSpPr/>
+        <p:nvPr/>
+      </p:nvGrpSpPr>
+      <p:grpSpPr>
+        <a:xfrm>
+          <a:off x="0" y="0"/>
+          <a:ext cx="0" cy="0"/>
+          <a:chOff x="0" y="0"/>
+          <a:chExt cx="0" cy="0"/>
+        </a:xfrm>
+      </p:grpSpPr>
+      <p:sp>
+        <p:nvSpPr>
+          <p:cNvPr id="2" name="Title 1">
+            <a:extLst>
+              <a:ext uri="{FF2B5EF4-FFF2-40B4-BE49-F238E27FC236}">
+                <a16:creationId xmlns:a16="http://schemas.microsoft.com/office/drawing/2014/main" id="{02DA13BC-BEE8-B4EA-91F7-2AD4F85F035D}"/>
+              </a:ext>
+            </a:extLst>
+          </p:cNvPr>
+          <p:cNvSpPr>
+            <a:spLocks noGrp="1"/>
+          </p:cNvSpPr>
+          <p:nvPr>
+            <p:ph type="title"/>
+          </p:nvPr>
+        </p:nvSpPr>
+        <p:spPr/>
+        <p:txBody>
+          <a:bodyPr>
+            <a:normAutofit fontScale="90000"/>
+          </a:bodyPr>
+          <a:lstStyle/>
+          <a:p>
+            <a:r>
+              <a:rPr lang="en-US" dirty="0"/>
+              <a:t>Rigid Body Elastic and Semi-Elastic Impacts</a:t>
+            </a:r>
+          </a:p>
+        </p:txBody>
+      </p:sp>
+      <p:sp>
+        <p:nvSpPr>
+          <p:cNvPr id="3" name="Content Placeholder 2">
+            <a:extLst>
+              <a:ext uri="{FF2B5EF4-FFF2-40B4-BE49-F238E27FC236}">
+                <a16:creationId xmlns:a16="http://schemas.microsoft.com/office/drawing/2014/main" id="{CDB8FB2F-1633-E910-CB30-AA37B54504D2}"/>
+              </a:ext>
+            </a:extLst>
+          </p:cNvPr>
+          <p:cNvSpPr>
+            <a:spLocks noGrp="1"/>
+          </p:cNvSpPr>
+          <p:nvPr>
+            <p:ph idx="1"/>
+          </p:nvPr>
+        </p:nvSpPr>
+        <p:spPr/>
+        <p:txBody>
+          <a:bodyPr>
+            <a:normAutofit fontScale="92500" lnSpcReduction="10000"/>
+          </a:bodyPr>
+          <a:lstStyle/>
+          <a:p>
+            <a:r>
+              <a:rPr lang="en-US" dirty="0"/>
+              <a:t>In elastic and semi elastic impacts, the two bodies do not stick together and in 2D they will each have their own final velocities (in x and y directions) as well as their own final angular velocity.</a:t>
+            </a:r>
+          </a:p>
+          <a:p>
+            <a:r>
+              <a:rPr lang="en-US" dirty="0"/>
+              <a:t>With just two bodies colliding, this means that there are six unknowns to solve for.</a:t>
+            </a:r>
+          </a:p>
+          <a:p>
+            <a:r>
+              <a:rPr lang="en-US" dirty="0"/>
+              <a:t>With six unknowns we will need six equations.</a:t>
+            </a:r>
+          </a:p>
+          <a:p>
+            <a:r>
+              <a:rPr lang="en-US" dirty="0"/>
+              <a:t>The equations we will end up using will be the same for both elastic and semi-elastic collisions.</a:t>
+            </a:r>
+          </a:p>
+        </p:txBody>
+      </p:sp>
       <p:sp>
         <p:nvSpPr>
           <p:cNvPr id="4" name="Slide Number Placeholder 3">
             <a:extLst>
               <a:ext uri="{FF2B5EF4-FFF2-40B4-BE49-F238E27FC236}">
-                <a16:creationId xmlns:a16="http://schemas.microsoft.com/office/drawing/2014/main" id="{9BB3DA46-FC30-4BC3-BB3B-F0EA9E371B04}"/>
+                <a16:creationId xmlns:a16="http://schemas.microsoft.com/office/drawing/2014/main" id="{D44D08C9-8CAE-DBA7-3530-E7940E5BACB2}"/>
               </a:ext>
             </a:extLst>
           </p:cNvPr>
@@ -5666,63 +8626,16 @@
           <a:p>
             <a:fld id="{929262FE-7F58-4A1E-8AF3-5A510A86DEBD}" type="slidenum">
               <a:rPr lang="en-US" smtClean="0"/>
-              <a:t>6</a:t>
+              <a:t>7</a:t>
             </a:fld>
             <a:endParaRPr lang="en-US" dirty="0"/>
           </a:p>
         </p:txBody>
       </p:sp>
-      <p:pic>
-        <p:nvPicPr>
-          <p:cNvPr id="5" name="Picture 2" descr="A wrench dropped on a rigid floor">
-            <a:extLst>
-              <a:ext uri="{FF2B5EF4-FFF2-40B4-BE49-F238E27FC236}">
-                <a16:creationId xmlns:a16="http://schemas.microsoft.com/office/drawing/2014/main" id="{C7C20865-EED8-468C-9F12-9F9A051A017F}"/>
-              </a:ext>
-            </a:extLst>
-          </p:cNvPr>
-          <p:cNvPicPr>
-            <a:picLocks noChangeAspect="1" noChangeArrowheads="1"/>
-          </p:cNvPicPr>
-          <p:nvPr/>
-        </p:nvPicPr>
-        <p:blipFill>
-          <a:blip r:embed="rId3">
-            <a:extLst>
-              <a:ext uri="{28A0092B-C50C-407E-A947-70E740481C1C}">
-                <a14:useLocalDpi xmlns:a14="http://schemas.microsoft.com/office/drawing/2010/main" val="0"/>
-              </a:ext>
-            </a:extLst>
-          </a:blip>
-          <a:srcRect/>
-          <a:stretch>
-            <a:fillRect/>
-          </a:stretch>
-        </p:blipFill>
-        <p:spPr bwMode="auto">
-          <a:xfrm>
-            <a:off x="4933950" y="2285999"/>
-            <a:ext cx="3714750" cy="2790825"/>
-          </a:xfrm>
-          <a:prstGeom prst="rect">
-            <a:avLst/>
-          </a:prstGeom>
-          <a:noFill/>
-          <a:extLst>
-            <a:ext uri="{909E8E84-426E-40DD-AFC4-6F175D3DCCD1}">
-              <a14:hiddenFill xmlns:a14="http://schemas.microsoft.com/office/drawing/2010/main">
-                <a:solidFill>
-                  <a:srgbClr val="FFFFFF"/>
-                </a:solidFill>
-              </a14:hiddenFill>
-            </a:ext>
-          </a:extLst>
-        </p:spPr>
-      </p:pic>
     </p:spTree>
     <p:extLst>
       <p:ext uri="{BB962C8B-B14F-4D97-AF65-F5344CB8AC3E}">
-        <p14:creationId xmlns:p14="http://schemas.microsoft.com/office/powerpoint/2010/main" val="1684578502"/>
+        <p14:creationId xmlns:p14="http://schemas.microsoft.com/office/powerpoint/2010/main" val="1269709002"/>
       </p:ext>
     </p:extLst>
   </p:cSld>
@@ -5884,6 +8797,55 @@
                       </p:childTnLst>
                     </p:cTn>
                   </p:par>
+                  <p:par>
+                    <p:cTn id="15" fill="hold">
+                      <p:stCondLst>
+                        <p:cond delay="indefinite"/>
+                      </p:stCondLst>
+                      <p:childTnLst>
+                        <p:par>
+                          <p:cTn id="16" fill="hold">
+                            <p:stCondLst>
+                              <p:cond delay="0"/>
+                            </p:stCondLst>
+                            <p:childTnLst>
+                              <p:par>
+                                <p:cTn id="17" presetID="1" presetClass="entr" presetSubtype="0" fill="hold" grpId="0" nodeType="clickEffect">
+                                  <p:stCondLst>
+                                    <p:cond delay="0"/>
+                                  </p:stCondLst>
+                                  <p:childTnLst>
+                                    <p:set>
+                                      <p:cBhvr>
+                                        <p:cTn id="18" dur="1" fill="hold">
+                                          <p:stCondLst>
+                                            <p:cond delay="0"/>
+                                          </p:stCondLst>
+                                        </p:cTn>
+                                        <p:tgtEl>
+                                          <p:spTgt spid="3">
+                                            <p:txEl>
+                                              <p:pRg st="3" end="3"/>
+                                            </p:txEl>
+                                          </p:spTgt>
+                                        </p:tgtEl>
+                                        <p:attrNameLst>
+                                          <p:attrName>style.visibility</p:attrName>
+                                        </p:attrNameLst>
+                                      </p:cBhvr>
+                                      <p:to>
+                                        <p:strVal val="visible"/>
+                                      </p:to>
+                                    </p:set>
+                                  </p:childTnLst>
+                                </p:cTn>
+                              </p:par>
+                            </p:childTnLst>
+                          </p:cTn>
+                        </p:par>
+                      </p:childTnLst>
+                    </p:cTn>
+                  </p:par>
                 </p:childTnLst>
               </p:cTn>
               <p:prevCondLst>
@@ -5912,7 +8874,7 @@
 </p:sld>
 </file>
 
-<file path=ppt/slides/slide7.xml><?xml version="1.0" encoding="utf-8"?>
+<file path=ppt/slides/slide8.xml><?xml version="1.0" encoding="utf-8"?>
 <p:sld xmlns:a="http://schemas.openxmlformats.org/drawingml/2006/main" xmlns:r="http://schemas.openxmlformats.org/officeDocument/2006/relationships" xmlns:p="http://schemas.openxmlformats.org/presentationml/2006/main">
   <p:cSld>
     <p:spTree>
@@ -5934,7 +8896,7 @@
           <p:cNvPr id="2" name="Title 1">
             <a:extLst>
               <a:ext uri="{FF2B5EF4-FFF2-40B4-BE49-F238E27FC236}">
-                <a16:creationId xmlns:a16="http://schemas.microsoft.com/office/drawing/2014/main" id="{4B7AD62A-3DBD-4452-8625-6F2CFEAA90EA}"/>
+                <a16:creationId xmlns:a16="http://schemas.microsoft.com/office/drawing/2014/main" id="{02DA13BC-BEE8-B4EA-91F7-2AD4F85F035D}"/>
               </a:ext>
             </a:extLst>
           </p:cNvPr>
@@ -5947,24 +8909,26 @@
         </p:nvSpPr>
         <p:spPr/>
         <p:txBody>
-          <a:bodyPr/>
+          <a:bodyPr>
+            <a:normAutofit fontScale="90000"/>
+          </a:bodyPr>
           <a:lstStyle/>
           <a:p>
             <a:r>
               <a:rPr lang="en-US" dirty="0"/>
-              <a:t>Rigid Body Surface Collisions</a:t>
+              <a:t>Rigid Body Elastic and Semi-Elastic Impacts</a:t>
             </a:r>
           </a:p>
         </p:txBody>
       </p:sp>
-      <mc:AlternateContent xmlns:mc="http://schemas.openxmlformats.org/markup-compatibility/2006" xmlns:a14="http://schemas.microsoft.com/office/drawing/2010/main">
-        <mc:Choice Requires="a14">
+      <mc:AlternateContent xmlns:mc="http://schemas.openxmlformats.org/markup-compatibility/2006">
+        <mc:Choice xmlns:a14="http://schemas.microsoft.com/office/drawing/2010/main" Requires="a14">
           <p:sp>
             <p:nvSpPr>
               <p:cNvPr id="3" name="Content Placeholder 2">
                 <a:extLst>
                   <a:ext uri="{FF2B5EF4-FFF2-40B4-BE49-F238E27FC236}">
-                    <a16:creationId xmlns:a16="http://schemas.microsoft.com/office/drawing/2014/main" id="{0733E3D0-D68F-440F-BA6F-B73521BC8944}"/>
+                    <a16:creationId xmlns:a16="http://schemas.microsoft.com/office/drawing/2014/main" id="{CDB8FB2F-1633-E910-CB30-AA37B54504D2}"/>
                   </a:ext>
                 </a:extLst>
               </p:cNvPr>
@@ -5978,19 +8942,30 @@
             <p:spPr>
               <a:xfrm>
                 <a:off x="457200" y="1600200"/>
-                <a:ext cx="4343400" cy="4983162"/>
+                <a:ext cx="8229600" cy="4983162"/>
               </a:xfrm>
             </p:spPr>
             <p:txBody>
               <a:bodyPr>
-                <a:normAutofit fontScale="92500" lnSpcReduction="20000"/>
+                <a:normAutofit fontScale="85000" lnSpcReduction="20000"/>
               </a:bodyPr>
               <a:lstStyle/>
               <a:p>
                 <a:r>
                   <a:rPr lang="en-US" dirty="0"/>
-                  <a:t>Finally, the coefficient of restitution can also be used to relate the kinetic energies before and after the impact</a:t>
+                  <a:t>Again, because the impact forces are </a:t>
                 </a:r>
+                <a:r>
+                  <a:rPr lang="en-US" b="1" dirty="0"/>
+                  <a:t>internal</a:t>
+                </a:r>
+                <a:r>
+                  <a:rPr lang="en-US" dirty="0"/>
+                  <a:t> to the system, both linear and angular momentum are conserved for the system as a whole.</a:t>
+                </a:r>
+              </a:p>
+              <a:p>
+                <a:endParaRPr lang="en-US" dirty="0"/>
               </a:p>
               <a:p>
                 <a:pPr marL="0" indent="0">
@@ -6002,124 +8977,740 @@
                       <m:jc m:val="centerGroup"/>
                     </m:oMathParaPr>
                     <m:oMath xmlns:m="http://schemas.openxmlformats.org/officeDocument/2006/math">
-                      <m:sSup>
-                        <m:sSupPr>
-                          <m:ctrlPr>
-                            <a:rPr lang="en-US" b="0" i="1" smtClean="0">
-                              <a:latin typeface="Cambria Math" panose="02040503050406030204" pitchFamily="18" charset="0"/>
-                            </a:rPr>
-                          </m:ctrlPr>
-                        </m:sSupPr>
-                        <m:e>
-                          <m:r>
-                            <a:rPr lang="en-US" i="1">
-                              <a:latin typeface="Cambria Math"/>
-                            </a:rPr>
-                            <m:t>𝑒</m:t>
-                          </m:r>
-                        </m:e>
-                        <m:sup>
-                          <m:r>
-                            <a:rPr lang="en-US" b="0" i="1" smtClean="0">
-                              <a:latin typeface="Cambria Math" panose="02040503050406030204" pitchFamily="18" charset="0"/>
-                            </a:rPr>
-                            <m:t>2</m:t>
-                          </m:r>
-                        </m:sup>
-                      </m:sSup>
-                      <m:r>
-                        <a:rPr lang="en-US" i="1">
-                          <a:latin typeface="Cambria Math"/>
-                        </a:rPr>
-                        <m:t>=</m:t>
-                      </m:r>
-                      <m:f>
-                        <m:fPr>
+                      <m:sSub>
+                        <m:sSubPr>
                           <m:ctrlPr>
                             <a:rPr lang="en-US" i="1">
                               <a:latin typeface="Cambria Math" panose="02040503050406030204" pitchFamily="18" charset="0"/>
                             </a:rPr>
                           </m:ctrlPr>
-                        </m:fPr>
-                        <m:num>
-                          <m:sSub>
-                            <m:sSubPr>
-                              <m:ctrlPr>
-                                <a:rPr lang="en-US" i="1" smtClean="0">
-                                  <a:latin typeface="Cambria Math" panose="02040503050406030204" pitchFamily="18" charset="0"/>
-                                </a:rPr>
-                              </m:ctrlPr>
-                            </m:sSubPr>
-                            <m:e>
-                              <m:r>
-                                <a:rPr lang="en-US" b="0" i="1" smtClean="0">
-                                  <a:latin typeface="Cambria Math" panose="02040503050406030204" pitchFamily="18" charset="0"/>
-                                </a:rPr>
-                                <m:t>𝐾𝐸</m:t>
-                              </m:r>
-                            </m:e>
-                            <m:sub>
-                              <m:r>
-                                <a:rPr lang="en-US" b="0" i="1" smtClean="0">
-                                  <a:latin typeface="Cambria Math" panose="02040503050406030204" pitchFamily="18" charset="0"/>
-                                </a:rPr>
-                                <m:t>𝑓</m:t>
-                              </m:r>
-                            </m:sub>
-                          </m:sSub>
-                        </m:num>
-                        <m:den>
-                          <m:sSub>
-                            <m:sSubPr>
-                              <m:ctrlPr>
-                                <a:rPr lang="en-US" i="1">
-                                  <a:latin typeface="Cambria Math" panose="02040503050406030204" pitchFamily="18" charset="0"/>
-                                </a:rPr>
-                              </m:ctrlPr>
-                            </m:sSubPr>
-                            <m:e>
-                              <m:r>
-                                <a:rPr lang="en-US" i="1">
-                                  <a:latin typeface="Cambria Math" panose="02040503050406030204" pitchFamily="18" charset="0"/>
-                                </a:rPr>
-                                <m:t>𝐾𝐸</m:t>
-                              </m:r>
-                            </m:e>
-                            <m:sub>
-                              <m:r>
-                                <a:rPr lang="en-US" b="0" i="1" smtClean="0">
-                                  <a:latin typeface="Cambria Math" panose="02040503050406030204" pitchFamily="18" charset="0"/>
-                                </a:rPr>
-                                <m:t>𝑖</m:t>
-                              </m:r>
-                            </m:sub>
-                          </m:sSub>
-                        </m:den>
-                      </m:f>
+                        </m:sSubPr>
+                        <m:e>
+                          <m:r>
+                            <a:rPr lang="en-US" i="1">
+                              <a:latin typeface="Cambria Math" panose="02040503050406030204" pitchFamily="18" charset="0"/>
+                            </a:rPr>
+                            <m:t>𝑚</m:t>
+                          </m:r>
+                        </m:e>
+                        <m:sub>
+                          <m:r>
+                            <a:rPr lang="en-US" i="1">
+                              <a:latin typeface="Cambria Math" panose="02040503050406030204" pitchFamily="18" charset="0"/>
+                            </a:rPr>
+                            <m:t>𝐴</m:t>
+                          </m:r>
+                        </m:sub>
+                      </m:sSub>
+                      <m:sSub>
+                        <m:sSubPr>
+                          <m:ctrlPr>
+                            <a:rPr lang="en-US" i="1">
+                              <a:latin typeface="Cambria Math" panose="02040503050406030204" pitchFamily="18" charset="0"/>
+                            </a:rPr>
+                          </m:ctrlPr>
+                        </m:sSubPr>
+                        <m:e>
+                          <m:r>
+                            <a:rPr lang="en-US" i="1">
+                              <a:latin typeface="Cambria Math" panose="02040503050406030204" pitchFamily="18" charset="0"/>
+                            </a:rPr>
+                            <m:t>𝑣</m:t>
+                          </m:r>
+                        </m:e>
+                        <m:sub>
+                          <m:r>
+                            <a:rPr lang="en-US" i="1">
+                              <a:latin typeface="Cambria Math" panose="02040503050406030204" pitchFamily="18" charset="0"/>
+                            </a:rPr>
+                            <m:t>𝐴</m:t>
+                          </m:r>
+                          <m:r>
+                            <a:rPr lang="en-US" b="0" i="1" smtClean="0">
+                              <a:latin typeface="Cambria Math" panose="02040503050406030204" pitchFamily="18" charset="0"/>
+                            </a:rPr>
+                            <m:t>𝑖</m:t>
+                          </m:r>
+                          <m:r>
+                            <a:rPr lang="en-US" i="1">
+                              <a:latin typeface="Cambria Math" panose="02040503050406030204" pitchFamily="18" charset="0"/>
+                            </a:rPr>
+                            <m:t>𝑥</m:t>
+                          </m:r>
+                        </m:sub>
+                      </m:sSub>
+                      <m:r>
+                        <a:rPr lang="en-US" i="1">
+                          <a:latin typeface="Cambria Math" panose="02040503050406030204" pitchFamily="18" charset="0"/>
+                        </a:rPr>
+                        <m:t>+</m:t>
+                      </m:r>
+                      <m:sSub>
+                        <m:sSubPr>
+                          <m:ctrlPr>
+                            <a:rPr lang="en-US" i="1">
+                              <a:latin typeface="Cambria Math" panose="02040503050406030204" pitchFamily="18" charset="0"/>
+                            </a:rPr>
+                          </m:ctrlPr>
+                        </m:sSubPr>
+                        <m:e>
+                          <m:r>
+                            <a:rPr lang="en-US" i="1">
+                              <a:latin typeface="Cambria Math" panose="02040503050406030204" pitchFamily="18" charset="0"/>
+                            </a:rPr>
+                            <m:t>𝑚</m:t>
+                          </m:r>
+                        </m:e>
+                        <m:sub>
+                          <m:r>
+                            <a:rPr lang="en-US" i="1">
+                              <a:latin typeface="Cambria Math" panose="02040503050406030204" pitchFamily="18" charset="0"/>
+                            </a:rPr>
+                            <m:t>𝐵</m:t>
+                          </m:r>
+                        </m:sub>
+                      </m:sSub>
+                      <m:sSub>
+                        <m:sSubPr>
+                          <m:ctrlPr>
+                            <a:rPr lang="en-US" i="1">
+                              <a:latin typeface="Cambria Math" panose="02040503050406030204" pitchFamily="18" charset="0"/>
+                            </a:rPr>
+                          </m:ctrlPr>
+                        </m:sSubPr>
+                        <m:e>
+                          <m:r>
+                            <a:rPr lang="en-US" i="1">
+                              <a:latin typeface="Cambria Math" panose="02040503050406030204" pitchFamily="18" charset="0"/>
+                            </a:rPr>
+                            <m:t>𝑣</m:t>
+                          </m:r>
+                        </m:e>
+                        <m:sub>
+                          <m:r>
+                            <a:rPr lang="en-US" i="1">
+                              <a:latin typeface="Cambria Math" panose="02040503050406030204" pitchFamily="18" charset="0"/>
+                            </a:rPr>
+                            <m:t>𝐵</m:t>
+                          </m:r>
+                          <m:r>
+                            <a:rPr lang="en-US" b="0" i="1" smtClean="0">
+                              <a:latin typeface="Cambria Math" panose="02040503050406030204" pitchFamily="18" charset="0"/>
+                            </a:rPr>
+                            <m:t>𝑖</m:t>
+                          </m:r>
+                          <m:r>
+                            <a:rPr lang="en-US" i="1">
+                              <a:latin typeface="Cambria Math" panose="02040503050406030204" pitchFamily="18" charset="0"/>
+                            </a:rPr>
+                            <m:t>𝑥</m:t>
+                          </m:r>
+                        </m:sub>
+                      </m:sSub>
+                      <m:r>
+                        <a:rPr lang="en-US" i="1">
+                          <a:latin typeface="Cambria Math" panose="02040503050406030204" pitchFamily="18" charset="0"/>
+                        </a:rPr>
+                        <m:t>=</m:t>
+                      </m:r>
+                      <m:sSub>
+                        <m:sSubPr>
+                          <m:ctrlPr>
+                            <a:rPr lang="en-US" i="1">
+                              <a:latin typeface="Cambria Math" panose="02040503050406030204" pitchFamily="18" charset="0"/>
+                            </a:rPr>
+                          </m:ctrlPr>
+                        </m:sSubPr>
+                        <m:e>
+                          <m:r>
+                            <a:rPr lang="en-US" i="1">
+                              <a:latin typeface="Cambria Math" panose="02040503050406030204" pitchFamily="18" charset="0"/>
+                            </a:rPr>
+                            <m:t>𝑚</m:t>
+                          </m:r>
+                        </m:e>
+                        <m:sub>
+                          <m:r>
+                            <a:rPr lang="en-US" i="1">
+                              <a:latin typeface="Cambria Math" panose="02040503050406030204" pitchFamily="18" charset="0"/>
+                            </a:rPr>
+                            <m:t>𝐴</m:t>
+                          </m:r>
+                        </m:sub>
+                      </m:sSub>
+                      <m:sSub>
+                        <m:sSubPr>
+                          <m:ctrlPr>
+                            <a:rPr lang="en-US" i="1">
+                              <a:latin typeface="Cambria Math" panose="02040503050406030204" pitchFamily="18" charset="0"/>
+                            </a:rPr>
+                          </m:ctrlPr>
+                        </m:sSubPr>
+                        <m:e>
+                          <m:r>
+                            <a:rPr lang="en-US" i="1">
+                              <a:latin typeface="Cambria Math" panose="02040503050406030204" pitchFamily="18" charset="0"/>
+                            </a:rPr>
+                            <m:t>𝑣</m:t>
+                          </m:r>
+                        </m:e>
+                        <m:sub>
+                          <m:r>
+                            <a:rPr lang="en-US" i="1">
+                              <a:latin typeface="Cambria Math" panose="02040503050406030204" pitchFamily="18" charset="0"/>
+                            </a:rPr>
+                            <m:t>𝐴</m:t>
+                          </m:r>
+                          <m:r>
+                            <a:rPr lang="en-US" b="0" i="1" smtClean="0">
+                              <a:latin typeface="Cambria Math" panose="02040503050406030204" pitchFamily="18" charset="0"/>
+                            </a:rPr>
+                            <m:t>𝑓</m:t>
+                          </m:r>
+                          <m:r>
+                            <a:rPr lang="en-US" i="1">
+                              <a:latin typeface="Cambria Math" panose="02040503050406030204" pitchFamily="18" charset="0"/>
+                            </a:rPr>
+                            <m:t>𝑥</m:t>
+                          </m:r>
+                        </m:sub>
+                      </m:sSub>
+                      <m:r>
+                        <a:rPr lang="en-US" i="1">
+                          <a:latin typeface="Cambria Math" panose="02040503050406030204" pitchFamily="18" charset="0"/>
+                        </a:rPr>
+                        <m:t>+</m:t>
+                      </m:r>
+                      <m:sSub>
+                        <m:sSubPr>
+                          <m:ctrlPr>
+                            <a:rPr lang="en-US" i="1">
+                              <a:latin typeface="Cambria Math" panose="02040503050406030204" pitchFamily="18" charset="0"/>
+                            </a:rPr>
+                          </m:ctrlPr>
+                        </m:sSubPr>
+                        <m:e>
+                          <m:r>
+                            <a:rPr lang="en-US" i="1">
+                              <a:latin typeface="Cambria Math" panose="02040503050406030204" pitchFamily="18" charset="0"/>
+                            </a:rPr>
+                            <m:t>𝑚</m:t>
+                          </m:r>
+                        </m:e>
+                        <m:sub>
+                          <m:r>
+                            <a:rPr lang="en-US" i="1">
+                              <a:latin typeface="Cambria Math" panose="02040503050406030204" pitchFamily="18" charset="0"/>
+                            </a:rPr>
+                            <m:t>𝐵</m:t>
+                          </m:r>
+                        </m:sub>
+                      </m:sSub>
+                      <m:sSub>
+                        <m:sSubPr>
+                          <m:ctrlPr>
+                            <a:rPr lang="en-US" i="1">
+                              <a:latin typeface="Cambria Math" panose="02040503050406030204" pitchFamily="18" charset="0"/>
+                            </a:rPr>
+                          </m:ctrlPr>
+                        </m:sSubPr>
+                        <m:e>
+                          <m:r>
+                            <a:rPr lang="en-US" i="1">
+                              <a:latin typeface="Cambria Math" panose="02040503050406030204" pitchFamily="18" charset="0"/>
+                            </a:rPr>
+                            <m:t>𝑣</m:t>
+                          </m:r>
+                        </m:e>
+                        <m:sub>
+                          <m:r>
+                            <a:rPr lang="en-US" i="1">
+                              <a:latin typeface="Cambria Math" panose="02040503050406030204" pitchFamily="18" charset="0"/>
+                            </a:rPr>
+                            <m:t>𝐵</m:t>
+                          </m:r>
+                          <m:r>
+                            <a:rPr lang="en-US" b="0" i="1" smtClean="0">
+                              <a:latin typeface="Cambria Math" panose="02040503050406030204" pitchFamily="18" charset="0"/>
+                            </a:rPr>
+                            <m:t>𝑓</m:t>
+                          </m:r>
+                          <m:r>
+                            <a:rPr lang="en-US" i="1">
+                              <a:latin typeface="Cambria Math" panose="02040503050406030204" pitchFamily="18" charset="0"/>
+                            </a:rPr>
+                            <m:t>𝑥</m:t>
+                          </m:r>
+                        </m:sub>
+                      </m:sSub>
                     </m:oMath>
                   </m:oMathPara>
                 </a14:m>
                 <a:endParaRPr lang="en-US" dirty="0"/>
               </a:p>
               <a:p>
+                <a:pPr marL="0" indent="0">
+                  <a:buNone/>
+                </a:pPr>
+                <a14:m>
+                  <m:oMathPara xmlns:m="http://schemas.openxmlformats.org/officeDocument/2006/math">
+                    <m:oMathParaPr>
+                      <m:jc m:val="centerGroup"/>
+                    </m:oMathParaPr>
+                    <m:oMath xmlns:m="http://schemas.openxmlformats.org/officeDocument/2006/math">
+                      <m:sSub>
+                        <m:sSubPr>
+                          <m:ctrlPr>
+                            <a:rPr lang="en-US" i="1">
+                              <a:latin typeface="Cambria Math" panose="02040503050406030204" pitchFamily="18" charset="0"/>
+                            </a:rPr>
+                          </m:ctrlPr>
+                        </m:sSubPr>
+                        <m:e>
+                          <m:r>
+                            <a:rPr lang="en-US" i="1">
+                              <a:latin typeface="Cambria Math" panose="02040503050406030204" pitchFamily="18" charset="0"/>
+                            </a:rPr>
+                            <m:t>𝑚</m:t>
+                          </m:r>
+                        </m:e>
+                        <m:sub>
+                          <m:r>
+                            <a:rPr lang="en-US" i="1">
+                              <a:latin typeface="Cambria Math" panose="02040503050406030204" pitchFamily="18" charset="0"/>
+                            </a:rPr>
+                            <m:t>𝐴</m:t>
+                          </m:r>
+                        </m:sub>
+                      </m:sSub>
+                      <m:sSub>
+                        <m:sSubPr>
+                          <m:ctrlPr>
+                            <a:rPr lang="en-US" i="1">
+                              <a:latin typeface="Cambria Math" panose="02040503050406030204" pitchFamily="18" charset="0"/>
+                            </a:rPr>
+                          </m:ctrlPr>
+                        </m:sSubPr>
+                        <m:e>
+                          <m:r>
+                            <a:rPr lang="en-US" i="1">
+                              <a:latin typeface="Cambria Math" panose="02040503050406030204" pitchFamily="18" charset="0"/>
+                            </a:rPr>
+                            <m:t>𝑣</m:t>
+                          </m:r>
+                        </m:e>
+                        <m:sub>
+                          <m:r>
+                            <a:rPr lang="en-US" i="1">
+                              <a:latin typeface="Cambria Math" panose="02040503050406030204" pitchFamily="18" charset="0"/>
+                            </a:rPr>
+                            <m:t>𝐴</m:t>
+                          </m:r>
+                          <m:r>
+                            <a:rPr lang="en-US" i="1">
+                              <a:latin typeface="Cambria Math" panose="02040503050406030204" pitchFamily="18" charset="0"/>
+                            </a:rPr>
+                            <m:t>𝑖</m:t>
+                          </m:r>
+                          <m:r>
+                            <a:rPr lang="en-US" b="0" i="1" smtClean="0">
+                              <a:latin typeface="Cambria Math" panose="02040503050406030204" pitchFamily="18" charset="0"/>
+                            </a:rPr>
+                            <m:t>𝑦</m:t>
+                          </m:r>
+                        </m:sub>
+                      </m:sSub>
+                      <m:r>
+                        <a:rPr lang="en-US" i="1">
+                          <a:latin typeface="Cambria Math" panose="02040503050406030204" pitchFamily="18" charset="0"/>
+                        </a:rPr>
+                        <m:t>+</m:t>
+                      </m:r>
+                      <m:sSub>
+                        <m:sSubPr>
+                          <m:ctrlPr>
+                            <a:rPr lang="en-US" i="1">
+                              <a:latin typeface="Cambria Math" panose="02040503050406030204" pitchFamily="18" charset="0"/>
+                            </a:rPr>
+                          </m:ctrlPr>
+                        </m:sSubPr>
+                        <m:e>
+                          <m:r>
+                            <a:rPr lang="en-US" i="1">
+                              <a:latin typeface="Cambria Math" panose="02040503050406030204" pitchFamily="18" charset="0"/>
+                            </a:rPr>
+                            <m:t>𝑚</m:t>
+                          </m:r>
+                        </m:e>
+                        <m:sub>
+                          <m:r>
+                            <a:rPr lang="en-US" i="1">
+                              <a:latin typeface="Cambria Math" panose="02040503050406030204" pitchFamily="18" charset="0"/>
+                            </a:rPr>
+                            <m:t>𝐵</m:t>
+                          </m:r>
+                        </m:sub>
+                      </m:sSub>
+                      <m:sSub>
+                        <m:sSubPr>
+                          <m:ctrlPr>
+                            <a:rPr lang="en-US" i="1">
+                              <a:latin typeface="Cambria Math" panose="02040503050406030204" pitchFamily="18" charset="0"/>
+                            </a:rPr>
+                          </m:ctrlPr>
+                        </m:sSubPr>
+                        <m:e>
+                          <m:r>
+                            <a:rPr lang="en-US" i="1">
+                              <a:latin typeface="Cambria Math" panose="02040503050406030204" pitchFamily="18" charset="0"/>
+                            </a:rPr>
+                            <m:t>𝑣</m:t>
+                          </m:r>
+                        </m:e>
+                        <m:sub>
+                          <m:r>
+                            <a:rPr lang="en-US" i="1">
+                              <a:latin typeface="Cambria Math" panose="02040503050406030204" pitchFamily="18" charset="0"/>
+                            </a:rPr>
+                            <m:t>𝐵</m:t>
+                          </m:r>
+                          <m:r>
+                            <a:rPr lang="en-US" i="1">
+                              <a:latin typeface="Cambria Math" panose="02040503050406030204" pitchFamily="18" charset="0"/>
+                            </a:rPr>
+                            <m:t>𝑖</m:t>
+                          </m:r>
+                          <m:r>
+                            <a:rPr lang="en-US" b="0" i="1" smtClean="0">
+                              <a:latin typeface="Cambria Math" panose="02040503050406030204" pitchFamily="18" charset="0"/>
+                            </a:rPr>
+                            <m:t>𝑦</m:t>
+                          </m:r>
+                        </m:sub>
+                      </m:sSub>
+                      <m:r>
+                        <a:rPr lang="en-US" i="1">
+                          <a:latin typeface="Cambria Math" panose="02040503050406030204" pitchFamily="18" charset="0"/>
+                        </a:rPr>
+                        <m:t>=</m:t>
+                      </m:r>
+                      <m:sSub>
+                        <m:sSubPr>
+                          <m:ctrlPr>
+                            <a:rPr lang="en-US" i="1">
+                              <a:latin typeface="Cambria Math" panose="02040503050406030204" pitchFamily="18" charset="0"/>
+                            </a:rPr>
+                          </m:ctrlPr>
+                        </m:sSubPr>
+                        <m:e>
+                          <m:r>
+                            <a:rPr lang="en-US" i="1">
+                              <a:latin typeface="Cambria Math" panose="02040503050406030204" pitchFamily="18" charset="0"/>
+                            </a:rPr>
+                            <m:t>𝑚</m:t>
+                          </m:r>
+                        </m:e>
+                        <m:sub>
+                          <m:r>
+                            <a:rPr lang="en-US" i="1">
+                              <a:latin typeface="Cambria Math" panose="02040503050406030204" pitchFamily="18" charset="0"/>
+                            </a:rPr>
+                            <m:t>𝐴</m:t>
+                          </m:r>
+                        </m:sub>
+                      </m:sSub>
+                      <m:sSub>
+                        <m:sSubPr>
+                          <m:ctrlPr>
+                            <a:rPr lang="en-US" i="1">
+                              <a:latin typeface="Cambria Math" panose="02040503050406030204" pitchFamily="18" charset="0"/>
+                            </a:rPr>
+                          </m:ctrlPr>
+                        </m:sSubPr>
+                        <m:e>
+                          <m:r>
+                            <a:rPr lang="en-US" i="1">
+                              <a:latin typeface="Cambria Math" panose="02040503050406030204" pitchFamily="18" charset="0"/>
+                            </a:rPr>
+                            <m:t>𝑣</m:t>
+                          </m:r>
+                        </m:e>
+                        <m:sub>
+                          <m:r>
+                            <a:rPr lang="en-US" i="1">
+                              <a:latin typeface="Cambria Math" panose="02040503050406030204" pitchFamily="18" charset="0"/>
+                            </a:rPr>
+                            <m:t>𝐴</m:t>
+                          </m:r>
+                          <m:r>
+                            <a:rPr lang="en-US" i="1">
+                              <a:latin typeface="Cambria Math" panose="02040503050406030204" pitchFamily="18" charset="0"/>
+                            </a:rPr>
+                            <m:t>𝑓</m:t>
+                          </m:r>
+                          <m:r>
+                            <a:rPr lang="en-US" b="0" i="1" smtClean="0">
+                              <a:latin typeface="Cambria Math" panose="02040503050406030204" pitchFamily="18" charset="0"/>
+                            </a:rPr>
+                            <m:t>𝑦</m:t>
+                          </m:r>
+                        </m:sub>
+                      </m:sSub>
+                      <m:r>
+                        <a:rPr lang="en-US" i="1">
+                          <a:latin typeface="Cambria Math" panose="02040503050406030204" pitchFamily="18" charset="0"/>
+                        </a:rPr>
+                        <m:t>+</m:t>
+                      </m:r>
+                      <m:sSub>
+                        <m:sSubPr>
+                          <m:ctrlPr>
+                            <a:rPr lang="en-US" i="1">
+                              <a:latin typeface="Cambria Math" panose="02040503050406030204" pitchFamily="18" charset="0"/>
+                            </a:rPr>
+                          </m:ctrlPr>
+                        </m:sSubPr>
+                        <m:e>
+                          <m:r>
+                            <a:rPr lang="en-US" i="1">
+                              <a:latin typeface="Cambria Math" panose="02040503050406030204" pitchFamily="18" charset="0"/>
+                            </a:rPr>
+                            <m:t>𝑚</m:t>
+                          </m:r>
+                        </m:e>
+                        <m:sub>
+                          <m:r>
+                            <a:rPr lang="en-US" i="1">
+                              <a:latin typeface="Cambria Math" panose="02040503050406030204" pitchFamily="18" charset="0"/>
+                            </a:rPr>
+                            <m:t>𝐵</m:t>
+                          </m:r>
+                        </m:sub>
+                      </m:sSub>
+                      <m:sSub>
+                        <m:sSubPr>
+                          <m:ctrlPr>
+                            <a:rPr lang="en-US" i="1">
+                              <a:latin typeface="Cambria Math" panose="02040503050406030204" pitchFamily="18" charset="0"/>
+                            </a:rPr>
+                          </m:ctrlPr>
+                        </m:sSubPr>
+                        <m:e>
+                          <m:r>
+                            <a:rPr lang="en-US" i="1">
+                              <a:latin typeface="Cambria Math" panose="02040503050406030204" pitchFamily="18" charset="0"/>
+                            </a:rPr>
+                            <m:t>𝑣</m:t>
+                          </m:r>
+                        </m:e>
+                        <m:sub>
+                          <m:r>
+                            <a:rPr lang="en-US" i="1">
+                              <a:latin typeface="Cambria Math" panose="02040503050406030204" pitchFamily="18" charset="0"/>
+                            </a:rPr>
+                            <m:t>𝐵</m:t>
+                          </m:r>
+                          <m:r>
+                            <a:rPr lang="en-US" i="1">
+                              <a:latin typeface="Cambria Math" panose="02040503050406030204" pitchFamily="18" charset="0"/>
+                            </a:rPr>
+                            <m:t>𝑓</m:t>
+                          </m:r>
+                          <m:r>
+                            <a:rPr lang="en-US" b="0" i="1" smtClean="0">
+                              <a:latin typeface="Cambria Math" panose="02040503050406030204" pitchFamily="18" charset="0"/>
+                            </a:rPr>
+                            <m:t>𝑦</m:t>
+                          </m:r>
+                        </m:sub>
+                      </m:sSub>
+                    </m:oMath>
+                  </m:oMathPara>
+                </a14:m>
+                <a:endParaRPr lang="en-US" dirty="0"/>
+              </a:p>
+              <a:p>
+                <a:pPr marL="0" indent="0">
+                  <a:buNone/>
+                </a:pPr>
+                <a:endParaRPr lang="en-US" dirty="0"/>
+              </a:p>
+              <a:p>
+                <a:pPr marL="0" indent="0" algn="ctr">
+                  <a:buNone/>
+                </a:pPr>
+                <a14:m>
+                  <m:oMath xmlns:m="http://schemas.openxmlformats.org/officeDocument/2006/math">
+                    <m:nary>
+                      <m:naryPr>
+                        <m:chr m:val="∑"/>
+                        <m:subHide m:val="on"/>
+                        <m:supHide m:val="on"/>
+                        <m:ctrlPr>
+                          <a:rPr lang="en-US" sz="2600" i="1">
+                            <a:latin typeface="Cambria Math" panose="02040503050406030204" pitchFamily="18" charset="0"/>
+                          </a:rPr>
+                        </m:ctrlPr>
+                      </m:naryPr>
+                      <m:sub/>
+                      <m:sup/>
+                      <m:e>
+                        <m:r>
+                          <m:rPr>
+                            <m:nor/>
+                          </m:rPr>
+                          <a:rPr lang="en-US" sz="2600" dirty="0"/>
+                          <m:t>(</m:t>
+                        </m:r>
+                        <m:r>
+                          <m:rPr>
+                            <m:nor/>
+                          </m:rPr>
+                          <a:rPr lang="en-US" sz="2600" dirty="0"/>
+                          <m:t>Angular</m:t>
+                        </m:r>
+                        <m:r>
+                          <m:rPr>
+                            <m:nor/>
+                          </m:rPr>
+                          <a:rPr lang="en-US" sz="2600" dirty="0"/>
+                          <m:t> </m:t>
+                        </m:r>
+                        <m:r>
+                          <m:rPr>
+                            <m:nor/>
+                          </m:rPr>
+                          <a:rPr lang="en-US" sz="2600" dirty="0"/>
+                          <m:t>Momentum</m:t>
+                        </m:r>
+                        <m:r>
+                          <m:rPr>
+                            <m:nor/>
+                          </m:rPr>
+                          <a:rPr lang="en-US" sz="2600" dirty="0"/>
+                          <m:t> </m:t>
+                        </m:r>
+                        <m:r>
+                          <m:rPr>
+                            <m:nor/>
+                          </m:rPr>
+                          <a:rPr lang="en-US" sz="2600" dirty="0"/>
+                          <m:t>Initial</m:t>
+                        </m:r>
+                        <m:r>
+                          <m:rPr>
+                            <m:nor/>
+                          </m:rPr>
+                          <a:rPr lang="en-US" sz="2600" dirty="0"/>
+                          <m:t>)</m:t>
+                        </m:r>
+                      </m:e>
+                    </m:nary>
+                    <m:r>
+                      <a:rPr lang="en-US" sz="2600" i="1" dirty="0">
+                        <a:latin typeface="Cambria Math" panose="02040503050406030204" pitchFamily="18" charset="0"/>
+                      </a:rPr>
+                      <m:t> </m:t>
+                    </m:r>
+                  </m:oMath>
+                </a14:m>
+                <a:r>
+                  <a:rPr lang="en-US" sz="2600" dirty="0"/>
+                  <a:t>=</a:t>
+                </a:r>
+                <a14:m>
+                  <m:oMath xmlns:m="http://schemas.openxmlformats.org/officeDocument/2006/math">
+                    <m:nary>
+                      <m:naryPr>
+                        <m:chr m:val="∑"/>
+                        <m:subHide m:val="on"/>
+                        <m:supHide m:val="on"/>
+                        <m:ctrlPr>
+                          <a:rPr lang="en-US" sz="2600" i="1" smtClean="0">
+                            <a:latin typeface="Cambria Math" panose="02040503050406030204" pitchFamily="18" charset="0"/>
+                          </a:rPr>
+                        </m:ctrlPr>
+                      </m:naryPr>
+                      <m:sub/>
+                      <m:sup/>
+                      <m:e>
+                        <m:r>
+                          <m:rPr>
+                            <m:nor/>
+                          </m:rPr>
+                          <a:rPr lang="en-US" sz="2600" dirty="0"/>
+                          <m:t>(</m:t>
+                        </m:r>
+                        <m:r>
+                          <m:rPr>
+                            <m:nor/>
+                          </m:rPr>
+                          <a:rPr lang="en-US" sz="2600" dirty="0"/>
+                          <m:t>Angular</m:t>
+                        </m:r>
+                        <m:r>
+                          <m:rPr>
+                            <m:nor/>
+                          </m:rPr>
+                          <a:rPr lang="en-US" sz="2600" dirty="0"/>
+                          <m:t> </m:t>
+                        </m:r>
+                        <m:r>
+                          <m:rPr>
+                            <m:nor/>
+                          </m:rPr>
+                          <a:rPr lang="en-US" sz="2600" dirty="0"/>
+                          <m:t>Momentum</m:t>
+                        </m:r>
+                        <m:r>
+                          <m:rPr>
+                            <m:nor/>
+                          </m:rPr>
+                          <a:rPr lang="en-US" sz="2600" b="0" i="0" dirty="0" smtClean="0"/>
+                          <m:t> </m:t>
+                        </m:r>
+                        <m:r>
+                          <m:rPr>
+                            <m:nor/>
+                          </m:rPr>
+                          <a:rPr lang="en-US" sz="2600" b="0" i="0" dirty="0" smtClean="0"/>
+                          <m:t>Final</m:t>
+                        </m:r>
+                        <m:r>
+                          <m:rPr>
+                            <m:nor/>
+                          </m:rPr>
+                          <a:rPr lang="en-US" sz="2600" dirty="0"/>
+                          <m:t>)</m:t>
+                        </m:r>
+                      </m:e>
+                    </m:nary>
+                  </m:oMath>
+                </a14:m>
+                <a:endParaRPr lang="en-US" sz="2600" dirty="0"/>
+              </a:p>
+              <a:p>
+                <a:pPr marL="0" indent="0">
+                  <a:buNone/>
+                </a:pPr>
+                <a:endParaRPr lang="en-US" dirty="0"/>
+              </a:p>
+              <a:p>
                 <a:r>
                   <a:rPr lang="en-US" dirty="0"/>
-                  <a:t>These kinetic energies should include both the translational and rotational kinetic energies.</a:t>
+                  <a:t>The angular momentum can be taken about any point, but just as with inelastic collisions, we need to be consistent about taking everything about the same point.</a:t>
                 </a:r>
-              </a:p>
-              <a:p>
-                <a:endParaRPr lang="en-US" dirty="0"/>
               </a:p>
             </p:txBody>
           </p:sp>
         </mc:Choice>
-        <mc:Fallback xmlns="">
+        <mc:Fallback>
           <p:sp>
             <p:nvSpPr>
               <p:cNvPr id="3" name="Content Placeholder 2">
                 <a:extLst>
                   <a:ext uri="{FF2B5EF4-FFF2-40B4-BE49-F238E27FC236}">
-                    <a16:creationId xmlns:a16="http://schemas.microsoft.com/office/drawing/2014/main" id="{0733E3D0-D68F-440F-BA6F-B73521BC8944}"/>
+                    <a16:creationId xmlns:a16="http://schemas.microsoft.com/office/drawing/2014/main" id="{CDB8FB2F-1633-E910-CB30-AA37B54504D2}"/>
                   </a:ext>
                 </a:extLst>
               </p:cNvPr>
@@ -6133,12 +9724,12 @@
             <p:spPr>
               <a:xfrm>
                 <a:off x="457200" y="1600200"/>
-                <a:ext cx="4343400" cy="4983162"/>
+                <a:ext cx="8229600" cy="4983162"/>
               </a:xfrm>
               <a:blipFill>
                 <a:blip r:embed="rId2"/>
                 <a:stretch>
-                  <a:fillRect l="-2805" t="-3182" r="-4067"/>
+                  <a:fillRect l="-1259" t="-2570" r="-519" b="-2448"/>
                 </a:stretch>
               </a:blipFill>
             </p:spPr>
@@ -6162,7 +9753,7 @@
           <p:cNvPr id="4" name="Slide Number Placeholder 3">
             <a:extLst>
               <a:ext uri="{FF2B5EF4-FFF2-40B4-BE49-F238E27FC236}">
-                <a16:creationId xmlns:a16="http://schemas.microsoft.com/office/drawing/2014/main" id="{9BB3DA46-FC30-4BC3-BB3B-F0EA9E371B04}"/>
+                <a16:creationId xmlns:a16="http://schemas.microsoft.com/office/drawing/2014/main" id="{D44D08C9-8CAE-DBA7-3530-E7940E5BACB2}"/>
               </a:ext>
             </a:extLst>
           </p:cNvPr>
@@ -6180,63 +9771,1822 @@
           <a:p>
             <a:fld id="{929262FE-7F58-4A1E-8AF3-5A510A86DEBD}" type="slidenum">
               <a:rPr lang="en-US" smtClean="0"/>
-              <a:t>7</a:t>
+              <a:t>8</a:t>
             </a:fld>
             <a:endParaRPr lang="en-US" dirty="0"/>
           </a:p>
         </p:txBody>
       </p:sp>
-      <p:pic>
-        <p:nvPicPr>
-          <p:cNvPr id="5" name="Picture 2" descr="A wrench dropped on a rigid floor">
+    </p:spTree>
+    <p:extLst>
+      <p:ext uri="{BB962C8B-B14F-4D97-AF65-F5344CB8AC3E}">
+        <p14:creationId xmlns:p14="http://schemas.microsoft.com/office/powerpoint/2010/main" val="718481411"/>
+      </p:ext>
+    </p:extLst>
+  </p:cSld>
+  <p:clrMapOvr>
+    <a:masterClrMapping/>
+  </p:clrMapOvr>
+  <p:timing>
+    <p:tnLst>
+      <p:par>
+        <p:cTn id="1" dur="indefinite" restart="never" nodeType="tmRoot">
+          <p:childTnLst>
+            <p:seq concurrent="1" nextAc="seek">
+              <p:cTn id="2" dur="indefinite" nodeType="mainSeq">
+                <p:childTnLst>
+                  <p:par>
+                    <p:cTn id="3" fill="hold">
+                      <p:stCondLst>
+                        <p:cond delay="indefinite"/>
+                      </p:stCondLst>
+                      <p:childTnLst>
+                        <p:par>
+                          <p:cTn id="4" fill="hold">
+                            <p:stCondLst>
+                              <p:cond delay="0"/>
+                            </p:stCondLst>
+                            <p:childTnLst>
+                              <p:par>
+                                <p:cTn id="5" presetID="1" presetClass="entr" presetSubtype="0" fill="hold" grpId="0" nodeType="clickEffect">
+                                  <p:stCondLst>
+                                    <p:cond delay="0"/>
+                                  </p:stCondLst>
+                                  <p:childTnLst>
+                                    <p:set>
+                                      <p:cBhvr>
+                                        <p:cTn id="6" dur="1" fill="hold">
+                                          <p:stCondLst>
+                                            <p:cond delay="0"/>
+                                          </p:stCondLst>
+                                        </p:cTn>
+                                        <p:tgtEl>
+                                          <p:spTgt spid="3">
+                                            <p:txEl>
+                                              <p:pRg st="0" end="0"/>
+                                            </p:txEl>
+                                          </p:spTgt>
+                                        </p:tgtEl>
+                                        <p:attrNameLst>
+                                          <p:attrName>style.visibility</p:attrName>
+                                        </p:attrNameLst>
+                                      </p:cBhvr>
+                                      <p:to>
+                                        <p:strVal val="visible"/>
+                                      </p:to>
+                                    </p:set>
+                                  </p:childTnLst>
+                                </p:cTn>
+                              </p:par>
+                            </p:childTnLst>
+                          </p:cTn>
+                        </p:par>
+                      </p:childTnLst>
+                    </p:cTn>
+                  </p:par>
+                  <p:par>
+                    <p:cTn id="7" fill="hold">
+                      <p:stCondLst>
+                        <p:cond delay="indefinite"/>
+                      </p:stCondLst>
+                      <p:childTnLst>
+                        <p:par>
+                          <p:cTn id="8" fill="hold">
+                            <p:stCondLst>
+                              <p:cond delay="0"/>
+                            </p:stCondLst>
+                            <p:childTnLst>
+                              <p:par>
+                                <p:cTn id="9" presetID="1" presetClass="entr" presetSubtype="0" fill="hold" grpId="0" nodeType="clickEffect">
+                                  <p:stCondLst>
+                                    <p:cond delay="0"/>
+                                  </p:stCondLst>
+                                  <p:childTnLst>
+                                    <p:set>
+                                      <p:cBhvr>
+                                        <p:cTn id="10" dur="1" fill="hold">
+                                          <p:stCondLst>
+                                            <p:cond delay="0"/>
+                                          </p:stCondLst>
+                                        </p:cTn>
+                                        <p:tgtEl>
+                                          <p:spTgt spid="3">
+                                            <p:txEl>
+                                              <p:pRg st="2" end="2"/>
+                                            </p:txEl>
+                                          </p:spTgt>
+                                        </p:tgtEl>
+                                        <p:attrNameLst>
+                                          <p:attrName>style.visibility</p:attrName>
+                                        </p:attrNameLst>
+                                      </p:cBhvr>
+                                      <p:to>
+                                        <p:strVal val="visible"/>
+                                      </p:to>
+                                    </p:set>
+                                  </p:childTnLst>
+                                </p:cTn>
+                              </p:par>
+                            </p:childTnLst>
+                          </p:cTn>
+                        </p:par>
+                      </p:childTnLst>
+                    </p:cTn>
+                  </p:par>
+                  <p:par>
+                    <p:cTn id="11" fill="hold">
+                      <p:stCondLst>
+                        <p:cond delay="indefinite"/>
+                      </p:stCondLst>
+                      <p:childTnLst>
+                        <p:par>
+                          <p:cTn id="12" fill="hold">
+                            <p:stCondLst>
+                              <p:cond delay="0"/>
+                            </p:stCondLst>
+                            <p:childTnLst>
+                              <p:par>
+                                <p:cTn id="13" presetID="1" presetClass="entr" presetSubtype="0" fill="hold" grpId="0" nodeType="clickEffect">
+                                  <p:stCondLst>
+                                    <p:cond delay="0"/>
+                                  </p:stCondLst>
+                                  <p:childTnLst>
+                                    <p:set>
+                                      <p:cBhvr>
+                                        <p:cTn id="14" dur="1" fill="hold">
+                                          <p:stCondLst>
+                                            <p:cond delay="0"/>
+                                          </p:stCondLst>
+                                        </p:cTn>
+                                        <p:tgtEl>
+                                          <p:spTgt spid="3">
+                                            <p:txEl>
+                                              <p:pRg st="3" end="3"/>
+                                            </p:txEl>
+                                          </p:spTgt>
+                                        </p:tgtEl>
+                                        <p:attrNameLst>
+                                          <p:attrName>style.visibility</p:attrName>
+                                        </p:attrNameLst>
+                                      </p:cBhvr>
+                                      <p:to>
+                                        <p:strVal val="visible"/>
+                                      </p:to>
+                                    </p:set>
+                                  </p:childTnLst>
+                                </p:cTn>
+                              </p:par>
+                            </p:childTnLst>
+                          </p:cTn>
+                        </p:par>
+                      </p:childTnLst>
+                    </p:cTn>
+                  </p:par>
+                  <p:par>
+                    <p:cTn id="15" fill="hold">
+                      <p:stCondLst>
+                        <p:cond delay="indefinite"/>
+                      </p:stCondLst>
+                      <p:childTnLst>
+                        <p:par>
+                          <p:cTn id="16" fill="hold">
+                            <p:stCondLst>
+                              <p:cond delay="0"/>
+                            </p:stCondLst>
+                            <p:childTnLst>
+                              <p:par>
+                                <p:cTn id="17" presetID="1" presetClass="entr" presetSubtype="0" fill="hold" grpId="0" nodeType="clickEffect">
+                                  <p:stCondLst>
+                                    <p:cond delay="0"/>
+                                  </p:stCondLst>
+                                  <p:childTnLst>
+                                    <p:set>
+                                      <p:cBhvr>
+                                        <p:cTn id="18" dur="1" fill="hold">
+                                          <p:stCondLst>
+                                            <p:cond delay="0"/>
+                                          </p:stCondLst>
+                                        </p:cTn>
+                                        <p:tgtEl>
+                                          <p:spTgt spid="3">
+                                            <p:txEl>
+                                              <p:pRg st="5" end="5"/>
+                                            </p:txEl>
+                                          </p:spTgt>
+                                        </p:tgtEl>
+                                        <p:attrNameLst>
+                                          <p:attrName>style.visibility</p:attrName>
+                                        </p:attrNameLst>
+                                      </p:cBhvr>
+                                      <p:to>
+                                        <p:strVal val="visible"/>
+                                      </p:to>
+                                    </p:set>
+                                  </p:childTnLst>
+                                </p:cTn>
+                              </p:par>
+                            </p:childTnLst>
+                          </p:cTn>
+                        </p:par>
+                      </p:childTnLst>
+                    </p:cTn>
+                  </p:par>
+                  <p:par>
+                    <p:cTn id="19" fill="hold">
+                      <p:stCondLst>
+                        <p:cond delay="indefinite"/>
+                      </p:stCondLst>
+                      <p:childTnLst>
+                        <p:par>
+                          <p:cTn id="20" fill="hold">
+                            <p:stCondLst>
+                              <p:cond delay="0"/>
+                            </p:stCondLst>
+                            <p:childTnLst>
+                              <p:par>
+                                <p:cTn id="21" presetID="1" presetClass="entr" presetSubtype="0" fill="hold" grpId="0" nodeType="clickEffect">
+                                  <p:stCondLst>
+                                    <p:cond delay="0"/>
+                                  </p:stCondLst>
+                                  <p:childTnLst>
+                                    <p:set>
+                                      <p:cBhvr>
+                                        <p:cTn id="22" dur="1" fill="hold">
+                                          <p:stCondLst>
+                                            <p:cond delay="0"/>
+                                          </p:stCondLst>
+                                        </p:cTn>
+                                        <p:tgtEl>
+                                          <p:spTgt spid="3">
+                                            <p:txEl>
+                                              <p:pRg st="7" end="7"/>
+                                            </p:txEl>
+                                          </p:spTgt>
+                                        </p:tgtEl>
+                                        <p:attrNameLst>
+                                          <p:attrName>style.visibility</p:attrName>
+                                        </p:attrNameLst>
+                                      </p:cBhvr>
+                                      <p:to>
+                                        <p:strVal val="visible"/>
+                                      </p:to>
+                                    </p:set>
+                                  </p:childTnLst>
+                                </p:cTn>
+                              </p:par>
+                            </p:childTnLst>
+                          </p:cTn>
+                        </p:par>
+                      </p:childTnLst>
+                    </p:cTn>
+                  </p:par>
+                </p:childTnLst>
+              </p:cTn>
+              <p:prevCondLst>
+                <p:cond evt="onPrev" delay="0">
+                  <p:tgtEl>
+                    <p:sldTgt/>
+                  </p:tgtEl>
+                </p:cond>
+              </p:prevCondLst>
+              <p:nextCondLst>
+                <p:cond evt="onNext" delay="0">
+                  <p:tgtEl>
+                    <p:sldTgt/>
+                  </p:tgtEl>
+                </p:cond>
+              </p:nextCondLst>
+            </p:seq>
+          </p:childTnLst>
+        </p:cTn>
+      </p:par>
+    </p:tnLst>
+    <p:bldLst>
+      <p:bldP spid="3" grpId="0" build="p"/>
+    </p:bldLst>
+  </p:timing>
+</p:sld>
+</file>
+
+<file path=ppt/slides/slide9.xml><?xml version="1.0" encoding="utf-8"?>
+<p:sld xmlns:a="http://schemas.openxmlformats.org/drawingml/2006/main" xmlns:r="http://schemas.openxmlformats.org/officeDocument/2006/relationships" xmlns:p="http://schemas.openxmlformats.org/presentationml/2006/main">
+  <p:cSld>
+    <p:spTree>
+      <p:nvGrpSpPr>
+        <p:cNvPr id="1" name=""/>
+        <p:cNvGrpSpPr/>
+        <p:nvPr/>
+      </p:nvGrpSpPr>
+      <p:grpSpPr>
+        <a:xfrm>
+          <a:off x="0" y="0"/>
+          <a:ext cx="0" cy="0"/>
+          <a:chOff x="0" y="0"/>
+          <a:chExt cx="0" cy="0"/>
+        </a:xfrm>
+      </p:grpSpPr>
+      <p:sp>
+        <p:nvSpPr>
+          <p:cNvPr id="2" name="Title 1">
             <a:extLst>
               <a:ext uri="{FF2B5EF4-FFF2-40B4-BE49-F238E27FC236}">
-                <a16:creationId xmlns:a16="http://schemas.microsoft.com/office/drawing/2014/main" id="{C7C20865-EED8-468C-9F12-9F9A051A017F}"/>
+                <a16:creationId xmlns:a16="http://schemas.microsoft.com/office/drawing/2014/main" id="{99E56512-3AE6-8944-EBDB-A32215B200E1}"/>
               </a:ext>
             </a:extLst>
           </p:cNvPr>
-          <p:cNvPicPr>
-            <a:picLocks noChangeAspect="1" noChangeArrowheads="1"/>
-          </p:cNvPicPr>
-          <p:nvPr/>
-        </p:nvPicPr>
-        <p:blipFill>
-          <a:blip r:embed="rId3">
+          <p:cNvSpPr>
+            <a:spLocks noGrp="1"/>
+          </p:cNvSpPr>
+          <p:nvPr>
+            <p:ph type="title"/>
+          </p:nvPr>
+        </p:nvSpPr>
+        <p:spPr/>
+        <p:txBody>
+          <a:bodyPr>
+            <a:normAutofit fontScale="90000"/>
+          </a:bodyPr>
+          <a:lstStyle/>
+          <a:p>
+            <a:r>
+              <a:rPr lang="en-US" dirty="0"/>
+              <a:t>Rigid Body Elastic and Semi-Elastic Impacts</a:t>
+            </a:r>
+          </a:p>
+        </p:txBody>
+      </p:sp>
+      <mc:AlternateContent xmlns:mc="http://schemas.openxmlformats.org/markup-compatibility/2006">
+        <mc:Choice xmlns:a14="http://schemas.microsoft.com/office/drawing/2010/main" Requires="a14">
+          <p:sp>
+            <p:nvSpPr>
+              <p:cNvPr id="3" name="Content Placeholder 2">
+                <a:extLst>
+                  <a:ext uri="{FF2B5EF4-FFF2-40B4-BE49-F238E27FC236}">
+                    <a16:creationId xmlns:a16="http://schemas.microsoft.com/office/drawing/2014/main" id="{D086B3D5-8593-8D90-98C4-632026DE353F}"/>
+                  </a:ext>
+                </a:extLst>
+              </p:cNvPr>
+              <p:cNvSpPr>
+                <a:spLocks noGrp="1"/>
+              </p:cNvSpPr>
+              <p:nvPr>
+                <p:ph idx="1"/>
+              </p:nvPr>
+            </p:nvSpPr>
+            <p:spPr>
+              <a:xfrm>
+                <a:off x="304800" y="1600200"/>
+                <a:ext cx="8382000" cy="4525963"/>
+              </a:xfrm>
+            </p:spPr>
+            <p:txBody>
+              <a:bodyPr>
+                <a:normAutofit fontScale="85000" lnSpcReduction="10000"/>
+              </a:bodyPr>
+              <a:lstStyle/>
+              <a:p>
+                <a:r>
+                  <a:rPr lang="en-US" dirty="0"/>
+                  <a:t>Next, we will examine the angular momentum of each body individually.</a:t>
+                </a:r>
+              </a:p>
+              <a:p>
+                <a:r>
+                  <a:rPr lang="en-US" dirty="0"/>
+                  <a:t>Making the same assumptions we did with surface impacts about the impact forces being so large they make all other impulses negligible; we can assume the angular momentum of each </a:t>
+                </a:r>
+                <a:r>
+                  <a:rPr lang="en-US" b="1" dirty="0"/>
+                  <a:t>individual body</a:t>
+                </a:r>
+                <a:r>
+                  <a:rPr lang="en-US" dirty="0"/>
+                  <a:t> is conserved about the </a:t>
+                </a:r>
+                <a:r>
+                  <a:rPr lang="en-US" b="1" dirty="0"/>
+                  <a:t>point of impact </a:t>
+                </a:r>
+                <a:r>
+                  <a:rPr lang="en-US" dirty="0"/>
+                  <a:t>(P).</a:t>
+                </a:r>
+              </a:p>
+              <a:p>
+                <a:endParaRPr lang="en-US" dirty="0"/>
+              </a:p>
+              <a:p>
+                <a:pPr marL="0" indent="0" algn="ctr">
+                  <a:buNone/>
+                </a:pPr>
+                <a14:m>
+                  <m:oMath xmlns:m="http://schemas.openxmlformats.org/officeDocument/2006/math">
+                    <m:sSub>
+                      <m:sSubPr>
+                        <m:ctrlPr>
+                          <a:rPr lang="en-US" sz="2600" i="1" smtClean="0">
+                            <a:latin typeface="Cambria Math" panose="02040503050406030204" pitchFamily="18" charset="0"/>
+                          </a:rPr>
+                        </m:ctrlPr>
+                      </m:sSubPr>
+                      <m:e>
+                        <m:r>
+                          <a:rPr lang="en-US" sz="2600" i="1">
+                            <a:latin typeface="Cambria Math" panose="02040503050406030204" pitchFamily="18" charset="0"/>
+                          </a:rPr>
+                          <m:t>𝐼</m:t>
+                        </m:r>
+                      </m:e>
+                      <m:sub>
+                        <m:sSub>
+                          <m:sSubPr>
+                            <m:ctrlPr>
+                              <a:rPr lang="en-US" sz="2600" i="1" smtClean="0">
+                                <a:latin typeface="Cambria Math" panose="02040503050406030204" pitchFamily="18" charset="0"/>
+                              </a:rPr>
+                            </m:ctrlPr>
+                          </m:sSubPr>
+                          <m:e>
+                            <m:r>
+                              <a:rPr lang="en-US" sz="2600" b="0" i="1" smtClean="0">
+                                <a:latin typeface="Cambria Math" panose="02040503050406030204" pitchFamily="18" charset="0"/>
+                              </a:rPr>
+                              <m:t>𝐺</m:t>
+                            </m:r>
+                          </m:e>
+                          <m:sub>
+                            <m:r>
+                              <a:rPr lang="en-US" sz="2600" b="0" i="1" smtClean="0">
+                                <a:latin typeface="Cambria Math" panose="02040503050406030204" pitchFamily="18" charset="0"/>
+                              </a:rPr>
+                              <m:t>𝐴</m:t>
+                            </m:r>
+                          </m:sub>
+                        </m:sSub>
+                      </m:sub>
+                    </m:sSub>
+                    <m:r>
+                      <a:rPr lang="en-US" sz="2600" i="1">
+                        <a:latin typeface="Cambria Math" panose="02040503050406030204" pitchFamily="18" charset="0"/>
+                      </a:rPr>
+                      <m:t>∗</m:t>
+                    </m:r>
+                    <m:acc>
+                      <m:accPr>
+                        <m:chr m:val="⃑"/>
+                        <m:ctrlPr>
+                          <a:rPr lang="en-US" sz="2600" i="1">
+                            <a:latin typeface="Cambria Math" panose="02040503050406030204" pitchFamily="18" charset="0"/>
+                          </a:rPr>
+                        </m:ctrlPr>
+                      </m:accPr>
+                      <m:e>
+                        <m:sSub>
+                          <m:sSubPr>
+                            <m:ctrlPr>
+                              <a:rPr lang="en-US" sz="2600" i="1">
+                                <a:latin typeface="Cambria Math" panose="02040503050406030204" pitchFamily="18" charset="0"/>
+                                <a:ea typeface="Cambria Math" panose="02040503050406030204" pitchFamily="18" charset="0"/>
+                              </a:rPr>
+                            </m:ctrlPr>
+                          </m:sSubPr>
+                          <m:e>
+                            <m:r>
+                              <m:rPr>
+                                <m:sty m:val="p"/>
+                              </m:rPr>
+                              <a:rPr lang="en-US" sz="2600">
+                                <a:latin typeface="Cambria Math" panose="02040503050406030204" pitchFamily="18" charset="0"/>
+                                <a:ea typeface="Cambria Math" panose="02040503050406030204" pitchFamily="18" charset="0"/>
+                              </a:rPr>
+                              <m:t>ω</m:t>
+                            </m:r>
+                          </m:e>
+                          <m:sub>
+                            <m:r>
+                              <a:rPr lang="en-US" sz="2600" b="0" i="1" smtClean="0">
+                                <a:latin typeface="Cambria Math" panose="02040503050406030204" pitchFamily="18" charset="0"/>
+                                <a:ea typeface="Cambria Math" panose="02040503050406030204" pitchFamily="18" charset="0"/>
+                              </a:rPr>
+                              <m:t>𝑖𝐴</m:t>
+                            </m:r>
+                          </m:sub>
+                        </m:sSub>
+                      </m:e>
+                    </m:acc>
+                    <m:r>
+                      <a:rPr lang="en-US" sz="2600" i="1">
+                        <a:latin typeface="Cambria Math" panose="02040503050406030204" pitchFamily="18" charset="0"/>
+                        <a:ea typeface="Cambria Math" panose="02040503050406030204" pitchFamily="18" charset="0"/>
+                      </a:rPr>
+                      <m:t>+</m:t>
+                    </m:r>
+                    <m:acc>
+                      <m:accPr>
+                        <m:chr m:val="⃗"/>
+                        <m:ctrlPr>
+                          <a:rPr lang="en-US" sz="2600" i="1">
+                            <a:latin typeface="Cambria Math" panose="02040503050406030204" pitchFamily="18" charset="0"/>
+                            <a:ea typeface="Cambria Math" panose="02040503050406030204" pitchFamily="18" charset="0"/>
+                          </a:rPr>
+                        </m:ctrlPr>
+                      </m:accPr>
+                      <m:e>
+                        <m:sSub>
+                          <m:sSubPr>
+                            <m:ctrlPr>
+                              <a:rPr lang="en-US" sz="2600" i="1">
+                                <a:latin typeface="Cambria Math" panose="02040503050406030204" pitchFamily="18" charset="0"/>
+                                <a:ea typeface="Cambria Math" panose="02040503050406030204" pitchFamily="18" charset="0"/>
+                              </a:rPr>
+                            </m:ctrlPr>
+                          </m:sSubPr>
+                          <m:e>
+                            <m:r>
+                              <a:rPr lang="en-US" sz="2600" i="1">
+                                <a:latin typeface="Cambria Math" panose="02040503050406030204" pitchFamily="18" charset="0"/>
+                                <a:ea typeface="Cambria Math" panose="02040503050406030204" pitchFamily="18" charset="0"/>
+                              </a:rPr>
+                              <m:t>𝑟</m:t>
+                            </m:r>
+                          </m:e>
+                          <m:sub>
+                            <m:f>
+                              <m:fPr>
+                                <m:type m:val="lin"/>
+                                <m:ctrlPr>
+                                  <a:rPr lang="en-US" sz="2600" i="1">
+                                    <a:latin typeface="Cambria Math" panose="02040503050406030204" pitchFamily="18" charset="0"/>
+                                    <a:ea typeface="Cambria Math" panose="02040503050406030204" pitchFamily="18" charset="0"/>
+                                  </a:rPr>
+                                </m:ctrlPr>
+                              </m:fPr>
+                              <m:num>
+                                <m:sSub>
+                                  <m:sSubPr>
+                                    <m:ctrlPr>
+                                      <a:rPr lang="en-US" sz="2600" b="0" i="1" smtClean="0">
+                                        <a:latin typeface="Cambria Math" panose="02040503050406030204" pitchFamily="18" charset="0"/>
+                                        <a:ea typeface="Cambria Math" panose="02040503050406030204" pitchFamily="18" charset="0"/>
+                                      </a:rPr>
+                                    </m:ctrlPr>
+                                  </m:sSubPr>
+                                  <m:e>
+                                    <m:r>
+                                      <a:rPr lang="en-US" sz="2600" b="0" i="1" smtClean="0">
+                                        <a:latin typeface="Cambria Math" panose="02040503050406030204" pitchFamily="18" charset="0"/>
+                                        <a:ea typeface="Cambria Math" panose="02040503050406030204" pitchFamily="18" charset="0"/>
+                                      </a:rPr>
+                                      <m:t>𝐺</m:t>
+                                    </m:r>
+                                  </m:e>
+                                  <m:sub>
+                                    <m:r>
+                                      <a:rPr lang="en-US" sz="2600" b="0" i="1" smtClean="0">
+                                        <a:latin typeface="Cambria Math" panose="02040503050406030204" pitchFamily="18" charset="0"/>
+                                        <a:ea typeface="Cambria Math" panose="02040503050406030204" pitchFamily="18" charset="0"/>
+                                      </a:rPr>
+                                      <m:t>𝐴</m:t>
+                                    </m:r>
+                                  </m:sub>
+                                </m:sSub>
+                              </m:num>
+                              <m:den>
+                                <m:r>
+                                  <a:rPr lang="en-US" sz="2600" i="1">
+                                    <a:latin typeface="Cambria Math" panose="02040503050406030204" pitchFamily="18" charset="0"/>
+                                    <a:ea typeface="Cambria Math" panose="02040503050406030204" pitchFamily="18" charset="0"/>
+                                  </a:rPr>
+                                  <m:t>𝑃</m:t>
+                                </m:r>
+                              </m:den>
+                            </m:f>
+                          </m:sub>
+                        </m:sSub>
+                      </m:e>
+                    </m:acc>
+                    <m:r>
+                      <a:rPr lang="en-US" sz="2600" i="1">
+                        <a:latin typeface="Cambria Math" panose="02040503050406030204" pitchFamily="18" charset="0"/>
+                        <a:ea typeface="Cambria Math" panose="02040503050406030204" pitchFamily="18" charset="0"/>
+                      </a:rPr>
+                      <m:t>×</m:t>
+                    </m:r>
+                    <m:d>
+                      <m:dPr>
+                        <m:ctrlPr>
+                          <a:rPr lang="en-US" sz="2600" i="1">
+                            <a:latin typeface="Cambria Math" panose="02040503050406030204" pitchFamily="18" charset="0"/>
+                            <a:ea typeface="Cambria Math" panose="02040503050406030204" pitchFamily="18" charset="0"/>
+                          </a:rPr>
+                        </m:ctrlPr>
+                      </m:dPr>
+                      <m:e>
+                        <m:sSub>
+                          <m:sSubPr>
+                            <m:ctrlPr>
+                              <a:rPr lang="en-US" sz="2600" i="1" smtClean="0">
+                                <a:latin typeface="Cambria Math" panose="02040503050406030204" pitchFamily="18" charset="0"/>
+                                <a:ea typeface="Cambria Math" panose="02040503050406030204" pitchFamily="18" charset="0"/>
+                              </a:rPr>
+                            </m:ctrlPr>
+                          </m:sSubPr>
+                          <m:e>
+                            <m:r>
+                              <a:rPr lang="en-US" sz="2600" b="0" i="1" smtClean="0">
+                                <a:latin typeface="Cambria Math" panose="02040503050406030204" pitchFamily="18" charset="0"/>
+                                <a:ea typeface="Cambria Math" panose="02040503050406030204" pitchFamily="18" charset="0"/>
+                              </a:rPr>
+                              <m:t>𝑚</m:t>
+                            </m:r>
+                          </m:e>
+                          <m:sub>
+                            <m:r>
+                              <a:rPr lang="en-US" sz="2600" b="0" i="1" smtClean="0">
+                                <a:latin typeface="Cambria Math" panose="02040503050406030204" pitchFamily="18" charset="0"/>
+                                <a:ea typeface="Cambria Math" panose="02040503050406030204" pitchFamily="18" charset="0"/>
+                              </a:rPr>
+                              <m:t>𝑎</m:t>
+                            </m:r>
+                          </m:sub>
+                        </m:sSub>
+                        <m:r>
+                          <a:rPr lang="en-US" sz="2600" i="1">
+                            <a:latin typeface="Cambria Math" panose="02040503050406030204" pitchFamily="18" charset="0"/>
+                            <a:ea typeface="Cambria Math" panose="02040503050406030204" pitchFamily="18" charset="0"/>
+                          </a:rPr>
+                          <m:t>∗</m:t>
+                        </m:r>
+                        <m:acc>
+                          <m:accPr>
+                            <m:chr m:val="⃗"/>
+                            <m:ctrlPr>
+                              <a:rPr lang="en-US" sz="2600" i="1">
+                                <a:latin typeface="Cambria Math" panose="02040503050406030204" pitchFamily="18" charset="0"/>
+                                <a:ea typeface="Cambria Math" panose="02040503050406030204" pitchFamily="18" charset="0"/>
+                              </a:rPr>
+                            </m:ctrlPr>
+                          </m:accPr>
+                          <m:e>
+                            <m:sSub>
+                              <m:sSubPr>
+                                <m:ctrlPr>
+                                  <a:rPr lang="en-US" sz="2600" i="1">
+                                    <a:latin typeface="Cambria Math" panose="02040503050406030204" pitchFamily="18" charset="0"/>
+                                    <a:ea typeface="Cambria Math" panose="02040503050406030204" pitchFamily="18" charset="0"/>
+                                  </a:rPr>
+                                </m:ctrlPr>
+                              </m:sSubPr>
+                              <m:e>
+                                <m:r>
+                                  <a:rPr lang="en-US" sz="2600" i="1">
+                                    <a:latin typeface="Cambria Math" panose="02040503050406030204" pitchFamily="18" charset="0"/>
+                                    <a:ea typeface="Cambria Math" panose="02040503050406030204" pitchFamily="18" charset="0"/>
+                                  </a:rPr>
+                                  <m:t>𝑣</m:t>
+                                </m:r>
+                              </m:e>
+                              <m:sub>
+                                <m:sSub>
+                                  <m:sSubPr>
+                                    <m:ctrlPr>
+                                      <a:rPr lang="en-US" sz="2600" i="1" smtClean="0">
+                                        <a:latin typeface="Cambria Math" panose="02040503050406030204" pitchFamily="18" charset="0"/>
+                                        <a:ea typeface="Cambria Math" panose="02040503050406030204" pitchFamily="18" charset="0"/>
+                                      </a:rPr>
+                                    </m:ctrlPr>
+                                  </m:sSubPr>
+                                  <m:e>
+                                    <m:r>
+                                      <a:rPr lang="en-US" sz="2600" b="0" i="1" smtClean="0">
+                                        <a:latin typeface="Cambria Math" panose="02040503050406030204" pitchFamily="18" charset="0"/>
+                                        <a:ea typeface="Cambria Math" panose="02040503050406030204" pitchFamily="18" charset="0"/>
+                                      </a:rPr>
+                                      <m:t>𝐺</m:t>
+                                    </m:r>
+                                  </m:e>
+                                  <m:sub>
+                                    <m:r>
+                                      <a:rPr lang="en-US" sz="2600" b="0" i="1" smtClean="0">
+                                        <a:latin typeface="Cambria Math" panose="02040503050406030204" pitchFamily="18" charset="0"/>
+                                        <a:ea typeface="Cambria Math" panose="02040503050406030204" pitchFamily="18" charset="0"/>
+                                      </a:rPr>
+                                      <m:t>𝐴</m:t>
+                                    </m:r>
+                                  </m:sub>
+                                </m:sSub>
+                                <m:r>
+                                  <a:rPr lang="en-US" sz="2600" i="1">
+                                    <a:latin typeface="Cambria Math" panose="02040503050406030204" pitchFamily="18" charset="0"/>
+                                    <a:ea typeface="Cambria Math" panose="02040503050406030204" pitchFamily="18" charset="0"/>
+                                  </a:rPr>
+                                  <m:t>𝑖</m:t>
+                                </m:r>
+                              </m:sub>
+                            </m:sSub>
+                          </m:e>
+                        </m:acc>
+                      </m:e>
+                    </m:d>
+                    <m:r>
+                      <a:rPr lang="en-US" sz="2600" i="1">
+                        <a:latin typeface="Cambria Math" panose="02040503050406030204" pitchFamily="18" charset="0"/>
+                        <a:ea typeface="Cambria Math" panose="02040503050406030204" pitchFamily="18" charset="0"/>
+                      </a:rPr>
+                      <m:t>=</m:t>
+                    </m:r>
+                    <m:sSub>
+                      <m:sSubPr>
+                        <m:ctrlPr>
+                          <a:rPr lang="en-US" sz="2600" i="1">
+                            <a:latin typeface="Cambria Math" panose="02040503050406030204" pitchFamily="18" charset="0"/>
+                          </a:rPr>
+                        </m:ctrlPr>
+                      </m:sSubPr>
+                      <m:e>
+                        <m:r>
+                          <a:rPr lang="en-US" sz="2600" i="1">
+                            <a:latin typeface="Cambria Math" panose="02040503050406030204" pitchFamily="18" charset="0"/>
+                          </a:rPr>
+                          <m:t>𝐼</m:t>
+                        </m:r>
+                      </m:e>
+                      <m:sub>
+                        <m:sSub>
+                          <m:sSubPr>
+                            <m:ctrlPr>
+                              <a:rPr lang="en-US" sz="2600" i="1">
+                                <a:latin typeface="Cambria Math" panose="02040503050406030204" pitchFamily="18" charset="0"/>
+                              </a:rPr>
+                            </m:ctrlPr>
+                          </m:sSubPr>
+                          <m:e>
+                            <m:r>
+                              <a:rPr lang="en-US" sz="2600" i="1">
+                                <a:latin typeface="Cambria Math" panose="02040503050406030204" pitchFamily="18" charset="0"/>
+                              </a:rPr>
+                              <m:t>𝐺</m:t>
+                            </m:r>
+                          </m:e>
+                          <m:sub>
+                            <m:r>
+                              <a:rPr lang="en-US" sz="2600" i="1">
+                                <a:latin typeface="Cambria Math" panose="02040503050406030204" pitchFamily="18" charset="0"/>
+                              </a:rPr>
+                              <m:t>𝐴</m:t>
+                            </m:r>
+                          </m:sub>
+                        </m:sSub>
+                      </m:sub>
+                    </m:sSub>
+                    <m:r>
+                      <a:rPr lang="en-US" sz="2600" i="1">
+                        <a:latin typeface="Cambria Math" panose="02040503050406030204" pitchFamily="18" charset="0"/>
+                      </a:rPr>
+                      <m:t>∗</m:t>
+                    </m:r>
+                    <m:acc>
+                      <m:accPr>
+                        <m:chr m:val="⃑"/>
+                        <m:ctrlPr>
+                          <a:rPr lang="en-US" sz="2600" i="1">
+                            <a:latin typeface="Cambria Math" panose="02040503050406030204" pitchFamily="18" charset="0"/>
+                          </a:rPr>
+                        </m:ctrlPr>
+                      </m:accPr>
+                      <m:e>
+                        <m:sSub>
+                          <m:sSubPr>
+                            <m:ctrlPr>
+                              <a:rPr lang="en-US" sz="2600" i="1">
+                                <a:latin typeface="Cambria Math" panose="02040503050406030204" pitchFamily="18" charset="0"/>
+                                <a:ea typeface="Cambria Math" panose="02040503050406030204" pitchFamily="18" charset="0"/>
+                              </a:rPr>
+                            </m:ctrlPr>
+                          </m:sSubPr>
+                          <m:e>
+                            <m:r>
+                              <m:rPr>
+                                <m:sty m:val="p"/>
+                              </m:rPr>
+                              <a:rPr lang="en-US" sz="2600">
+                                <a:latin typeface="Cambria Math" panose="02040503050406030204" pitchFamily="18" charset="0"/>
+                                <a:ea typeface="Cambria Math" panose="02040503050406030204" pitchFamily="18" charset="0"/>
+                              </a:rPr>
+                              <m:t>ω</m:t>
+                            </m:r>
+                          </m:e>
+                          <m:sub>
+                            <m:sSub>
+                              <m:sSubPr>
+                                <m:ctrlPr>
+                                  <a:rPr lang="en-US" sz="2600" i="1">
+                                    <a:latin typeface="Cambria Math" panose="02040503050406030204" pitchFamily="18" charset="0"/>
+                                    <a:ea typeface="Cambria Math" panose="02040503050406030204" pitchFamily="18" charset="0"/>
+                                  </a:rPr>
+                                </m:ctrlPr>
+                              </m:sSubPr>
+                              <m:e>
+                                <m:r>
+                                  <a:rPr lang="en-US" sz="2600" b="0" i="1" smtClean="0">
+                                    <a:latin typeface="Cambria Math" panose="02040503050406030204" pitchFamily="18" charset="0"/>
+                                    <a:ea typeface="Cambria Math" panose="02040503050406030204" pitchFamily="18" charset="0"/>
+                                  </a:rPr>
+                                  <m:t>𝑓</m:t>
+                                </m:r>
+                              </m:e>
+                              <m:sub>
+                                <m:r>
+                                  <a:rPr lang="en-US" sz="2600" i="1">
+                                    <a:latin typeface="Cambria Math" panose="02040503050406030204" pitchFamily="18" charset="0"/>
+                                    <a:ea typeface="Cambria Math" panose="02040503050406030204" pitchFamily="18" charset="0"/>
+                                  </a:rPr>
+                                  <m:t>𝐴</m:t>
+                                </m:r>
+                              </m:sub>
+                            </m:sSub>
+                          </m:sub>
+                        </m:sSub>
+                      </m:e>
+                    </m:acc>
+                    <m:r>
+                      <a:rPr lang="en-US" sz="2600" i="1">
+                        <a:latin typeface="Cambria Math" panose="02040503050406030204" pitchFamily="18" charset="0"/>
+                        <a:ea typeface="Cambria Math" panose="02040503050406030204" pitchFamily="18" charset="0"/>
+                      </a:rPr>
+                      <m:t>+</m:t>
+                    </m:r>
+                    <m:acc>
+                      <m:accPr>
+                        <m:chr m:val="⃗"/>
+                        <m:ctrlPr>
+                          <a:rPr lang="en-US" sz="2600" i="1">
+                            <a:latin typeface="Cambria Math" panose="02040503050406030204" pitchFamily="18" charset="0"/>
+                            <a:ea typeface="Cambria Math" panose="02040503050406030204" pitchFamily="18" charset="0"/>
+                          </a:rPr>
+                        </m:ctrlPr>
+                      </m:accPr>
+                      <m:e>
+                        <m:sSub>
+                          <m:sSubPr>
+                            <m:ctrlPr>
+                              <a:rPr lang="en-US" sz="2600" i="1">
+                                <a:latin typeface="Cambria Math" panose="02040503050406030204" pitchFamily="18" charset="0"/>
+                                <a:ea typeface="Cambria Math" panose="02040503050406030204" pitchFamily="18" charset="0"/>
+                              </a:rPr>
+                            </m:ctrlPr>
+                          </m:sSubPr>
+                          <m:e>
+                            <m:r>
+                              <a:rPr lang="en-US" sz="2600" i="1">
+                                <a:latin typeface="Cambria Math" panose="02040503050406030204" pitchFamily="18" charset="0"/>
+                                <a:ea typeface="Cambria Math" panose="02040503050406030204" pitchFamily="18" charset="0"/>
+                              </a:rPr>
+                              <m:t>𝑟</m:t>
+                            </m:r>
+                          </m:e>
+                          <m:sub>
+                            <m:f>
+                              <m:fPr>
+                                <m:type m:val="lin"/>
+                                <m:ctrlPr>
+                                  <a:rPr lang="en-US" sz="2600" i="1">
+                                    <a:latin typeface="Cambria Math" panose="02040503050406030204" pitchFamily="18" charset="0"/>
+                                    <a:ea typeface="Cambria Math" panose="02040503050406030204" pitchFamily="18" charset="0"/>
+                                  </a:rPr>
+                                </m:ctrlPr>
+                              </m:fPr>
+                              <m:num>
+                                <m:sSub>
+                                  <m:sSubPr>
+                                    <m:ctrlPr>
+                                      <a:rPr lang="en-US" sz="2600" i="1">
+                                        <a:latin typeface="Cambria Math" panose="02040503050406030204" pitchFamily="18" charset="0"/>
+                                        <a:ea typeface="Cambria Math" panose="02040503050406030204" pitchFamily="18" charset="0"/>
+                                      </a:rPr>
+                                    </m:ctrlPr>
+                                  </m:sSubPr>
+                                  <m:e>
+                                    <m:r>
+                                      <a:rPr lang="en-US" sz="2600" i="1">
+                                        <a:latin typeface="Cambria Math" panose="02040503050406030204" pitchFamily="18" charset="0"/>
+                                        <a:ea typeface="Cambria Math" panose="02040503050406030204" pitchFamily="18" charset="0"/>
+                                      </a:rPr>
+                                      <m:t>𝐺</m:t>
+                                    </m:r>
+                                  </m:e>
+                                  <m:sub>
+                                    <m:r>
+                                      <a:rPr lang="en-US" sz="2600" i="1">
+                                        <a:latin typeface="Cambria Math" panose="02040503050406030204" pitchFamily="18" charset="0"/>
+                                        <a:ea typeface="Cambria Math" panose="02040503050406030204" pitchFamily="18" charset="0"/>
+                                      </a:rPr>
+                                      <m:t>𝐴</m:t>
+                                    </m:r>
+                                  </m:sub>
+                                </m:sSub>
+                              </m:num>
+                              <m:den>
+                                <m:r>
+                                  <a:rPr lang="en-US" sz="2600" i="1">
+                                    <a:latin typeface="Cambria Math" panose="02040503050406030204" pitchFamily="18" charset="0"/>
+                                    <a:ea typeface="Cambria Math" panose="02040503050406030204" pitchFamily="18" charset="0"/>
+                                  </a:rPr>
+                                  <m:t>𝑃</m:t>
+                                </m:r>
+                              </m:den>
+                            </m:f>
+                          </m:sub>
+                        </m:sSub>
+                      </m:e>
+                    </m:acc>
+                    <m:r>
+                      <a:rPr lang="en-US" sz="2600" i="1">
+                        <a:latin typeface="Cambria Math" panose="02040503050406030204" pitchFamily="18" charset="0"/>
+                        <a:ea typeface="Cambria Math" panose="02040503050406030204" pitchFamily="18" charset="0"/>
+                      </a:rPr>
+                      <m:t>×</m:t>
+                    </m:r>
+                    <m:d>
+                      <m:dPr>
+                        <m:ctrlPr>
+                          <a:rPr lang="en-US" sz="2600" i="1">
+                            <a:latin typeface="Cambria Math" panose="02040503050406030204" pitchFamily="18" charset="0"/>
+                            <a:ea typeface="Cambria Math" panose="02040503050406030204" pitchFamily="18" charset="0"/>
+                          </a:rPr>
+                        </m:ctrlPr>
+                      </m:dPr>
+                      <m:e>
+                        <m:sSub>
+                          <m:sSubPr>
+                            <m:ctrlPr>
+                              <a:rPr lang="en-US" sz="2600" i="1">
+                                <a:latin typeface="Cambria Math" panose="02040503050406030204" pitchFamily="18" charset="0"/>
+                                <a:ea typeface="Cambria Math" panose="02040503050406030204" pitchFamily="18" charset="0"/>
+                              </a:rPr>
+                            </m:ctrlPr>
+                          </m:sSubPr>
+                          <m:e>
+                            <m:r>
+                              <a:rPr lang="en-US" sz="2600" i="1">
+                                <a:latin typeface="Cambria Math" panose="02040503050406030204" pitchFamily="18" charset="0"/>
+                                <a:ea typeface="Cambria Math" panose="02040503050406030204" pitchFamily="18" charset="0"/>
+                              </a:rPr>
+                              <m:t>𝑚</m:t>
+                            </m:r>
+                          </m:e>
+                          <m:sub>
+                            <m:r>
+                              <a:rPr lang="en-US" sz="2600" i="1">
+                                <a:latin typeface="Cambria Math" panose="02040503050406030204" pitchFamily="18" charset="0"/>
+                                <a:ea typeface="Cambria Math" panose="02040503050406030204" pitchFamily="18" charset="0"/>
+                              </a:rPr>
+                              <m:t>𝑎</m:t>
+                            </m:r>
+                          </m:sub>
+                        </m:sSub>
+                        <m:r>
+                          <a:rPr lang="en-US" sz="2600" i="1">
+                            <a:latin typeface="Cambria Math" panose="02040503050406030204" pitchFamily="18" charset="0"/>
+                            <a:ea typeface="Cambria Math" panose="02040503050406030204" pitchFamily="18" charset="0"/>
+                          </a:rPr>
+                          <m:t>∗</m:t>
+                        </m:r>
+                        <m:acc>
+                          <m:accPr>
+                            <m:chr m:val="⃗"/>
+                            <m:ctrlPr>
+                              <a:rPr lang="en-US" sz="2600" i="1">
+                                <a:latin typeface="Cambria Math" panose="02040503050406030204" pitchFamily="18" charset="0"/>
+                                <a:ea typeface="Cambria Math" panose="02040503050406030204" pitchFamily="18" charset="0"/>
+                              </a:rPr>
+                            </m:ctrlPr>
+                          </m:accPr>
+                          <m:e>
+                            <m:sSub>
+                              <m:sSubPr>
+                                <m:ctrlPr>
+                                  <a:rPr lang="en-US" sz="2600" i="1">
+                                    <a:latin typeface="Cambria Math" panose="02040503050406030204" pitchFamily="18" charset="0"/>
+                                    <a:ea typeface="Cambria Math" panose="02040503050406030204" pitchFamily="18" charset="0"/>
+                                  </a:rPr>
+                                </m:ctrlPr>
+                              </m:sSubPr>
+                              <m:e>
+                                <m:r>
+                                  <a:rPr lang="en-US" sz="2600" i="1">
+                                    <a:latin typeface="Cambria Math" panose="02040503050406030204" pitchFamily="18" charset="0"/>
+                                    <a:ea typeface="Cambria Math" panose="02040503050406030204" pitchFamily="18" charset="0"/>
+                                  </a:rPr>
+                                  <m:t>𝑣</m:t>
+                                </m:r>
+                              </m:e>
+                              <m:sub>
+                                <m:sSub>
+                                  <m:sSubPr>
+                                    <m:ctrlPr>
+                                      <a:rPr lang="en-US" sz="2600" i="1">
+                                        <a:latin typeface="Cambria Math" panose="02040503050406030204" pitchFamily="18" charset="0"/>
+                                        <a:ea typeface="Cambria Math" panose="02040503050406030204" pitchFamily="18" charset="0"/>
+                                      </a:rPr>
+                                    </m:ctrlPr>
+                                  </m:sSubPr>
+                                  <m:e>
+                                    <m:r>
+                                      <a:rPr lang="en-US" sz="2600" i="1">
+                                        <a:latin typeface="Cambria Math" panose="02040503050406030204" pitchFamily="18" charset="0"/>
+                                        <a:ea typeface="Cambria Math" panose="02040503050406030204" pitchFamily="18" charset="0"/>
+                                      </a:rPr>
+                                      <m:t>𝐺</m:t>
+                                    </m:r>
+                                  </m:e>
+                                  <m:sub>
+                                    <m:r>
+                                      <a:rPr lang="en-US" sz="2600" i="1">
+                                        <a:latin typeface="Cambria Math" panose="02040503050406030204" pitchFamily="18" charset="0"/>
+                                        <a:ea typeface="Cambria Math" panose="02040503050406030204" pitchFamily="18" charset="0"/>
+                                      </a:rPr>
+                                      <m:t>𝐴</m:t>
+                                    </m:r>
+                                  </m:sub>
+                                </m:sSub>
+                                <m:r>
+                                  <a:rPr lang="en-US" sz="2600" b="0" i="1" smtClean="0">
+                                    <a:latin typeface="Cambria Math" panose="02040503050406030204" pitchFamily="18" charset="0"/>
+                                    <a:ea typeface="Cambria Math" panose="02040503050406030204" pitchFamily="18" charset="0"/>
+                                  </a:rPr>
+                                  <m:t>𝑓</m:t>
+                                </m:r>
+                              </m:sub>
+                            </m:sSub>
+                          </m:e>
+                        </m:acc>
+                      </m:e>
+                    </m:d>
+                  </m:oMath>
+                </a14:m>
+                <a:r>
+                  <a:rPr lang="en-US" sz="2600" dirty="0"/>
+                  <a:t> </a:t>
+                </a:r>
+              </a:p>
+              <a:p>
+                <a:pPr marL="0" indent="0" algn="ctr">
+                  <a:buNone/>
+                </a:pPr>
+                <a:endParaRPr lang="en-US" sz="2600" dirty="0"/>
+              </a:p>
+              <a:p>
+                <a:pPr marL="0" indent="0" algn="ctr">
+                  <a:buNone/>
+                </a:pPr>
+                <a14:m>
+                  <m:oMathPara xmlns:m="http://schemas.openxmlformats.org/officeDocument/2006/math">
+                    <m:oMathParaPr>
+                      <m:jc m:val="centerGroup"/>
+                    </m:oMathParaPr>
+                    <m:oMath xmlns:m="http://schemas.openxmlformats.org/officeDocument/2006/math">
+                      <m:sSub>
+                        <m:sSubPr>
+                          <m:ctrlPr>
+                            <a:rPr lang="en-US" sz="2600" i="1">
+                              <a:latin typeface="Cambria Math" panose="02040503050406030204" pitchFamily="18" charset="0"/>
+                            </a:rPr>
+                          </m:ctrlPr>
+                        </m:sSubPr>
+                        <m:e>
+                          <m:r>
+                            <a:rPr lang="en-US" sz="2600" i="1">
+                              <a:latin typeface="Cambria Math" panose="02040503050406030204" pitchFamily="18" charset="0"/>
+                            </a:rPr>
+                            <m:t>𝐼</m:t>
+                          </m:r>
+                        </m:e>
+                        <m:sub>
+                          <m:sSub>
+                            <m:sSubPr>
+                              <m:ctrlPr>
+                                <a:rPr lang="en-US" sz="2600" i="1">
+                                  <a:latin typeface="Cambria Math" panose="02040503050406030204" pitchFamily="18" charset="0"/>
+                                </a:rPr>
+                              </m:ctrlPr>
+                            </m:sSubPr>
+                            <m:e>
+                              <m:r>
+                                <a:rPr lang="en-US" sz="2600" i="1">
+                                  <a:latin typeface="Cambria Math" panose="02040503050406030204" pitchFamily="18" charset="0"/>
+                                </a:rPr>
+                                <m:t>𝐺</m:t>
+                              </m:r>
+                            </m:e>
+                            <m:sub>
+                              <m:r>
+                                <a:rPr lang="en-US" sz="2600" b="0" i="1" smtClean="0">
+                                  <a:latin typeface="Cambria Math" panose="02040503050406030204" pitchFamily="18" charset="0"/>
+                                </a:rPr>
+                                <m:t>𝐵</m:t>
+                              </m:r>
+                            </m:sub>
+                          </m:sSub>
+                        </m:sub>
+                      </m:sSub>
+                      <m:r>
+                        <a:rPr lang="en-US" sz="2600" i="1">
+                          <a:latin typeface="Cambria Math" panose="02040503050406030204" pitchFamily="18" charset="0"/>
+                        </a:rPr>
+                        <m:t>∗</m:t>
+                      </m:r>
+                      <m:acc>
+                        <m:accPr>
+                          <m:chr m:val="⃑"/>
+                          <m:ctrlPr>
+                            <a:rPr lang="en-US" sz="2600" i="1">
+                              <a:latin typeface="Cambria Math" panose="02040503050406030204" pitchFamily="18" charset="0"/>
+                            </a:rPr>
+                          </m:ctrlPr>
+                        </m:accPr>
+                        <m:e>
+                          <m:sSub>
+                            <m:sSubPr>
+                              <m:ctrlPr>
+                                <a:rPr lang="en-US" sz="2600" i="1">
+                                  <a:latin typeface="Cambria Math" panose="02040503050406030204" pitchFamily="18" charset="0"/>
+                                  <a:ea typeface="Cambria Math" panose="02040503050406030204" pitchFamily="18" charset="0"/>
+                                </a:rPr>
+                              </m:ctrlPr>
+                            </m:sSubPr>
+                            <m:e>
+                              <m:r>
+                                <m:rPr>
+                                  <m:sty m:val="p"/>
+                                </m:rPr>
+                                <a:rPr lang="en-US" sz="2600">
+                                  <a:latin typeface="Cambria Math" panose="02040503050406030204" pitchFamily="18" charset="0"/>
+                                  <a:ea typeface="Cambria Math" panose="02040503050406030204" pitchFamily="18" charset="0"/>
+                                </a:rPr>
+                                <m:t>ω</m:t>
+                              </m:r>
+                            </m:e>
+                            <m:sub>
+                              <m:r>
+                                <a:rPr lang="en-US" sz="2600" i="1">
+                                  <a:latin typeface="Cambria Math" panose="02040503050406030204" pitchFamily="18" charset="0"/>
+                                  <a:ea typeface="Cambria Math" panose="02040503050406030204" pitchFamily="18" charset="0"/>
+                                </a:rPr>
+                                <m:t>𝑖</m:t>
+                              </m:r>
+                              <m:r>
+                                <a:rPr lang="en-US" sz="2600" b="0" i="1" smtClean="0">
+                                  <a:latin typeface="Cambria Math" panose="02040503050406030204" pitchFamily="18" charset="0"/>
+                                  <a:ea typeface="Cambria Math" panose="02040503050406030204" pitchFamily="18" charset="0"/>
+                                </a:rPr>
+                                <m:t>𝐵</m:t>
+                              </m:r>
+                            </m:sub>
+                          </m:sSub>
+                        </m:e>
+                      </m:acc>
+                      <m:r>
+                        <a:rPr lang="en-US" sz="2600" i="1">
+                          <a:latin typeface="Cambria Math" panose="02040503050406030204" pitchFamily="18" charset="0"/>
+                          <a:ea typeface="Cambria Math" panose="02040503050406030204" pitchFamily="18" charset="0"/>
+                        </a:rPr>
+                        <m:t>+</m:t>
+                      </m:r>
+                      <m:acc>
+                        <m:accPr>
+                          <m:chr m:val="⃗"/>
+                          <m:ctrlPr>
+                            <a:rPr lang="en-US" sz="2600" i="1">
+                              <a:latin typeface="Cambria Math" panose="02040503050406030204" pitchFamily="18" charset="0"/>
+                              <a:ea typeface="Cambria Math" panose="02040503050406030204" pitchFamily="18" charset="0"/>
+                            </a:rPr>
+                          </m:ctrlPr>
+                        </m:accPr>
+                        <m:e>
+                          <m:sSub>
+                            <m:sSubPr>
+                              <m:ctrlPr>
+                                <a:rPr lang="en-US" sz="2600" i="1">
+                                  <a:latin typeface="Cambria Math" panose="02040503050406030204" pitchFamily="18" charset="0"/>
+                                  <a:ea typeface="Cambria Math" panose="02040503050406030204" pitchFamily="18" charset="0"/>
+                                </a:rPr>
+                              </m:ctrlPr>
+                            </m:sSubPr>
+                            <m:e>
+                              <m:r>
+                                <a:rPr lang="en-US" sz="2600" i="1">
+                                  <a:latin typeface="Cambria Math" panose="02040503050406030204" pitchFamily="18" charset="0"/>
+                                  <a:ea typeface="Cambria Math" panose="02040503050406030204" pitchFamily="18" charset="0"/>
+                                </a:rPr>
+                                <m:t>𝑟</m:t>
+                              </m:r>
+                            </m:e>
+                            <m:sub>
+                              <m:f>
+                                <m:fPr>
+                                  <m:type m:val="lin"/>
+                                  <m:ctrlPr>
+                                    <a:rPr lang="en-US" sz="2600" i="1">
+                                      <a:latin typeface="Cambria Math" panose="02040503050406030204" pitchFamily="18" charset="0"/>
+                                      <a:ea typeface="Cambria Math" panose="02040503050406030204" pitchFamily="18" charset="0"/>
+                                    </a:rPr>
+                                  </m:ctrlPr>
+                                </m:fPr>
+                                <m:num>
+                                  <m:sSub>
+                                    <m:sSubPr>
+                                      <m:ctrlPr>
+                                        <a:rPr lang="en-US" sz="2600" i="1">
+                                          <a:latin typeface="Cambria Math" panose="02040503050406030204" pitchFamily="18" charset="0"/>
+                                          <a:ea typeface="Cambria Math" panose="02040503050406030204" pitchFamily="18" charset="0"/>
+                                        </a:rPr>
+                                      </m:ctrlPr>
+                                    </m:sSubPr>
+                                    <m:e>
+                                      <m:r>
+                                        <a:rPr lang="en-US" sz="2600" i="1">
+                                          <a:latin typeface="Cambria Math" panose="02040503050406030204" pitchFamily="18" charset="0"/>
+                                          <a:ea typeface="Cambria Math" panose="02040503050406030204" pitchFamily="18" charset="0"/>
+                                        </a:rPr>
+                                        <m:t>𝐺</m:t>
+                                      </m:r>
+                                    </m:e>
+                                    <m:sub>
+                                      <m:r>
+                                        <a:rPr lang="en-US" sz="2600" b="0" i="1" smtClean="0">
+                                          <a:latin typeface="Cambria Math" panose="02040503050406030204" pitchFamily="18" charset="0"/>
+                                          <a:ea typeface="Cambria Math" panose="02040503050406030204" pitchFamily="18" charset="0"/>
+                                        </a:rPr>
+                                        <m:t>𝐵</m:t>
+                                      </m:r>
+                                    </m:sub>
+                                  </m:sSub>
+                                </m:num>
+                                <m:den>
+                                  <m:r>
+                                    <a:rPr lang="en-US" sz="2600" i="1">
+                                      <a:latin typeface="Cambria Math" panose="02040503050406030204" pitchFamily="18" charset="0"/>
+                                      <a:ea typeface="Cambria Math" panose="02040503050406030204" pitchFamily="18" charset="0"/>
+                                    </a:rPr>
+                                    <m:t>𝑃</m:t>
+                                  </m:r>
+                                </m:den>
+                              </m:f>
+                            </m:sub>
+                          </m:sSub>
+                        </m:e>
+                      </m:acc>
+                      <m:r>
+                        <a:rPr lang="en-US" sz="2600" i="1">
+                          <a:latin typeface="Cambria Math" panose="02040503050406030204" pitchFamily="18" charset="0"/>
+                          <a:ea typeface="Cambria Math" panose="02040503050406030204" pitchFamily="18" charset="0"/>
+                        </a:rPr>
+                        <m:t>×</m:t>
+                      </m:r>
+                      <m:d>
+                        <m:dPr>
+                          <m:ctrlPr>
+                            <a:rPr lang="en-US" sz="2600" i="1">
+                              <a:latin typeface="Cambria Math" panose="02040503050406030204" pitchFamily="18" charset="0"/>
+                              <a:ea typeface="Cambria Math" panose="02040503050406030204" pitchFamily="18" charset="0"/>
+                            </a:rPr>
+                          </m:ctrlPr>
+                        </m:dPr>
+                        <m:e>
+                          <m:sSub>
+                            <m:sSubPr>
+                              <m:ctrlPr>
+                                <a:rPr lang="en-US" sz="2600" i="1">
+                                  <a:latin typeface="Cambria Math" panose="02040503050406030204" pitchFamily="18" charset="0"/>
+                                  <a:ea typeface="Cambria Math" panose="02040503050406030204" pitchFamily="18" charset="0"/>
+                                </a:rPr>
+                              </m:ctrlPr>
+                            </m:sSubPr>
+                            <m:e>
+                              <m:r>
+                                <a:rPr lang="en-US" sz="2600" i="1">
+                                  <a:latin typeface="Cambria Math" panose="02040503050406030204" pitchFamily="18" charset="0"/>
+                                  <a:ea typeface="Cambria Math" panose="02040503050406030204" pitchFamily="18" charset="0"/>
+                                </a:rPr>
+                                <m:t>𝑚</m:t>
+                              </m:r>
+                            </m:e>
+                            <m:sub>
+                              <m:r>
+                                <a:rPr lang="en-US" sz="2600" b="0" i="1" smtClean="0">
+                                  <a:latin typeface="Cambria Math" panose="02040503050406030204" pitchFamily="18" charset="0"/>
+                                  <a:ea typeface="Cambria Math" panose="02040503050406030204" pitchFamily="18" charset="0"/>
+                                </a:rPr>
+                                <m:t>𝐵</m:t>
+                              </m:r>
+                            </m:sub>
+                          </m:sSub>
+                          <m:r>
+                            <a:rPr lang="en-US" sz="2600" i="1">
+                              <a:latin typeface="Cambria Math" panose="02040503050406030204" pitchFamily="18" charset="0"/>
+                              <a:ea typeface="Cambria Math" panose="02040503050406030204" pitchFamily="18" charset="0"/>
+                            </a:rPr>
+                            <m:t>∗</m:t>
+                          </m:r>
+                          <m:acc>
+                            <m:accPr>
+                              <m:chr m:val="⃗"/>
+                              <m:ctrlPr>
+                                <a:rPr lang="en-US" sz="2600" i="1">
+                                  <a:latin typeface="Cambria Math" panose="02040503050406030204" pitchFamily="18" charset="0"/>
+                                  <a:ea typeface="Cambria Math" panose="02040503050406030204" pitchFamily="18" charset="0"/>
+                                </a:rPr>
+                              </m:ctrlPr>
+                            </m:accPr>
+                            <m:e>
+                              <m:sSub>
+                                <m:sSubPr>
+                                  <m:ctrlPr>
+                                    <a:rPr lang="en-US" sz="2600" i="1">
+                                      <a:latin typeface="Cambria Math" panose="02040503050406030204" pitchFamily="18" charset="0"/>
+                                      <a:ea typeface="Cambria Math" panose="02040503050406030204" pitchFamily="18" charset="0"/>
+                                    </a:rPr>
+                                  </m:ctrlPr>
+                                </m:sSubPr>
+                                <m:e>
+                                  <m:r>
+                                    <a:rPr lang="en-US" sz="2600" i="1">
+                                      <a:latin typeface="Cambria Math" panose="02040503050406030204" pitchFamily="18" charset="0"/>
+                                      <a:ea typeface="Cambria Math" panose="02040503050406030204" pitchFamily="18" charset="0"/>
+                                    </a:rPr>
+                                    <m:t>𝑣</m:t>
+                                  </m:r>
+                                </m:e>
+                                <m:sub>
+                                  <m:sSub>
+                                    <m:sSubPr>
+                                      <m:ctrlPr>
+                                        <a:rPr lang="en-US" sz="2600" i="1">
+                                          <a:latin typeface="Cambria Math" panose="02040503050406030204" pitchFamily="18" charset="0"/>
+                                          <a:ea typeface="Cambria Math" panose="02040503050406030204" pitchFamily="18" charset="0"/>
+                                        </a:rPr>
+                                      </m:ctrlPr>
+                                    </m:sSubPr>
+                                    <m:e>
+                                      <m:r>
+                                        <a:rPr lang="en-US" sz="2600" i="1">
+                                          <a:latin typeface="Cambria Math" panose="02040503050406030204" pitchFamily="18" charset="0"/>
+                                          <a:ea typeface="Cambria Math" panose="02040503050406030204" pitchFamily="18" charset="0"/>
+                                        </a:rPr>
+                                        <m:t>𝐺</m:t>
+                                      </m:r>
+                                    </m:e>
+                                    <m:sub>
+                                      <m:r>
+                                        <a:rPr lang="en-US" sz="2600" b="0" i="1" smtClean="0">
+                                          <a:latin typeface="Cambria Math" panose="02040503050406030204" pitchFamily="18" charset="0"/>
+                                          <a:ea typeface="Cambria Math" panose="02040503050406030204" pitchFamily="18" charset="0"/>
+                                        </a:rPr>
+                                        <m:t>𝐵</m:t>
+                                      </m:r>
+                                    </m:sub>
+                                  </m:sSub>
+                                  <m:r>
+                                    <a:rPr lang="en-US" sz="2600" i="1">
+                                      <a:latin typeface="Cambria Math" panose="02040503050406030204" pitchFamily="18" charset="0"/>
+                                      <a:ea typeface="Cambria Math" panose="02040503050406030204" pitchFamily="18" charset="0"/>
+                                    </a:rPr>
+                                    <m:t>𝑖</m:t>
+                                  </m:r>
+                                </m:sub>
+                              </m:sSub>
+                            </m:e>
+                          </m:acc>
+                        </m:e>
+                      </m:d>
+                      <m:r>
+                        <a:rPr lang="en-US" sz="2600" i="1">
+                          <a:latin typeface="Cambria Math" panose="02040503050406030204" pitchFamily="18" charset="0"/>
+                          <a:ea typeface="Cambria Math" panose="02040503050406030204" pitchFamily="18" charset="0"/>
+                        </a:rPr>
+                        <m:t>=</m:t>
+                      </m:r>
+                      <m:sSub>
+                        <m:sSubPr>
+                          <m:ctrlPr>
+                            <a:rPr lang="en-US" sz="2600" i="1">
+                              <a:latin typeface="Cambria Math" panose="02040503050406030204" pitchFamily="18" charset="0"/>
+                            </a:rPr>
+                          </m:ctrlPr>
+                        </m:sSubPr>
+                        <m:e>
+                          <m:r>
+                            <a:rPr lang="en-US" sz="2600" i="1">
+                              <a:latin typeface="Cambria Math" panose="02040503050406030204" pitchFamily="18" charset="0"/>
+                            </a:rPr>
+                            <m:t>𝐼</m:t>
+                          </m:r>
+                        </m:e>
+                        <m:sub>
+                          <m:sSub>
+                            <m:sSubPr>
+                              <m:ctrlPr>
+                                <a:rPr lang="en-US" sz="2600" i="1">
+                                  <a:latin typeface="Cambria Math" panose="02040503050406030204" pitchFamily="18" charset="0"/>
+                                </a:rPr>
+                              </m:ctrlPr>
+                            </m:sSubPr>
+                            <m:e>
+                              <m:r>
+                                <a:rPr lang="en-US" sz="2600" i="1">
+                                  <a:latin typeface="Cambria Math" panose="02040503050406030204" pitchFamily="18" charset="0"/>
+                                </a:rPr>
+                                <m:t>𝐺</m:t>
+                              </m:r>
+                            </m:e>
+                            <m:sub>
+                              <m:r>
+                                <a:rPr lang="en-US" sz="2600" b="0" i="1" smtClean="0">
+                                  <a:latin typeface="Cambria Math" panose="02040503050406030204" pitchFamily="18" charset="0"/>
+                                </a:rPr>
+                                <m:t>𝐵</m:t>
+                              </m:r>
+                            </m:sub>
+                          </m:sSub>
+                        </m:sub>
+                      </m:sSub>
+                      <m:r>
+                        <a:rPr lang="en-US" sz="2600" i="1">
+                          <a:latin typeface="Cambria Math" panose="02040503050406030204" pitchFamily="18" charset="0"/>
+                        </a:rPr>
+                        <m:t>∗</m:t>
+                      </m:r>
+                      <m:acc>
+                        <m:accPr>
+                          <m:chr m:val="⃑"/>
+                          <m:ctrlPr>
+                            <a:rPr lang="en-US" sz="2600" i="1">
+                              <a:latin typeface="Cambria Math" panose="02040503050406030204" pitchFamily="18" charset="0"/>
+                            </a:rPr>
+                          </m:ctrlPr>
+                        </m:accPr>
+                        <m:e>
+                          <m:sSub>
+                            <m:sSubPr>
+                              <m:ctrlPr>
+                                <a:rPr lang="en-US" sz="2600" i="1">
+                                  <a:latin typeface="Cambria Math" panose="02040503050406030204" pitchFamily="18" charset="0"/>
+                                  <a:ea typeface="Cambria Math" panose="02040503050406030204" pitchFamily="18" charset="0"/>
+                                </a:rPr>
+                              </m:ctrlPr>
+                            </m:sSubPr>
+                            <m:e>
+                              <m:r>
+                                <m:rPr>
+                                  <m:sty m:val="p"/>
+                                </m:rPr>
+                                <a:rPr lang="en-US" sz="2600">
+                                  <a:latin typeface="Cambria Math" panose="02040503050406030204" pitchFamily="18" charset="0"/>
+                                  <a:ea typeface="Cambria Math" panose="02040503050406030204" pitchFamily="18" charset="0"/>
+                                </a:rPr>
+                                <m:t>ω</m:t>
+                              </m:r>
+                            </m:e>
+                            <m:sub>
+                              <m:sSub>
+                                <m:sSubPr>
+                                  <m:ctrlPr>
+                                    <a:rPr lang="en-US" sz="2600" i="1">
+                                      <a:latin typeface="Cambria Math" panose="02040503050406030204" pitchFamily="18" charset="0"/>
+                                      <a:ea typeface="Cambria Math" panose="02040503050406030204" pitchFamily="18" charset="0"/>
+                                    </a:rPr>
+                                  </m:ctrlPr>
+                                </m:sSubPr>
+                                <m:e>
+                                  <m:r>
+                                    <a:rPr lang="en-US" sz="2600" i="1">
+                                      <a:latin typeface="Cambria Math" panose="02040503050406030204" pitchFamily="18" charset="0"/>
+                                      <a:ea typeface="Cambria Math" panose="02040503050406030204" pitchFamily="18" charset="0"/>
+                                    </a:rPr>
+                                    <m:t>𝑓</m:t>
+                                  </m:r>
+                                </m:e>
+                                <m:sub>
+                                  <m:r>
+                                    <a:rPr lang="en-US" sz="2600" b="0" i="1" smtClean="0">
+                                      <a:latin typeface="Cambria Math" panose="02040503050406030204" pitchFamily="18" charset="0"/>
+                                      <a:ea typeface="Cambria Math" panose="02040503050406030204" pitchFamily="18" charset="0"/>
+                                    </a:rPr>
+                                    <m:t>𝐵</m:t>
+                                  </m:r>
+                                </m:sub>
+                              </m:sSub>
+                            </m:sub>
+                          </m:sSub>
+                        </m:e>
+                      </m:acc>
+                      <m:r>
+                        <a:rPr lang="en-US" sz="2600" i="1">
+                          <a:latin typeface="Cambria Math" panose="02040503050406030204" pitchFamily="18" charset="0"/>
+                          <a:ea typeface="Cambria Math" panose="02040503050406030204" pitchFamily="18" charset="0"/>
+                        </a:rPr>
+                        <m:t>+</m:t>
+                      </m:r>
+                      <m:acc>
+                        <m:accPr>
+                          <m:chr m:val="⃗"/>
+                          <m:ctrlPr>
+                            <a:rPr lang="en-US" sz="2600" i="1">
+                              <a:latin typeface="Cambria Math" panose="02040503050406030204" pitchFamily="18" charset="0"/>
+                              <a:ea typeface="Cambria Math" panose="02040503050406030204" pitchFamily="18" charset="0"/>
+                            </a:rPr>
+                          </m:ctrlPr>
+                        </m:accPr>
+                        <m:e>
+                          <m:sSub>
+                            <m:sSubPr>
+                              <m:ctrlPr>
+                                <a:rPr lang="en-US" sz="2600" i="1">
+                                  <a:latin typeface="Cambria Math" panose="02040503050406030204" pitchFamily="18" charset="0"/>
+                                  <a:ea typeface="Cambria Math" panose="02040503050406030204" pitchFamily="18" charset="0"/>
+                                </a:rPr>
+                              </m:ctrlPr>
+                            </m:sSubPr>
+                            <m:e>
+                              <m:r>
+                                <a:rPr lang="en-US" sz="2600" i="1">
+                                  <a:latin typeface="Cambria Math" panose="02040503050406030204" pitchFamily="18" charset="0"/>
+                                  <a:ea typeface="Cambria Math" panose="02040503050406030204" pitchFamily="18" charset="0"/>
+                                </a:rPr>
+                                <m:t>𝑟</m:t>
+                              </m:r>
+                            </m:e>
+                            <m:sub>
+                              <m:f>
+                                <m:fPr>
+                                  <m:type m:val="lin"/>
+                                  <m:ctrlPr>
+                                    <a:rPr lang="en-US" sz="2600" i="1">
+                                      <a:latin typeface="Cambria Math" panose="02040503050406030204" pitchFamily="18" charset="0"/>
+                                      <a:ea typeface="Cambria Math" panose="02040503050406030204" pitchFamily="18" charset="0"/>
+                                    </a:rPr>
+                                  </m:ctrlPr>
+                                </m:fPr>
+                                <m:num>
+                                  <m:sSub>
+                                    <m:sSubPr>
+                                      <m:ctrlPr>
+                                        <a:rPr lang="en-US" sz="2600" i="1">
+                                          <a:latin typeface="Cambria Math" panose="02040503050406030204" pitchFamily="18" charset="0"/>
+                                          <a:ea typeface="Cambria Math" panose="02040503050406030204" pitchFamily="18" charset="0"/>
+                                        </a:rPr>
+                                      </m:ctrlPr>
+                                    </m:sSubPr>
+                                    <m:e>
+                                      <m:r>
+                                        <a:rPr lang="en-US" sz="2600" i="1">
+                                          <a:latin typeface="Cambria Math" panose="02040503050406030204" pitchFamily="18" charset="0"/>
+                                          <a:ea typeface="Cambria Math" panose="02040503050406030204" pitchFamily="18" charset="0"/>
+                                        </a:rPr>
+                                        <m:t>𝐺</m:t>
+                                      </m:r>
+                                    </m:e>
+                                    <m:sub>
+                                      <m:r>
+                                        <a:rPr lang="en-US" sz="2600" b="0" i="1" smtClean="0">
+                                          <a:latin typeface="Cambria Math" panose="02040503050406030204" pitchFamily="18" charset="0"/>
+                                          <a:ea typeface="Cambria Math" panose="02040503050406030204" pitchFamily="18" charset="0"/>
+                                        </a:rPr>
+                                        <m:t>𝐵</m:t>
+                                      </m:r>
+                                    </m:sub>
+                                  </m:sSub>
+                                </m:num>
+                                <m:den>
+                                  <m:r>
+                                    <a:rPr lang="en-US" sz="2600" i="1">
+                                      <a:latin typeface="Cambria Math" panose="02040503050406030204" pitchFamily="18" charset="0"/>
+                                      <a:ea typeface="Cambria Math" panose="02040503050406030204" pitchFamily="18" charset="0"/>
+                                    </a:rPr>
+                                    <m:t>𝑃</m:t>
+                                  </m:r>
+                                </m:den>
+                              </m:f>
+                            </m:sub>
+                          </m:sSub>
+                        </m:e>
+                      </m:acc>
+                      <m:r>
+                        <a:rPr lang="en-US" sz="2600" i="1">
+                          <a:latin typeface="Cambria Math" panose="02040503050406030204" pitchFamily="18" charset="0"/>
+                          <a:ea typeface="Cambria Math" panose="02040503050406030204" pitchFamily="18" charset="0"/>
+                        </a:rPr>
+                        <m:t>×</m:t>
+                      </m:r>
+                      <m:d>
+                        <m:dPr>
+                          <m:ctrlPr>
+                            <a:rPr lang="en-US" sz="2600" i="1">
+                              <a:latin typeface="Cambria Math" panose="02040503050406030204" pitchFamily="18" charset="0"/>
+                              <a:ea typeface="Cambria Math" panose="02040503050406030204" pitchFamily="18" charset="0"/>
+                            </a:rPr>
+                          </m:ctrlPr>
+                        </m:dPr>
+                        <m:e>
+                          <m:sSub>
+                            <m:sSubPr>
+                              <m:ctrlPr>
+                                <a:rPr lang="en-US" sz="2600" i="1">
+                                  <a:latin typeface="Cambria Math" panose="02040503050406030204" pitchFamily="18" charset="0"/>
+                                  <a:ea typeface="Cambria Math" panose="02040503050406030204" pitchFamily="18" charset="0"/>
+                                </a:rPr>
+                              </m:ctrlPr>
+                            </m:sSubPr>
+                            <m:e>
+                              <m:r>
+                                <a:rPr lang="en-US" sz="2600" i="1">
+                                  <a:latin typeface="Cambria Math" panose="02040503050406030204" pitchFamily="18" charset="0"/>
+                                  <a:ea typeface="Cambria Math" panose="02040503050406030204" pitchFamily="18" charset="0"/>
+                                </a:rPr>
+                                <m:t>𝑚</m:t>
+                              </m:r>
+                            </m:e>
+                            <m:sub>
+                              <m:r>
+                                <a:rPr lang="en-US" sz="2600" b="0" i="1" smtClean="0">
+                                  <a:latin typeface="Cambria Math" panose="02040503050406030204" pitchFamily="18" charset="0"/>
+                                  <a:ea typeface="Cambria Math" panose="02040503050406030204" pitchFamily="18" charset="0"/>
+                                </a:rPr>
+                                <m:t>𝐵</m:t>
+                              </m:r>
+                            </m:sub>
+                          </m:sSub>
+                          <m:r>
+                            <a:rPr lang="en-US" sz="2600" i="1">
+                              <a:latin typeface="Cambria Math" panose="02040503050406030204" pitchFamily="18" charset="0"/>
+                              <a:ea typeface="Cambria Math" panose="02040503050406030204" pitchFamily="18" charset="0"/>
+                            </a:rPr>
+                            <m:t>∗</m:t>
+                          </m:r>
+                          <m:acc>
+                            <m:accPr>
+                              <m:chr m:val="⃗"/>
+                              <m:ctrlPr>
+                                <a:rPr lang="en-US" sz="2600" i="1">
+                                  <a:latin typeface="Cambria Math" panose="02040503050406030204" pitchFamily="18" charset="0"/>
+                                  <a:ea typeface="Cambria Math" panose="02040503050406030204" pitchFamily="18" charset="0"/>
+                                </a:rPr>
+                              </m:ctrlPr>
+                            </m:accPr>
+                            <m:e>
+                              <m:sSub>
+                                <m:sSubPr>
+                                  <m:ctrlPr>
+                                    <a:rPr lang="en-US" sz="2600" i="1">
+                                      <a:latin typeface="Cambria Math" panose="02040503050406030204" pitchFamily="18" charset="0"/>
+                                      <a:ea typeface="Cambria Math" panose="02040503050406030204" pitchFamily="18" charset="0"/>
+                                    </a:rPr>
+                                  </m:ctrlPr>
+                                </m:sSubPr>
+                                <m:e>
+                                  <m:r>
+                                    <a:rPr lang="en-US" sz="2600" i="1">
+                                      <a:latin typeface="Cambria Math" panose="02040503050406030204" pitchFamily="18" charset="0"/>
+                                      <a:ea typeface="Cambria Math" panose="02040503050406030204" pitchFamily="18" charset="0"/>
+                                    </a:rPr>
+                                    <m:t>𝑣</m:t>
+                                  </m:r>
+                                </m:e>
+                                <m:sub>
+                                  <m:sSub>
+                                    <m:sSubPr>
+                                      <m:ctrlPr>
+                                        <a:rPr lang="en-US" sz="2600" i="1">
+                                          <a:latin typeface="Cambria Math" panose="02040503050406030204" pitchFamily="18" charset="0"/>
+                                          <a:ea typeface="Cambria Math" panose="02040503050406030204" pitchFamily="18" charset="0"/>
+                                        </a:rPr>
+                                      </m:ctrlPr>
+                                    </m:sSubPr>
+                                    <m:e>
+                                      <m:r>
+                                        <a:rPr lang="en-US" sz="2600" i="1">
+                                          <a:latin typeface="Cambria Math" panose="02040503050406030204" pitchFamily="18" charset="0"/>
+                                          <a:ea typeface="Cambria Math" panose="02040503050406030204" pitchFamily="18" charset="0"/>
+                                        </a:rPr>
+                                        <m:t>𝐺</m:t>
+                                      </m:r>
+                                    </m:e>
+                                    <m:sub>
+                                      <m:r>
+                                        <a:rPr lang="en-US" sz="2600" b="0" i="1" smtClean="0">
+                                          <a:latin typeface="Cambria Math" panose="02040503050406030204" pitchFamily="18" charset="0"/>
+                                          <a:ea typeface="Cambria Math" panose="02040503050406030204" pitchFamily="18" charset="0"/>
+                                        </a:rPr>
+                                        <m:t>𝐵</m:t>
+                                      </m:r>
+                                    </m:sub>
+                                  </m:sSub>
+                                  <m:r>
+                                    <a:rPr lang="en-US" sz="2600" i="1">
+                                      <a:latin typeface="Cambria Math" panose="02040503050406030204" pitchFamily="18" charset="0"/>
+                                      <a:ea typeface="Cambria Math" panose="02040503050406030204" pitchFamily="18" charset="0"/>
+                                    </a:rPr>
+                                    <m:t>𝑓</m:t>
+                                  </m:r>
+                                </m:sub>
+                              </m:sSub>
+                            </m:e>
+                          </m:acc>
+                        </m:e>
+                      </m:d>
+                      <m:r>
+                        <m:rPr>
+                          <m:nor/>
+                        </m:rPr>
+                        <a:rPr lang="en-US" sz="2600" dirty="0"/>
+                        <m:t> </m:t>
+                      </m:r>
+                    </m:oMath>
+                  </m:oMathPara>
+                </a14:m>
+                <a:endParaRPr lang="en-US" sz="2600" dirty="0"/>
+              </a:p>
+            </p:txBody>
+          </p:sp>
+        </mc:Choice>
+        <mc:Fallback>
+          <p:sp>
+            <p:nvSpPr>
+              <p:cNvPr id="3" name="Content Placeholder 2">
+                <a:extLst>
+                  <a:ext uri="{FF2B5EF4-FFF2-40B4-BE49-F238E27FC236}">
+                    <a16:creationId xmlns:a16="http://schemas.microsoft.com/office/drawing/2014/main" id="{D086B3D5-8593-8D90-98C4-632026DE353F}"/>
+                  </a:ext>
+                </a:extLst>
+              </p:cNvPr>
+              <p:cNvSpPr>
+                <a:spLocks noGrp="1" noRot="1" noChangeAspect="1" noMove="1" noResize="1" noEditPoints="1" noAdjustHandles="1" noChangeArrowheads="1" noChangeShapeType="1" noTextEdit="1"/>
+              </p:cNvSpPr>
+              <p:nvPr>
+                <p:ph idx="1"/>
+              </p:nvPr>
+            </p:nvSpPr>
+            <p:spPr>
+              <a:xfrm>
+                <a:off x="304800" y="1600200"/>
+                <a:ext cx="8382000" cy="4525963"/>
+              </a:xfrm>
+              <a:blipFill>
+                <a:blip r:embed="rId2"/>
+                <a:stretch>
+                  <a:fillRect l="-1236" t="-2156" b="-10243"/>
+                </a:stretch>
+              </a:blipFill>
+            </p:spPr>
+            <p:txBody>
+              <a:bodyPr/>
+              <a:lstStyle/>
+              <a:p>
+                <a:r>
+                  <a:rPr lang="en-US">
+                    <a:noFill/>
+                  </a:rPr>
+                  <a:t> </a:t>
+                </a:r>
+              </a:p>
+            </p:txBody>
+          </p:sp>
+        </mc:Fallback>
+      </mc:AlternateContent>
+      <p:sp>
+        <p:nvSpPr>
+          <p:cNvPr id="4" name="Slide Number Placeholder 3">
             <a:extLst>
-              <a:ext uri="{28A0092B-C50C-407E-A947-70E740481C1C}">
-                <a14:useLocalDpi xmlns:a14="http://schemas.microsoft.com/office/drawing/2010/main" val="0"/>
+              <a:ext uri="{FF2B5EF4-FFF2-40B4-BE49-F238E27FC236}">
+                <a16:creationId xmlns:a16="http://schemas.microsoft.com/office/drawing/2014/main" id="{ED585F72-BD29-220E-6C48-09EC4DE6E732}"/>
               </a:ext>
             </a:extLst>
-          </a:blip>
-          <a:srcRect/>
-          <a:stretch>
-            <a:fillRect/>
-          </a:stretch>
-        </p:blipFill>
-        <p:spPr bwMode="auto">
-          <a:xfrm>
-            <a:off x="4933950" y="2285999"/>
-            <a:ext cx="3714750" cy="2790825"/>
-          </a:xfrm>
-          <a:prstGeom prst="rect">
-            <a:avLst/>
-          </a:prstGeom>
-          <a:noFill/>
-          <a:extLst>
-            <a:ext uri="{909E8E84-426E-40DD-AFC4-6F175D3DCCD1}">
-              <a14:hiddenFill xmlns:a14="http://schemas.microsoft.com/office/drawing/2010/main">
-                <a:solidFill>
-                  <a:srgbClr val="FFFFFF"/>
-                </a:solidFill>
-              </a14:hiddenFill>
-            </a:ext>
-          </a:extLst>
-        </p:spPr>
-      </p:pic>
+          </p:cNvPr>
+          <p:cNvSpPr>
+            <a:spLocks noGrp="1"/>
+          </p:cNvSpPr>
+          <p:nvPr>
+            <p:ph type="sldNum" sz="quarter" idx="12"/>
+          </p:nvPr>
+        </p:nvSpPr>
+        <p:spPr/>
+        <p:txBody>
+          <a:bodyPr/>
+          <a:lstStyle/>
+          <a:p>
+            <a:fld id="{929262FE-7F58-4A1E-8AF3-5A510A86DEBD}" type="slidenum">
+              <a:rPr lang="en-US" smtClean="0"/>
+              <a:t>9</a:t>
+            </a:fld>
+            <a:endParaRPr lang="en-US" dirty="0"/>
+          </a:p>
+        </p:txBody>
+      </p:sp>
     </p:spTree>
     <p:extLst>
       <p:ext uri="{BB962C8B-B14F-4D97-AF65-F5344CB8AC3E}">
-        <p14:creationId xmlns:p14="http://schemas.microsoft.com/office/powerpoint/2010/main" val="3089954168"/>
+        <p14:creationId xmlns:p14="http://schemas.microsoft.com/office/powerpoint/2010/main" val="4101908762"/>
       </p:ext>
     </p:extLst>
   </p:cSld>
@@ -6377,7 +11727,56 @@
                                         <p:tgtEl>
                                           <p:spTgt spid="3">
                                             <p:txEl>
-                                              <p:pRg st="2" end="2"/>
+                                              <p:pRg st="3" end="3"/>
+                                            </p:txEl>
+                                          </p:spTgt>
+                                        </p:tgtEl>
+                                        <p:attrNameLst>
+                                          <p:attrName>style.visibility</p:attrName>
+                                        </p:attrNameLst>
+                                      </p:cBhvr>
+                                      <p:to>
+                                        <p:strVal val="visible"/>
+                                      </p:to>
+                                    </p:set>
+                                  </p:childTnLst>
+                                </p:cTn>
+                              </p:par>
+                            </p:childTnLst>
+                          </p:cTn>
+                        </p:par>
+                      </p:childTnLst>
+                    </p:cTn>
+                  </p:par>
+                  <p:par>
+                    <p:cTn id="15" fill="hold">
+                      <p:stCondLst>
+                        <p:cond delay="indefinite"/>
+                      </p:stCondLst>
+                      <p:childTnLst>
+                        <p:par>
+                          <p:cTn id="16" fill="hold">
+                            <p:stCondLst>
+                              <p:cond delay="0"/>
+                            </p:stCondLst>
+                            <p:childTnLst>
+                              <p:par>
+                                <p:cTn id="17" presetID="1" presetClass="entr" presetSubtype="0" fill="hold" grpId="0" nodeType="clickEffect">
+                                  <p:stCondLst>
+                                    <p:cond delay="0"/>
+                                  </p:stCondLst>
+                                  <p:childTnLst>
+                                    <p:set>
+                                      <p:cBhvr>
+                                        <p:cTn id="18" dur="1" fill="hold">
+                                          <p:stCondLst>
+                                            <p:cond delay="0"/>
+                                          </p:stCondLst>
+                                        </p:cTn>
+                                        <p:tgtEl>
+                                          <p:spTgt spid="3">
+                                            <p:txEl>
+                                              <p:pRg st="5" end="5"/>
                                             </p:txEl>
                                           </p:spTgt>
                                         </p:tgtEl>
@@ -6421,1584 +11820,6 @@
     </p:tnLst>
     <p:bldLst>
       <p:bldP spid="3" grpId="0" build="p"/>
-    </p:bldLst>
-  </p:timing>
-</p:sld>
-</file>
-
-<file path=ppt/slides/slide8.xml><?xml version="1.0" encoding="utf-8"?>
-<p:sld xmlns:a="http://schemas.openxmlformats.org/drawingml/2006/main" xmlns:r="http://schemas.openxmlformats.org/officeDocument/2006/relationships" xmlns:p="http://schemas.openxmlformats.org/presentationml/2006/main">
-  <p:cSld>
-    <p:spTree>
-      <p:nvGrpSpPr>
-        <p:cNvPr id="1" name=""/>
-        <p:cNvGrpSpPr/>
-        <p:nvPr/>
-      </p:nvGrpSpPr>
-      <p:grpSpPr>
-        <a:xfrm>
-          <a:off x="0" y="0"/>
-          <a:ext cx="0" cy="0"/>
-          <a:chOff x="0" y="0"/>
-          <a:chExt cx="0" cy="0"/>
-        </a:xfrm>
-      </p:grpSpPr>
-      <p:sp>
-        <p:nvSpPr>
-          <p:cNvPr id="2" name="Title 1">
-            <a:extLst>
-              <a:ext uri="{FF2B5EF4-FFF2-40B4-BE49-F238E27FC236}">
-                <a16:creationId xmlns:a16="http://schemas.microsoft.com/office/drawing/2014/main" id="{F4392BAB-C952-4615-8017-326C9C8D2293}"/>
-              </a:ext>
-            </a:extLst>
-          </p:cNvPr>
-          <p:cNvSpPr>
-            <a:spLocks noGrp="1"/>
-          </p:cNvSpPr>
-          <p:nvPr>
-            <p:ph type="title"/>
-          </p:nvPr>
-        </p:nvSpPr>
-        <p:spPr/>
-        <p:txBody>
-          <a:bodyPr/>
-          <a:lstStyle/>
-          <a:p>
-            <a:r>
-              <a:rPr lang="en-US" dirty="0"/>
-              <a:t>Rigid Body Surface Collisions</a:t>
-            </a:r>
-          </a:p>
-        </p:txBody>
-      </p:sp>
-      <mc:AlternateContent xmlns:mc="http://schemas.openxmlformats.org/markup-compatibility/2006" xmlns:a14="http://schemas.microsoft.com/office/drawing/2010/main">
-        <mc:Choice Requires="a14">
-          <p:sp>
-            <p:nvSpPr>
-              <p:cNvPr id="3" name="Content Placeholder 2">
-                <a:extLst>
-                  <a:ext uri="{FF2B5EF4-FFF2-40B4-BE49-F238E27FC236}">
-                    <a16:creationId xmlns:a16="http://schemas.microsoft.com/office/drawing/2014/main" id="{D67A592A-BC94-44AB-B9DE-1C18398D660D}"/>
-                  </a:ext>
-                </a:extLst>
-              </p:cNvPr>
-              <p:cNvSpPr>
-                <a:spLocks noGrp="1"/>
-              </p:cNvSpPr>
-              <p:nvPr>
-                <p:ph idx="1"/>
-              </p:nvPr>
-            </p:nvSpPr>
-            <p:spPr>
-              <a:xfrm>
-                <a:off x="457200" y="1600200"/>
-                <a:ext cx="8229600" cy="4876800"/>
-              </a:xfrm>
-            </p:spPr>
-            <p:txBody>
-              <a:bodyPr>
-                <a:normAutofit fontScale="92500" lnSpcReduction="20000"/>
-              </a:bodyPr>
-              <a:lstStyle/>
-              <a:p>
-                <a:r>
-                  <a:rPr lang="en-US" dirty="0"/>
-                  <a:t>Putting this all together, we have three equations that should allow us to solve for up to three unknowns.</a:t>
-                </a:r>
-              </a:p>
-              <a:p>
-                <a:endParaRPr lang="en-US" dirty="0"/>
-              </a:p>
-              <a:p>
-                <a:pPr marL="0" indent="0" algn="ctr">
-                  <a:buNone/>
-                </a:pPr>
-                <a14:m>
-                  <m:oMath xmlns:m="http://schemas.openxmlformats.org/officeDocument/2006/math">
-                    <m:sSub>
-                      <m:sSubPr>
-                        <m:ctrlPr>
-                          <a:rPr lang="en-US" i="1">
-                            <a:latin typeface="Cambria Math" panose="02040503050406030204" pitchFamily="18" charset="0"/>
-                          </a:rPr>
-                        </m:ctrlPr>
-                      </m:sSubPr>
-                      <m:e>
-                        <m:r>
-                          <a:rPr lang="en-US" i="1">
-                            <a:latin typeface="Cambria Math"/>
-                          </a:rPr>
-                          <m:t>𝑣</m:t>
-                        </m:r>
-                      </m:e>
-                      <m:sub>
-                        <m:r>
-                          <a:rPr lang="en-US" i="1">
-                            <a:latin typeface="Cambria Math" panose="02040503050406030204" pitchFamily="18" charset="0"/>
-                          </a:rPr>
-                          <m:t>𝑡𝐶</m:t>
-                        </m:r>
-                        <m:r>
-                          <a:rPr lang="en-US" i="1">
-                            <a:latin typeface="Cambria Math"/>
-                          </a:rPr>
-                          <m:t>𝑓</m:t>
-                        </m:r>
-                      </m:sub>
-                    </m:sSub>
-                    <m:r>
-                      <a:rPr lang="en-US" i="1">
-                        <a:latin typeface="Cambria Math"/>
-                      </a:rPr>
-                      <m:t>=</m:t>
-                    </m:r>
-                    <m:sSub>
-                      <m:sSubPr>
-                        <m:ctrlPr>
-                          <a:rPr lang="en-US" i="1">
-                            <a:latin typeface="Cambria Math" panose="02040503050406030204" pitchFamily="18" charset="0"/>
-                          </a:rPr>
-                        </m:ctrlPr>
-                      </m:sSubPr>
-                      <m:e>
-                        <m:r>
-                          <a:rPr lang="en-US" i="1">
-                            <a:latin typeface="Cambria Math"/>
-                          </a:rPr>
-                          <m:t>𝑣</m:t>
-                        </m:r>
-                      </m:e>
-                      <m:sub>
-                        <m:r>
-                          <a:rPr lang="en-US" i="1">
-                            <a:latin typeface="Cambria Math" panose="02040503050406030204" pitchFamily="18" charset="0"/>
-                          </a:rPr>
-                          <m:t>𝑡𝐶𝑖</m:t>
-                        </m:r>
-                      </m:sub>
-                    </m:sSub>
-                  </m:oMath>
-                </a14:m>
-                <a:r>
-                  <a:rPr lang="en-US" dirty="0"/>
-                  <a:t>      </a:t>
-                </a:r>
-                <a14:m>
-                  <m:oMath xmlns:m="http://schemas.openxmlformats.org/officeDocument/2006/math">
-                    <m:r>
-                      <a:rPr lang="en-US" i="1">
-                        <a:latin typeface="Cambria Math"/>
-                      </a:rPr>
-                      <m:t>𝑒</m:t>
-                    </m:r>
-                    <m:r>
-                      <a:rPr lang="en-US" i="1">
-                        <a:latin typeface="Cambria Math"/>
-                      </a:rPr>
-                      <m:t>=−</m:t>
-                    </m:r>
-                    <m:f>
-                      <m:fPr>
-                        <m:ctrlPr>
-                          <a:rPr lang="en-US" i="1">
-                            <a:latin typeface="Cambria Math" panose="02040503050406030204" pitchFamily="18" charset="0"/>
-                          </a:rPr>
-                        </m:ctrlPr>
-                      </m:fPr>
-                      <m:num>
-                        <m:sSub>
-                          <m:sSubPr>
-                            <m:ctrlPr>
-                              <a:rPr lang="en-US" i="1">
-                                <a:latin typeface="Cambria Math" panose="02040503050406030204" pitchFamily="18" charset="0"/>
-                              </a:rPr>
-                            </m:ctrlPr>
-                          </m:sSubPr>
-                          <m:e>
-                            <m:r>
-                              <a:rPr lang="en-US" i="1">
-                                <a:latin typeface="Cambria Math"/>
-                              </a:rPr>
-                              <m:t>𝑣</m:t>
-                            </m:r>
-                          </m:e>
-                          <m:sub>
-                            <m:r>
-                              <a:rPr lang="en-US" i="1">
-                                <a:latin typeface="Cambria Math" panose="02040503050406030204" pitchFamily="18" charset="0"/>
-                              </a:rPr>
-                              <m:t>𝑛𝐴</m:t>
-                            </m:r>
-                            <m:r>
-                              <a:rPr lang="en-US" i="1">
-                                <a:latin typeface="Cambria Math"/>
-                              </a:rPr>
-                              <m:t>𝑓</m:t>
-                            </m:r>
-                          </m:sub>
-                        </m:sSub>
-                      </m:num>
-                      <m:den>
-                        <m:sSub>
-                          <m:sSubPr>
-                            <m:ctrlPr>
-                              <a:rPr lang="en-US" i="1">
-                                <a:latin typeface="Cambria Math" panose="02040503050406030204" pitchFamily="18" charset="0"/>
-                              </a:rPr>
-                            </m:ctrlPr>
-                          </m:sSubPr>
-                          <m:e>
-                            <m:r>
-                              <a:rPr lang="en-US" i="1">
-                                <a:latin typeface="Cambria Math"/>
-                              </a:rPr>
-                              <m:t>𝑣</m:t>
-                            </m:r>
-                          </m:e>
-                          <m:sub>
-                            <m:r>
-                              <a:rPr lang="en-US" i="1">
-                                <a:latin typeface="Cambria Math" panose="02040503050406030204" pitchFamily="18" charset="0"/>
-                              </a:rPr>
-                              <m:t>𝑛𝐴</m:t>
-                            </m:r>
-                            <m:r>
-                              <a:rPr lang="en-US" i="1">
-                                <a:latin typeface="Cambria Math"/>
-                              </a:rPr>
-                              <m:t>𝑖</m:t>
-                            </m:r>
-                          </m:sub>
-                        </m:sSub>
-                      </m:den>
-                    </m:f>
-                  </m:oMath>
-                </a14:m>
-                <a:r>
-                  <a:rPr lang="en-US" dirty="0"/>
-                  <a:t> </a:t>
-                </a:r>
-                <a14:m>
-                  <m:oMath xmlns:m="http://schemas.openxmlformats.org/officeDocument/2006/math">
-                    <m:r>
-                      <a:rPr lang="en-US" b="0" i="0" smtClean="0">
-                        <a:latin typeface="Cambria Math" panose="02040503050406030204" pitchFamily="18" charset="0"/>
-                      </a:rPr>
-                      <m:t>         </m:t>
-                    </m:r>
-                    <m:sSup>
-                      <m:sSupPr>
-                        <m:ctrlPr>
-                          <a:rPr lang="en-US" i="1">
-                            <a:latin typeface="Cambria Math" panose="02040503050406030204" pitchFamily="18" charset="0"/>
-                          </a:rPr>
-                        </m:ctrlPr>
-                      </m:sSupPr>
-                      <m:e>
-                        <m:r>
-                          <a:rPr lang="en-US" i="1">
-                            <a:latin typeface="Cambria Math"/>
-                          </a:rPr>
-                          <m:t>𝑒</m:t>
-                        </m:r>
-                      </m:e>
-                      <m:sup>
-                        <m:r>
-                          <a:rPr lang="en-US" i="1">
-                            <a:latin typeface="Cambria Math" panose="02040503050406030204" pitchFamily="18" charset="0"/>
-                          </a:rPr>
-                          <m:t>2</m:t>
-                        </m:r>
-                      </m:sup>
-                    </m:sSup>
-                    <m:r>
-                      <a:rPr lang="en-US" i="1">
-                        <a:latin typeface="Cambria Math"/>
-                      </a:rPr>
-                      <m:t>=</m:t>
-                    </m:r>
-                    <m:f>
-                      <m:fPr>
-                        <m:ctrlPr>
-                          <a:rPr lang="en-US" i="1">
-                            <a:latin typeface="Cambria Math" panose="02040503050406030204" pitchFamily="18" charset="0"/>
-                          </a:rPr>
-                        </m:ctrlPr>
-                      </m:fPr>
-                      <m:num>
-                        <m:sSub>
-                          <m:sSubPr>
-                            <m:ctrlPr>
-                              <a:rPr lang="en-US" i="1">
-                                <a:latin typeface="Cambria Math" panose="02040503050406030204" pitchFamily="18" charset="0"/>
-                              </a:rPr>
-                            </m:ctrlPr>
-                          </m:sSubPr>
-                          <m:e>
-                            <m:r>
-                              <a:rPr lang="en-US" i="1">
-                                <a:latin typeface="Cambria Math" panose="02040503050406030204" pitchFamily="18" charset="0"/>
-                              </a:rPr>
-                              <m:t>𝐾𝐸</m:t>
-                            </m:r>
-                          </m:e>
-                          <m:sub>
-                            <m:r>
-                              <a:rPr lang="en-US" i="1">
-                                <a:latin typeface="Cambria Math" panose="02040503050406030204" pitchFamily="18" charset="0"/>
-                              </a:rPr>
-                              <m:t>𝑓</m:t>
-                            </m:r>
-                          </m:sub>
-                        </m:sSub>
-                      </m:num>
-                      <m:den>
-                        <m:sSub>
-                          <m:sSubPr>
-                            <m:ctrlPr>
-                              <a:rPr lang="en-US" i="1">
-                                <a:latin typeface="Cambria Math" panose="02040503050406030204" pitchFamily="18" charset="0"/>
-                              </a:rPr>
-                            </m:ctrlPr>
-                          </m:sSubPr>
-                          <m:e>
-                            <m:r>
-                              <a:rPr lang="en-US" i="1">
-                                <a:latin typeface="Cambria Math" panose="02040503050406030204" pitchFamily="18" charset="0"/>
-                              </a:rPr>
-                              <m:t>𝐾𝐸</m:t>
-                            </m:r>
-                          </m:e>
-                          <m:sub>
-                            <m:r>
-                              <a:rPr lang="en-US" i="1">
-                                <a:latin typeface="Cambria Math" panose="02040503050406030204" pitchFamily="18" charset="0"/>
-                              </a:rPr>
-                              <m:t>𝑖</m:t>
-                            </m:r>
-                          </m:sub>
-                        </m:sSub>
-                      </m:den>
-                    </m:f>
-                  </m:oMath>
-                </a14:m>
-                <a:endParaRPr lang="en-US" dirty="0"/>
-              </a:p>
-              <a:p>
-                <a:pPr marL="0" indent="0" algn="ctr">
-                  <a:buNone/>
-                </a:pPr>
-                <a:endParaRPr lang="en-US" dirty="0"/>
-              </a:p>
-              <a:p>
-                <a:r>
-                  <a:rPr lang="en-US" dirty="0"/>
-                  <a:t>The equations will sometimes need to be supplemented with kinematics relationships, in this case relating the velocity of the point of impact to the velocity of the center of mass and angular velocity.</a:t>
-                </a:r>
-              </a:p>
-            </p:txBody>
-          </p:sp>
-        </mc:Choice>
-        <mc:Fallback xmlns="">
-          <p:sp>
-            <p:nvSpPr>
-              <p:cNvPr id="3" name="Content Placeholder 2">
-                <a:extLst>
-                  <a:ext uri="{FF2B5EF4-FFF2-40B4-BE49-F238E27FC236}">
-                    <a16:creationId xmlns:a16="http://schemas.microsoft.com/office/drawing/2014/main" id="{D67A592A-BC94-44AB-B9DE-1C18398D660D}"/>
-                  </a:ext>
-                </a:extLst>
-              </p:cNvPr>
-              <p:cNvSpPr>
-                <a:spLocks noGrp="1" noRot="1" noChangeAspect="1" noMove="1" noResize="1" noEditPoints="1" noAdjustHandles="1" noChangeArrowheads="1" noChangeShapeType="1" noTextEdit="1"/>
-              </p:cNvSpPr>
-              <p:nvPr>
-                <p:ph idx="1"/>
-              </p:nvPr>
-            </p:nvSpPr>
-            <p:spPr>
-              <a:xfrm>
-                <a:off x="457200" y="1600200"/>
-                <a:ext cx="8229600" cy="4876800"/>
-              </a:xfrm>
-              <a:blipFill>
-                <a:blip r:embed="rId2"/>
-                <a:stretch>
-                  <a:fillRect l="-1481" t="-3250" r="-1333" b="-1625"/>
-                </a:stretch>
-              </a:blipFill>
-            </p:spPr>
-            <p:txBody>
-              <a:bodyPr/>
-              <a:lstStyle/>
-              <a:p>
-                <a:r>
-                  <a:rPr lang="en-US">
-                    <a:noFill/>
-                  </a:rPr>
-                  <a:t> </a:t>
-                </a:r>
-              </a:p>
-            </p:txBody>
-          </p:sp>
-        </mc:Fallback>
-      </mc:AlternateContent>
-      <p:sp>
-        <p:nvSpPr>
-          <p:cNvPr id="4" name="Slide Number Placeholder 3">
-            <a:extLst>
-              <a:ext uri="{FF2B5EF4-FFF2-40B4-BE49-F238E27FC236}">
-                <a16:creationId xmlns:a16="http://schemas.microsoft.com/office/drawing/2014/main" id="{1CDEEA48-041C-4F18-8182-2930A1F3E1EA}"/>
-              </a:ext>
-            </a:extLst>
-          </p:cNvPr>
-          <p:cNvSpPr>
-            <a:spLocks noGrp="1"/>
-          </p:cNvSpPr>
-          <p:nvPr>
-            <p:ph type="sldNum" sz="quarter" idx="12"/>
-          </p:nvPr>
-        </p:nvSpPr>
-        <p:spPr/>
-        <p:txBody>
-          <a:bodyPr/>
-          <a:lstStyle/>
-          <a:p>
-            <a:fld id="{929262FE-7F58-4A1E-8AF3-5A510A86DEBD}" type="slidenum">
-              <a:rPr lang="en-US" smtClean="0"/>
-              <a:t>8</a:t>
-            </a:fld>
-            <a:endParaRPr lang="en-US" dirty="0"/>
-          </a:p>
-        </p:txBody>
-      </p:sp>
-    </p:spTree>
-    <p:extLst>
-      <p:ext uri="{BB962C8B-B14F-4D97-AF65-F5344CB8AC3E}">
-        <p14:creationId xmlns:p14="http://schemas.microsoft.com/office/powerpoint/2010/main" val="49532671"/>
-      </p:ext>
-    </p:extLst>
-  </p:cSld>
-  <p:clrMapOvr>
-    <a:masterClrMapping/>
-  </p:clrMapOvr>
-  <p:timing>
-    <p:tnLst>
-      <p:par>
-        <p:cTn id="1" dur="indefinite" restart="never" nodeType="tmRoot">
-          <p:childTnLst>
-            <p:seq concurrent="1" nextAc="seek">
-              <p:cTn id="2" dur="indefinite" nodeType="mainSeq">
-                <p:childTnLst>
-                  <p:par>
-                    <p:cTn id="3" fill="hold">
-                      <p:stCondLst>
-                        <p:cond delay="indefinite"/>
-                      </p:stCondLst>
-                      <p:childTnLst>
-                        <p:par>
-                          <p:cTn id="4" fill="hold">
-                            <p:stCondLst>
-                              <p:cond delay="0"/>
-                            </p:stCondLst>
-                            <p:childTnLst>
-                              <p:par>
-                                <p:cTn id="5" presetID="1" presetClass="entr" presetSubtype="0" fill="hold" grpId="0" nodeType="clickEffect">
-                                  <p:stCondLst>
-                                    <p:cond delay="0"/>
-                                  </p:stCondLst>
-                                  <p:childTnLst>
-                                    <p:set>
-                                      <p:cBhvr>
-                                        <p:cTn id="6" dur="1" fill="hold">
-                                          <p:stCondLst>
-                                            <p:cond delay="0"/>
-                                          </p:stCondLst>
-                                        </p:cTn>
-                                        <p:tgtEl>
-                                          <p:spTgt spid="3">
-                                            <p:txEl>
-                                              <p:pRg st="0" end="0"/>
-                                            </p:txEl>
-                                          </p:spTgt>
-                                        </p:tgtEl>
-                                        <p:attrNameLst>
-                                          <p:attrName>style.visibility</p:attrName>
-                                        </p:attrNameLst>
-                                      </p:cBhvr>
-                                      <p:to>
-                                        <p:strVal val="visible"/>
-                                      </p:to>
-                                    </p:set>
-                                  </p:childTnLst>
-                                </p:cTn>
-                              </p:par>
-                            </p:childTnLst>
-                          </p:cTn>
-                        </p:par>
-                      </p:childTnLst>
-                    </p:cTn>
-                  </p:par>
-                  <p:par>
-                    <p:cTn id="7" fill="hold">
-                      <p:stCondLst>
-                        <p:cond delay="indefinite"/>
-                      </p:stCondLst>
-                      <p:childTnLst>
-                        <p:par>
-                          <p:cTn id="8" fill="hold">
-                            <p:stCondLst>
-                              <p:cond delay="0"/>
-                            </p:stCondLst>
-                            <p:childTnLst>
-                              <p:par>
-                                <p:cTn id="9" presetID="1" presetClass="entr" presetSubtype="0" fill="hold" grpId="0" nodeType="clickEffect">
-                                  <p:stCondLst>
-                                    <p:cond delay="0"/>
-                                  </p:stCondLst>
-                                  <p:childTnLst>
-                                    <p:set>
-                                      <p:cBhvr>
-                                        <p:cTn id="10" dur="1" fill="hold">
-                                          <p:stCondLst>
-                                            <p:cond delay="0"/>
-                                          </p:stCondLst>
-                                        </p:cTn>
-                                        <p:tgtEl>
-                                          <p:spTgt spid="3">
-                                            <p:txEl>
-                                              <p:pRg st="2" end="2"/>
-                                            </p:txEl>
-                                          </p:spTgt>
-                                        </p:tgtEl>
-                                        <p:attrNameLst>
-                                          <p:attrName>style.visibility</p:attrName>
-                                        </p:attrNameLst>
-                                      </p:cBhvr>
-                                      <p:to>
-                                        <p:strVal val="visible"/>
-                                      </p:to>
-                                    </p:set>
-                                  </p:childTnLst>
-                                </p:cTn>
-                              </p:par>
-                            </p:childTnLst>
-                          </p:cTn>
-                        </p:par>
-                      </p:childTnLst>
-                    </p:cTn>
-                  </p:par>
-                  <p:par>
-                    <p:cTn id="11" fill="hold">
-                      <p:stCondLst>
-                        <p:cond delay="indefinite"/>
-                      </p:stCondLst>
-                      <p:childTnLst>
-                        <p:par>
-                          <p:cTn id="12" fill="hold">
-                            <p:stCondLst>
-                              <p:cond delay="0"/>
-                            </p:stCondLst>
-                            <p:childTnLst>
-                              <p:par>
-                                <p:cTn id="13" presetID="1" presetClass="entr" presetSubtype="0" fill="hold" grpId="0" nodeType="clickEffect">
-                                  <p:stCondLst>
-                                    <p:cond delay="0"/>
-                                  </p:stCondLst>
-                                  <p:childTnLst>
-                                    <p:set>
-                                      <p:cBhvr>
-                                        <p:cTn id="14" dur="1" fill="hold">
-                                          <p:stCondLst>
-                                            <p:cond delay="0"/>
-                                          </p:stCondLst>
-                                        </p:cTn>
-                                        <p:tgtEl>
-                                          <p:spTgt spid="3">
-                                            <p:txEl>
-                                              <p:pRg st="4" end="4"/>
-                                            </p:txEl>
-                                          </p:spTgt>
-                                        </p:tgtEl>
-                                        <p:attrNameLst>
-                                          <p:attrName>style.visibility</p:attrName>
-                                        </p:attrNameLst>
-                                      </p:cBhvr>
-                                      <p:to>
-                                        <p:strVal val="visible"/>
-                                      </p:to>
-                                    </p:set>
-                                  </p:childTnLst>
-                                </p:cTn>
-                              </p:par>
-                            </p:childTnLst>
-                          </p:cTn>
-                        </p:par>
-                      </p:childTnLst>
-                    </p:cTn>
-                  </p:par>
-                </p:childTnLst>
-              </p:cTn>
-              <p:prevCondLst>
-                <p:cond evt="onPrev" delay="0">
-                  <p:tgtEl>
-                    <p:sldTgt/>
-                  </p:tgtEl>
-                </p:cond>
-              </p:prevCondLst>
-              <p:nextCondLst>
-                <p:cond evt="onNext" delay="0">
-                  <p:tgtEl>
-                    <p:sldTgt/>
-                  </p:tgtEl>
-                </p:cond>
-              </p:nextCondLst>
-            </p:seq>
-          </p:childTnLst>
-        </p:cTn>
-      </p:par>
-    </p:tnLst>
-    <p:bldLst>
-      <p:bldP spid="3" grpId="0" build="p"/>
-    </p:bldLst>
-  </p:timing>
-</p:sld>
-</file>
-
-<file path=ppt/slides/slide9.xml><?xml version="1.0" encoding="utf-8"?>
-<p:sld xmlns:a="http://schemas.openxmlformats.org/drawingml/2006/main" xmlns:r="http://schemas.openxmlformats.org/officeDocument/2006/relationships" xmlns:p="http://schemas.openxmlformats.org/presentationml/2006/main">
-  <p:cSld>
-    <p:spTree>
-      <p:nvGrpSpPr>
-        <p:cNvPr id="1" name=""/>
-        <p:cNvGrpSpPr/>
-        <p:nvPr/>
-      </p:nvGrpSpPr>
-      <p:grpSpPr>
-        <a:xfrm>
-          <a:off x="0" y="0"/>
-          <a:ext cx="0" cy="0"/>
-          <a:chOff x="0" y="0"/>
-          <a:chExt cx="0" cy="0"/>
-        </a:xfrm>
-      </p:grpSpPr>
-      <p:sp>
-        <p:nvSpPr>
-          <p:cNvPr id="2" name="Title 1">
-            <a:extLst>
-              <a:ext uri="{FF2B5EF4-FFF2-40B4-BE49-F238E27FC236}">
-                <a16:creationId xmlns:a16="http://schemas.microsoft.com/office/drawing/2014/main" id="{61A07C29-9A58-4871-BDC5-A36C637901C2}"/>
-              </a:ext>
-            </a:extLst>
-          </p:cNvPr>
-          <p:cNvSpPr>
-            <a:spLocks noGrp="1"/>
-          </p:cNvSpPr>
-          <p:nvPr>
-            <p:ph type="title"/>
-          </p:nvPr>
-        </p:nvSpPr>
-        <p:spPr/>
-        <p:txBody>
-          <a:bodyPr>
-            <a:normAutofit fontScale="90000"/>
-          </a:bodyPr>
-          <a:lstStyle/>
-          <a:p>
-            <a:r>
-              <a:rPr lang="en-US" dirty="0"/>
-              <a:t>Solving a Collision Problem</a:t>
-            </a:r>
-            <a:br>
-              <a:rPr lang="en-US" dirty="0"/>
-            </a:br>
-            <a:r>
-              <a:rPr lang="en-US" dirty="0"/>
-              <a:t>(The Process)</a:t>
-            </a:r>
-          </a:p>
-        </p:txBody>
-      </p:sp>
-      <mc:AlternateContent xmlns:mc="http://schemas.openxmlformats.org/markup-compatibility/2006" xmlns:a14="http://schemas.microsoft.com/office/drawing/2010/main">
-        <mc:Choice Requires="a14">
-          <p:sp>
-            <p:nvSpPr>
-              <p:cNvPr id="3" name="Content Placeholder 2">
-                <a:extLst>
-                  <a:ext uri="{FF2B5EF4-FFF2-40B4-BE49-F238E27FC236}">
-                    <a16:creationId xmlns:a16="http://schemas.microsoft.com/office/drawing/2014/main" id="{A0280897-CDB5-4D78-9300-B055EC7031D9}"/>
-                  </a:ext>
-                </a:extLst>
-              </p:cNvPr>
-              <p:cNvSpPr>
-                <a:spLocks noGrp="1"/>
-              </p:cNvSpPr>
-              <p:nvPr>
-                <p:ph idx="1"/>
-              </p:nvPr>
-            </p:nvSpPr>
-            <p:spPr>
-              <a:xfrm>
-                <a:off x="457200" y="1600200"/>
-                <a:ext cx="8229600" cy="4983162"/>
-              </a:xfrm>
-            </p:spPr>
-            <p:txBody>
-              <a:bodyPr>
-                <a:normAutofit fontScale="62500" lnSpcReduction="20000"/>
-              </a:bodyPr>
-              <a:lstStyle/>
-              <a:p>
-                <a:r>
-                  <a:rPr lang="en-US" dirty="0"/>
-                  <a:t>Solving collision involves three steps, carefully accounting for the factors at play between some initial state and some final state.</a:t>
-                </a:r>
-              </a:p>
-              <a:p>
-                <a:pPr marL="514350" indent="-514350">
-                  <a:buFont typeface="+mj-lt"/>
-                  <a:buAutoNum type="arabicPeriod"/>
-                </a:pPr>
-                <a:r>
-                  <a:rPr lang="en-US" dirty="0"/>
-                  <a:t>Set up a diagram showing the object bouncing off the surface</a:t>
-                </a:r>
-              </a:p>
-              <a:p>
-                <a:pPr marL="914400" lvl="1" indent="-514350"/>
-                <a:r>
-                  <a:rPr lang="en-US" dirty="0"/>
-                  <a:t>Identify the known or unknown </a:t>
-                </a:r>
-                <a:r>
-                  <a:rPr lang="en-US" dirty="0">
-                    <a:solidFill>
-                      <a:schemeClr val="accent1"/>
-                    </a:solidFill>
-                  </a:rPr>
-                  <a:t>velocities</a:t>
-                </a:r>
-                <a:r>
-                  <a:rPr lang="en-US" dirty="0"/>
-                  <a:t> in each state, including magnitudes and directions</a:t>
-                </a:r>
-              </a:p>
-              <a:p>
-                <a:pPr marL="914400" lvl="1" indent="-514350"/>
-                <a:r>
-                  <a:rPr lang="en-US" dirty="0"/>
-                  <a:t>Identify the type of collision, and the coefficient of restitution if applicable</a:t>
-                </a:r>
-              </a:p>
-              <a:p>
-                <a:pPr marL="914400" lvl="1" indent="-514350"/>
-                <a:r>
-                  <a:rPr lang="en-US" dirty="0"/>
-                  <a:t>Identify the normal and tangential directions in your diagram</a:t>
-                </a:r>
-              </a:p>
-              <a:p>
-                <a:pPr marL="514350" indent="-514350">
-                  <a:buFont typeface="+mj-lt"/>
-                  <a:buAutoNum type="arabicPeriod"/>
-                </a:pPr>
-                <a:r>
-                  <a:rPr lang="en-US" dirty="0"/>
-                  <a:t>Use the diagram to break down velocities into the normal and tangential components, and use the equations discussed earlier to relate initial and final velocities</a:t>
-                </a:r>
-              </a:p>
-              <a:p>
-                <a:pPr marL="914400" lvl="1" indent="-514350"/>
-                <a14:m>
-                  <m:oMath xmlns:m="http://schemas.openxmlformats.org/officeDocument/2006/math">
-                    <m:sSub>
-                      <m:sSubPr>
-                        <m:ctrlPr>
-                          <a:rPr lang="en-US" i="1">
-                            <a:latin typeface="Cambria Math" panose="02040503050406030204" pitchFamily="18" charset="0"/>
-                          </a:rPr>
-                        </m:ctrlPr>
-                      </m:sSubPr>
-                      <m:e>
-                        <m:r>
-                          <a:rPr lang="en-US" i="1">
-                            <a:latin typeface="Cambria Math"/>
-                          </a:rPr>
-                          <m:t>𝑣</m:t>
-                        </m:r>
-                      </m:e>
-                      <m:sub>
-                        <m:r>
-                          <a:rPr lang="en-US" i="1">
-                            <a:latin typeface="Cambria Math" panose="02040503050406030204" pitchFamily="18" charset="0"/>
-                          </a:rPr>
-                          <m:t>𝑡𝐶</m:t>
-                        </m:r>
-                        <m:r>
-                          <a:rPr lang="en-US" i="1">
-                            <a:latin typeface="Cambria Math"/>
-                          </a:rPr>
-                          <m:t>𝑓</m:t>
-                        </m:r>
-                      </m:sub>
-                    </m:sSub>
-                    <m:r>
-                      <a:rPr lang="en-US" i="1">
-                        <a:latin typeface="Cambria Math"/>
-                      </a:rPr>
-                      <m:t>=</m:t>
-                    </m:r>
-                    <m:sSub>
-                      <m:sSubPr>
-                        <m:ctrlPr>
-                          <a:rPr lang="en-US" i="1">
-                            <a:latin typeface="Cambria Math" panose="02040503050406030204" pitchFamily="18" charset="0"/>
-                          </a:rPr>
-                        </m:ctrlPr>
-                      </m:sSubPr>
-                      <m:e>
-                        <m:r>
-                          <a:rPr lang="en-US" i="1">
-                            <a:latin typeface="Cambria Math"/>
-                          </a:rPr>
-                          <m:t>𝑣</m:t>
-                        </m:r>
-                      </m:e>
-                      <m:sub>
-                        <m:r>
-                          <a:rPr lang="en-US" i="1">
-                            <a:latin typeface="Cambria Math" panose="02040503050406030204" pitchFamily="18" charset="0"/>
-                          </a:rPr>
-                          <m:t>𝑡𝐶𝑖</m:t>
-                        </m:r>
-                      </m:sub>
-                    </m:sSub>
-                  </m:oMath>
-                </a14:m>
-                <a:endParaRPr lang="en-US" dirty="0"/>
-              </a:p>
-              <a:p>
-                <a:pPr marL="914400" lvl="1" indent="-514350"/>
-                <a14:m>
-                  <m:oMath xmlns:m="http://schemas.openxmlformats.org/officeDocument/2006/math">
-                    <m:r>
-                      <a:rPr lang="en-US" i="1">
-                        <a:latin typeface="Cambria Math"/>
-                      </a:rPr>
-                      <m:t>𝑒</m:t>
-                    </m:r>
-                    <m:r>
-                      <a:rPr lang="en-US" i="1">
-                        <a:latin typeface="Cambria Math"/>
-                      </a:rPr>
-                      <m:t>=−</m:t>
-                    </m:r>
-                    <m:f>
-                      <m:fPr>
-                        <m:ctrlPr>
-                          <a:rPr lang="en-US" i="1">
-                            <a:latin typeface="Cambria Math" panose="02040503050406030204" pitchFamily="18" charset="0"/>
-                          </a:rPr>
-                        </m:ctrlPr>
-                      </m:fPr>
-                      <m:num>
-                        <m:sSub>
-                          <m:sSubPr>
-                            <m:ctrlPr>
-                              <a:rPr lang="en-US" i="1">
-                                <a:latin typeface="Cambria Math" panose="02040503050406030204" pitchFamily="18" charset="0"/>
-                              </a:rPr>
-                            </m:ctrlPr>
-                          </m:sSubPr>
-                          <m:e>
-                            <m:r>
-                              <a:rPr lang="en-US" i="1">
-                                <a:latin typeface="Cambria Math"/>
-                              </a:rPr>
-                              <m:t>𝑣</m:t>
-                            </m:r>
-                          </m:e>
-                          <m:sub>
-                            <m:r>
-                              <a:rPr lang="en-US" i="1">
-                                <a:latin typeface="Cambria Math" panose="02040503050406030204" pitchFamily="18" charset="0"/>
-                              </a:rPr>
-                              <m:t>𝑛𝐴</m:t>
-                            </m:r>
-                            <m:r>
-                              <a:rPr lang="en-US" i="1">
-                                <a:latin typeface="Cambria Math"/>
-                              </a:rPr>
-                              <m:t>𝑓</m:t>
-                            </m:r>
-                          </m:sub>
-                        </m:sSub>
-                      </m:num>
-                      <m:den>
-                        <m:sSub>
-                          <m:sSubPr>
-                            <m:ctrlPr>
-                              <a:rPr lang="en-US" i="1">
-                                <a:latin typeface="Cambria Math" panose="02040503050406030204" pitchFamily="18" charset="0"/>
-                              </a:rPr>
-                            </m:ctrlPr>
-                          </m:sSubPr>
-                          <m:e>
-                            <m:r>
-                              <a:rPr lang="en-US" i="1">
-                                <a:latin typeface="Cambria Math"/>
-                              </a:rPr>
-                              <m:t>𝑣</m:t>
-                            </m:r>
-                          </m:e>
-                          <m:sub>
-                            <m:r>
-                              <a:rPr lang="en-US" i="1">
-                                <a:latin typeface="Cambria Math" panose="02040503050406030204" pitchFamily="18" charset="0"/>
-                              </a:rPr>
-                              <m:t>𝑛𝐴</m:t>
-                            </m:r>
-                            <m:r>
-                              <a:rPr lang="en-US" i="1">
-                                <a:latin typeface="Cambria Math"/>
-                              </a:rPr>
-                              <m:t>𝑖</m:t>
-                            </m:r>
-                          </m:sub>
-                        </m:sSub>
-                      </m:den>
-                    </m:f>
-                  </m:oMath>
-                </a14:m>
-                <a:endParaRPr lang="en-US" dirty="0"/>
-              </a:p>
-              <a:p>
-                <a:pPr marL="914400" lvl="1" indent="-514350"/>
-                <a14:m>
-                  <m:oMath xmlns:m="http://schemas.openxmlformats.org/officeDocument/2006/math">
-                    <m:sSup>
-                      <m:sSupPr>
-                        <m:ctrlPr>
-                          <a:rPr lang="en-US" i="1">
-                            <a:latin typeface="Cambria Math" panose="02040503050406030204" pitchFamily="18" charset="0"/>
-                          </a:rPr>
-                        </m:ctrlPr>
-                      </m:sSupPr>
-                      <m:e>
-                        <m:r>
-                          <a:rPr lang="en-US" i="1">
-                            <a:latin typeface="Cambria Math"/>
-                          </a:rPr>
-                          <m:t>𝑒</m:t>
-                        </m:r>
-                      </m:e>
-                      <m:sup>
-                        <m:r>
-                          <a:rPr lang="en-US" i="1">
-                            <a:latin typeface="Cambria Math" panose="02040503050406030204" pitchFamily="18" charset="0"/>
-                          </a:rPr>
-                          <m:t>2</m:t>
-                        </m:r>
-                      </m:sup>
-                    </m:sSup>
-                    <m:r>
-                      <a:rPr lang="en-US" i="1">
-                        <a:latin typeface="Cambria Math"/>
-                      </a:rPr>
-                      <m:t>=</m:t>
-                    </m:r>
-                    <m:f>
-                      <m:fPr>
-                        <m:ctrlPr>
-                          <a:rPr lang="en-US" i="1">
-                            <a:latin typeface="Cambria Math" panose="02040503050406030204" pitchFamily="18" charset="0"/>
-                          </a:rPr>
-                        </m:ctrlPr>
-                      </m:fPr>
-                      <m:num>
-                        <m:sSub>
-                          <m:sSubPr>
-                            <m:ctrlPr>
-                              <a:rPr lang="en-US" i="1">
-                                <a:latin typeface="Cambria Math" panose="02040503050406030204" pitchFamily="18" charset="0"/>
-                              </a:rPr>
-                            </m:ctrlPr>
-                          </m:sSubPr>
-                          <m:e>
-                            <m:r>
-                              <a:rPr lang="en-US" i="1">
-                                <a:latin typeface="Cambria Math" panose="02040503050406030204" pitchFamily="18" charset="0"/>
-                              </a:rPr>
-                              <m:t>𝐾𝐸</m:t>
-                            </m:r>
-                          </m:e>
-                          <m:sub>
-                            <m:r>
-                              <a:rPr lang="en-US" i="1">
-                                <a:latin typeface="Cambria Math" panose="02040503050406030204" pitchFamily="18" charset="0"/>
-                              </a:rPr>
-                              <m:t>𝑓</m:t>
-                            </m:r>
-                          </m:sub>
-                        </m:sSub>
-                      </m:num>
-                      <m:den>
-                        <m:sSub>
-                          <m:sSubPr>
-                            <m:ctrlPr>
-                              <a:rPr lang="en-US" i="1">
-                                <a:latin typeface="Cambria Math" panose="02040503050406030204" pitchFamily="18" charset="0"/>
-                              </a:rPr>
-                            </m:ctrlPr>
-                          </m:sSubPr>
-                          <m:e>
-                            <m:r>
-                              <a:rPr lang="en-US" i="1">
-                                <a:latin typeface="Cambria Math" panose="02040503050406030204" pitchFamily="18" charset="0"/>
-                              </a:rPr>
-                              <m:t>𝐾𝐸</m:t>
-                            </m:r>
-                          </m:e>
-                          <m:sub>
-                            <m:r>
-                              <a:rPr lang="en-US" i="1">
-                                <a:latin typeface="Cambria Math" panose="02040503050406030204" pitchFamily="18" charset="0"/>
-                              </a:rPr>
-                              <m:t>𝑖</m:t>
-                            </m:r>
-                          </m:sub>
-                        </m:sSub>
-                      </m:den>
-                    </m:f>
-                  </m:oMath>
-                </a14:m>
-                <a:endParaRPr lang="en-US" dirty="0"/>
-              </a:p>
-              <a:p>
-                <a:pPr marL="914400" lvl="1" indent="-514350"/>
-                <a:r>
-                  <a:rPr lang="en-US" dirty="0"/>
-                  <a:t>Supplement with kinematics relationships as needed</a:t>
-                </a:r>
-              </a:p>
-              <a:p>
-                <a:pPr marL="514350" indent="-514350">
-                  <a:buFont typeface="+mj-lt"/>
-                  <a:buAutoNum type="arabicPeriod"/>
-                </a:pPr>
-                <a:r>
-                  <a:rPr lang="en-US" dirty="0"/>
-                  <a:t>Solve the equations for the unknown quantities</a:t>
-                </a:r>
-              </a:p>
-              <a:p>
-                <a:pPr marL="514350" indent="-514350">
-                  <a:buFont typeface="+mj-lt"/>
-                  <a:buAutoNum type="arabicPeriod"/>
-                </a:pPr>
-                <a:endParaRPr lang="en-US" dirty="0"/>
-              </a:p>
-            </p:txBody>
-          </p:sp>
-        </mc:Choice>
-        <mc:Fallback xmlns="">
-          <p:sp>
-            <p:nvSpPr>
-              <p:cNvPr id="3" name="Content Placeholder 2">
-                <a:extLst>
-                  <a:ext uri="{FF2B5EF4-FFF2-40B4-BE49-F238E27FC236}">
-                    <a16:creationId xmlns:a16="http://schemas.microsoft.com/office/drawing/2014/main" id="{A0280897-CDB5-4D78-9300-B055EC7031D9}"/>
-                  </a:ext>
-                </a:extLst>
-              </p:cNvPr>
-              <p:cNvSpPr>
-                <a:spLocks noGrp="1" noRot="1" noChangeAspect="1" noMove="1" noResize="1" noEditPoints="1" noAdjustHandles="1" noChangeArrowheads="1" noChangeShapeType="1" noTextEdit="1"/>
-              </p:cNvSpPr>
-              <p:nvPr>
-                <p:ph idx="1"/>
-              </p:nvPr>
-            </p:nvSpPr>
-            <p:spPr>
-              <a:xfrm>
-                <a:off x="457200" y="1600200"/>
-                <a:ext cx="8229600" cy="4983162"/>
-              </a:xfrm>
-              <a:blipFill>
-                <a:blip r:embed="rId2"/>
-                <a:stretch>
-                  <a:fillRect l="-815" t="-1836" r="-1407"/>
-                </a:stretch>
-              </a:blipFill>
-            </p:spPr>
-            <p:txBody>
-              <a:bodyPr/>
-              <a:lstStyle/>
-              <a:p>
-                <a:r>
-                  <a:rPr lang="en-US">
-                    <a:noFill/>
-                  </a:rPr>
-                  <a:t> </a:t>
-                </a:r>
-              </a:p>
-            </p:txBody>
-          </p:sp>
-        </mc:Fallback>
-      </mc:AlternateContent>
-    </p:spTree>
-    <p:extLst>
-      <p:ext uri="{BB962C8B-B14F-4D97-AF65-F5344CB8AC3E}">
-        <p14:creationId xmlns:p14="http://schemas.microsoft.com/office/powerpoint/2010/main" val="2175471731"/>
-      </p:ext>
-    </p:extLst>
-  </p:cSld>
-  <p:clrMapOvr>
-    <a:masterClrMapping/>
-  </p:clrMapOvr>
-  <p:timing>
-    <p:tnLst>
-      <p:par>
-        <p:cTn id="1" dur="indefinite" restart="never" nodeType="tmRoot">
-          <p:childTnLst>
-            <p:seq concurrent="1" nextAc="seek">
-              <p:cTn id="2" dur="indefinite" nodeType="mainSeq">
-                <p:childTnLst>
-                  <p:par>
-                    <p:cTn id="3" fill="hold">
-                      <p:stCondLst>
-                        <p:cond delay="indefinite"/>
-                      </p:stCondLst>
-                      <p:childTnLst>
-                        <p:par>
-                          <p:cTn id="4" fill="hold">
-                            <p:stCondLst>
-                              <p:cond delay="0"/>
-                            </p:stCondLst>
-                            <p:childTnLst>
-                              <p:par>
-                                <p:cTn id="5" presetID="1" presetClass="entr" presetSubtype="0" fill="hold" grpId="0" nodeType="clickEffect">
-                                  <p:stCondLst>
-                                    <p:cond delay="0"/>
-                                  </p:stCondLst>
-                                  <p:childTnLst>
-                                    <p:set>
-                                      <p:cBhvr>
-                                        <p:cTn id="6" dur="1" fill="hold">
-                                          <p:stCondLst>
-                                            <p:cond delay="0"/>
-                                          </p:stCondLst>
-                                        </p:cTn>
-                                        <p:tgtEl>
-                                          <p:spTgt spid="3">
-                                            <p:txEl>
-                                              <p:pRg st="0" end="0"/>
-                                            </p:txEl>
-                                          </p:spTgt>
-                                        </p:tgtEl>
-                                        <p:attrNameLst>
-                                          <p:attrName>style.visibility</p:attrName>
-                                        </p:attrNameLst>
-                                      </p:cBhvr>
-                                      <p:to>
-                                        <p:strVal val="visible"/>
-                                      </p:to>
-                                    </p:set>
-                                  </p:childTnLst>
-                                </p:cTn>
-                              </p:par>
-                            </p:childTnLst>
-                          </p:cTn>
-                        </p:par>
-                      </p:childTnLst>
-                    </p:cTn>
-                  </p:par>
-                  <p:par>
-                    <p:cTn id="7" fill="hold">
-                      <p:stCondLst>
-                        <p:cond delay="indefinite"/>
-                      </p:stCondLst>
-                      <p:childTnLst>
-                        <p:par>
-                          <p:cTn id="8" fill="hold">
-                            <p:stCondLst>
-                              <p:cond delay="0"/>
-                            </p:stCondLst>
-                            <p:childTnLst>
-                              <p:par>
-                                <p:cTn id="9" presetID="1" presetClass="entr" presetSubtype="0" fill="hold" grpId="0" nodeType="clickEffect">
-                                  <p:stCondLst>
-                                    <p:cond delay="0"/>
-                                  </p:stCondLst>
-                                  <p:childTnLst>
-                                    <p:set>
-                                      <p:cBhvr>
-                                        <p:cTn id="10" dur="1" fill="hold">
-                                          <p:stCondLst>
-                                            <p:cond delay="0"/>
-                                          </p:stCondLst>
-                                        </p:cTn>
-                                        <p:tgtEl>
-                                          <p:spTgt spid="3">
-                                            <p:txEl>
-                                              <p:pRg st="1" end="1"/>
-                                            </p:txEl>
-                                          </p:spTgt>
-                                        </p:tgtEl>
-                                        <p:attrNameLst>
-                                          <p:attrName>style.visibility</p:attrName>
-                                        </p:attrNameLst>
-                                      </p:cBhvr>
-                                      <p:to>
-                                        <p:strVal val="visible"/>
-                                      </p:to>
-                                    </p:set>
-                                  </p:childTnLst>
-                                </p:cTn>
-                              </p:par>
-                              <p:par>
-                                <p:cTn id="11" presetID="1" presetClass="entr" presetSubtype="0" fill="hold" grpId="0" nodeType="withEffect">
-                                  <p:stCondLst>
-                                    <p:cond delay="0"/>
-                                  </p:stCondLst>
-                                  <p:childTnLst>
-                                    <p:set>
-                                      <p:cBhvr>
-                                        <p:cTn id="12" dur="1" fill="hold">
-                                          <p:stCondLst>
-                                            <p:cond delay="0"/>
-                                          </p:stCondLst>
-                                        </p:cTn>
-                                        <p:tgtEl>
-                                          <p:spTgt spid="3">
-                                            <p:txEl>
-                                              <p:pRg st="2" end="2"/>
-                                            </p:txEl>
-                                          </p:spTgt>
-                                        </p:tgtEl>
-                                        <p:attrNameLst>
-                                          <p:attrName>style.visibility</p:attrName>
-                                        </p:attrNameLst>
-                                      </p:cBhvr>
-                                      <p:to>
-                                        <p:strVal val="visible"/>
-                                      </p:to>
-                                    </p:set>
-                                  </p:childTnLst>
-                                </p:cTn>
-                              </p:par>
-                              <p:par>
-                                <p:cTn id="13" presetID="1" presetClass="entr" presetSubtype="0" fill="hold" grpId="0" nodeType="withEffect">
-                                  <p:stCondLst>
-                                    <p:cond delay="0"/>
-                                  </p:stCondLst>
-                                  <p:childTnLst>
-                                    <p:set>
-                                      <p:cBhvr>
-                                        <p:cTn id="14" dur="1" fill="hold">
-                                          <p:stCondLst>
-                                            <p:cond delay="0"/>
-                                          </p:stCondLst>
-                                        </p:cTn>
-                                        <p:tgtEl>
-                                          <p:spTgt spid="3">
-                                            <p:txEl>
-                                              <p:pRg st="3" end="3"/>
-                                            </p:txEl>
-                                          </p:spTgt>
-                                        </p:tgtEl>
-                                        <p:attrNameLst>
-                                          <p:attrName>style.visibility</p:attrName>
-                                        </p:attrNameLst>
-                                      </p:cBhvr>
-                                      <p:to>
-                                        <p:strVal val="visible"/>
-                                      </p:to>
-                                    </p:set>
-                                  </p:childTnLst>
-                                </p:cTn>
-                              </p:par>
-                              <p:par>
-                                <p:cTn id="15" presetID="1" presetClass="entr" presetSubtype="0" fill="hold" grpId="0" nodeType="withEffect">
-                                  <p:stCondLst>
-                                    <p:cond delay="0"/>
-                                  </p:stCondLst>
-                                  <p:childTnLst>
-                                    <p:set>
-                                      <p:cBhvr>
-                                        <p:cTn id="16" dur="1" fill="hold">
-                                          <p:stCondLst>
-                                            <p:cond delay="0"/>
-                                          </p:stCondLst>
-                                        </p:cTn>
-                                        <p:tgtEl>
-                                          <p:spTgt spid="3">
-                                            <p:txEl>
-                                              <p:pRg st="4" end="4"/>
-                                            </p:txEl>
-                                          </p:spTgt>
-                                        </p:tgtEl>
-                                        <p:attrNameLst>
-                                          <p:attrName>style.visibility</p:attrName>
-                                        </p:attrNameLst>
-                                      </p:cBhvr>
-                                      <p:to>
-                                        <p:strVal val="visible"/>
-                                      </p:to>
-                                    </p:set>
-                                  </p:childTnLst>
-                                </p:cTn>
-                              </p:par>
-                            </p:childTnLst>
-                          </p:cTn>
-                        </p:par>
-                      </p:childTnLst>
-                    </p:cTn>
-                  </p:par>
-                  <p:par>
-                    <p:cTn id="17" fill="hold">
-                      <p:stCondLst>
-                        <p:cond delay="indefinite"/>
-                      </p:stCondLst>
-                      <p:childTnLst>
-                        <p:par>
-                          <p:cTn id="18" fill="hold">
-                            <p:stCondLst>
-                              <p:cond delay="0"/>
-                            </p:stCondLst>
-                            <p:childTnLst>
-                              <p:par>
-                                <p:cTn id="19" presetID="1" presetClass="entr" presetSubtype="0" fill="hold" grpId="0" nodeType="clickEffect">
-                                  <p:stCondLst>
-                                    <p:cond delay="0"/>
-                                  </p:stCondLst>
-                                  <p:childTnLst>
-                                    <p:set>
-                                      <p:cBhvr>
-                                        <p:cTn id="20" dur="1" fill="hold">
-                                          <p:stCondLst>
-                                            <p:cond delay="0"/>
-                                          </p:stCondLst>
-                                        </p:cTn>
-                                        <p:tgtEl>
-                                          <p:spTgt spid="3">
-                                            <p:txEl>
-                                              <p:pRg st="5" end="5"/>
-                                            </p:txEl>
-                                          </p:spTgt>
-                                        </p:tgtEl>
-                                        <p:attrNameLst>
-                                          <p:attrName>style.visibility</p:attrName>
-                                        </p:attrNameLst>
-                                      </p:cBhvr>
-                                      <p:to>
-                                        <p:strVal val="visible"/>
-                                      </p:to>
-                                    </p:set>
-                                  </p:childTnLst>
-                                </p:cTn>
-                              </p:par>
-                              <p:par>
-                                <p:cTn id="21" presetID="1" presetClass="entr" presetSubtype="0" fill="hold" grpId="0" nodeType="withEffect">
-                                  <p:stCondLst>
-                                    <p:cond delay="0"/>
-                                  </p:stCondLst>
-                                  <p:childTnLst>
-                                    <p:set>
-                                      <p:cBhvr>
-                                        <p:cTn id="22" dur="1" fill="hold">
-                                          <p:stCondLst>
-                                            <p:cond delay="0"/>
-                                          </p:stCondLst>
-                                        </p:cTn>
-                                        <p:tgtEl>
-                                          <p:spTgt spid="3">
-                                            <p:txEl>
-                                              <p:pRg st="6" end="6"/>
-                                            </p:txEl>
-                                          </p:spTgt>
-                                        </p:tgtEl>
-                                        <p:attrNameLst>
-                                          <p:attrName>style.visibility</p:attrName>
-                                        </p:attrNameLst>
-                                      </p:cBhvr>
-                                      <p:to>
-                                        <p:strVal val="visible"/>
-                                      </p:to>
-                                    </p:set>
-                                  </p:childTnLst>
-                                </p:cTn>
-                              </p:par>
-                              <p:par>
-                                <p:cTn id="23" presetID="1" presetClass="entr" presetSubtype="0" fill="hold" grpId="0" nodeType="withEffect">
-                                  <p:stCondLst>
-                                    <p:cond delay="0"/>
-                                  </p:stCondLst>
-                                  <p:childTnLst>
-                                    <p:set>
-                                      <p:cBhvr>
-                                        <p:cTn id="24" dur="1" fill="hold">
-                                          <p:stCondLst>
-                                            <p:cond delay="0"/>
-                                          </p:stCondLst>
-                                        </p:cTn>
-                                        <p:tgtEl>
-                                          <p:spTgt spid="3">
-                                            <p:txEl>
-                                              <p:pRg st="7" end="7"/>
-                                            </p:txEl>
-                                          </p:spTgt>
-                                        </p:tgtEl>
-                                        <p:attrNameLst>
-                                          <p:attrName>style.visibility</p:attrName>
-                                        </p:attrNameLst>
-                                      </p:cBhvr>
-                                      <p:to>
-                                        <p:strVal val="visible"/>
-                                      </p:to>
-                                    </p:set>
-                                  </p:childTnLst>
-                                </p:cTn>
-                              </p:par>
-                              <p:par>
-                                <p:cTn id="25" presetID="1" presetClass="entr" presetSubtype="0" fill="hold" grpId="0" nodeType="withEffect">
-                                  <p:stCondLst>
-                                    <p:cond delay="0"/>
-                                  </p:stCondLst>
-                                  <p:childTnLst>
-                                    <p:set>
-                                      <p:cBhvr>
-                                        <p:cTn id="26" dur="1" fill="hold">
-                                          <p:stCondLst>
-                                            <p:cond delay="0"/>
-                                          </p:stCondLst>
-                                        </p:cTn>
-                                        <p:tgtEl>
-                                          <p:spTgt spid="3">
-                                            <p:txEl>
-                                              <p:pRg st="8" end="8"/>
-                                            </p:txEl>
-                                          </p:spTgt>
-                                        </p:tgtEl>
-                                        <p:attrNameLst>
-                                          <p:attrName>style.visibility</p:attrName>
-                                        </p:attrNameLst>
-                                      </p:cBhvr>
-                                      <p:to>
-                                        <p:strVal val="visible"/>
-                                      </p:to>
-                                    </p:set>
-                                  </p:childTnLst>
-                                </p:cTn>
-                              </p:par>
-                              <p:par>
-                                <p:cTn id="27" presetID="1" presetClass="entr" presetSubtype="0" fill="hold" grpId="0" nodeType="withEffect">
-                                  <p:stCondLst>
-                                    <p:cond delay="0"/>
-                                  </p:stCondLst>
-                                  <p:childTnLst>
-                                    <p:set>
-                                      <p:cBhvr>
-                                        <p:cTn id="28" dur="1" fill="hold">
-                                          <p:stCondLst>
-                                            <p:cond delay="0"/>
-                                          </p:stCondLst>
-                                        </p:cTn>
-                                        <p:tgtEl>
-                                          <p:spTgt spid="3">
-                                            <p:txEl>
-                                              <p:pRg st="9" end="9"/>
-                                            </p:txEl>
-                                          </p:spTgt>
-                                        </p:tgtEl>
-                                        <p:attrNameLst>
-                                          <p:attrName>style.visibility</p:attrName>
-                                        </p:attrNameLst>
-                                      </p:cBhvr>
-                                      <p:to>
-                                        <p:strVal val="visible"/>
-                                      </p:to>
-                                    </p:set>
-                                  </p:childTnLst>
-                                </p:cTn>
-                              </p:par>
-                            </p:childTnLst>
-                          </p:cTn>
-                        </p:par>
-                      </p:childTnLst>
-                    </p:cTn>
-                  </p:par>
-                  <p:par>
-                    <p:cTn id="29" fill="hold">
-                      <p:stCondLst>
-                        <p:cond delay="indefinite"/>
-                      </p:stCondLst>
-                      <p:childTnLst>
-                        <p:par>
-                          <p:cTn id="30" fill="hold">
-                            <p:stCondLst>
-                              <p:cond delay="0"/>
-                            </p:stCondLst>
-                            <p:childTnLst>
-                              <p:par>
-                                <p:cTn id="31" presetID="1" presetClass="entr" presetSubtype="0" fill="hold" grpId="0" nodeType="clickEffect">
-                                  <p:stCondLst>
-                                    <p:cond delay="0"/>
-                                  </p:stCondLst>
-                                  <p:childTnLst>
-                                    <p:set>
-                                      <p:cBhvr>
-                                        <p:cTn id="32" dur="1" fill="hold">
-                                          <p:stCondLst>
-                                            <p:cond delay="0"/>
-                                          </p:stCondLst>
-                                        </p:cTn>
-                                        <p:tgtEl>
-                                          <p:spTgt spid="3">
-                                            <p:txEl>
-                                              <p:pRg st="10" end="10"/>
-                                            </p:txEl>
-                                          </p:spTgt>
-                                        </p:tgtEl>
-                                        <p:attrNameLst>
-                                          <p:attrName>style.visibility</p:attrName>
-                                        </p:attrNameLst>
-                                      </p:cBhvr>
-                                      <p:to>
-                                        <p:strVal val="visible"/>
-                                      </p:to>
-                                    </p:set>
-                                  </p:childTnLst>
-                                </p:cTn>
-                              </p:par>
-                            </p:childTnLst>
-                          </p:cTn>
-                        </p:par>
-                      </p:childTnLst>
-                    </p:cTn>
-                  </p:par>
-                </p:childTnLst>
-              </p:cTn>
-              <p:prevCondLst>
-                <p:cond evt="onPrev" delay="0">
-                  <p:tgtEl>
-                    <p:sldTgt/>
-                  </p:tgtEl>
-                </p:cond>
-              </p:prevCondLst>
-              <p:nextCondLst>
-                <p:cond evt="onNext" delay="0">
-                  <p:tgtEl>
-                    <p:sldTgt/>
-                  </p:tgtEl>
-                </p:cond>
-              </p:nextCondLst>
-            </p:seq>
-          </p:childTnLst>
-        </p:cTn>
-      </p:par>
-    </p:tnLst>
-    <p:bldLst>
-      <p:bldP spid="3" grpId="0" uiExpand="1" build="p"/>
     </p:bldLst>
   </p:timing>
 </p:sld>
@@ -8575,6 +12396,21 @@
 </file>
 
 <file path=customXml/item1.xml><?xml version="1.0" encoding="utf-8"?>
+<?mso-contentType ?>
+<FormTemplates xmlns="http://schemas.microsoft.com/sharepoint/v3/contenttype/forms">
+  <Display>DocumentLibraryForm</Display>
+  <Edit>DocumentLibraryForm</Edit>
+  <New>DocumentLibraryForm</New>
+</FormTemplates>
+</file>
+
+<file path=customXml/item2.xml><?xml version="1.0" encoding="utf-8"?>
+<p:properties xmlns:p="http://schemas.microsoft.com/office/2006/metadata/properties" xmlns:xsi="http://www.w3.org/2001/XMLSchema-instance" xmlns:pc="http://schemas.microsoft.com/office/infopath/2007/PartnerControls">
+  <documentManagement/>
+</p:properties>
+</file>
+
+<file path=customXml/item3.xml><?xml version="1.0" encoding="utf-8"?>
 <ct:contentTypeSchema xmlns:ct="http://schemas.microsoft.com/office/2006/metadata/contentType" xmlns:ma="http://schemas.microsoft.com/office/2006/metadata/properties/metaAttributes" ct:_="" ma:_="" ma:contentTypeName="Document" ma:contentTypeID="0x010100A06DF21F5BB2734A800ED30F3F452129" ma:contentTypeVersion="12" ma:contentTypeDescription="Create a new document." ma:contentTypeScope="" ma:versionID="544d96a5fbac5de9d5d902b535c73fb2">
   <xsd:schema xmlns:xsd="http://www.w3.org/2001/XMLSchema" xmlns:xs="http://www.w3.org/2001/XMLSchema" xmlns:p="http://schemas.microsoft.com/office/2006/metadata/properties" xmlns:ns3="90d05cb5-950f-4f68-bc2c-e17794455b92" xmlns:ns4="b4eab9fa-dbb0-4082-8491-8bd54207a265" targetNamespace="http://schemas.microsoft.com/office/2006/metadata/properties" ma:root="true" ma:fieldsID="7a710efc71c2169bf9c05e5a40dddf12" ns3:_="" ns4:_="">
     <xsd:import namespace="90d05cb5-950f-4f68-bc2c-e17794455b92"/>
@@ -8791,36 +12627,10 @@
 </ct:contentTypeSchema>
 </file>
 
-<file path=customXml/item2.xml><?xml version="1.0" encoding="utf-8"?>
-<p:properties xmlns:p="http://schemas.microsoft.com/office/2006/metadata/properties" xmlns:xsi="http://www.w3.org/2001/XMLSchema-instance" xmlns:pc="http://schemas.microsoft.com/office/infopath/2007/PartnerControls">
-  <documentManagement/>
-</p:properties>
-</file>
-
-<file path=customXml/item3.xml><?xml version="1.0" encoding="utf-8"?>
-<?mso-contentType ?>
-<FormTemplates xmlns="http://schemas.microsoft.com/sharepoint/v3/contenttype/forms">
-  <Display>DocumentLibraryForm</Display>
-  <Edit>DocumentLibraryForm</Edit>
-  <New>DocumentLibraryForm</New>
-</FormTemplates>
-</file>
-
 <file path=customXml/itemProps1.xml><?xml version="1.0" encoding="utf-8"?>
-<ds:datastoreItem xmlns:ds="http://schemas.openxmlformats.org/officeDocument/2006/customXml" ds:itemID="{A43B8A4B-79FE-4529-931C-D64224FA70E3}">
+<ds:datastoreItem xmlns:ds="http://schemas.openxmlformats.org/officeDocument/2006/customXml" ds:itemID="{F5CF5F32-56DC-4068-8B04-457CF34A96F3}">
   <ds:schemaRefs>
-    <ds:schemaRef ds:uri="http://schemas.microsoft.com/office/2006/metadata/contentType"/>
-    <ds:schemaRef ds:uri="http://schemas.microsoft.com/office/2006/metadata/properties/metaAttributes"/>
-    <ds:schemaRef ds:uri="http://www.w3.org/2001/XMLSchema"/>
-    <ds:schemaRef ds:uri="http://schemas.microsoft.com/office/2006/metadata/properties"/>
-    <ds:schemaRef ds:uri="90d05cb5-950f-4f68-bc2c-e17794455b92"/>
-    <ds:schemaRef ds:uri="b4eab9fa-dbb0-4082-8491-8bd54207a265"/>
-    <ds:schemaRef ds:uri="http://schemas.microsoft.com/office/2006/documentManagement/types"/>
-    <ds:schemaRef ds:uri="http://schemas.microsoft.com/office/infopath/2007/PartnerControls"/>
-    <ds:schemaRef ds:uri="http://schemas.openxmlformats.org/package/2006/metadata/core-properties"/>
-    <ds:schemaRef ds:uri="http://purl.org/dc/elements/1.1/"/>
-    <ds:schemaRef ds:uri="http://purl.org/dc/terms/"/>
-    <ds:schemaRef ds:uri="http://schemas.microsoft.com/internal/obd"/>
+    <ds:schemaRef ds:uri="http://schemas.microsoft.com/sharepoint/v3/contenttype/forms"/>
   </ds:schemaRefs>
 </ds:datastoreItem>
 </file>
@@ -8843,9 +12653,20 @@
 </file>
 
 <file path=customXml/itemProps3.xml><?xml version="1.0" encoding="utf-8"?>
-<ds:datastoreItem xmlns:ds="http://schemas.openxmlformats.org/officeDocument/2006/customXml" ds:itemID="{F5CF5F32-56DC-4068-8B04-457CF34A96F3}">
+<ds:datastoreItem xmlns:ds="http://schemas.openxmlformats.org/officeDocument/2006/customXml" ds:itemID="{A43B8A4B-79FE-4529-931C-D64224FA70E3}">
   <ds:schemaRefs>
-    <ds:schemaRef ds:uri="http://schemas.microsoft.com/sharepoint/v3/contenttype/forms"/>
+    <ds:schemaRef ds:uri="http://schemas.microsoft.com/office/2006/metadata/contentType"/>
+    <ds:schemaRef ds:uri="http://schemas.microsoft.com/office/2006/metadata/properties/metaAttributes"/>
+    <ds:schemaRef ds:uri="http://www.w3.org/2001/XMLSchema"/>
+    <ds:schemaRef ds:uri="http://schemas.microsoft.com/office/2006/metadata/properties"/>
+    <ds:schemaRef ds:uri="90d05cb5-950f-4f68-bc2c-e17794455b92"/>
+    <ds:schemaRef ds:uri="b4eab9fa-dbb0-4082-8491-8bd54207a265"/>
+    <ds:schemaRef ds:uri="http://schemas.microsoft.com/office/2006/documentManagement/types"/>
+    <ds:schemaRef ds:uri="http://schemas.microsoft.com/office/infopath/2007/PartnerControls"/>
+    <ds:schemaRef ds:uri="http://schemas.openxmlformats.org/package/2006/metadata/core-properties"/>
+    <ds:schemaRef ds:uri="http://purl.org/dc/elements/1.1/"/>
+    <ds:schemaRef ds:uri="http://purl.org/dc/terms/"/>
+    <ds:schemaRef ds:uri="http://schemas.microsoft.com/internal/obd"/>
   </ds:schemaRefs>
 </ds:datastoreItem>
 </file>
--- a/Lecture Slides/VideoLectureSlides/15.4.pptx
+++ b/Lecture Slides/VideoLectureSlides/15.4.pptx
@@ -234,7 +234,7 @@
           <a:p>
             <a:fld id="{1AA1AB63-216F-4D5B-8811-CCB935E98D4A}" type="datetimeFigureOut">
               <a:rPr lang="en-US" smtClean="0"/>
-              <a:t>8/4/2023</a:t>
+              <a:t>8/31/2023</a:t>
             </a:fld>
             <a:endParaRPr lang="en-US" dirty="0"/>
           </a:p>
@@ -3785,8 +3785,8 @@
           </a:p>
         </p:txBody>
       </p:sp>
-      <mc:AlternateContent xmlns:mc="http://schemas.openxmlformats.org/markup-compatibility/2006">
-        <mc:Choice xmlns:a14="http://schemas.microsoft.com/office/drawing/2010/main" Requires="a14">
+      <mc:AlternateContent xmlns:mc="http://schemas.openxmlformats.org/markup-compatibility/2006" xmlns:a14="http://schemas.microsoft.com/office/drawing/2010/main">
+        <mc:Choice Requires="a14">
           <p:sp>
             <p:nvSpPr>
               <p:cNvPr id="3" name="Content Placeholder 2">
@@ -4127,7 +4127,7 @@
             </p:txBody>
           </p:sp>
         </mc:Choice>
-        <mc:Fallback>
+        <mc:Fallback xmlns="">
           <p:sp>
             <p:nvSpPr>
               <p:cNvPr id="3" name="Content Placeholder 2">
@@ -7319,8 +7319,8 @@
           </a:p>
         </p:txBody>
       </p:sp>
-      <mc:AlternateContent xmlns:mc="http://schemas.openxmlformats.org/markup-compatibility/2006">
-        <mc:Choice xmlns:a14="http://schemas.microsoft.com/office/drawing/2010/main" Requires="a14">
+      <mc:AlternateContent xmlns:mc="http://schemas.openxmlformats.org/markup-compatibility/2006" xmlns:a14="http://schemas.microsoft.com/office/drawing/2010/main">
+        <mc:Choice Requires="a14">
           <p:sp>
             <p:nvSpPr>
               <p:cNvPr id="23" name="Content Placeholder 2">
@@ -8004,7 +8004,7 @@
             </p:txBody>
           </p:sp>
         </mc:Choice>
-        <mc:Fallback>
+        <mc:Fallback xmlns="">
           <p:sp>
             <p:nvSpPr>
               <p:cNvPr id="23" name="Content Placeholder 2">
@@ -8921,8 +8921,8 @@
           </a:p>
         </p:txBody>
       </p:sp>
-      <mc:AlternateContent xmlns:mc="http://schemas.openxmlformats.org/markup-compatibility/2006">
-        <mc:Choice xmlns:a14="http://schemas.microsoft.com/office/drawing/2010/main" Requires="a14">
+      <mc:AlternateContent xmlns:mc="http://schemas.openxmlformats.org/markup-compatibility/2006" xmlns:a14="http://schemas.microsoft.com/office/drawing/2010/main">
+        <mc:Choice Requires="a14">
           <p:sp>
             <p:nvSpPr>
               <p:cNvPr id="3" name="Content Placeholder 2">
@@ -9304,13 +9304,7 @@
                             <a:rPr lang="en-US" i="1">
                               <a:latin typeface="Cambria Math" panose="02040503050406030204" pitchFamily="18" charset="0"/>
                             </a:rPr>
-                            <m:t>𝐴</m:t>
-                          </m:r>
-                          <m:r>
-                            <a:rPr lang="en-US" i="1">
-                              <a:latin typeface="Cambria Math" panose="02040503050406030204" pitchFamily="18" charset="0"/>
-                            </a:rPr>
-                            <m:t>𝑖</m:t>
+                            <m:t>𝐴𝑖</m:t>
                           </m:r>
                           <m:r>
                             <a:rPr lang="en-US" b="0" i="1" smtClean="0">
@@ -9372,13 +9366,7 @@
                             <a:rPr lang="en-US" i="1">
                               <a:latin typeface="Cambria Math" panose="02040503050406030204" pitchFamily="18" charset="0"/>
                             </a:rPr>
-                            <m:t>𝐵</m:t>
-                          </m:r>
-                          <m:r>
-                            <a:rPr lang="en-US" i="1">
-                              <a:latin typeface="Cambria Math" panose="02040503050406030204" pitchFamily="18" charset="0"/>
-                            </a:rPr>
-                            <m:t>𝑖</m:t>
+                            <m:t>𝐵𝑖</m:t>
                           </m:r>
                           <m:r>
                             <a:rPr lang="en-US" b="0" i="1" smtClean="0">
@@ -9440,13 +9428,7 @@
                             <a:rPr lang="en-US" i="1">
                               <a:latin typeface="Cambria Math" panose="02040503050406030204" pitchFamily="18" charset="0"/>
                             </a:rPr>
-                            <m:t>𝐴</m:t>
-                          </m:r>
-                          <m:r>
-                            <a:rPr lang="en-US" i="1">
-                              <a:latin typeface="Cambria Math" panose="02040503050406030204" pitchFamily="18" charset="0"/>
-                            </a:rPr>
-                            <m:t>𝑓</m:t>
+                            <m:t>𝐴𝑓</m:t>
                           </m:r>
                           <m:r>
                             <a:rPr lang="en-US" b="0" i="1" smtClean="0">
@@ -9508,13 +9490,7 @@
                             <a:rPr lang="en-US" i="1">
                               <a:latin typeface="Cambria Math" panose="02040503050406030204" pitchFamily="18" charset="0"/>
                             </a:rPr>
-                            <m:t>𝐵</m:t>
-                          </m:r>
-                          <m:r>
-                            <a:rPr lang="en-US" i="1">
-                              <a:latin typeface="Cambria Math" panose="02040503050406030204" pitchFamily="18" charset="0"/>
-                            </a:rPr>
-                            <m:t>𝑓</m:t>
+                            <m:t>𝐵𝑓</m:t>
                           </m:r>
                           <m:r>
                             <a:rPr lang="en-US" b="0" i="1" smtClean="0">
@@ -9704,7 +9680,7 @@
             </p:txBody>
           </p:sp>
         </mc:Choice>
-        <mc:Fallback>
+        <mc:Fallback xmlns="">
           <p:sp>
             <p:nvSpPr>
               <p:cNvPr id="3" name="Content Placeholder 2">
@@ -10115,8 +10091,8 @@
           </a:p>
         </p:txBody>
       </p:sp>
-      <mc:AlternateContent xmlns:mc="http://schemas.openxmlformats.org/markup-compatibility/2006">
-        <mc:Choice xmlns:a14="http://schemas.microsoft.com/office/drawing/2010/main" Requires="a14">
+      <mc:AlternateContent xmlns:mc="http://schemas.openxmlformats.org/markup-compatibility/2006" xmlns:a14="http://schemas.microsoft.com/office/drawing/2010/main">
+        <mc:Choice Requires="a14">
           <p:sp>
             <p:nvSpPr>
               <p:cNvPr id="3" name="Content Placeholder 2">
@@ -11510,7 +11486,7 @@
             </p:txBody>
           </p:sp>
         </mc:Choice>
-        <mc:Fallback>
+        <mc:Fallback xmlns="">
           <p:sp>
             <p:nvSpPr>
               <p:cNvPr id="3" name="Content Placeholder 2">
@@ -12396,21 +12372,6 @@
 </file>
 
 <file path=customXml/item1.xml><?xml version="1.0" encoding="utf-8"?>
-<?mso-contentType ?>
-<FormTemplates xmlns="http://schemas.microsoft.com/sharepoint/v3/contenttype/forms">
-  <Display>DocumentLibraryForm</Display>
-  <Edit>DocumentLibraryForm</Edit>
-  <New>DocumentLibraryForm</New>
-</FormTemplates>
-</file>
-
-<file path=customXml/item2.xml><?xml version="1.0" encoding="utf-8"?>
-<p:properties xmlns:p="http://schemas.microsoft.com/office/2006/metadata/properties" xmlns:xsi="http://www.w3.org/2001/XMLSchema-instance" xmlns:pc="http://schemas.microsoft.com/office/infopath/2007/PartnerControls">
-  <documentManagement/>
-</p:properties>
-</file>
-
-<file path=customXml/item3.xml><?xml version="1.0" encoding="utf-8"?>
 <ct:contentTypeSchema xmlns:ct="http://schemas.microsoft.com/office/2006/metadata/contentType" xmlns:ma="http://schemas.microsoft.com/office/2006/metadata/properties/metaAttributes" ct:_="" ma:_="" ma:contentTypeName="Document" ma:contentTypeID="0x010100A06DF21F5BB2734A800ED30F3F452129" ma:contentTypeVersion="12" ma:contentTypeDescription="Create a new document." ma:contentTypeScope="" ma:versionID="544d96a5fbac5de9d5d902b535c73fb2">
   <xsd:schema xmlns:xsd="http://www.w3.org/2001/XMLSchema" xmlns:xs="http://www.w3.org/2001/XMLSchema" xmlns:p="http://schemas.microsoft.com/office/2006/metadata/properties" xmlns:ns3="90d05cb5-950f-4f68-bc2c-e17794455b92" xmlns:ns4="b4eab9fa-dbb0-4082-8491-8bd54207a265" targetNamespace="http://schemas.microsoft.com/office/2006/metadata/properties" ma:root="true" ma:fieldsID="7a710efc71c2169bf9c05e5a40dddf12" ns3:_="" ns4:_="">
     <xsd:import namespace="90d05cb5-950f-4f68-bc2c-e17794455b92"/>
@@ -12627,10 +12588,36 @@
 </ct:contentTypeSchema>
 </file>
 
+<file path=customXml/item2.xml><?xml version="1.0" encoding="utf-8"?>
+<p:properties xmlns:p="http://schemas.microsoft.com/office/2006/metadata/properties" xmlns:xsi="http://www.w3.org/2001/XMLSchema-instance" xmlns:pc="http://schemas.microsoft.com/office/infopath/2007/PartnerControls">
+  <documentManagement/>
+</p:properties>
+</file>
+
+<file path=customXml/item3.xml><?xml version="1.0" encoding="utf-8"?>
+<?mso-contentType ?>
+<FormTemplates xmlns="http://schemas.microsoft.com/sharepoint/v3/contenttype/forms">
+  <Display>DocumentLibraryForm</Display>
+  <Edit>DocumentLibraryForm</Edit>
+  <New>DocumentLibraryForm</New>
+</FormTemplates>
+</file>
+
 <file path=customXml/itemProps1.xml><?xml version="1.0" encoding="utf-8"?>
-<ds:datastoreItem xmlns:ds="http://schemas.openxmlformats.org/officeDocument/2006/customXml" ds:itemID="{F5CF5F32-56DC-4068-8B04-457CF34A96F3}">
+<ds:datastoreItem xmlns:ds="http://schemas.openxmlformats.org/officeDocument/2006/customXml" ds:itemID="{A43B8A4B-79FE-4529-931C-D64224FA70E3}">
   <ds:schemaRefs>
-    <ds:schemaRef ds:uri="http://schemas.microsoft.com/sharepoint/v3/contenttype/forms"/>
+    <ds:schemaRef ds:uri="http://schemas.microsoft.com/office/2006/metadata/contentType"/>
+    <ds:schemaRef ds:uri="http://schemas.microsoft.com/office/2006/metadata/properties/metaAttributes"/>
+    <ds:schemaRef ds:uri="http://www.w3.org/2001/XMLSchema"/>
+    <ds:schemaRef ds:uri="http://schemas.microsoft.com/office/2006/metadata/properties"/>
+    <ds:schemaRef ds:uri="90d05cb5-950f-4f68-bc2c-e17794455b92"/>
+    <ds:schemaRef ds:uri="b4eab9fa-dbb0-4082-8491-8bd54207a265"/>
+    <ds:schemaRef ds:uri="http://schemas.microsoft.com/office/2006/documentManagement/types"/>
+    <ds:schemaRef ds:uri="http://schemas.microsoft.com/office/infopath/2007/PartnerControls"/>
+    <ds:schemaRef ds:uri="http://schemas.openxmlformats.org/package/2006/metadata/core-properties"/>
+    <ds:schemaRef ds:uri="http://purl.org/dc/elements/1.1/"/>
+    <ds:schemaRef ds:uri="http://purl.org/dc/terms/"/>
+    <ds:schemaRef ds:uri="http://schemas.microsoft.com/internal/obd"/>
   </ds:schemaRefs>
 </ds:datastoreItem>
 </file>
@@ -12653,20 +12640,9 @@
 </file>
 
 <file path=customXml/itemProps3.xml><?xml version="1.0" encoding="utf-8"?>
-<ds:datastoreItem xmlns:ds="http://schemas.openxmlformats.org/officeDocument/2006/customXml" ds:itemID="{A43B8A4B-79FE-4529-931C-D64224FA70E3}">
+<ds:datastoreItem xmlns:ds="http://schemas.openxmlformats.org/officeDocument/2006/customXml" ds:itemID="{F5CF5F32-56DC-4068-8B04-457CF34A96F3}">
   <ds:schemaRefs>
-    <ds:schemaRef ds:uri="http://schemas.microsoft.com/office/2006/metadata/contentType"/>
-    <ds:schemaRef ds:uri="http://schemas.microsoft.com/office/2006/metadata/properties/metaAttributes"/>
-    <ds:schemaRef ds:uri="http://www.w3.org/2001/XMLSchema"/>
-    <ds:schemaRef ds:uri="http://schemas.microsoft.com/office/2006/metadata/properties"/>
-    <ds:schemaRef ds:uri="90d05cb5-950f-4f68-bc2c-e17794455b92"/>
-    <ds:schemaRef ds:uri="b4eab9fa-dbb0-4082-8491-8bd54207a265"/>
-    <ds:schemaRef ds:uri="http://schemas.microsoft.com/office/2006/documentManagement/types"/>
-    <ds:schemaRef ds:uri="http://schemas.microsoft.com/office/infopath/2007/PartnerControls"/>
-    <ds:schemaRef ds:uri="http://schemas.openxmlformats.org/package/2006/metadata/core-properties"/>
-    <ds:schemaRef ds:uri="http://purl.org/dc/elements/1.1/"/>
-    <ds:schemaRef ds:uri="http://purl.org/dc/terms/"/>
-    <ds:schemaRef ds:uri="http://schemas.microsoft.com/internal/obd"/>
+    <ds:schemaRef ds:uri="http://schemas.microsoft.com/sharepoint/v3/contenttype/forms"/>
   </ds:schemaRefs>
 </ds:datastoreItem>
 </file>